--- a/core/Regesters Diagram.pptx
+++ b/core/Regesters Diagram.pptx
@@ -7,6 +7,7 @@
   <p:sldIdLst>
     <p:sldId id="256" r:id="rId2"/>
     <p:sldId id="257" r:id="rId3"/>
+    <p:sldId id="258" r:id="rId4"/>
   </p:sldIdLst>
   <p:sldSz cx="9144000" cy="6858000" type="screen4x3"/>
   <p:notesSz cx="6858000" cy="9144000"/>
@@ -4937,6 +4938,69 @@
 </p:sld>
 </file>
 
+<file path=ppt/slides/slide3.xml><?xml version="1.0" encoding="utf-8"?>
+<p:sld xmlns:a="http://schemas.openxmlformats.org/drawingml/2006/main" xmlns:r="http://schemas.openxmlformats.org/officeDocument/2006/relationships" xmlns:p="http://schemas.openxmlformats.org/presentationml/2006/main">
+  <p:cSld>
+    <p:spTree>
+      <p:nvGrpSpPr>
+        <p:cNvPr id="1" name=""/>
+        <p:cNvGrpSpPr/>
+        <p:nvPr/>
+      </p:nvGrpSpPr>
+      <p:grpSpPr>
+        <a:xfrm>
+          <a:off x="0" y="0"/>
+          <a:ext cx="0" cy="0"/>
+          <a:chOff x="0" y="0"/>
+          <a:chExt cx="0" cy="0"/>
+        </a:xfrm>
+      </p:grpSpPr>
+      <p:sp>
+        <p:nvSpPr>
+          <p:cNvPr id="2" name="Title 1"/>
+          <p:cNvSpPr>
+            <a:spLocks noGrp="1"/>
+          </p:cNvSpPr>
+          <p:nvPr>
+            <p:ph type="title"/>
+          </p:nvPr>
+        </p:nvSpPr>
+        <p:spPr/>
+        <p:txBody>
+          <a:bodyPr/>
+          <a:lstStyle/>
+          <a:p>
+            <a:endParaRPr lang="he-IL"/>
+          </a:p>
+        </p:txBody>
+      </p:sp>
+      <p:sp>
+        <p:nvSpPr>
+          <p:cNvPr id="3" name="Content Placeholder 2"/>
+          <p:cNvSpPr>
+            <a:spLocks noGrp="1"/>
+          </p:cNvSpPr>
+          <p:nvPr>
+            <p:ph idx="1"/>
+          </p:nvPr>
+        </p:nvSpPr>
+        <p:spPr/>
+        <p:txBody>
+          <a:bodyPr/>
+          <a:lstStyle/>
+          <a:p>
+            <a:endParaRPr lang="he-IL"/>
+          </a:p>
+        </p:txBody>
+      </p:sp>
+    </p:spTree>
+  </p:cSld>
+  <p:clrMapOvr>
+    <a:masterClrMapping/>
+  </p:clrMapOvr>
+</p:sld>
+</file>
+
 <file path=ppt/theme/theme1.xml><?xml version="1.0" encoding="utf-8"?>
 <a:theme xmlns:a="http://schemas.openxmlformats.org/drawingml/2006/main" name="Office Theme">
   <a:themeElements>

--- a/core/Regesters Diagram.pptx
+++ b/core/Regesters Diagram.pptx
@@ -290,7 +290,8 @@
           <a:p>
             <a:fld id="{30DAF76B-3D33-4835-836A-6F4282D25A44}" type="datetimeFigureOut">
               <a:rPr lang="he-IL" smtClean="0"/>
-              <a:t>ל'/אב/תשע"ב</a:t>
+              <a:pPr/>
+              <a:t>א'/אלול/תשע"ב</a:t>
             </a:fld>
             <a:endParaRPr lang="he-IL"/>
           </a:p>
@@ -332,6 +333,7 @@
           <a:p>
             <a:fld id="{E75C461F-2FA8-47BD-930E-BDF2A772FACF}" type="slidenum">
               <a:rPr lang="he-IL" smtClean="0"/>
+              <a:pPr/>
               <a:t>‹#›</a:t>
             </a:fld>
             <a:endParaRPr lang="he-IL"/>
@@ -455,7 +457,8 @@
           <a:p>
             <a:fld id="{30DAF76B-3D33-4835-836A-6F4282D25A44}" type="datetimeFigureOut">
               <a:rPr lang="he-IL" smtClean="0"/>
-              <a:t>ל'/אב/תשע"ב</a:t>
+              <a:pPr/>
+              <a:t>א'/אלול/תשע"ב</a:t>
             </a:fld>
             <a:endParaRPr lang="he-IL"/>
           </a:p>
@@ -497,6 +500,7 @@
           <a:p>
             <a:fld id="{E75C461F-2FA8-47BD-930E-BDF2A772FACF}" type="slidenum">
               <a:rPr lang="he-IL" smtClean="0"/>
+              <a:pPr/>
               <a:t>‹#›</a:t>
             </a:fld>
             <a:endParaRPr lang="he-IL"/>
@@ -630,7 +634,8 @@
           <a:p>
             <a:fld id="{30DAF76B-3D33-4835-836A-6F4282D25A44}" type="datetimeFigureOut">
               <a:rPr lang="he-IL" smtClean="0"/>
-              <a:t>ל'/אב/תשע"ב</a:t>
+              <a:pPr/>
+              <a:t>א'/אלול/תשע"ב</a:t>
             </a:fld>
             <a:endParaRPr lang="he-IL"/>
           </a:p>
@@ -672,6 +677,7 @@
           <a:p>
             <a:fld id="{E75C461F-2FA8-47BD-930E-BDF2A772FACF}" type="slidenum">
               <a:rPr lang="he-IL" smtClean="0"/>
+              <a:pPr/>
               <a:t>‹#›</a:t>
             </a:fld>
             <a:endParaRPr lang="he-IL"/>
@@ -795,7 +801,8 @@
           <a:p>
             <a:fld id="{30DAF76B-3D33-4835-836A-6F4282D25A44}" type="datetimeFigureOut">
               <a:rPr lang="he-IL" smtClean="0"/>
-              <a:t>ל'/אב/תשע"ב</a:t>
+              <a:pPr/>
+              <a:t>א'/אלול/תשע"ב</a:t>
             </a:fld>
             <a:endParaRPr lang="he-IL"/>
           </a:p>
@@ -837,6 +844,7 @@
           <a:p>
             <a:fld id="{E75C461F-2FA8-47BD-930E-BDF2A772FACF}" type="slidenum">
               <a:rPr lang="he-IL" smtClean="0"/>
+              <a:pPr/>
               <a:t>‹#›</a:t>
             </a:fld>
             <a:endParaRPr lang="he-IL"/>
@@ -1036,7 +1044,8 @@
           <a:p>
             <a:fld id="{30DAF76B-3D33-4835-836A-6F4282D25A44}" type="datetimeFigureOut">
               <a:rPr lang="he-IL" smtClean="0"/>
-              <a:t>ל'/אב/תשע"ב</a:t>
+              <a:pPr/>
+              <a:t>א'/אלול/תשע"ב</a:t>
             </a:fld>
             <a:endParaRPr lang="he-IL"/>
           </a:p>
@@ -1078,6 +1087,7 @@
           <a:p>
             <a:fld id="{E75C461F-2FA8-47BD-930E-BDF2A772FACF}" type="slidenum">
               <a:rPr lang="he-IL" smtClean="0"/>
+              <a:pPr/>
               <a:t>‹#›</a:t>
             </a:fld>
             <a:endParaRPr lang="he-IL"/>
@@ -1319,7 +1329,8 @@
           <a:p>
             <a:fld id="{30DAF76B-3D33-4835-836A-6F4282D25A44}" type="datetimeFigureOut">
               <a:rPr lang="he-IL" smtClean="0"/>
-              <a:t>ל'/אב/תשע"ב</a:t>
+              <a:pPr/>
+              <a:t>א'/אלול/תשע"ב</a:t>
             </a:fld>
             <a:endParaRPr lang="he-IL"/>
           </a:p>
@@ -1361,6 +1372,7 @@
           <a:p>
             <a:fld id="{E75C461F-2FA8-47BD-930E-BDF2A772FACF}" type="slidenum">
               <a:rPr lang="he-IL" smtClean="0"/>
+              <a:pPr/>
               <a:t>‹#›</a:t>
             </a:fld>
             <a:endParaRPr lang="he-IL"/>
@@ -1736,7 +1748,8 @@
           <a:p>
             <a:fld id="{30DAF76B-3D33-4835-836A-6F4282D25A44}" type="datetimeFigureOut">
               <a:rPr lang="he-IL" smtClean="0"/>
-              <a:t>ל'/אב/תשע"ב</a:t>
+              <a:pPr/>
+              <a:t>א'/אלול/תשע"ב</a:t>
             </a:fld>
             <a:endParaRPr lang="he-IL"/>
           </a:p>
@@ -1778,6 +1791,7 @@
           <a:p>
             <a:fld id="{E75C461F-2FA8-47BD-930E-BDF2A772FACF}" type="slidenum">
               <a:rPr lang="he-IL" smtClean="0"/>
+              <a:pPr/>
               <a:t>‹#›</a:t>
             </a:fld>
             <a:endParaRPr lang="he-IL"/>
@@ -1849,7 +1863,8 @@
           <a:p>
             <a:fld id="{30DAF76B-3D33-4835-836A-6F4282D25A44}" type="datetimeFigureOut">
               <a:rPr lang="he-IL" smtClean="0"/>
-              <a:t>ל'/אב/תשע"ב</a:t>
+              <a:pPr/>
+              <a:t>א'/אלול/תשע"ב</a:t>
             </a:fld>
             <a:endParaRPr lang="he-IL"/>
           </a:p>
@@ -1891,6 +1906,7 @@
           <a:p>
             <a:fld id="{E75C461F-2FA8-47BD-930E-BDF2A772FACF}" type="slidenum">
               <a:rPr lang="he-IL" smtClean="0"/>
+              <a:pPr/>
               <a:t>‹#›</a:t>
             </a:fld>
             <a:endParaRPr lang="he-IL"/>
@@ -1939,7 +1955,8 @@
           <a:p>
             <a:fld id="{30DAF76B-3D33-4835-836A-6F4282D25A44}" type="datetimeFigureOut">
               <a:rPr lang="he-IL" smtClean="0"/>
-              <a:t>ל'/אב/תשע"ב</a:t>
+              <a:pPr/>
+              <a:t>א'/אלול/תשע"ב</a:t>
             </a:fld>
             <a:endParaRPr lang="he-IL"/>
           </a:p>
@@ -1981,6 +1998,7 @@
           <a:p>
             <a:fld id="{E75C461F-2FA8-47BD-930E-BDF2A772FACF}" type="slidenum">
               <a:rPr lang="he-IL" smtClean="0"/>
+              <a:pPr/>
               <a:t>‹#›</a:t>
             </a:fld>
             <a:endParaRPr lang="he-IL"/>
@@ -2211,7 +2229,8 @@
           <a:p>
             <a:fld id="{30DAF76B-3D33-4835-836A-6F4282D25A44}" type="datetimeFigureOut">
               <a:rPr lang="he-IL" smtClean="0"/>
-              <a:t>ל'/אב/תשע"ב</a:t>
+              <a:pPr/>
+              <a:t>א'/אלול/תשע"ב</a:t>
             </a:fld>
             <a:endParaRPr lang="he-IL"/>
           </a:p>
@@ -2253,6 +2272,7 @@
           <a:p>
             <a:fld id="{E75C461F-2FA8-47BD-930E-BDF2A772FACF}" type="slidenum">
               <a:rPr lang="he-IL" smtClean="0"/>
+              <a:pPr/>
               <a:t>‹#›</a:t>
             </a:fld>
             <a:endParaRPr lang="he-IL"/>
@@ -2459,7 +2479,8 @@
           <a:p>
             <a:fld id="{30DAF76B-3D33-4835-836A-6F4282D25A44}" type="datetimeFigureOut">
               <a:rPr lang="he-IL" smtClean="0"/>
-              <a:t>ל'/אב/תשע"ב</a:t>
+              <a:pPr/>
+              <a:t>א'/אלול/תשע"ב</a:t>
             </a:fld>
             <a:endParaRPr lang="he-IL"/>
           </a:p>
@@ -2501,6 +2522,7 @@
           <a:p>
             <a:fld id="{E75C461F-2FA8-47BD-930E-BDF2A772FACF}" type="slidenum">
               <a:rPr lang="he-IL" smtClean="0"/>
+              <a:pPr/>
               <a:t>‹#›</a:t>
             </a:fld>
             <a:endParaRPr lang="he-IL"/>
@@ -2667,7 +2689,8 @@
           <a:p>
             <a:fld id="{30DAF76B-3D33-4835-836A-6F4282D25A44}" type="datetimeFigureOut">
               <a:rPr lang="he-IL" smtClean="0"/>
-              <a:t>ל'/אב/תשע"ב</a:t>
+              <a:pPr/>
+              <a:t>א'/אלול/תשע"ב</a:t>
             </a:fld>
             <a:endParaRPr lang="he-IL"/>
           </a:p>
@@ -2745,6 +2768,7 @@
           <a:p>
             <a:fld id="{E75C461F-2FA8-47BD-930E-BDF2A772FACF}" type="slidenum">
               <a:rPr lang="he-IL" smtClean="0"/>
+              <a:pPr/>
               <a:t>‹#›</a:t>
             </a:fld>
             <a:endParaRPr lang="he-IL"/>
@@ -3054,7 +3078,7 @@
         </p:blipFill>
         <p:spPr bwMode="auto">
           <a:xfrm>
-            <a:off x="2195736" y="836712"/>
+            <a:off x="4429124" y="1785926"/>
             <a:ext cx="1118245" cy="2618895"/>
           </a:xfrm>
           <a:prstGeom prst="rect">
@@ -3071,108 +3095,928 @@
           </a:ln>
         </p:spPr>
       </p:pic>
-      <p:pic>
-        <p:nvPicPr>
-          <p:cNvPr id="10" name="Picture 9"/>
-          <p:cNvPicPr>
-            <a:picLocks noChangeAspect="1" noChangeArrowheads="1"/>
-          </p:cNvPicPr>
-          <p:nvPr/>
-        </p:nvPicPr>
-        <p:blipFill>
-          <a:blip r:embed="rId2" cstate="print"/>
-          <a:srcRect/>
-          <a:stretch>
-            <a:fillRect/>
-          </a:stretch>
-        </p:blipFill>
-        <p:spPr bwMode="auto">
-          <a:xfrm>
-            <a:off x="2348136" y="989112"/>
-            <a:ext cx="1118245" cy="2618895"/>
+      <p:grpSp>
+        <p:nvGrpSpPr>
+          <p:cNvPr id="6" name="קבוצה 5"/>
+          <p:cNvGrpSpPr/>
+          <p:nvPr/>
+        </p:nvGrpSpPr>
+        <p:grpSpPr>
+          <a:xfrm>
+            <a:off x="7072330" y="2285992"/>
+            <a:ext cx="714380" cy="571504"/>
+            <a:chOff x="3214678" y="3143248"/>
+            <a:chExt cx="714380" cy="571504"/>
+          </a:xfrm>
+        </p:grpSpPr>
+        <p:sp>
+          <p:nvSpPr>
+            <p:cNvPr id="7" name="מלבן 6"/>
+            <p:cNvSpPr/>
+            <p:nvPr/>
+          </p:nvSpPr>
+          <p:spPr>
+            <a:xfrm>
+              <a:off x="3240000" y="3143248"/>
+              <a:ext cx="642942" cy="571504"/>
+            </a:xfrm>
+            <a:prstGeom prst="rect">
+              <a:avLst/>
+            </a:prstGeom>
+          </p:spPr>
+          <p:style>
+            <a:lnRef idx="2">
+              <a:schemeClr val="accent1">
+                <a:shade val="50000"/>
+              </a:schemeClr>
+            </a:lnRef>
+            <a:fillRef idx="1">
+              <a:schemeClr val="accent1"/>
+            </a:fillRef>
+            <a:effectRef idx="0">
+              <a:schemeClr val="accent1"/>
+            </a:effectRef>
+            <a:fontRef idx="minor">
+              <a:schemeClr val="lt1"/>
+            </a:fontRef>
+          </p:style>
+          <p:txBody>
+            <a:bodyPr rtlCol="1" anchor="ctr"/>
+            <a:lstStyle/>
+            <a:p>
+              <a:pPr algn="ctr"/>
+              <a:endParaRPr lang="he-IL"/>
+            </a:p>
+          </p:txBody>
+        </p:sp>
+        <p:sp>
+          <p:nvSpPr>
+            <p:cNvPr id="8" name="TextBox 7"/>
+            <p:cNvSpPr txBox="1"/>
+            <p:nvPr/>
+          </p:nvSpPr>
+          <p:spPr>
+            <a:xfrm>
+              <a:off x="3214678" y="3214686"/>
+              <a:ext cx="714380" cy="400110"/>
+            </a:xfrm>
+            <a:prstGeom prst="rect">
+              <a:avLst/>
+            </a:prstGeom>
+            <a:noFill/>
+          </p:spPr>
+          <p:txBody>
+            <a:bodyPr wrap="square" rtlCol="1">
+              <a:spAutoFit/>
+            </a:bodyPr>
+            <a:lstStyle/>
+            <a:p>
+              <a:pPr algn="ctr"/>
+              <a:r>
+                <a:rPr lang="en-US" sz="2000" dirty="0" smtClean="0"/>
+                <a:t>ALU</a:t>
+              </a:r>
+              <a:endParaRPr lang="he-IL" sz="2000" dirty="0"/>
+            </a:p>
+          </p:txBody>
+        </p:sp>
+      </p:grpSp>
+      <p:sp>
+        <p:nvSpPr>
+          <p:cNvPr id="9" name="TextBox 8"/>
+          <p:cNvSpPr txBox="1"/>
+          <p:nvPr/>
+        </p:nvSpPr>
+        <p:spPr>
+          <a:xfrm>
+            <a:off x="7000892" y="1643050"/>
+            <a:ext cx="857256" cy="646331"/>
           </a:xfrm>
           <a:prstGeom prst="rect">
             <a:avLst/>
           </a:prstGeom>
           <a:noFill/>
-          <a:ln w="9525">
-            <a:solidFill>
-              <a:schemeClr val="tx1"/>
-            </a:solidFill>
-            <a:miter lim="800000"/>
-            <a:headEnd/>
-            <a:tailEnd/>
-          </a:ln>
-        </p:spPr>
-      </p:pic>
-      <p:pic>
-        <p:nvPicPr>
-          <p:cNvPr id="11" name="Picture 10"/>
-          <p:cNvPicPr>
-            <a:picLocks noChangeAspect="1" noChangeArrowheads="1"/>
-          </p:cNvPicPr>
-          <p:nvPr/>
-        </p:nvPicPr>
-        <p:blipFill>
-          <a:blip r:embed="rId2" cstate="print"/>
-          <a:srcRect/>
-          <a:stretch>
-            <a:fillRect/>
-          </a:stretch>
-        </p:blipFill>
-        <p:spPr bwMode="auto">
-          <a:xfrm>
-            <a:off x="2500536" y="1141512"/>
-            <a:ext cx="1118245" cy="2618895"/>
+        </p:spPr>
+        <p:txBody>
+          <a:bodyPr wrap="square" rtlCol="1">
+            <a:spAutoFit/>
+          </a:bodyPr>
+          <a:lstStyle/>
+          <a:p>
+            <a:r>
+              <a:rPr lang="he-IL" dirty="0" smtClean="0"/>
+              <a:t>יחידת חישוב</a:t>
+            </a:r>
+            <a:endParaRPr lang="he-IL" dirty="0"/>
+          </a:p>
+        </p:txBody>
+      </p:sp>
+      <p:sp>
+        <p:nvSpPr>
+          <p:cNvPr id="13" name="TextBox 12"/>
+          <p:cNvSpPr txBox="1"/>
+          <p:nvPr/>
+        </p:nvSpPr>
+        <p:spPr>
+          <a:xfrm>
+            <a:off x="4286248" y="1000108"/>
+            <a:ext cx="1357322" cy="646331"/>
           </a:xfrm>
           <a:prstGeom prst="rect">
             <a:avLst/>
           </a:prstGeom>
           <a:noFill/>
-          <a:ln w="9525">
-            <a:solidFill>
-              <a:schemeClr val="tx1"/>
-            </a:solidFill>
-            <a:miter lim="800000"/>
-            <a:headEnd/>
-            <a:tailEnd/>
-          </a:ln>
-        </p:spPr>
-      </p:pic>
-      <p:pic>
-        <p:nvPicPr>
-          <p:cNvPr id="12" name="Picture 11"/>
-          <p:cNvPicPr>
-            <a:picLocks noChangeAspect="1" noChangeArrowheads="1"/>
-          </p:cNvPicPr>
-          <p:nvPr/>
-        </p:nvPicPr>
-        <p:blipFill>
-          <a:blip r:embed="rId2" cstate="print"/>
-          <a:srcRect/>
-          <a:stretch>
-            <a:fillRect/>
-          </a:stretch>
-        </p:blipFill>
-        <p:spPr bwMode="auto">
-          <a:xfrm>
-            <a:off x="2652936" y="1293912"/>
-            <a:ext cx="1118245" cy="2618895"/>
+        </p:spPr>
+        <p:txBody>
+          <a:bodyPr wrap="square" rtlCol="1">
+            <a:spAutoFit/>
+          </a:bodyPr>
+          <a:lstStyle/>
+          <a:p>
+            <a:r>
+              <a:rPr lang="he-IL" dirty="0" smtClean="0"/>
+              <a:t>רגיסטר 8 סיביות</a:t>
+            </a:r>
+            <a:endParaRPr lang="he-IL" dirty="0"/>
+          </a:p>
+        </p:txBody>
+      </p:sp>
+      <p:sp>
+        <p:nvSpPr>
+          <p:cNvPr id="14" name="טרפז 13"/>
+          <p:cNvSpPr/>
+          <p:nvPr/>
+        </p:nvSpPr>
+        <p:spPr>
+          <a:xfrm rot="10800000">
+            <a:off x="7072330" y="4143380"/>
+            <a:ext cx="785818" cy="428628"/>
+          </a:xfrm>
+          <a:prstGeom prst="trapezoid">
+            <a:avLst/>
+          </a:prstGeom>
+        </p:spPr>
+        <p:style>
+          <a:lnRef idx="2">
+            <a:schemeClr val="accent1">
+              <a:shade val="50000"/>
+            </a:schemeClr>
+          </a:lnRef>
+          <a:fillRef idx="1">
+            <a:schemeClr val="accent1"/>
+          </a:fillRef>
+          <a:effectRef idx="0">
+            <a:schemeClr val="accent1"/>
+          </a:effectRef>
+          <a:fontRef idx="minor">
+            <a:schemeClr val="lt1"/>
+          </a:fontRef>
+        </p:style>
+        <p:txBody>
+          <a:bodyPr rtlCol="1" anchor="ctr"/>
+          <a:lstStyle/>
+          <a:p>
+            <a:pPr algn="ctr"/>
+            <a:endParaRPr lang="he-IL"/>
+          </a:p>
+        </p:txBody>
+      </p:sp>
+      <p:sp>
+        <p:nvSpPr>
+          <p:cNvPr id="15" name="TextBox 14"/>
+          <p:cNvSpPr txBox="1"/>
+          <p:nvPr/>
+        </p:nvSpPr>
+        <p:spPr>
+          <a:xfrm>
+            <a:off x="7000892" y="3702610"/>
+            <a:ext cx="785818" cy="369332"/>
           </a:xfrm>
           <a:prstGeom prst="rect">
             <a:avLst/>
           </a:prstGeom>
           <a:noFill/>
-          <a:ln w="9525">
-            <a:solidFill>
+        </p:spPr>
+        <p:txBody>
+          <a:bodyPr wrap="square" rtlCol="1">
+            <a:spAutoFit/>
+          </a:bodyPr>
+          <a:lstStyle/>
+          <a:p>
+            <a:r>
+              <a:rPr lang="en-US" dirty="0" smtClean="0"/>
+              <a:t>MUX</a:t>
+            </a:r>
+            <a:endParaRPr lang="he-IL" dirty="0"/>
+          </a:p>
+        </p:txBody>
+      </p:sp>
+      <p:grpSp>
+        <p:nvGrpSpPr>
+          <p:cNvPr id="35" name="קבוצה 34"/>
+          <p:cNvGrpSpPr/>
+          <p:nvPr/>
+        </p:nvGrpSpPr>
+        <p:grpSpPr>
+          <a:xfrm>
+            <a:off x="857224" y="1857364"/>
+            <a:ext cx="2214578" cy="928694"/>
+            <a:chOff x="857224" y="1857364"/>
+            <a:chExt cx="2214578" cy="928694"/>
+          </a:xfrm>
+        </p:grpSpPr>
+        <p:sp>
+          <p:nvSpPr>
+            <p:cNvPr id="19" name="מלבן 18"/>
+            <p:cNvSpPr/>
+            <p:nvPr/>
+          </p:nvSpPr>
+          <p:spPr>
+            <a:xfrm>
+              <a:off x="1285852" y="1857364"/>
+              <a:ext cx="1357322" cy="928694"/>
+            </a:xfrm>
+            <a:prstGeom prst="rect">
+              <a:avLst/>
+            </a:prstGeom>
+            <a:noFill/>
+            <a:ln>
+              <a:solidFill>
+                <a:schemeClr val="tx1"/>
+              </a:solidFill>
+            </a:ln>
+          </p:spPr>
+          <p:style>
+            <a:lnRef idx="2">
+              <a:schemeClr val="accent1">
+                <a:shade val="50000"/>
+              </a:schemeClr>
+            </a:lnRef>
+            <a:fillRef idx="1">
+              <a:schemeClr val="accent1"/>
+            </a:fillRef>
+            <a:effectRef idx="0">
+              <a:schemeClr val="accent1"/>
+            </a:effectRef>
+            <a:fontRef idx="minor">
+              <a:schemeClr val="lt1"/>
+            </a:fontRef>
+          </p:style>
+          <p:txBody>
+            <a:bodyPr rtlCol="1" anchor="ctr"/>
+            <a:lstStyle/>
+            <a:p>
+              <a:pPr algn="ctr"/>
+              <a:endParaRPr lang="he-IL"/>
+            </a:p>
+          </p:txBody>
+        </p:sp>
+        <p:sp>
+          <p:nvSpPr>
+            <p:cNvPr id="20" name="משולש שווה שוקיים 19"/>
+            <p:cNvSpPr/>
+            <p:nvPr/>
+          </p:nvSpPr>
+          <p:spPr>
+            <a:xfrm rot="19571141">
+              <a:off x="1260000" y="2607913"/>
+              <a:ext cx="170075" cy="131886"/>
+            </a:xfrm>
+            <a:prstGeom prst="triangle">
+              <a:avLst/>
+            </a:prstGeom>
+            <a:noFill/>
+            <a:ln>
+              <a:solidFill>
+                <a:schemeClr val="tx1"/>
+              </a:solidFill>
+            </a:ln>
+          </p:spPr>
+          <p:style>
+            <a:lnRef idx="2">
+              <a:schemeClr val="accent1">
+                <a:shade val="50000"/>
+              </a:schemeClr>
+            </a:lnRef>
+            <a:fillRef idx="1">
+              <a:schemeClr val="accent1"/>
+            </a:fillRef>
+            <a:effectRef idx="0">
+              <a:schemeClr val="accent1"/>
+            </a:effectRef>
+            <a:fontRef idx="minor">
+              <a:schemeClr val="lt1"/>
+            </a:fontRef>
+          </p:style>
+          <p:txBody>
+            <a:bodyPr rtlCol="1" anchor="ctr"/>
+            <a:lstStyle/>
+            <a:p>
+              <a:pPr algn="ctr"/>
+              <a:endParaRPr lang="he-IL"/>
+            </a:p>
+          </p:txBody>
+        </p:sp>
+        <p:cxnSp>
+          <p:nvCxnSpPr>
+            <p:cNvPr id="22" name="מחבר ישר 21"/>
+            <p:cNvCxnSpPr/>
+            <p:nvPr/>
+          </p:nvCxnSpPr>
+          <p:spPr>
+            <a:xfrm>
+              <a:off x="857224" y="2714620"/>
+              <a:ext cx="428628" cy="1588"/>
+            </a:xfrm>
+            <a:prstGeom prst="line">
+              <a:avLst/>
+            </a:prstGeom>
+            <a:ln w="19050">
+              <a:solidFill>
+                <a:schemeClr val="tx1"/>
+              </a:solidFill>
+              <a:tailEnd type="none"/>
+            </a:ln>
+          </p:spPr>
+          <p:style>
+            <a:lnRef idx="1">
+              <a:schemeClr val="accent1"/>
+            </a:lnRef>
+            <a:fillRef idx="0">
+              <a:schemeClr val="accent1"/>
+            </a:fillRef>
+            <a:effectRef idx="0">
+              <a:schemeClr val="accent1"/>
+            </a:effectRef>
+            <a:fontRef idx="minor">
               <a:schemeClr val="tx1"/>
-            </a:solidFill>
-            <a:miter lim="800000"/>
-            <a:headEnd/>
-            <a:tailEnd/>
-          </a:ln>
-        </p:spPr>
-      </p:pic>
+            </a:fontRef>
+          </p:style>
+        </p:cxnSp>
+        <p:cxnSp>
+          <p:nvCxnSpPr>
+            <p:cNvPr id="25" name="מחבר ישר 24"/>
+            <p:cNvCxnSpPr/>
+            <p:nvPr/>
+          </p:nvCxnSpPr>
+          <p:spPr>
+            <a:xfrm>
+              <a:off x="857224" y="2000240"/>
+              <a:ext cx="428628" cy="1588"/>
+            </a:xfrm>
+            <a:prstGeom prst="line">
+              <a:avLst/>
+            </a:prstGeom>
+            <a:ln w="19050">
+              <a:solidFill>
+                <a:schemeClr val="tx1"/>
+              </a:solidFill>
+              <a:tailEnd type="none"/>
+            </a:ln>
+          </p:spPr>
+          <p:style>
+            <a:lnRef idx="1">
+              <a:schemeClr val="accent1"/>
+            </a:lnRef>
+            <a:fillRef idx="0">
+              <a:schemeClr val="accent1"/>
+            </a:fillRef>
+            <a:effectRef idx="0">
+              <a:schemeClr val="accent1"/>
+            </a:effectRef>
+            <a:fontRef idx="minor">
+              <a:schemeClr val="tx1"/>
+            </a:fontRef>
+          </p:style>
+        </p:cxnSp>
+        <p:cxnSp>
+          <p:nvCxnSpPr>
+            <p:cNvPr id="27" name="מחבר ישר 26"/>
+            <p:cNvCxnSpPr/>
+            <p:nvPr/>
+          </p:nvCxnSpPr>
+          <p:spPr>
+            <a:xfrm>
+              <a:off x="2643174" y="2000240"/>
+              <a:ext cx="428628" cy="1588"/>
+            </a:xfrm>
+            <a:prstGeom prst="line">
+              <a:avLst/>
+            </a:prstGeom>
+            <a:ln w="19050">
+              <a:solidFill>
+                <a:schemeClr val="tx1"/>
+              </a:solidFill>
+              <a:tailEnd type="none"/>
+            </a:ln>
+          </p:spPr>
+          <p:style>
+            <a:lnRef idx="1">
+              <a:schemeClr val="accent1"/>
+            </a:lnRef>
+            <a:fillRef idx="0">
+              <a:schemeClr val="accent1"/>
+            </a:fillRef>
+            <a:effectRef idx="0">
+              <a:schemeClr val="accent1"/>
+            </a:effectRef>
+            <a:fontRef idx="minor">
+              <a:schemeClr val="tx1"/>
+            </a:fontRef>
+          </p:style>
+        </p:cxnSp>
+        <p:sp>
+          <p:nvSpPr>
+            <p:cNvPr id="28" name="TextBox 27"/>
+            <p:cNvSpPr txBox="1"/>
+            <p:nvPr/>
+          </p:nvSpPr>
+          <p:spPr>
+            <a:xfrm>
+              <a:off x="1714480" y="2143116"/>
+              <a:ext cx="428628" cy="369332"/>
+            </a:xfrm>
+            <a:prstGeom prst="rect">
+              <a:avLst/>
+            </a:prstGeom>
+            <a:noFill/>
+          </p:spPr>
+          <p:txBody>
+            <a:bodyPr wrap="square" rtlCol="1">
+              <a:spAutoFit/>
+            </a:bodyPr>
+            <a:lstStyle/>
+            <a:p>
+              <a:r>
+                <a:rPr lang="en-US" dirty="0" smtClean="0"/>
+                <a:t>FF</a:t>
+              </a:r>
+              <a:endParaRPr lang="he-IL" dirty="0"/>
+            </a:p>
+          </p:txBody>
+        </p:sp>
+        <p:sp>
+          <p:nvSpPr>
+            <p:cNvPr id="29" name="TextBox 28"/>
+            <p:cNvSpPr txBox="1"/>
+            <p:nvPr/>
+          </p:nvSpPr>
+          <p:spPr>
+            <a:xfrm>
+              <a:off x="1357290" y="2539837"/>
+              <a:ext cx="357190" cy="246221"/>
+            </a:xfrm>
+            <a:prstGeom prst="rect">
+              <a:avLst/>
+            </a:prstGeom>
+            <a:noFill/>
+          </p:spPr>
+          <p:txBody>
+            <a:bodyPr wrap="square" rtlCol="1">
+              <a:spAutoFit/>
+            </a:bodyPr>
+            <a:lstStyle/>
+            <a:p>
+              <a:pPr algn="ctr"/>
+              <a:r>
+                <a:rPr lang="en-US" sz="1000" dirty="0" smtClean="0"/>
+                <a:t>C1</a:t>
+              </a:r>
+              <a:endParaRPr lang="he-IL" sz="1000" dirty="0"/>
+            </a:p>
+          </p:txBody>
+        </p:sp>
+        <p:sp>
+          <p:nvSpPr>
+            <p:cNvPr id="30" name="TextBox 29"/>
+            <p:cNvSpPr txBox="1"/>
+            <p:nvPr/>
+          </p:nvSpPr>
+          <p:spPr>
+            <a:xfrm>
+              <a:off x="1285852" y="1857364"/>
+              <a:ext cx="357190" cy="246221"/>
+            </a:xfrm>
+            <a:prstGeom prst="rect">
+              <a:avLst/>
+            </a:prstGeom>
+            <a:noFill/>
+          </p:spPr>
+          <p:txBody>
+            <a:bodyPr wrap="square" rtlCol="1">
+              <a:spAutoFit/>
+            </a:bodyPr>
+            <a:lstStyle/>
+            <a:p>
+              <a:pPr algn="ctr"/>
+              <a:r>
+                <a:rPr lang="en-US" sz="1000" dirty="0" smtClean="0"/>
+                <a:t>1D</a:t>
+              </a:r>
+              <a:endParaRPr lang="he-IL" sz="1000" dirty="0"/>
+            </a:p>
+          </p:txBody>
+        </p:sp>
+        <p:sp>
+          <p:nvSpPr>
+            <p:cNvPr id="31" name="TextBox 30"/>
+            <p:cNvSpPr txBox="1"/>
+            <p:nvPr/>
+          </p:nvSpPr>
+          <p:spPr>
+            <a:xfrm>
+              <a:off x="2357422" y="1857364"/>
+              <a:ext cx="357190" cy="246221"/>
+            </a:xfrm>
+            <a:prstGeom prst="rect">
+              <a:avLst/>
+            </a:prstGeom>
+            <a:noFill/>
+          </p:spPr>
+          <p:txBody>
+            <a:bodyPr wrap="square" rtlCol="1">
+              <a:spAutoFit/>
+            </a:bodyPr>
+            <a:lstStyle/>
+            <a:p>
+              <a:pPr algn="ctr"/>
+              <a:r>
+                <a:rPr lang="en-US" sz="1000" dirty="0" smtClean="0"/>
+                <a:t>Q</a:t>
+              </a:r>
+              <a:endParaRPr lang="he-IL" sz="1000" dirty="0"/>
+            </a:p>
+          </p:txBody>
+        </p:sp>
+      </p:grpSp>
+      <p:sp>
+        <p:nvSpPr>
+          <p:cNvPr id="34" name="TextBox 33"/>
+          <p:cNvSpPr txBox="1"/>
+          <p:nvPr/>
+        </p:nvSpPr>
+        <p:spPr>
+          <a:xfrm>
+            <a:off x="1357290" y="1214422"/>
+            <a:ext cx="857256" cy="646331"/>
+          </a:xfrm>
+          <a:prstGeom prst="rect">
+            <a:avLst/>
+          </a:prstGeom>
+          <a:noFill/>
+        </p:spPr>
+        <p:txBody>
+          <a:bodyPr wrap="square" rtlCol="1">
+            <a:spAutoFit/>
+          </a:bodyPr>
+          <a:lstStyle/>
+          <a:p>
+            <a:r>
+              <a:rPr lang="en-US" dirty="0" smtClean="0"/>
+              <a:t>Flip-Flop</a:t>
+            </a:r>
+            <a:endParaRPr lang="he-IL" dirty="0"/>
+          </a:p>
+        </p:txBody>
+      </p:sp>
+      <p:grpSp>
+        <p:nvGrpSpPr>
+          <p:cNvPr id="36" name="קבוצה 35"/>
+          <p:cNvGrpSpPr/>
+          <p:nvPr/>
+        </p:nvGrpSpPr>
+        <p:grpSpPr>
+          <a:xfrm>
+            <a:off x="857224" y="3429000"/>
+            <a:ext cx="1714512" cy="746287"/>
+            <a:chOff x="857224" y="1857364"/>
+            <a:chExt cx="2214578" cy="970173"/>
+          </a:xfrm>
+        </p:grpSpPr>
+        <p:sp>
+          <p:nvSpPr>
+            <p:cNvPr id="37" name="מלבן 36"/>
+            <p:cNvSpPr/>
+            <p:nvPr/>
+          </p:nvSpPr>
+          <p:spPr>
+            <a:xfrm>
+              <a:off x="1285852" y="1857364"/>
+              <a:ext cx="1357322" cy="928694"/>
+            </a:xfrm>
+            <a:prstGeom prst="rect">
+              <a:avLst/>
+            </a:prstGeom>
+            <a:noFill/>
+            <a:ln>
+              <a:solidFill>
+                <a:schemeClr val="tx1"/>
+              </a:solidFill>
+            </a:ln>
+          </p:spPr>
+          <p:style>
+            <a:lnRef idx="2">
+              <a:schemeClr val="accent1">
+                <a:shade val="50000"/>
+              </a:schemeClr>
+            </a:lnRef>
+            <a:fillRef idx="1">
+              <a:schemeClr val="accent1"/>
+            </a:fillRef>
+            <a:effectRef idx="0">
+              <a:schemeClr val="accent1"/>
+            </a:effectRef>
+            <a:fontRef idx="minor">
+              <a:schemeClr val="lt1"/>
+            </a:fontRef>
+          </p:style>
+          <p:txBody>
+            <a:bodyPr rtlCol="1" anchor="ctr"/>
+            <a:lstStyle/>
+            <a:p>
+              <a:pPr algn="ctr"/>
+              <a:endParaRPr lang="he-IL"/>
+            </a:p>
+          </p:txBody>
+        </p:sp>
+        <p:sp>
+          <p:nvSpPr>
+            <p:cNvPr id="38" name="משולש שווה שוקיים 37"/>
+            <p:cNvSpPr/>
+            <p:nvPr/>
+          </p:nvSpPr>
+          <p:spPr>
+            <a:xfrm rot="19571141">
+              <a:off x="1260000" y="2607913"/>
+              <a:ext cx="170075" cy="131886"/>
+            </a:xfrm>
+            <a:prstGeom prst="triangle">
+              <a:avLst/>
+            </a:prstGeom>
+            <a:noFill/>
+            <a:ln>
+              <a:solidFill>
+                <a:schemeClr val="tx1"/>
+              </a:solidFill>
+            </a:ln>
+          </p:spPr>
+          <p:style>
+            <a:lnRef idx="2">
+              <a:schemeClr val="accent1">
+                <a:shade val="50000"/>
+              </a:schemeClr>
+            </a:lnRef>
+            <a:fillRef idx="1">
+              <a:schemeClr val="accent1"/>
+            </a:fillRef>
+            <a:effectRef idx="0">
+              <a:schemeClr val="accent1"/>
+            </a:effectRef>
+            <a:fontRef idx="minor">
+              <a:schemeClr val="lt1"/>
+            </a:fontRef>
+          </p:style>
+          <p:txBody>
+            <a:bodyPr rtlCol="1" anchor="ctr"/>
+            <a:lstStyle/>
+            <a:p>
+              <a:pPr algn="ctr"/>
+              <a:endParaRPr lang="he-IL"/>
+            </a:p>
+          </p:txBody>
+        </p:sp>
+        <p:cxnSp>
+          <p:nvCxnSpPr>
+            <p:cNvPr id="39" name="מחבר ישר 38"/>
+            <p:cNvCxnSpPr/>
+            <p:nvPr/>
+          </p:nvCxnSpPr>
+          <p:spPr>
+            <a:xfrm>
+              <a:off x="857224" y="2714620"/>
+              <a:ext cx="428628" cy="1588"/>
+            </a:xfrm>
+            <a:prstGeom prst="line">
+              <a:avLst/>
+            </a:prstGeom>
+            <a:ln w="19050">
+              <a:solidFill>
+                <a:schemeClr val="tx1"/>
+              </a:solidFill>
+              <a:tailEnd type="none"/>
+            </a:ln>
+          </p:spPr>
+          <p:style>
+            <a:lnRef idx="1">
+              <a:schemeClr val="accent1"/>
+            </a:lnRef>
+            <a:fillRef idx="0">
+              <a:schemeClr val="accent1"/>
+            </a:fillRef>
+            <a:effectRef idx="0">
+              <a:schemeClr val="accent1"/>
+            </a:effectRef>
+            <a:fontRef idx="minor">
+              <a:schemeClr val="tx1"/>
+            </a:fontRef>
+          </p:style>
+        </p:cxnSp>
+        <p:cxnSp>
+          <p:nvCxnSpPr>
+            <p:cNvPr id="40" name="מחבר ישר 39"/>
+            <p:cNvCxnSpPr/>
+            <p:nvPr/>
+          </p:nvCxnSpPr>
+          <p:spPr>
+            <a:xfrm>
+              <a:off x="857224" y="2000240"/>
+              <a:ext cx="428628" cy="1588"/>
+            </a:xfrm>
+            <a:prstGeom prst="line">
+              <a:avLst/>
+            </a:prstGeom>
+            <a:ln w="19050">
+              <a:solidFill>
+                <a:schemeClr val="tx1"/>
+              </a:solidFill>
+              <a:tailEnd type="none"/>
+            </a:ln>
+          </p:spPr>
+          <p:style>
+            <a:lnRef idx="1">
+              <a:schemeClr val="accent1"/>
+            </a:lnRef>
+            <a:fillRef idx="0">
+              <a:schemeClr val="accent1"/>
+            </a:fillRef>
+            <a:effectRef idx="0">
+              <a:schemeClr val="accent1"/>
+            </a:effectRef>
+            <a:fontRef idx="minor">
+              <a:schemeClr val="tx1"/>
+            </a:fontRef>
+          </p:style>
+        </p:cxnSp>
+        <p:cxnSp>
+          <p:nvCxnSpPr>
+            <p:cNvPr id="41" name="מחבר ישר 40"/>
+            <p:cNvCxnSpPr/>
+            <p:nvPr/>
+          </p:nvCxnSpPr>
+          <p:spPr>
+            <a:xfrm>
+              <a:off x="2643174" y="2000240"/>
+              <a:ext cx="428628" cy="1588"/>
+            </a:xfrm>
+            <a:prstGeom prst="line">
+              <a:avLst/>
+            </a:prstGeom>
+            <a:ln w="19050">
+              <a:solidFill>
+                <a:schemeClr val="tx1"/>
+              </a:solidFill>
+              <a:tailEnd type="none"/>
+            </a:ln>
+          </p:spPr>
+          <p:style>
+            <a:lnRef idx="1">
+              <a:schemeClr val="accent1"/>
+            </a:lnRef>
+            <a:fillRef idx="0">
+              <a:schemeClr val="accent1"/>
+            </a:fillRef>
+            <a:effectRef idx="0">
+              <a:schemeClr val="accent1"/>
+            </a:effectRef>
+            <a:fontRef idx="minor">
+              <a:schemeClr val="tx1"/>
+            </a:fontRef>
+          </p:style>
+        </p:cxnSp>
+        <p:sp>
+          <p:nvSpPr>
+            <p:cNvPr id="42" name="TextBox 41"/>
+            <p:cNvSpPr txBox="1"/>
+            <p:nvPr/>
+          </p:nvSpPr>
+          <p:spPr>
+            <a:xfrm>
+              <a:off x="1595417" y="2143116"/>
+              <a:ext cx="547691" cy="480132"/>
+            </a:xfrm>
+            <a:prstGeom prst="rect">
+              <a:avLst/>
+            </a:prstGeom>
+            <a:noFill/>
+          </p:spPr>
+          <p:txBody>
+            <a:bodyPr wrap="square" rtlCol="1">
+              <a:spAutoFit/>
+            </a:bodyPr>
+            <a:lstStyle/>
+            <a:p>
+              <a:r>
+                <a:rPr lang="en-US" dirty="0" smtClean="0"/>
+                <a:t>FF</a:t>
+              </a:r>
+              <a:endParaRPr lang="he-IL" dirty="0"/>
+            </a:p>
+          </p:txBody>
+        </p:sp>
+        <p:sp>
+          <p:nvSpPr>
+            <p:cNvPr id="43" name="TextBox 42"/>
+            <p:cNvSpPr txBox="1"/>
+            <p:nvPr/>
+          </p:nvSpPr>
+          <p:spPr>
+            <a:xfrm>
+              <a:off x="1318594" y="2507450"/>
+              <a:ext cx="514949" cy="320087"/>
+            </a:xfrm>
+            <a:prstGeom prst="rect">
+              <a:avLst/>
+            </a:prstGeom>
+            <a:noFill/>
+          </p:spPr>
+          <p:txBody>
+            <a:bodyPr wrap="square" rtlCol="1">
+              <a:spAutoFit/>
+            </a:bodyPr>
+            <a:lstStyle/>
+            <a:p>
+              <a:pPr algn="ctr"/>
+              <a:r>
+                <a:rPr lang="en-US" sz="1000" dirty="0" smtClean="0"/>
+                <a:t>C1</a:t>
+              </a:r>
+              <a:endParaRPr lang="he-IL" sz="1000" dirty="0"/>
+            </a:p>
+          </p:txBody>
+        </p:sp>
+        <p:sp>
+          <p:nvSpPr>
+            <p:cNvPr id="44" name="TextBox 43"/>
+            <p:cNvSpPr txBox="1"/>
+            <p:nvPr/>
+          </p:nvSpPr>
+          <p:spPr>
+            <a:xfrm>
+              <a:off x="1193578" y="1857364"/>
+              <a:ext cx="494113" cy="260071"/>
+            </a:xfrm>
+            <a:prstGeom prst="rect">
+              <a:avLst/>
+            </a:prstGeom>
+            <a:noFill/>
+          </p:spPr>
+          <p:txBody>
+            <a:bodyPr wrap="square" rtlCol="1">
+              <a:spAutoFit/>
+            </a:bodyPr>
+            <a:lstStyle/>
+            <a:p>
+              <a:pPr algn="ctr"/>
+              <a:r>
+                <a:rPr lang="en-US" sz="700" dirty="0" smtClean="0"/>
+                <a:t>1D</a:t>
+              </a:r>
+              <a:endParaRPr lang="he-IL" sz="700" dirty="0"/>
+            </a:p>
+          </p:txBody>
+        </p:sp>
+        <p:sp>
+          <p:nvSpPr>
+            <p:cNvPr id="45" name="TextBox 44"/>
+            <p:cNvSpPr txBox="1"/>
+            <p:nvPr/>
+          </p:nvSpPr>
+          <p:spPr>
+            <a:xfrm>
+              <a:off x="2357422" y="1857364"/>
+              <a:ext cx="357190" cy="246221"/>
+            </a:xfrm>
+            <a:prstGeom prst="rect">
+              <a:avLst/>
+            </a:prstGeom>
+            <a:noFill/>
+          </p:spPr>
+          <p:txBody>
+            <a:bodyPr wrap="square" rtlCol="1">
+              <a:spAutoFit/>
+            </a:bodyPr>
+            <a:lstStyle/>
+            <a:p>
+              <a:pPr algn="ctr"/>
+              <a:r>
+                <a:rPr lang="en-US" sz="1000" dirty="0" smtClean="0"/>
+                <a:t>Q</a:t>
+              </a:r>
+              <a:endParaRPr lang="he-IL" sz="1000" dirty="0"/>
+            </a:p>
+          </p:txBody>
+        </p:sp>
+      </p:grpSp>
     </p:spTree>
   </p:cSld>
   <p:clrMapOvr>
@@ -3218,6 +4062,9 @@
           <a:bodyPr/>
           <a:lstStyle/>
           <a:p>
+            <a:pPr>
+              <a:buNone/>
+            </a:pPr>
             <a:endParaRPr lang="he-IL" dirty="0"/>
           </a:p>
         </p:txBody>
@@ -3667,8 +4514,8 @@
         </p:nvSpPr>
         <p:spPr>
           <a:xfrm>
-            <a:off x="179512" y="1196752"/>
-            <a:ext cx="936104" cy="369332"/>
+            <a:off x="142844" y="928670"/>
+            <a:ext cx="936104" cy="646331"/>
           </a:xfrm>
           <a:prstGeom prst="rect">
             <a:avLst/>
@@ -3684,6 +4531,13 @@
             <a:r>
               <a:rPr lang="en-US" dirty="0" smtClean="0"/>
               <a:t>Trigger</a:t>
+            </a:r>
+            <a:endParaRPr lang="he-IL" dirty="0" smtClean="0"/>
+          </a:p>
+          <a:p>
+            <a:r>
+              <a:rPr lang="en-US" dirty="0" smtClean="0"/>
+              <a:t>Data</a:t>
             </a:r>
             <a:endParaRPr lang="he-IL" dirty="0"/>
           </a:p>
@@ -4957,17 +5811,86 @@
       </p:grpSpPr>
       <p:sp>
         <p:nvSpPr>
-          <p:cNvPr id="2" name="Title 1"/>
+          <p:cNvPr id="4" name="מלבן 3"/>
+          <p:cNvSpPr/>
+          <p:nvPr/>
+        </p:nvSpPr>
+        <p:spPr>
+          <a:xfrm>
+            <a:off x="785786" y="0"/>
+            <a:ext cx="7429552" cy="6357982"/>
+          </a:xfrm>
+          <a:prstGeom prst="rect">
+            <a:avLst/>
+          </a:prstGeom>
+          <a:solidFill>
+            <a:schemeClr val="accent2">
+              <a:lumMod val="40000"/>
+              <a:lumOff val="60000"/>
+            </a:schemeClr>
+          </a:solidFill>
+        </p:spPr>
+        <p:style>
+          <a:lnRef idx="2">
+            <a:schemeClr val="accent1">
+              <a:shade val="50000"/>
+            </a:schemeClr>
+          </a:lnRef>
+          <a:fillRef idx="1">
+            <a:schemeClr val="accent1"/>
+          </a:fillRef>
+          <a:effectRef idx="0">
+            <a:schemeClr val="accent1"/>
+          </a:effectRef>
+          <a:fontRef idx="minor">
+            <a:schemeClr val="lt1"/>
+          </a:fontRef>
+        </p:style>
+        <p:txBody>
+          <a:bodyPr rtlCol="1" anchor="ctr"/>
+          <a:lstStyle/>
+          <a:p>
+            <a:pPr algn="ctr"/>
+            <a:endParaRPr lang="he-IL"/>
+          </a:p>
+        </p:txBody>
+      </p:sp>
+      <p:sp>
+        <p:nvSpPr>
+          <p:cNvPr id="6" name="Rounded Rectangle 7"/>
           <p:cNvSpPr>
-            <a:spLocks noGrp="1"/>
+            <a:spLocks noChangeArrowheads="1"/>
           </p:cNvSpPr>
-          <p:nvPr>
-            <p:ph type="title"/>
-          </p:nvPr>
-        </p:nvSpPr>
-        <p:spPr/>
-        <p:txBody>
-          <a:bodyPr/>
+          <p:nvPr/>
+        </p:nvSpPr>
+        <p:spPr bwMode="auto">
+          <a:xfrm>
+            <a:off x="8215338" y="5072074"/>
+            <a:ext cx="381000" cy="1127125"/>
+          </a:xfrm>
+          <a:prstGeom prst="roundRect">
+            <a:avLst>
+              <a:gd name="adj" fmla="val 16667"/>
+            </a:avLst>
+          </a:prstGeom>
+          <a:solidFill>
+            <a:srgbClr val="808080"/>
+          </a:solidFill>
+          <a:ln w="25400">
+            <a:solidFill>
+              <a:srgbClr val="243F60"/>
+            </a:solidFill>
+            <a:round/>
+            <a:headEnd/>
+            <a:tailEnd/>
+          </a:ln>
+        </p:spPr>
+        <p:txBody>
+          <a:bodyPr vert="horz" wrap="square" lIns="91440" tIns="45720" rIns="91440" bIns="45720" numCol="1" anchor="ctr" anchorCtr="0" compatLnSpc="1">
+            <a:prstTxWarp prst="textNoShape">
+              <a:avLst/>
+            </a:prstTxWarp>
+          </a:bodyPr>
           <a:lstStyle/>
           <a:p>
             <a:endParaRPr lang="he-IL"/>
@@ -4976,23 +5899,2375 @@
       </p:sp>
       <p:sp>
         <p:nvSpPr>
-          <p:cNvPr id="3" name="Content Placeholder 2"/>
-          <p:cNvSpPr>
-            <a:spLocks noGrp="1"/>
+          <p:cNvPr id="9" name="Text Box 10"/>
+          <p:cNvSpPr txBox="1">
+            <a:spLocks noChangeArrowheads="1"/>
           </p:cNvSpPr>
-          <p:nvPr>
-            <p:ph idx="1"/>
-          </p:nvPr>
-        </p:nvSpPr>
-        <p:spPr/>
-        <p:txBody>
-          <a:bodyPr/>
+          <p:nvPr/>
+        </p:nvSpPr>
+        <p:spPr bwMode="auto">
+          <a:xfrm rot="5400000">
+            <a:off x="8058176" y="5521343"/>
+            <a:ext cx="708025" cy="250825"/>
+          </a:xfrm>
+          <a:prstGeom prst="rect">
+            <a:avLst/>
+          </a:prstGeom>
+          <a:noFill/>
+          <a:ln w="6350">
+            <a:noFill/>
+            <a:miter lim="800000"/>
+            <a:headEnd/>
+            <a:tailEnd/>
+          </a:ln>
+        </p:spPr>
+        <p:txBody>
+          <a:bodyPr vert="horz" wrap="square" lIns="91440" tIns="45720" rIns="91440" bIns="45720" numCol="1" anchor="t" anchorCtr="0" compatLnSpc="1">
+            <a:prstTxWarp prst="textNoShape">
+              <a:avLst/>
+            </a:prstTxWarp>
+          </a:bodyPr>
           <a:lstStyle/>
           <a:p>
-            <a:endParaRPr lang="he-IL"/>
-          </a:p>
-        </p:txBody>
-      </p:sp>
+            <a:pPr marL="0" marR="0" lvl="0" indent="0" algn="ctr" defTabSz="914400" rtl="1" eaLnBrk="1" fontAlgn="base" latinLnBrk="0" hangingPunct="1">
+              <a:lnSpc>
+                <a:spcPct val="100000"/>
+              </a:lnSpc>
+              <a:spcBef>
+                <a:spcPct val="0"/>
+              </a:spcBef>
+              <a:spcAft>
+                <a:spcPts val="1000"/>
+              </a:spcAft>
+              <a:buClrTx/>
+              <a:buSzTx/>
+              <a:buFontTx/>
+              <a:buNone/>
+              <a:tabLst/>
+            </a:pPr>
+            <a:r>
+              <a:rPr kumimoji="0" lang="en-US" sz="1100" b="0" i="0" u="none" strike="noStrike" cap="none" normalizeH="0" baseline="0" dirty="0" smtClean="0">
+                <a:ln>
+                  <a:noFill/>
+                </a:ln>
+                <a:solidFill>
+                  <a:schemeClr val="tx1"/>
+                </a:solidFill>
+                <a:effectLst/>
+                <a:latin typeface="Calibri" pitchFamily="34" charset="0"/>
+                <a:ea typeface="Arial" pitchFamily="34" charset="0"/>
+                <a:cs typeface="Arial" pitchFamily="34" charset="0"/>
+              </a:rPr>
+              <a:t>WBM</a:t>
+            </a:r>
+            <a:endParaRPr kumimoji="0" lang="he-IL" sz="1800" b="0" i="0" u="none" strike="noStrike" cap="none" normalizeH="0" baseline="0" dirty="0" smtClean="0">
+              <a:ln>
+                <a:noFill/>
+              </a:ln>
+              <a:solidFill>
+                <a:schemeClr val="tx1"/>
+              </a:solidFill>
+              <a:effectLst/>
+              <a:latin typeface="Arial" pitchFamily="34" charset="0"/>
+              <a:cs typeface="Arial" pitchFamily="34" charset="0"/>
+            </a:endParaRPr>
+          </a:p>
+        </p:txBody>
+      </p:sp>
+      <p:cxnSp>
+        <p:nvCxnSpPr>
+          <p:cNvPr id="10" name="מחבר חץ ישר 9"/>
+          <p:cNvCxnSpPr>
+            <a:stCxn id="6" idx="3"/>
+          </p:cNvCxnSpPr>
+          <p:nvPr/>
+        </p:nvCxnSpPr>
+        <p:spPr>
+          <a:xfrm>
+            <a:off x="8596338" y="5635637"/>
+            <a:ext cx="476256" cy="7941"/>
+          </a:xfrm>
+          <a:prstGeom prst="straightConnector1">
+            <a:avLst/>
+          </a:prstGeom>
+          <a:ln w="19050">
+            <a:solidFill>
+              <a:schemeClr val="tx1"/>
+            </a:solidFill>
+            <a:tailEnd type="arrow"/>
+          </a:ln>
+        </p:spPr>
+        <p:style>
+          <a:lnRef idx="1">
+            <a:schemeClr val="accent1"/>
+          </a:lnRef>
+          <a:fillRef idx="0">
+            <a:schemeClr val="accent1"/>
+          </a:fillRef>
+          <a:effectRef idx="0">
+            <a:schemeClr val="accent1"/>
+          </a:effectRef>
+          <a:fontRef idx="minor">
+            <a:schemeClr val="tx1"/>
+          </a:fontRef>
+        </p:style>
+      </p:cxnSp>
+      <p:cxnSp>
+        <p:nvCxnSpPr>
+          <p:cNvPr id="34" name="מחבר ישר 33"/>
+          <p:cNvCxnSpPr/>
+          <p:nvPr/>
+        </p:nvCxnSpPr>
+        <p:spPr>
+          <a:xfrm rot="5400000" flipH="1" flipV="1">
+            <a:off x="8676000" y="5544000"/>
+            <a:ext cx="214314" cy="214314"/>
+          </a:xfrm>
+          <a:prstGeom prst="line">
+            <a:avLst/>
+          </a:prstGeom>
+          <a:ln w="19050">
+            <a:solidFill>
+              <a:schemeClr val="tx1"/>
+            </a:solidFill>
+            <a:tailEnd type="none"/>
+          </a:ln>
+        </p:spPr>
+        <p:style>
+          <a:lnRef idx="1">
+            <a:schemeClr val="accent1"/>
+          </a:lnRef>
+          <a:fillRef idx="0">
+            <a:schemeClr val="accent1"/>
+          </a:fillRef>
+          <a:effectRef idx="0">
+            <a:schemeClr val="accent1"/>
+          </a:effectRef>
+          <a:fontRef idx="minor">
+            <a:schemeClr val="tx1"/>
+          </a:fontRef>
+        </p:style>
+      </p:cxnSp>
+      <p:sp>
+        <p:nvSpPr>
+          <p:cNvPr id="35" name="TextBox 34"/>
+          <p:cNvSpPr txBox="1"/>
+          <p:nvPr/>
+        </p:nvSpPr>
+        <p:spPr>
+          <a:xfrm>
+            <a:off x="8572528" y="5072074"/>
+            <a:ext cx="500066" cy="369332"/>
+          </a:xfrm>
+          <a:prstGeom prst="rect">
+            <a:avLst/>
+          </a:prstGeom>
+          <a:noFill/>
+        </p:spPr>
+        <p:txBody>
+          <a:bodyPr wrap="square" rtlCol="1">
+            <a:spAutoFit/>
+          </a:bodyPr>
+          <a:lstStyle/>
+          <a:p>
+            <a:pPr algn="ctr"/>
+            <a:r>
+              <a:rPr lang="en-US" sz="900" dirty="0" err="1" smtClean="0"/>
+              <a:t>rc_to_WBM</a:t>
+            </a:r>
+            <a:endParaRPr lang="he-IL" sz="800" dirty="0"/>
+          </a:p>
+        </p:txBody>
+      </p:sp>
+      <p:grpSp>
+        <p:nvGrpSpPr>
+          <p:cNvPr id="38" name="קבוצה 37"/>
+          <p:cNvGrpSpPr/>
+          <p:nvPr/>
+        </p:nvGrpSpPr>
+        <p:grpSpPr>
+          <a:xfrm>
+            <a:off x="3214678" y="2428868"/>
+            <a:ext cx="714380" cy="571504"/>
+            <a:chOff x="3214678" y="3143248"/>
+            <a:chExt cx="714380" cy="571504"/>
+          </a:xfrm>
+        </p:grpSpPr>
+        <p:sp>
+          <p:nvSpPr>
+            <p:cNvPr id="36" name="מלבן 35"/>
+            <p:cNvSpPr/>
+            <p:nvPr/>
+          </p:nvSpPr>
+          <p:spPr>
+            <a:xfrm>
+              <a:off x="3240000" y="3143248"/>
+              <a:ext cx="642942" cy="571504"/>
+            </a:xfrm>
+            <a:prstGeom prst="rect">
+              <a:avLst/>
+            </a:prstGeom>
+            <a:ln>
+              <a:solidFill>
+                <a:schemeClr val="tx1"/>
+              </a:solidFill>
+            </a:ln>
+          </p:spPr>
+          <p:style>
+            <a:lnRef idx="2">
+              <a:schemeClr val="accent1">
+                <a:shade val="50000"/>
+              </a:schemeClr>
+            </a:lnRef>
+            <a:fillRef idx="1">
+              <a:schemeClr val="accent1"/>
+            </a:fillRef>
+            <a:effectRef idx="0">
+              <a:schemeClr val="accent1"/>
+            </a:effectRef>
+            <a:fontRef idx="minor">
+              <a:schemeClr val="lt1"/>
+            </a:fontRef>
+          </p:style>
+          <p:txBody>
+            <a:bodyPr rtlCol="1" anchor="ctr"/>
+            <a:lstStyle/>
+            <a:p>
+              <a:pPr algn="ctr"/>
+              <a:endParaRPr lang="he-IL"/>
+            </a:p>
+          </p:txBody>
+        </p:sp>
+        <p:sp>
+          <p:nvSpPr>
+            <p:cNvPr id="37" name="TextBox 36"/>
+            <p:cNvSpPr txBox="1"/>
+            <p:nvPr/>
+          </p:nvSpPr>
+          <p:spPr>
+            <a:xfrm>
+              <a:off x="3214678" y="3214686"/>
+              <a:ext cx="714380" cy="400110"/>
+            </a:xfrm>
+            <a:prstGeom prst="rect">
+              <a:avLst/>
+            </a:prstGeom>
+            <a:noFill/>
+          </p:spPr>
+          <p:txBody>
+            <a:bodyPr wrap="square" rtlCol="1">
+              <a:spAutoFit/>
+            </a:bodyPr>
+            <a:lstStyle/>
+            <a:p>
+              <a:pPr algn="ctr"/>
+              <a:r>
+                <a:rPr lang="en-US" sz="2000" dirty="0" smtClean="0"/>
+                <a:t>ALU</a:t>
+              </a:r>
+              <a:endParaRPr lang="he-IL" sz="2000" dirty="0"/>
+            </a:p>
+          </p:txBody>
+        </p:sp>
+      </p:grpSp>
+      <p:grpSp>
+        <p:nvGrpSpPr>
+          <p:cNvPr id="52" name="קבוצה 51"/>
+          <p:cNvGrpSpPr/>
+          <p:nvPr/>
+        </p:nvGrpSpPr>
+        <p:grpSpPr>
+          <a:xfrm>
+            <a:off x="4643438" y="2682713"/>
+            <a:ext cx="1714512" cy="746287"/>
+            <a:chOff x="857224" y="1857364"/>
+            <a:chExt cx="2214578" cy="970173"/>
+          </a:xfrm>
+        </p:grpSpPr>
+        <p:sp>
+          <p:nvSpPr>
+            <p:cNvPr id="53" name="מלבן 52"/>
+            <p:cNvSpPr/>
+            <p:nvPr/>
+          </p:nvSpPr>
+          <p:spPr>
+            <a:xfrm>
+              <a:off x="1285852" y="1857364"/>
+              <a:ext cx="1357322" cy="928694"/>
+            </a:xfrm>
+            <a:prstGeom prst="rect">
+              <a:avLst/>
+            </a:prstGeom>
+            <a:noFill/>
+            <a:ln>
+              <a:solidFill>
+                <a:schemeClr val="tx1"/>
+              </a:solidFill>
+            </a:ln>
+          </p:spPr>
+          <p:style>
+            <a:lnRef idx="2">
+              <a:schemeClr val="accent1">
+                <a:shade val="50000"/>
+              </a:schemeClr>
+            </a:lnRef>
+            <a:fillRef idx="1">
+              <a:schemeClr val="accent1"/>
+            </a:fillRef>
+            <a:effectRef idx="0">
+              <a:schemeClr val="accent1"/>
+            </a:effectRef>
+            <a:fontRef idx="minor">
+              <a:schemeClr val="lt1"/>
+            </a:fontRef>
+          </p:style>
+          <p:txBody>
+            <a:bodyPr rtlCol="1" anchor="ctr"/>
+            <a:lstStyle/>
+            <a:p>
+              <a:pPr algn="ctr"/>
+              <a:endParaRPr lang="he-IL"/>
+            </a:p>
+          </p:txBody>
+        </p:sp>
+        <p:sp>
+          <p:nvSpPr>
+            <p:cNvPr id="54" name="משולש שווה שוקיים 53"/>
+            <p:cNvSpPr/>
+            <p:nvPr/>
+          </p:nvSpPr>
+          <p:spPr>
+            <a:xfrm rot="19571141">
+              <a:off x="1260000" y="2607913"/>
+              <a:ext cx="170075" cy="131886"/>
+            </a:xfrm>
+            <a:prstGeom prst="triangle">
+              <a:avLst/>
+            </a:prstGeom>
+            <a:noFill/>
+            <a:ln>
+              <a:solidFill>
+                <a:schemeClr val="tx1"/>
+              </a:solidFill>
+            </a:ln>
+          </p:spPr>
+          <p:style>
+            <a:lnRef idx="2">
+              <a:schemeClr val="accent1">
+                <a:shade val="50000"/>
+              </a:schemeClr>
+            </a:lnRef>
+            <a:fillRef idx="1">
+              <a:schemeClr val="accent1"/>
+            </a:fillRef>
+            <a:effectRef idx="0">
+              <a:schemeClr val="accent1"/>
+            </a:effectRef>
+            <a:fontRef idx="minor">
+              <a:schemeClr val="lt1"/>
+            </a:fontRef>
+          </p:style>
+          <p:txBody>
+            <a:bodyPr rtlCol="1" anchor="ctr"/>
+            <a:lstStyle/>
+            <a:p>
+              <a:pPr algn="ctr"/>
+              <a:endParaRPr lang="he-IL"/>
+            </a:p>
+          </p:txBody>
+        </p:sp>
+        <p:cxnSp>
+          <p:nvCxnSpPr>
+            <p:cNvPr id="55" name="מחבר ישר 54"/>
+            <p:cNvCxnSpPr/>
+            <p:nvPr/>
+          </p:nvCxnSpPr>
+          <p:spPr>
+            <a:xfrm>
+              <a:off x="857224" y="2714620"/>
+              <a:ext cx="428628" cy="1588"/>
+            </a:xfrm>
+            <a:prstGeom prst="line">
+              <a:avLst/>
+            </a:prstGeom>
+            <a:ln w="19050">
+              <a:solidFill>
+                <a:schemeClr val="tx1"/>
+              </a:solidFill>
+              <a:tailEnd type="none"/>
+            </a:ln>
+          </p:spPr>
+          <p:style>
+            <a:lnRef idx="1">
+              <a:schemeClr val="accent1"/>
+            </a:lnRef>
+            <a:fillRef idx="0">
+              <a:schemeClr val="accent1"/>
+            </a:fillRef>
+            <a:effectRef idx="0">
+              <a:schemeClr val="accent1"/>
+            </a:effectRef>
+            <a:fontRef idx="minor">
+              <a:schemeClr val="tx1"/>
+            </a:fontRef>
+          </p:style>
+        </p:cxnSp>
+        <p:cxnSp>
+          <p:nvCxnSpPr>
+            <p:cNvPr id="56" name="מחבר ישר 55"/>
+            <p:cNvCxnSpPr/>
+            <p:nvPr/>
+          </p:nvCxnSpPr>
+          <p:spPr>
+            <a:xfrm>
+              <a:off x="857224" y="2000240"/>
+              <a:ext cx="428628" cy="1588"/>
+            </a:xfrm>
+            <a:prstGeom prst="line">
+              <a:avLst/>
+            </a:prstGeom>
+            <a:ln w="19050">
+              <a:solidFill>
+                <a:schemeClr val="tx1"/>
+              </a:solidFill>
+              <a:tailEnd type="none"/>
+            </a:ln>
+          </p:spPr>
+          <p:style>
+            <a:lnRef idx="1">
+              <a:schemeClr val="accent1"/>
+            </a:lnRef>
+            <a:fillRef idx="0">
+              <a:schemeClr val="accent1"/>
+            </a:fillRef>
+            <a:effectRef idx="0">
+              <a:schemeClr val="accent1"/>
+            </a:effectRef>
+            <a:fontRef idx="minor">
+              <a:schemeClr val="tx1"/>
+            </a:fontRef>
+          </p:style>
+        </p:cxnSp>
+        <p:cxnSp>
+          <p:nvCxnSpPr>
+            <p:cNvPr id="57" name="מחבר ישר 56"/>
+            <p:cNvCxnSpPr/>
+            <p:nvPr/>
+          </p:nvCxnSpPr>
+          <p:spPr>
+            <a:xfrm>
+              <a:off x="2643174" y="2000240"/>
+              <a:ext cx="428628" cy="1588"/>
+            </a:xfrm>
+            <a:prstGeom prst="line">
+              <a:avLst/>
+            </a:prstGeom>
+            <a:ln w="19050">
+              <a:solidFill>
+                <a:schemeClr val="tx1"/>
+              </a:solidFill>
+              <a:tailEnd type="none"/>
+            </a:ln>
+          </p:spPr>
+          <p:style>
+            <a:lnRef idx="1">
+              <a:schemeClr val="accent1"/>
+            </a:lnRef>
+            <a:fillRef idx="0">
+              <a:schemeClr val="accent1"/>
+            </a:fillRef>
+            <a:effectRef idx="0">
+              <a:schemeClr val="accent1"/>
+            </a:effectRef>
+            <a:fontRef idx="minor">
+              <a:schemeClr val="tx1"/>
+            </a:fontRef>
+          </p:style>
+        </p:cxnSp>
+        <p:sp>
+          <p:nvSpPr>
+            <p:cNvPr id="58" name="TextBox 57"/>
+            <p:cNvSpPr txBox="1"/>
+            <p:nvPr/>
+          </p:nvSpPr>
+          <p:spPr>
+            <a:xfrm>
+              <a:off x="1595417" y="2143116"/>
+              <a:ext cx="547691" cy="480132"/>
+            </a:xfrm>
+            <a:prstGeom prst="rect">
+              <a:avLst/>
+            </a:prstGeom>
+            <a:noFill/>
+          </p:spPr>
+          <p:txBody>
+            <a:bodyPr wrap="square" rtlCol="1">
+              <a:spAutoFit/>
+            </a:bodyPr>
+            <a:lstStyle/>
+            <a:p>
+              <a:r>
+                <a:rPr lang="en-US" dirty="0" smtClean="0"/>
+                <a:t>FF</a:t>
+              </a:r>
+              <a:endParaRPr lang="he-IL" dirty="0"/>
+            </a:p>
+          </p:txBody>
+        </p:sp>
+        <p:sp>
+          <p:nvSpPr>
+            <p:cNvPr id="59" name="TextBox 58"/>
+            <p:cNvSpPr txBox="1"/>
+            <p:nvPr/>
+          </p:nvSpPr>
+          <p:spPr>
+            <a:xfrm>
+              <a:off x="1318594" y="2507450"/>
+              <a:ext cx="514949" cy="320087"/>
+            </a:xfrm>
+            <a:prstGeom prst="rect">
+              <a:avLst/>
+            </a:prstGeom>
+            <a:noFill/>
+          </p:spPr>
+          <p:txBody>
+            <a:bodyPr wrap="square" rtlCol="1">
+              <a:spAutoFit/>
+            </a:bodyPr>
+            <a:lstStyle/>
+            <a:p>
+              <a:pPr algn="ctr"/>
+              <a:r>
+                <a:rPr lang="en-US" sz="1000" dirty="0" smtClean="0"/>
+                <a:t>C1</a:t>
+              </a:r>
+              <a:endParaRPr lang="he-IL" sz="1000" dirty="0"/>
+            </a:p>
+          </p:txBody>
+        </p:sp>
+        <p:sp>
+          <p:nvSpPr>
+            <p:cNvPr id="60" name="TextBox 59"/>
+            <p:cNvSpPr txBox="1"/>
+            <p:nvPr/>
+          </p:nvSpPr>
+          <p:spPr>
+            <a:xfrm>
+              <a:off x="1193578" y="1857364"/>
+              <a:ext cx="494113" cy="260071"/>
+            </a:xfrm>
+            <a:prstGeom prst="rect">
+              <a:avLst/>
+            </a:prstGeom>
+            <a:noFill/>
+          </p:spPr>
+          <p:txBody>
+            <a:bodyPr wrap="square" rtlCol="1">
+              <a:spAutoFit/>
+            </a:bodyPr>
+            <a:lstStyle/>
+            <a:p>
+              <a:pPr algn="ctr"/>
+              <a:r>
+                <a:rPr lang="en-US" sz="700" dirty="0" smtClean="0"/>
+                <a:t>1D</a:t>
+              </a:r>
+              <a:endParaRPr lang="he-IL" sz="700" dirty="0"/>
+            </a:p>
+          </p:txBody>
+        </p:sp>
+        <p:sp>
+          <p:nvSpPr>
+            <p:cNvPr id="61" name="TextBox 60"/>
+            <p:cNvSpPr txBox="1"/>
+            <p:nvPr/>
+          </p:nvSpPr>
+          <p:spPr>
+            <a:xfrm>
+              <a:off x="2357422" y="1857364"/>
+              <a:ext cx="357190" cy="246221"/>
+            </a:xfrm>
+            <a:prstGeom prst="rect">
+              <a:avLst/>
+            </a:prstGeom>
+            <a:noFill/>
+          </p:spPr>
+          <p:txBody>
+            <a:bodyPr wrap="square" rtlCol="1">
+              <a:spAutoFit/>
+            </a:bodyPr>
+            <a:lstStyle/>
+            <a:p>
+              <a:pPr algn="ctr"/>
+              <a:r>
+                <a:rPr lang="en-US" sz="1000" dirty="0" smtClean="0"/>
+                <a:t>Q</a:t>
+              </a:r>
+              <a:endParaRPr lang="he-IL" sz="1000" dirty="0"/>
+            </a:p>
+          </p:txBody>
+        </p:sp>
+      </p:grpSp>
+      <p:cxnSp>
+        <p:nvCxnSpPr>
+          <p:cNvPr id="65" name="מחבר חץ ישר 64"/>
+          <p:cNvCxnSpPr/>
+          <p:nvPr/>
+        </p:nvCxnSpPr>
+        <p:spPr>
+          <a:xfrm>
+            <a:off x="142844" y="5643578"/>
+            <a:ext cx="642942" cy="1588"/>
+          </a:xfrm>
+          <a:prstGeom prst="straightConnector1">
+            <a:avLst/>
+          </a:prstGeom>
+          <a:ln w="19050">
+            <a:solidFill>
+              <a:schemeClr val="tx1"/>
+            </a:solidFill>
+            <a:tailEnd type="arrow"/>
+          </a:ln>
+        </p:spPr>
+        <p:style>
+          <a:lnRef idx="1">
+            <a:schemeClr val="accent1"/>
+          </a:lnRef>
+          <a:fillRef idx="0">
+            <a:schemeClr val="accent1"/>
+          </a:fillRef>
+          <a:effectRef idx="0">
+            <a:schemeClr val="accent1"/>
+          </a:effectRef>
+          <a:fontRef idx="minor">
+            <a:schemeClr val="tx1"/>
+          </a:fontRef>
+        </p:style>
+      </p:cxnSp>
+      <p:cxnSp>
+        <p:nvCxnSpPr>
+          <p:cNvPr id="67" name="מחבר חץ ישר 66"/>
+          <p:cNvCxnSpPr/>
+          <p:nvPr/>
+        </p:nvCxnSpPr>
+        <p:spPr>
+          <a:xfrm>
+            <a:off x="142844" y="2570156"/>
+            <a:ext cx="642942" cy="1588"/>
+          </a:xfrm>
+          <a:prstGeom prst="straightConnector1">
+            <a:avLst/>
+          </a:prstGeom>
+          <a:ln w="19050">
+            <a:solidFill>
+              <a:schemeClr val="tx1"/>
+            </a:solidFill>
+            <a:tailEnd type="arrow"/>
+          </a:ln>
+        </p:spPr>
+        <p:style>
+          <a:lnRef idx="1">
+            <a:schemeClr val="accent1"/>
+          </a:lnRef>
+          <a:fillRef idx="0">
+            <a:schemeClr val="accent1"/>
+          </a:fillRef>
+          <a:effectRef idx="0">
+            <a:schemeClr val="accent1"/>
+          </a:effectRef>
+          <a:fontRef idx="minor">
+            <a:schemeClr val="tx1"/>
+          </a:fontRef>
+        </p:style>
+      </p:cxnSp>
+      <p:grpSp>
+        <p:nvGrpSpPr>
+          <p:cNvPr id="69" name="קבוצה 68"/>
+          <p:cNvGrpSpPr/>
+          <p:nvPr/>
+        </p:nvGrpSpPr>
+        <p:grpSpPr>
+          <a:xfrm>
+            <a:off x="142844" y="785794"/>
+            <a:ext cx="642942" cy="287340"/>
+            <a:chOff x="142844" y="857232"/>
+            <a:chExt cx="642942" cy="287340"/>
+          </a:xfrm>
+        </p:grpSpPr>
+        <p:cxnSp>
+          <p:nvCxnSpPr>
+            <p:cNvPr id="63" name="מחבר חץ ישר 62"/>
+            <p:cNvCxnSpPr/>
+            <p:nvPr/>
+          </p:nvCxnSpPr>
+          <p:spPr>
+            <a:xfrm>
+              <a:off x="142844" y="1142984"/>
+              <a:ext cx="642942" cy="1588"/>
+            </a:xfrm>
+            <a:prstGeom prst="straightConnector1">
+              <a:avLst/>
+            </a:prstGeom>
+            <a:ln w="19050">
+              <a:solidFill>
+                <a:schemeClr val="tx1"/>
+              </a:solidFill>
+              <a:tailEnd type="arrow"/>
+            </a:ln>
+          </p:spPr>
+          <p:style>
+            <a:lnRef idx="1">
+              <a:schemeClr val="accent1"/>
+            </a:lnRef>
+            <a:fillRef idx="0">
+              <a:schemeClr val="accent1"/>
+            </a:fillRef>
+            <a:effectRef idx="0">
+              <a:schemeClr val="accent1"/>
+            </a:effectRef>
+            <a:fontRef idx="minor">
+              <a:schemeClr val="tx1"/>
+            </a:fontRef>
+          </p:style>
+        </p:cxnSp>
+        <p:sp>
+          <p:nvSpPr>
+            <p:cNvPr id="68" name="TextBox 67"/>
+            <p:cNvSpPr txBox="1"/>
+            <p:nvPr/>
+          </p:nvSpPr>
+          <p:spPr>
+            <a:xfrm>
+              <a:off x="142844" y="857232"/>
+              <a:ext cx="428628" cy="276999"/>
+            </a:xfrm>
+            <a:prstGeom prst="rect">
+              <a:avLst/>
+            </a:prstGeom>
+            <a:noFill/>
+          </p:spPr>
+          <p:txBody>
+            <a:bodyPr wrap="square" rtlCol="1">
+              <a:spAutoFit/>
+            </a:bodyPr>
+            <a:lstStyle/>
+            <a:p>
+              <a:r>
+                <a:rPr lang="en-US" sz="1200" dirty="0" err="1" smtClean="0"/>
+                <a:t>Clk</a:t>
+              </a:r>
+              <a:endParaRPr lang="he-IL" dirty="0"/>
+            </a:p>
+          </p:txBody>
+        </p:sp>
+      </p:grpSp>
+      <p:grpSp>
+        <p:nvGrpSpPr>
+          <p:cNvPr id="71" name="קבוצה 70"/>
+          <p:cNvGrpSpPr/>
+          <p:nvPr/>
+        </p:nvGrpSpPr>
+        <p:grpSpPr>
+          <a:xfrm>
+            <a:off x="142844" y="1223175"/>
+            <a:ext cx="642942" cy="276999"/>
+            <a:chOff x="142844" y="1223175"/>
+            <a:chExt cx="642942" cy="276999"/>
+          </a:xfrm>
+        </p:grpSpPr>
+        <p:cxnSp>
+          <p:nvCxnSpPr>
+            <p:cNvPr id="64" name="מחבר חץ ישר 63"/>
+            <p:cNvCxnSpPr/>
+            <p:nvPr/>
+          </p:nvCxnSpPr>
+          <p:spPr>
+            <a:xfrm>
+              <a:off x="142844" y="1498586"/>
+              <a:ext cx="642942" cy="1588"/>
+            </a:xfrm>
+            <a:prstGeom prst="straightConnector1">
+              <a:avLst/>
+            </a:prstGeom>
+            <a:ln w="19050">
+              <a:solidFill>
+                <a:schemeClr val="tx1"/>
+              </a:solidFill>
+              <a:tailEnd type="arrow"/>
+            </a:ln>
+          </p:spPr>
+          <p:style>
+            <a:lnRef idx="1">
+              <a:schemeClr val="accent1"/>
+            </a:lnRef>
+            <a:fillRef idx="0">
+              <a:schemeClr val="accent1"/>
+            </a:fillRef>
+            <a:effectRef idx="0">
+              <a:schemeClr val="accent1"/>
+            </a:effectRef>
+            <a:fontRef idx="minor">
+              <a:schemeClr val="tx1"/>
+            </a:fontRef>
+          </p:style>
+        </p:cxnSp>
+        <p:sp>
+          <p:nvSpPr>
+            <p:cNvPr id="70" name="TextBox 69"/>
+            <p:cNvSpPr txBox="1"/>
+            <p:nvPr/>
+          </p:nvSpPr>
+          <p:spPr>
+            <a:xfrm>
+              <a:off x="142844" y="1223175"/>
+              <a:ext cx="571504" cy="276999"/>
+            </a:xfrm>
+            <a:prstGeom prst="rect">
+              <a:avLst/>
+            </a:prstGeom>
+            <a:noFill/>
+          </p:spPr>
+          <p:txBody>
+            <a:bodyPr wrap="square" rtlCol="1">
+              <a:spAutoFit/>
+            </a:bodyPr>
+            <a:lstStyle/>
+            <a:p>
+              <a:r>
+                <a:rPr lang="en-US" sz="1200" dirty="0" smtClean="0"/>
+                <a:t>Reset</a:t>
+              </a:r>
+              <a:endParaRPr lang="he-IL" sz="1200" dirty="0"/>
+            </a:p>
+          </p:txBody>
+        </p:sp>
+      </p:grpSp>
+      <p:grpSp>
+        <p:nvGrpSpPr>
+          <p:cNvPr id="73" name="קבוצה 72"/>
+          <p:cNvGrpSpPr/>
+          <p:nvPr/>
+        </p:nvGrpSpPr>
+        <p:grpSpPr>
+          <a:xfrm>
+            <a:off x="142844" y="1714488"/>
+            <a:ext cx="642942" cy="428628"/>
+            <a:chOff x="142844" y="1714488"/>
+            <a:chExt cx="642942" cy="428628"/>
+          </a:xfrm>
+        </p:grpSpPr>
+        <p:cxnSp>
+          <p:nvCxnSpPr>
+            <p:cNvPr id="66" name="מחבר חץ ישר 65"/>
+            <p:cNvCxnSpPr/>
+            <p:nvPr/>
+          </p:nvCxnSpPr>
+          <p:spPr>
+            <a:xfrm>
+              <a:off x="142844" y="2141528"/>
+              <a:ext cx="642942" cy="1588"/>
+            </a:xfrm>
+            <a:prstGeom prst="straightConnector1">
+              <a:avLst/>
+            </a:prstGeom>
+            <a:ln w="19050">
+              <a:solidFill>
+                <a:schemeClr val="tx1"/>
+              </a:solidFill>
+              <a:tailEnd type="arrow"/>
+            </a:ln>
+          </p:spPr>
+          <p:style>
+            <a:lnRef idx="1">
+              <a:schemeClr val="accent1"/>
+            </a:lnRef>
+            <a:fillRef idx="0">
+              <a:schemeClr val="accent1"/>
+            </a:fillRef>
+            <a:effectRef idx="0">
+              <a:schemeClr val="accent1"/>
+            </a:effectRef>
+            <a:fontRef idx="minor">
+              <a:schemeClr val="tx1"/>
+            </a:fontRef>
+          </p:style>
+        </p:cxnSp>
+        <p:sp>
+          <p:nvSpPr>
+            <p:cNvPr id="72" name="TextBox 71"/>
+            <p:cNvSpPr txBox="1"/>
+            <p:nvPr/>
+          </p:nvSpPr>
+          <p:spPr>
+            <a:xfrm>
+              <a:off x="142844" y="1714488"/>
+              <a:ext cx="571504" cy="400110"/>
+            </a:xfrm>
+            <a:prstGeom prst="rect">
+              <a:avLst/>
+            </a:prstGeom>
+            <a:noFill/>
+          </p:spPr>
+          <p:txBody>
+            <a:bodyPr wrap="square" rtlCol="1">
+              <a:spAutoFit/>
+            </a:bodyPr>
+            <a:lstStyle/>
+            <a:p>
+              <a:pPr algn="ctr"/>
+              <a:r>
+                <a:rPr lang="en-US" sz="1000" dirty="0" smtClean="0"/>
+                <a:t>System</a:t>
+              </a:r>
+            </a:p>
+            <a:p>
+              <a:pPr algn="ctr"/>
+              <a:r>
+                <a:rPr lang="en-US" sz="1000" dirty="0" smtClean="0"/>
+                <a:t>status</a:t>
+              </a:r>
+              <a:endParaRPr lang="he-IL" sz="1000" dirty="0"/>
+            </a:p>
+          </p:txBody>
+        </p:sp>
+      </p:grpSp>
+      <p:sp>
+        <p:nvSpPr>
+          <p:cNvPr id="74" name="TextBox 73"/>
+          <p:cNvSpPr txBox="1"/>
+          <p:nvPr/>
+        </p:nvSpPr>
+        <p:spPr>
+          <a:xfrm>
+            <a:off x="71406" y="2214554"/>
+            <a:ext cx="642910" cy="253916"/>
+          </a:xfrm>
+          <a:prstGeom prst="rect">
+            <a:avLst/>
+          </a:prstGeom>
+          <a:noFill/>
+        </p:spPr>
+        <p:txBody>
+          <a:bodyPr wrap="square" rtlCol="1">
+            <a:spAutoFit/>
+          </a:bodyPr>
+          <a:lstStyle/>
+          <a:p>
+            <a:r>
+              <a:rPr lang="en-US" sz="1050" dirty="0" err="1" smtClean="0"/>
+              <a:t>wc</a:t>
+            </a:r>
+            <a:r>
+              <a:rPr lang="en-US" sz="1050" dirty="0" smtClean="0"/>
+              <a:t> </a:t>
+            </a:r>
+            <a:r>
+              <a:rPr lang="en-US" sz="1050" dirty="0" smtClean="0"/>
+              <a:t>to </a:t>
+            </a:r>
+            <a:r>
+              <a:rPr lang="en-US" sz="1050" dirty="0" err="1" smtClean="0"/>
+              <a:t>rc</a:t>
+            </a:r>
+            <a:endParaRPr lang="he-IL" sz="1050" dirty="0"/>
+          </a:p>
+        </p:txBody>
+      </p:sp>
+      <p:sp>
+        <p:nvSpPr>
+          <p:cNvPr id="75" name="TextBox 74"/>
+          <p:cNvSpPr txBox="1"/>
+          <p:nvPr/>
+        </p:nvSpPr>
+        <p:spPr>
+          <a:xfrm>
+            <a:off x="142844" y="5228080"/>
+            <a:ext cx="714380" cy="415498"/>
+          </a:xfrm>
+          <a:prstGeom prst="rect">
+            <a:avLst/>
+          </a:prstGeom>
+          <a:noFill/>
+        </p:spPr>
+        <p:txBody>
+          <a:bodyPr wrap="square" rtlCol="1">
+            <a:spAutoFit/>
+          </a:bodyPr>
+          <a:lstStyle/>
+          <a:p>
+            <a:pPr algn="ctr"/>
+            <a:r>
+              <a:rPr lang="en-US" sz="1050" dirty="0" smtClean="0"/>
+              <a:t>RAM to </a:t>
+            </a:r>
+            <a:r>
+              <a:rPr lang="en-US" sz="1050" dirty="0" err="1" smtClean="0"/>
+              <a:t>rc</a:t>
+            </a:r>
+            <a:endParaRPr lang="he-IL" sz="1050" dirty="0"/>
+          </a:p>
+        </p:txBody>
+      </p:sp>
+      <p:grpSp>
+        <p:nvGrpSpPr>
+          <p:cNvPr id="76" name="קבוצה 75"/>
+          <p:cNvGrpSpPr/>
+          <p:nvPr/>
+        </p:nvGrpSpPr>
+        <p:grpSpPr>
+          <a:xfrm>
+            <a:off x="3500430" y="5533200"/>
+            <a:ext cx="1714512" cy="746287"/>
+            <a:chOff x="857224" y="1857364"/>
+            <a:chExt cx="2214578" cy="970173"/>
+          </a:xfrm>
+        </p:grpSpPr>
+        <p:sp>
+          <p:nvSpPr>
+            <p:cNvPr id="77" name="מלבן 76"/>
+            <p:cNvSpPr/>
+            <p:nvPr/>
+          </p:nvSpPr>
+          <p:spPr>
+            <a:xfrm>
+              <a:off x="1285852" y="1857364"/>
+              <a:ext cx="1357322" cy="928694"/>
+            </a:xfrm>
+            <a:prstGeom prst="rect">
+              <a:avLst/>
+            </a:prstGeom>
+            <a:noFill/>
+            <a:ln>
+              <a:solidFill>
+                <a:schemeClr val="tx1"/>
+              </a:solidFill>
+            </a:ln>
+          </p:spPr>
+          <p:style>
+            <a:lnRef idx="2">
+              <a:schemeClr val="accent1">
+                <a:shade val="50000"/>
+              </a:schemeClr>
+            </a:lnRef>
+            <a:fillRef idx="1">
+              <a:schemeClr val="accent1"/>
+            </a:fillRef>
+            <a:effectRef idx="0">
+              <a:schemeClr val="accent1"/>
+            </a:effectRef>
+            <a:fontRef idx="minor">
+              <a:schemeClr val="lt1"/>
+            </a:fontRef>
+          </p:style>
+          <p:txBody>
+            <a:bodyPr rtlCol="1" anchor="ctr"/>
+            <a:lstStyle/>
+            <a:p>
+              <a:pPr algn="ctr"/>
+              <a:endParaRPr lang="he-IL"/>
+            </a:p>
+          </p:txBody>
+        </p:sp>
+        <p:sp>
+          <p:nvSpPr>
+            <p:cNvPr id="78" name="משולש שווה שוקיים 77"/>
+            <p:cNvSpPr/>
+            <p:nvPr/>
+          </p:nvSpPr>
+          <p:spPr>
+            <a:xfrm rot="19571141">
+              <a:off x="1260000" y="2607913"/>
+              <a:ext cx="170075" cy="131886"/>
+            </a:xfrm>
+            <a:prstGeom prst="triangle">
+              <a:avLst/>
+            </a:prstGeom>
+            <a:noFill/>
+            <a:ln>
+              <a:solidFill>
+                <a:schemeClr val="tx1"/>
+              </a:solidFill>
+            </a:ln>
+          </p:spPr>
+          <p:style>
+            <a:lnRef idx="2">
+              <a:schemeClr val="accent1">
+                <a:shade val="50000"/>
+              </a:schemeClr>
+            </a:lnRef>
+            <a:fillRef idx="1">
+              <a:schemeClr val="accent1"/>
+            </a:fillRef>
+            <a:effectRef idx="0">
+              <a:schemeClr val="accent1"/>
+            </a:effectRef>
+            <a:fontRef idx="minor">
+              <a:schemeClr val="lt1"/>
+            </a:fontRef>
+          </p:style>
+          <p:txBody>
+            <a:bodyPr rtlCol="1" anchor="ctr"/>
+            <a:lstStyle/>
+            <a:p>
+              <a:pPr algn="ctr"/>
+              <a:endParaRPr lang="he-IL"/>
+            </a:p>
+          </p:txBody>
+        </p:sp>
+        <p:cxnSp>
+          <p:nvCxnSpPr>
+            <p:cNvPr id="79" name="מחבר ישר 78"/>
+            <p:cNvCxnSpPr/>
+            <p:nvPr/>
+          </p:nvCxnSpPr>
+          <p:spPr>
+            <a:xfrm>
+              <a:off x="857224" y="2714620"/>
+              <a:ext cx="428628" cy="1588"/>
+            </a:xfrm>
+            <a:prstGeom prst="line">
+              <a:avLst/>
+            </a:prstGeom>
+            <a:ln w="19050">
+              <a:solidFill>
+                <a:schemeClr val="tx1"/>
+              </a:solidFill>
+              <a:tailEnd type="none"/>
+            </a:ln>
+          </p:spPr>
+          <p:style>
+            <a:lnRef idx="1">
+              <a:schemeClr val="accent1"/>
+            </a:lnRef>
+            <a:fillRef idx="0">
+              <a:schemeClr val="accent1"/>
+            </a:fillRef>
+            <a:effectRef idx="0">
+              <a:schemeClr val="accent1"/>
+            </a:effectRef>
+            <a:fontRef idx="minor">
+              <a:schemeClr val="tx1"/>
+            </a:fontRef>
+          </p:style>
+        </p:cxnSp>
+        <p:cxnSp>
+          <p:nvCxnSpPr>
+            <p:cNvPr id="80" name="מחבר ישר 79"/>
+            <p:cNvCxnSpPr/>
+            <p:nvPr/>
+          </p:nvCxnSpPr>
+          <p:spPr>
+            <a:xfrm>
+              <a:off x="857224" y="2000240"/>
+              <a:ext cx="428628" cy="1588"/>
+            </a:xfrm>
+            <a:prstGeom prst="line">
+              <a:avLst/>
+            </a:prstGeom>
+            <a:ln w="19050">
+              <a:solidFill>
+                <a:schemeClr val="tx1"/>
+              </a:solidFill>
+              <a:tailEnd type="none"/>
+            </a:ln>
+          </p:spPr>
+          <p:style>
+            <a:lnRef idx="1">
+              <a:schemeClr val="accent1"/>
+            </a:lnRef>
+            <a:fillRef idx="0">
+              <a:schemeClr val="accent1"/>
+            </a:fillRef>
+            <a:effectRef idx="0">
+              <a:schemeClr val="accent1"/>
+            </a:effectRef>
+            <a:fontRef idx="minor">
+              <a:schemeClr val="tx1"/>
+            </a:fontRef>
+          </p:style>
+        </p:cxnSp>
+        <p:cxnSp>
+          <p:nvCxnSpPr>
+            <p:cNvPr id="81" name="מחבר ישר 80"/>
+            <p:cNvCxnSpPr/>
+            <p:nvPr/>
+          </p:nvCxnSpPr>
+          <p:spPr>
+            <a:xfrm>
+              <a:off x="2643174" y="2000240"/>
+              <a:ext cx="428628" cy="1588"/>
+            </a:xfrm>
+            <a:prstGeom prst="line">
+              <a:avLst/>
+            </a:prstGeom>
+            <a:ln w="19050">
+              <a:solidFill>
+                <a:schemeClr val="tx1"/>
+              </a:solidFill>
+              <a:tailEnd type="none"/>
+            </a:ln>
+          </p:spPr>
+          <p:style>
+            <a:lnRef idx="1">
+              <a:schemeClr val="accent1"/>
+            </a:lnRef>
+            <a:fillRef idx="0">
+              <a:schemeClr val="accent1"/>
+            </a:fillRef>
+            <a:effectRef idx="0">
+              <a:schemeClr val="accent1"/>
+            </a:effectRef>
+            <a:fontRef idx="minor">
+              <a:schemeClr val="tx1"/>
+            </a:fontRef>
+          </p:style>
+        </p:cxnSp>
+        <p:sp>
+          <p:nvSpPr>
+            <p:cNvPr id="82" name="TextBox 81"/>
+            <p:cNvSpPr txBox="1"/>
+            <p:nvPr/>
+          </p:nvSpPr>
+          <p:spPr>
+            <a:xfrm>
+              <a:off x="1595417" y="2143116"/>
+              <a:ext cx="547691" cy="480132"/>
+            </a:xfrm>
+            <a:prstGeom prst="rect">
+              <a:avLst/>
+            </a:prstGeom>
+            <a:noFill/>
+          </p:spPr>
+          <p:txBody>
+            <a:bodyPr wrap="square" rtlCol="1">
+              <a:spAutoFit/>
+            </a:bodyPr>
+            <a:lstStyle/>
+            <a:p>
+              <a:r>
+                <a:rPr lang="en-US" dirty="0" smtClean="0"/>
+                <a:t>FF</a:t>
+              </a:r>
+              <a:endParaRPr lang="he-IL" dirty="0"/>
+            </a:p>
+          </p:txBody>
+        </p:sp>
+        <p:sp>
+          <p:nvSpPr>
+            <p:cNvPr id="83" name="TextBox 82"/>
+            <p:cNvSpPr txBox="1"/>
+            <p:nvPr/>
+          </p:nvSpPr>
+          <p:spPr>
+            <a:xfrm>
+              <a:off x="1318594" y="2507450"/>
+              <a:ext cx="514949" cy="320087"/>
+            </a:xfrm>
+            <a:prstGeom prst="rect">
+              <a:avLst/>
+            </a:prstGeom>
+            <a:noFill/>
+          </p:spPr>
+          <p:txBody>
+            <a:bodyPr wrap="square" rtlCol="1">
+              <a:spAutoFit/>
+            </a:bodyPr>
+            <a:lstStyle/>
+            <a:p>
+              <a:pPr algn="ctr"/>
+              <a:r>
+                <a:rPr lang="en-US" sz="1000" dirty="0" smtClean="0"/>
+                <a:t>C1</a:t>
+              </a:r>
+              <a:endParaRPr lang="he-IL" sz="1000" dirty="0"/>
+            </a:p>
+          </p:txBody>
+        </p:sp>
+        <p:sp>
+          <p:nvSpPr>
+            <p:cNvPr id="84" name="TextBox 83"/>
+            <p:cNvSpPr txBox="1"/>
+            <p:nvPr/>
+          </p:nvSpPr>
+          <p:spPr>
+            <a:xfrm>
+              <a:off x="1193578" y="1857364"/>
+              <a:ext cx="494113" cy="260071"/>
+            </a:xfrm>
+            <a:prstGeom prst="rect">
+              <a:avLst/>
+            </a:prstGeom>
+            <a:noFill/>
+          </p:spPr>
+          <p:txBody>
+            <a:bodyPr wrap="square" rtlCol="1">
+              <a:spAutoFit/>
+            </a:bodyPr>
+            <a:lstStyle/>
+            <a:p>
+              <a:pPr algn="ctr"/>
+              <a:r>
+                <a:rPr lang="en-US" sz="700" dirty="0" smtClean="0"/>
+                <a:t>1D</a:t>
+              </a:r>
+              <a:endParaRPr lang="he-IL" sz="700" dirty="0"/>
+            </a:p>
+          </p:txBody>
+        </p:sp>
+        <p:sp>
+          <p:nvSpPr>
+            <p:cNvPr id="85" name="TextBox 84"/>
+            <p:cNvSpPr txBox="1"/>
+            <p:nvPr/>
+          </p:nvSpPr>
+          <p:spPr>
+            <a:xfrm>
+              <a:off x="2357422" y="1857364"/>
+              <a:ext cx="357190" cy="246221"/>
+            </a:xfrm>
+            <a:prstGeom prst="rect">
+              <a:avLst/>
+            </a:prstGeom>
+            <a:noFill/>
+          </p:spPr>
+          <p:txBody>
+            <a:bodyPr wrap="square" rtlCol="1">
+              <a:spAutoFit/>
+            </a:bodyPr>
+            <a:lstStyle/>
+            <a:p>
+              <a:pPr algn="ctr"/>
+              <a:r>
+                <a:rPr lang="en-US" sz="1000" dirty="0" smtClean="0"/>
+                <a:t>Q</a:t>
+              </a:r>
+              <a:endParaRPr lang="he-IL" sz="1000" dirty="0"/>
+            </a:p>
+          </p:txBody>
+        </p:sp>
+      </p:grpSp>
+      <p:cxnSp>
+        <p:nvCxnSpPr>
+          <p:cNvPr id="87" name="מחבר ישר 86"/>
+          <p:cNvCxnSpPr/>
+          <p:nvPr/>
+        </p:nvCxnSpPr>
+        <p:spPr>
+          <a:xfrm>
+            <a:off x="785786" y="5643578"/>
+            <a:ext cx="2786082" cy="1588"/>
+          </a:xfrm>
+          <a:prstGeom prst="line">
+            <a:avLst/>
+          </a:prstGeom>
+          <a:ln w="19050">
+            <a:solidFill>
+              <a:schemeClr val="tx1"/>
+            </a:solidFill>
+            <a:tailEnd type="none"/>
+          </a:ln>
+        </p:spPr>
+        <p:style>
+          <a:lnRef idx="1">
+            <a:schemeClr val="accent1"/>
+          </a:lnRef>
+          <a:fillRef idx="0">
+            <a:schemeClr val="accent1"/>
+          </a:fillRef>
+          <a:effectRef idx="0">
+            <a:schemeClr val="accent1"/>
+          </a:effectRef>
+          <a:fontRef idx="minor">
+            <a:schemeClr val="tx1"/>
+          </a:fontRef>
+        </p:style>
+      </p:cxnSp>
+      <p:cxnSp>
+        <p:nvCxnSpPr>
+          <p:cNvPr id="89" name="מחבר חץ ישר 88"/>
+          <p:cNvCxnSpPr>
+            <a:endCxn id="6" idx="1"/>
+          </p:cNvCxnSpPr>
+          <p:nvPr/>
+        </p:nvCxnSpPr>
+        <p:spPr>
+          <a:xfrm flipV="1">
+            <a:off x="5214942" y="5635637"/>
+            <a:ext cx="3000396" cy="7941"/>
+          </a:xfrm>
+          <a:prstGeom prst="straightConnector1">
+            <a:avLst/>
+          </a:prstGeom>
+          <a:ln w="19050">
+            <a:solidFill>
+              <a:schemeClr val="tx1"/>
+            </a:solidFill>
+            <a:tailEnd type="arrow"/>
+          </a:ln>
+        </p:spPr>
+        <p:style>
+          <a:lnRef idx="1">
+            <a:schemeClr val="accent1"/>
+          </a:lnRef>
+          <a:fillRef idx="0">
+            <a:schemeClr val="accent1"/>
+          </a:fillRef>
+          <a:effectRef idx="0">
+            <a:schemeClr val="accent1"/>
+          </a:effectRef>
+          <a:fontRef idx="minor">
+            <a:schemeClr val="tx1"/>
+          </a:fontRef>
+        </p:style>
+      </p:cxnSp>
+      <p:sp>
+        <p:nvSpPr>
+          <p:cNvPr id="91" name="TextBox 90"/>
+          <p:cNvSpPr txBox="1"/>
+          <p:nvPr/>
+        </p:nvSpPr>
+        <p:spPr>
+          <a:xfrm>
+            <a:off x="7215206" y="5357826"/>
+            <a:ext cx="857224" cy="253916"/>
+          </a:xfrm>
+          <a:prstGeom prst="rect">
+            <a:avLst/>
+          </a:prstGeom>
+          <a:noFill/>
+        </p:spPr>
+        <p:txBody>
+          <a:bodyPr wrap="square" rtlCol="1">
+            <a:spAutoFit/>
+          </a:bodyPr>
+          <a:lstStyle/>
+          <a:p>
+            <a:r>
+              <a:rPr lang="en-US" sz="1050" dirty="0" err="1" smtClean="0"/>
+              <a:t>rc_to_WBM</a:t>
+            </a:r>
+            <a:endParaRPr lang="he-IL" sz="1050" dirty="0"/>
+          </a:p>
+        </p:txBody>
+      </p:sp>
+      <p:cxnSp>
+        <p:nvCxnSpPr>
+          <p:cNvPr id="95" name="מחבר ישר 94"/>
+          <p:cNvCxnSpPr/>
+          <p:nvPr/>
+        </p:nvCxnSpPr>
+        <p:spPr>
+          <a:xfrm rot="10800000">
+            <a:off x="3888000" y="2797200"/>
+            <a:ext cx="928694" cy="1588"/>
+          </a:xfrm>
+          <a:prstGeom prst="line">
+            <a:avLst/>
+          </a:prstGeom>
+          <a:ln w="19050">
+            <a:solidFill>
+              <a:schemeClr val="tx1"/>
+            </a:solidFill>
+            <a:tailEnd type="none"/>
+          </a:ln>
+        </p:spPr>
+        <p:style>
+          <a:lnRef idx="1">
+            <a:schemeClr val="accent1"/>
+          </a:lnRef>
+          <a:fillRef idx="0">
+            <a:schemeClr val="accent1"/>
+          </a:fillRef>
+          <a:effectRef idx="0">
+            <a:schemeClr val="accent1"/>
+          </a:effectRef>
+          <a:fontRef idx="minor">
+            <a:schemeClr val="tx1"/>
+          </a:fontRef>
+        </p:style>
+      </p:cxnSp>
+      <p:cxnSp>
+        <p:nvCxnSpPr>
+          <p:cNvPr id="99" name="מחבר חץ ישר 98"/>
+          <p:cNvCxnSpPr/>
+          <p:nvPr/>
+        </p:nvCxnSpPr>
+        <p:spPr>
+          <a:xfrm>
+            <a:off x="6357950" y="2786058"/>
+            <a:ext cx="1857388" cy="1588"/>
+          </a:xfrm>
+          <a:prstGeom prst="straightConnector1">
+            <a:avLst/>
+          </a:prstGeom>
+          <a:ln w="19050">
+            <a:solidFill>
+              <a:schemeClr val="tx1"/>
+            </a:solidFill>
+            <a:tailEnd type="arrow"/>
+          </a:ln>
+        </p:spPr>
+        <p:style>
+          <a:lnRef idx="1">
+            <a:schemeClr val="accent1"/>
+          </a:lnRef>
+          <a:fillRef idx="0">
+            <a:schemeClr val="accent1"/>
+          </a:fillRef>
+          <a:effectRef idx="0">
+            <a:schemeClr val="accent1"/>
+          </a:effectRef>
+          <a:fontRef idx="minor">
+            <a:schemeClr val="tx1"/>
+          </a:fontRef>
+        </p:style>
+      </p:cxnSp>
+      <p:sp>
+        <p:nvSpPr>
+          <p:cNvPr id="100" name="TextBox 99"/>
+          <p:cNvSpPr txBox="1"/>
+          <p:nvPr/>
+        </p:nvSpPr>
+        <p:spPr>
+          <a:xfrm>
+            <a:off x="7286644" y="2571744"/>
+            <a:ext cx="857224" cy="253916"/>
+          </a:xfrm>
+          <a:prstGeom prst="rect">
+            <a:avLst/>
+          </a:prstGeom>
+          <a:noFill/>
+        </p:spPr>
+        <p:txBody>
+          <a:bodyPr wrap="square" rtlCol="1">
+            <a:spAutoFit/>
+          </a:bodyPr>
+          <a:lstStyle/>
+          <a:p>
+            <a:r>
+              <a:rPr lang="en-US" sz="1050" dirty="0" err="1" smtClean="0"/>
+              <a:t>rc_to_RAM</a:t>
+            </a:r>
+            <a:endParaRPr lang="he-IL" sz="1050" dirty="0"/>
+          </a:p>
+        </p:txBody>
+      </p:sp>
+      <p:cxnSp>
+        <p:nvCxnSpPr>
+          <p:cNvPr id="102" name="מחבר חץ ישר 101"/>
+          <p:cNvCxnSpPr/>
+          <p:nvPr/>
+        </p:nvCxnSpPr>
+        <p:spPr>
+          <a:xfrm>
+            <a:off x="8215338" y="2786058"/>
+            <a:ext cx="714380" cy="1588"/>
+          </a:xfrm>
+          <a:prstGeom prst="straightConnector1">
+            <a:avLst/>
+          </a:prstGeom>
+          <a:ln w="19050">
+            <a:solidFill>
+              <a:schemeClr val="tx1"/>
+            </a:solidFill>
+            <a:tailEnd type="arrow"/>
+          </a:ln>
+        </p:spPr>
+        <p:style>
+          <a:lnRef idx="1">
+            <a:schemeClr val="accent1"/>
+          </a:lnRef>
+          <a:fillRef idx="0">
+            <a:schemeClr val="accent1"/>
+          </a:fillRef>
+          <a:effectRef idx="0">
+            <a:schemeClr val="accent1"/>
+          </a:effectRef>
+          <a:fontRef idx="minor">
+            <a:schemeClr val="tx1"/>
+          </a:fontRef>
+        </p:style>
+      </p:cxnSp>
+      <p:cxnSp>
+        <p:nvCxnSpPr>
+          <p:cNvPr id="104" name="מחבר ישר 103"/>
+          <p:cNvCxnSpPr/>
+          <p:nvPr/>
+        </p:nvCxnSpPr>
+        <p:spPr>
+          <a:xfrm rot="5400000">
+            <a:off x="8393933" y="2678901"/>
+            <a:ext cx="285752" cy="214314"/>
+          </a:xfrm>
+          <a:prstGeom prst="line">
+            <a:avLst/>
+          </a:prstGeom>
+          <a:ln w="19050">
+            <a:solidFill>
+              <a:schemeClr val="tx1"/>
+            </a:solidFill>
+            <a:tailEnd type="none"/>
+          </a:ln>
+        </p:spPr>
+        <p:style>
+          <a:lnRef idx="1">
+            <a:schemeClr val="accent1"/>
+          </a:lnRef>
+          <a:fillRef idx="0">
+            <a:schemeClr val="accent1"/>
+          </a:fillRef>
+          <a:effectRef idx="0">
+            <a:schemeClr val="accent1"/>
+          </a:effectRef>
+          <a:fontRef idx="minor">
+            <a:schemeClr val="tx1"/>
+          </a:fontRef>
+        </p:style>
+      </p:cxnSp>
+      <p:sp>
+        <p:nvSpPr>
+          <p:cNvPr id="105" name="TextBox 104"/>
+          <p:cNvSpPr txBox="1"/>
+          <p:nvPr/>
+        </p:nvSpPr>
+        <p:spPr>
+          <a:xfrm>
+            <a:off x="8143932" y="2428868"/>
+            <a:ext cx="857224" cy="253916"/>
+          </a:xfrm>
+          <a:prstGeom prst="rect">
+            <a:avLst/>
+          </a:prstGeom>
+          <a:noFill/>
+        </p:spPr>
+        <p:txBody>
+          <a:bodyPr wrap="square" rtlCol="1">
+            <a:spAutoFit/>
+          </a:bodyPr>
+          <a:lstStyle/>
+          <a:p>
+            <a:r>
+              <a:rPr lang="en-US" sz="1050" dirty="0" err="1" smtClean="0"/>
+              <a:t>rc_to_RAM</a:t>
+            </a:r>
+            <a:endParaRPr lang="he-IL" sz="1050" dirty="0"/>
+          </a:p>
+        </p:txBody>
+      </p:sp>
+      <p:cxnSp>
+        <p:nvCxnSpPr>
+          <p:cNvPr id="107" name="מחבר מרפקי 106"/>
+          <p:cNvCxnSpPr/>
+          <p:nvPr/>
+        </p:nvCxnSpPr>
+        <p:spPr>
+          <a:xfrm>
+            <a:off x="785786" y="2571744"/>
+            <a:ext cx="2428892" cy="357190"/>
+          </a:xfrm>
+          <a:prstGeom prst="bentConnector3">
+            <a:avLst>
+              <a:gd name="adj1" fmla="val 50000"/>
+            </a:avLst>
+          </a:prstGeom>
+          <a:ln w="19050">
+            <a:solidFill>
+              <a:schemeClr val="tx1"/>
+            </a:solidFill>
+            <a:tailEnd type="none"/>
+          </a:ln>
+        </p:spPr>
+        <p:style>
+          <a:lnRef idx="1">
+            <a:schemeClr val="accent1"/>
+          </a:lnRef>
+          <a:fillRef idx="0">
+            <a:schemeClr val="accent1"/>
+          </a:fillRef>
+          <a:effectRef idx="0">
+            <a:schemeClr val="accent1"/>
+          </a:effectRef>
+          <a:fontRef idx="minor">
+            <a:schemeClr val="tx1"/>
+          </a:fontRef>
+        </p:style>
+      </p:cxnSp>
+      <p:cxnSp>
+        <p:nvCxnSpPr>
+          <p:cNvPr id="114" name="מחבר מרפקי 113"/>
+          <p:cNvCxnSpPr/>
+          <p:nvPr/>
+        </p:nvCxnSpPr>
+        <p:spPr>
+          <a:xfrm>
+            <a:off x="785786" y="2143116"/>
+            <a:ext cx="2428892" cy="428628"/>
+          </a:xfrm>
+          <a:prstGeom prst="bentConnector3">
+            <a:avLst>
+              <a:gd name="adj1" fmla="val 62343"/>
+            </a:avLst>
+          </a:prstGeom>
+          <a:ln w="19050">
+            <a:solidFill>
+              <a:schemeClr val="tx1"/>
+            </a:solidFill>
+            <a:tailEnd type="none"/>
+          </a:ln>
+        </p:spPr>
+        <p:style>
+          <a:lnRef idx="1">
+            <a:schemeClr val="accent1"/>
+          </a:lnRef>
+          <a:fillRef idx="0">
+            <a:schemeClr val="accent1"/>
+          </a:fillRef>
+          <a:effectRef idx="0">
+            <a:schemeClr val="accent1"/>
+          </a:effectRef>
+          <a:fontRef idx="minor">
+            <a:schemeClr val="tx1"/>
+          </a:fontRef>
+        </p:style>
+      </p:cxnSp>
+      <p:cxnSp>
+        <p:nvCxnSpPr>
+          <p:cNvPr id="120" name="מחבר ישר 119"/>
+          <p:cNvCxnSpPr/>
+          <p:nvPr/>
+        </p:nvCxnSpPr>
+        <p:spPr>
+          <a:xfrm>
+            <a:off x="785786" y="1071546"/>
+            <a:ext cx="357190" cy="1588"/>
+          </a:xfrm>
+          <a:prstGeom prst="line">
+            <a:avLst/>
+          </a:prstGeom>
+          <a:ln w="19050">
+            <a:solidFill>
+              <a:schemeClr val="tx1"/>
+            </a:solidFill>
+            <a:tailEnd type="none"/>
+          </a:ln>
+        </p:spPr>
+        <p:style>
+          <a:lnRef idx="1">
+            <a:schemeClr val="accent1"/>
+          </a:lnRef>
+          <a:fillRef idx="0">
+            <a:schemeClr val="accent1"/>
+          </a:fillRef>
+          <a:effectRef idx="0">
+            <a:schemeClr val="accent1"/>
+          </a:effectRef>
+          <a:fontRef idx="minor">
+            <a:schemeClr val="tx1"/>
+          </a:fontRef>
+        </p:style>
+      </p:cxnSp>
+      <p:cxnSp>
+        <p:nvCxnSpPr>
+          <p:cNvPr id="122" name="מחבר ישר 121"/>
+          <p:cNvCxnSpPr/>
+          <p:nvPr/>
+        </p:nvCxnSpPr>
+        <p:spPr>
+          <a:xfrm rot="5400000">
+            <a:off x="-1428792" y="3643314"/>
+            <a:ext cx="5143536" cy="1588"/>
+          </a:xfrm>
+          <a:prstGeom prst="line">
+            <a:avLst/>
+          </a:prstGeom>
+          <a:ln w="19050">
+            <a:solidFill>
+              <a:schemeClr val="tx1"/>
+            </a:solidFill>
+            <a:tailEnd type="none"/>
+          </a:ln>
+        </p:spPr>
+        <p:style>
+          <a:lnRef idx="1">
+            <a:schemeClr val="accent1"/>
+          </a:lnRef>
+          <a:fillRef idx="0">
+            <a:schemeClr val="accent1"/>
+          </a:fillRef>
+          <a:effectRef idx="0">
+            <a:schemeClr val="accent1"/>
+          </a:effectRef>
+          <a:fontRef idx="minor">
+            <a:schemeClr val="tx1"/>
+          </a:fontRef>
+        </p:style>
+      </p:cxnSp>
+      <p:cxnSp>
+        <p:nvCxnSpPr>
+          <p:cNvPr id="124" name="מחבר ישר 123"/>
+          <p:cNvCxnSpPr/>
+          <p:nvPr/>
+        </p:nvCxnSpPr>
+        <p:spPr>
+          <a:xfrm flipV="1">
+            <a:off x="1142976" y="6193588"/>
+            <a:ext cx="2428892" cy="21494"/>
+          </a:xfrm>
+          <a:prstGeom prst="line">
+            <a:avLst/>
+          </a:prstGeom>
+          <a:ln w="19050">
+            <a:solidFill>
+              <a:schemeClr val="tx1"/>
+            </a:solidFill>
+            <a:tailEnd type="none"/>
+          </a:ln>
+        </p:spPr>
+        <p:style>
+          <a:lnRef idx="1">
+            <a:schemeClr val="accent1"/>
+          </a:lnRef>
+          <a:fillRef idx="0">
+            <a:schemeClr val="accent1"/>
+          </a:fillRef>
+          <a:effectRef idx="0">
+            <a:schemeClr val="accent1"/>
+          </a:effectRef>
+          <a:fontRef idx="minor">
+            <a:schemeClr val="tx1"/>
+          </a:fontRef>
+        </p:style>
+      </p:cxnSp>
+      <p:cxnSp>
+        <p:nvCxnSpPr>
+          <p:cNvPr id="139" name="מחבר ישר 138"/>
+          <p:cNvCxnSpPr/>
+          <p:nvPr/>
+        </p:nvCxnSpPr>
+        <p:spPr>
+          <a:xfrm>
+            <a:off x="1142976" y="3344400"/>
+            <a:ext cx="3500462" cy="1588"/>
+          </a:xfrm>
+          <a:prstGeom prst="line">
+            <a:avLst/>
+          </a:prstGeom>
+          <a:ln w="19050">
+            <a:solidFill>
+              <a:schemeClr val="tx1"/>
+            </a:solidFill>
+            <a:tailEnd type="none"/>
+          </a:ln>
+        </p:spPr>
+        <p:style>
+          <a:lnRef idx="1">
+            <a:schemeClr val="accent1"/>
+          </a:lnRef>
+          <a:fillRef idx="0">
+            <a:schemeClr val="accent1"/>
+          </a:fillRef>
+          <a:effectRef idx="0">
+            <a:schemeClr val="accent1"/>
+          </a:effectRef>
+          <a:fontRef idx="minor">
+            <a:schemeClr val="tx1"/>
+          </a:fontRef>
+        </p:style>
+      </p:cxnSp>
+      <p:cxnSp>
+        <p:nvCxnSpPr>
+          <p:cNvPr id="141" name="Shape 140"/>
+          <p:cNvCxnSpPr>
+            <a:endCxn id="36" idx="0"/>
+          </p:cNvCxnSpPr>
+          <p:nvPr/>
+        </p:nvCxnSpPr>
+        <p:spPr>
+          <a:xfrm>
+            <a:off x="785786" y="1500174"/>
+            <a:ext cx="2775685" cy="928694"/>
+          </a:xfrm>
+          <a:prstGeom prst="bentConnector2">
+            <a:avLst/>
+          </a:prstGeom>
+          <a:ln w="19050">
+            <a:solidFill>
+              <a:schemeClr val="tx1"/>
+            </a:solidFill>
+            <a:tailEnd type="none"/>
+          </a:ln>
+        </p:spPr>
+        <p:style>
+          <a:lnRef idx="1">
+            <a:schemeClr val="accent1"/>
+          </a:lnRef>
+          <a:fillRef idx="0">
+            <a:schemeClr val="accent1"/>
+          </a:fillRef>
+          <a:effectRef idx="0">
+            <a:schemeClr val="accent1"/>
+          </a:effectRef>
+          <a:fontRef idx="minor">
+            <a:schemeClr val="tx1"/>
+          </a:fontRef>
+        </p:style>
+      </p:cxnSp>
+      <p:cxnSp>
+        <p:nvCxnSpPr>
+          <p:cNvPr id="144" name="מחבר ישר 143"/>
+          <p:cNvCxnSpPr/>
+          <p:nvPr/>
+        </p:nvCxnSpPr>
+        <p:spPr>
+          <a:xfrm rot="5400000">
+            <a:off x="6215074" y="2643182"/>
+            <a:ext cx="285752" cy="285752"/>
+          </a:xfrm>
+          <a:prstGeom prst="line">
+            <a:avLst/>
+          </a:prstGeom>
+          <a:ln w="19050">
+            <a:solidFill>
+              <a:schemeClr val="tx1"/>
+            </a:solidFill>
+            <a:tailEnd type="none"/>
+          </a:ln>
+        </p:spPr>
+        <p:style>
+          <a:lnRef idx="1">
+            <a:schemeClr val="accent1"/>
+          </a:lnRef>
+          <a:fillRef idx="0">
+            <a:schemeClr val="accent1"/>
+          </a:fillRef>
+          <a:effectRef idx="0">
+            <a:schemeClr val="accent1"/>
+          </a:effectRef>
+          <a:fontRef idx="minor">
+            <a:schemeClr val="tx1"/>
+          </a:fontRef>
+        </p:style>
+      </p:cxnSp>
+      <p:cxnSp>
+        <p:nvCxnSpPr>
+          <p:cNvPr id="146" name="מחבר ישר 145"/>
+          <p:cNvCxnSpPr/>
+          <p:nvPr/>
+        </p:nvCxnSpPr>
+        <p:spPr>
+          <a:xfrm rot="5400000">
+            <a:off x="5500694" y="5500702"/>
+            <a:ext cx="285752" cy="285752"/>
+          </a:xfrm>
+          <a:prstGeom prst="line">
+            <a:avLst/>
+          </a:prstGeom>
+          <a:ln w="19050">
+            <a:solidFill>
+              <a:schemeClr val="tx1"/>
+            </a:solidFill>
+            <a:tailEnd type="none"/>
+          </a:ln>
+        </p:spPr>
+        <p:style>
+          <a:lnRef idx="1">
+            <a:schemeClr val="accent1"/>
+          </a:lnRef>
+          <a:fillRef idx="0">
+            <a:schemeClr val="accent1"/>
+          </a:fillRef>
+          <a:effectRef idx="0">
+            <a:schemeClr val="accent1"/>
+          </a:effectRef>
+          <a:fontRef idx="minor">
+            <a:schemeClr val="tx1"/>
+          </a:fontRef>
+        </p:style>
+      </p:cxnSp>
+      <p:cxnSp>
+        <p:nvCxnSpPr>
+          <p:cNvPr id="147" name="מחבר ישר 146"/>
+          <p:cNvCxnSpPr/>
+          <p:nvPr/>
+        </p:nvCxnSpPr>
+        <p:spPr>
+          <a:xfrm rot="5400000">
+            <a:off x="2714612" y="5500702"/>
+            <a:ext cx="285752" cy="285752"/>
+          </a:xfrm>
+          <a:prstGeom prst="line">
+            <a:avLst/>
+          </a:prstGeom>
+          <a:ln w="19050">
+            <a:solidFill>
+              <a:schemeClr val="tx1"/>
+            </a:solidFill>
+            <a:tailEnd type="none"/>
+          </a:ln>
+        </p:spPr>
+        <p:style>
+          <a:lnRef idx="1">
+            <a:schemeClr val="accent1"/>
+          </a:lnRef>
+          <a:fillRef idx="0">
+            <a:schemeClr val="accent1"/>
+          </a:fillRef>
+          <a:effectRef idx="0">
+            <a:schemeClr val="accent1"/>
+          </a:effectRef>
+          <a:fontRef idx="minor">
+            <a:schemeClr val="tx1"/>
+          </a:fontRef>
+        </p:style>
+      </p:cxnSp>
+      <p:cxnSp>
+        <p:nvCxnSpPr>
+          <p:cNvPr id="148" name="מחבר ישר 147"/>
+          <p:cNvCxnSpPr/>
+          <p:nvPr/>
+        </p:nvCxnSpPr>
+        <p:spPr>
+          <a:xfrm rot="5400000">
+            <a:off x="4286248" y="2643182"/>
+            <a:ext cx="285752" cy="285752"/>
+          </a:xfrm>
+          <a:prstGeom prst="line">
+            <a:avLst/>
+          </a:prstGeom>
+          <a:ln w="19050">
+            <a:solidFill>
+              <a:schemeClr val="tx1"/>
+            </a:solidFill>
+            <a:tailEnd type="none"/>
+          </a:ln>
+        </p:spPr>
+        <p:style>
+          <a:lnRef idx="1">
+            <a:schemeClr val="accent1"/>
+          </a:lnRef>
+          <a:fillRef idx="0">
+            <a:schemeClr val="accent1"/>
+          </a:fillRef>
+          <a:effectRef idx="0">
+            <a:schemeClr val="accent1"/>
+          </a:effectRef>
+          <a:fontRef idx="minor">
+            <a:schemeClr val="tx1"/>
+          </a:fontRef>
+        </p:style>
+      </p:cxnSp>
+      <p:sp>
+        <p:nvSpPr>
+          <p:cNvPr id="149" name="TextBox 148"/>
+          <p:cNvSpPr txBox="1"/>
+          <p:nvPr/>
+        </p:nvSpPr>
+        <p:spPr>
+          <a:xfrm>
+            <a:off x="3786182" y="2468399"/>
+            <a:ext cx="1285884" cy="246221"/>
+          </a:xfrm>
+          <a:prstGeom prst="rect">
+            <a:avLst/>
+          </a:prstGeom>
+          <a:noFill/>
+        </p:spPr>
+        <p:txBody>
+          <a:bodyPr wrap="square" rtlCol="1">
+            <a:spAutoFit/>
+          </a:bodyPr>
+          <a:lstStyle/>
+          <a:p>
+            <a:pPr algn="ctr"/>
+            <a:r>
+              <a:rPr lang="en-US" sz="1000" dirty="0" smtClean="0"/>
+              <a:t>2* </a:t>
+            </a:r>
+            <a:r>
+              <a:rPr lang="en-US" sz="1000" dirty="0" err="1" smtClean="0"/>
+              <a:t>Add_width_g</a:t>
+            </a:r>
+            <a:endParaRPr lang="he-IL" dirty="0"/>
+          </a:p>
+        </p:txBody>
+      </p:sp>
+      <p:sp>
+        <p:nvSpPr>
+          <p:cNvPr id="150" name="TextBox 149"/>
+          <p:cNvSpPr txBox="1"/>
+          <p:nvPr/>
+        </p:nvSpPr>
+        <p:spPr>
+          <a:xfrm>
+            <a:off x="6143636" y="2285992"/>
+            <a:ext cx="642942" cy="400110"/>
+          </a:xfrm>
+          <a:prstGeom prst="rect">
+            <a:avLst/>
+          </a:prstGeom>
+          <a:noFill/>
+        </p:spPr>
+        <p:txBody>
+          <a:bodyPr wrap="square" rtlCol="1">
+            <a:spAutoFit/>
+          </a:bodyPr>
+          <a:lstStyle/>
+          <a:p>
+            <a:pPr algn="ctr"/>
+            <a:r>
+              <a:rPr lang="en-US" sz="1000" dirty="0" smtClean="0"/>
+              <a:t>2</a:t>
+            </a:r>
+            <a:r>
+              <a:rPr lang="en-US" sz="1000" dirty="0" smtClean="0"/>
+              <a:t>* </a:t>
+            </a:r>
+            <a:r>
+              <a:rPr lang="en-US" sz="1000" dirty="0" smtClean="0"/>
+              <a:t>Add</a:t>
+            </a:r>
+          </a:p>
+          <a:p>
+            <a:pPr algn="ctr"/>
+            <a:r>
+              <a:rPr lang="en-US" sz="1000" dirty="0" err="1" smtClean="0"/>
+              <a:t>width_g</a:t>
+            </a:r>
+            <a:endParaRPr lang="he-IL" dirty="0"/>
+          </a:p>
+        </p:txBody>
+      </p:sp>
+      <p:sp>
+        <p:nvSpPr>
+          <p:cNvPr id="152" name="TextBox 151"/>
+          <p:cNvSpPr txBox="1"/>
+          <p:nvPr/>
+        </p:nvSpPr>
+        <p:spPr>
+          <a:xfrm>
+            <a:off x="2571736" y="5100592"/>
+            <a:ext cx="785818" cy="400110"/>
+          </a:xfrm>
+          <a:prstGeom prst="rect">
+            <a:avLst/>
+          </a:prstGeom>
+          <a:noFill/>
+        </p:spPr>
+        <p:txBody>
+          <a:bodyPr wrap="square" rtlCol="1">
+            <a:spAutoFit/>
+          </a:bodyPr>
+          <a:lstStyle/>
+          <a:p>
+            <a:r>
+              <a:rPr lang="en-US" sz="1000" dirty="0" err="1" smtClean="0"/>
+              <a:t>Signal_ram_width_g</a:t>
+            </a:r>
+            <a:r>
+              <a:rPr lang="en-US" sz="1000" dirty="0" smtClean="0"/>
+              <a:t>   </a:t>
+            </a:r>
+            <a:endParaRPr lang="en-US" sz="1000" dirty="0"/>
+          </a:p>
+        </p:txBody>
+      </p:sp>
+      <p:cxnSp>
+        <p:nvCxnSpPr>
+          <p:cNvPr id="154" name="מחבר ישר 153"/>
+          <p:cNvCxnSpPr/>
+          <p:nvPr/>
+        </p:nvCxnSpPr>
+        <p:spPr>
+          <a:xfrm rot="5400000" flipH="1" flipV="1">
+            <a:off x="321439" y="2464587"/>
+            <a:ext cx="285752" cy="214314"/>
+          </a:xfrm>
+          <a:prstGeom prst="line">
+            <a:avLst/>
+          </a:prstGeom>
+          <a:ln w="19050">
+            <a:solidFill>
+              <a:schemeClr val="tx1"/>
+            </a:solidFill>
+            <a:tailEnd type="none"/>
+          </a:ln>
+        </p:spPr>
+        <p:style>
+          <a:lnRef idx="1">
+            <a:schemeClr val="accent1"/>
+          </a:lnRef>
+          <a:fillRef idx="0">
+            <a:schemeClr val="accent1"/>
+          </a:fillRef>
+          <a:effectRef idx="0">
+            <a:schemeClr val="accent1"/>
+          </a:effectRef>
+          <a:fontRef idx="minor">
+            <a:schemeClr val="tx1"/>
+          </a:fontRef>
+        </p:style>
+      </p:cxnSp>
+      <p:sp>
+        <p:nvSpPr>
+          <p:cNvPr id="155" name="TextBox 154"/>
+          <p:cNvSpPr txBox="1"/>
+          <p:nvPr/>
+        </p:nvSpPr>
+        <p:spPr>
+          <a:xfrm>
+            <a:off x="5357818" y="5100592"/>
+            <a:ext cx="785818" cy="400110"/>
+          </a:xfrm>
+          <a:prstGeom prst="rect">
+            <a:avLst/>
+          </a:prstGeom>
+          <a:noFill/>
+        </p:spPr>
+        <p:txBody>
+          <a:bodyPr wrap="square" rtlCol="1">
+            <a:spAutoFit/>
+          </a:bodyPr>
+          <a:lstStyle/>
+          <a:p>
+            <a:r>
+              <a:rPr lang="en-US" sz="1000" dirty="0" err="1" smtClean="0"/>
+              <a:t>Signal_ram_width_g</a:t>
+            </a:r>
+            <a:r>
+              <a:rPr lang="en-US" sz="1000" dirty="0" smtClean="0"/>
+              <a:t>   </a:t>
+            </a:r>
+            <a:endParaRPr lang="en-US" sz="1000" dirty="0"/>
+          </a:p>
+        </p:txBody>
+      </p:sp>
+      <p:cxnSp>
+        <p:nvCxnSpPr>
+          <p:cNvPr id="159" name="מחבר מרפקי 158"/>
+          <p:cNvCxnSpPr/>
+          <p:nvPr/>
+        </p:nvCxnSpPr>
+        <p:spPr>
+          <a:xfrm flipV="1">
+            <a:off x="3857620" y="1500174"/>
+            <a:ext cx="4357718" cy="1000132"/>
+          </a:xfrm>
+          <a:prstGeom prst="bentConnector3">
+            <a:avLst>
+              <a:gd name="adj1" fmla="val 50000"/>
+            </a:avLst>
+          </a:prstGeom>
+          <a:ln w="19050">
+            <a:solidFill>
+              <a:schemeClr val="tx1"/>
+            </a:solidFill>
+            <a:tailEnd type="arrow"/>
+          </a:ln>
+        </p:spPr>
+        <p:style>
+          <a:lnRef idx="1">
+            <a:schemeClr val="accent1"/>
+          </a:lnRef>
+          <a:fillRef idx="0">
+            <a:schemeClr val="accent1"/>
+          </a:fillRef>
+          <a:effectRef idx="0">
+            <a:schemeClr val="accent1"/>
+          </a:effectRef>
+          <a:fontRef idx="minor">
+            <a:schemeClr val="tx1"/>
+          </a:fontRef>
+        </p:style>
+      </p:cxnSp>
+      <p:grpSp>
+        <p:nvGrpSpPr>
+          <p:cNvPr id="169" name="קבוצה 168"/>
+          <p:cNvGrpSpPr/>
+          <p:nvPr/>
+        </p:nvGrpSpPr>
+        <p:grpSpPr>
+          <a:xfrm>
+            <a:off x="8215338" y="1071546"/>
+            <a:ext cx="642942" cy="428628"/>
+            <a:chOff x="142844" y="1714488"/>
+            <a:chExt cx="642942" cy="428628"/>
+          </a:xfrm>
+        </p:grpSpPr>
+        <p:cxnSp>
+          <p:nvCxnSpPr>
+            <p:cNvPr id="170" name="מחבר חץ ישר 169"/>
+            <p:cNvCxnSpPr/>
+            <p:nvPr/>
+          </p:nvCxnSpPr>
+          <p:spPr>
+            <a:xfrm>
+              <a:off x="142844" y="2141528"/>
+              <a:ext cx="642942" cy="1588"/>
+            </a:xfrm>
+            <a:prstGeom prst="straightConnector1">
+              <a:avLst/>
+            </a:prstGeom>
+            <a:ln w="19050">
+              <a:solidFill>
+                <a:schemeClr val="tx1"/>
+              </a:solidFill>
+              <a:tailEnd type="arrow"/>
+            </a:ln>
+          </p:spPr>
+          <p:style>
+            <a:lnRef idx="1">
+              <a:schemeClr val="accent1"/>
+            </a:lnRef>
+            <a:fillRef idx="0">
+              <a:schemeClr val="accent1"/>
+            </a:fillRef>
+            <a:effectRef idx="0">
+              <a:schemeClr val="accent1"/>
+            </a:effectRef>
+            <a:fontRef idx="minor">
+              <a:schemeClr val="tx1"/>
+            </a:fontRef>
+          </p:style>
+        </p:cxnSp>
+        <p:sp>
+          <p:nvSpPr>
+            <p:cNvPr id="171" name="TextBox 170"/>
+            <p:cNvSpPr txBox="1"/>
+            <p:nvPr/>
+          </p:nvSpPr>
+          <p:spPr>
+            <a:xfrm>
+              <a:off x="142844" y="1714488"/>
+              <a:ext cx="571504" cy="400110"/>
+            </a:xfrm>
+            <a:prstGeom prst="rect">
+              <a:avLst/>
+            </a:prstGeom>
+            <a:noFill/>
+          </p:spPr>
+          <p:txBody>
+            <a:bodyPr wrap="square" rtlCol="1">
+              <a:spAutoFit/>
+            </a:bodyPr>
+            <a:lstStyle/>
+            <a:p>
+              <a:pPr algn="ctr"/>
+              <a:r>
+                <a:rPr lang="en-US" sz="1000" dirty="0" smtClean="0"/>
+                <a:t>System</a:t>
+              </a:r>
+            </a:p>
+            <a:p>
+              <a:pPr algn="ctr"/>
+              <a:r>
+                <a:rPr lang="en-US" sz="1000" dirty="0" smtClean="0"/>
+                <a:t>status</a:t>
+              </a:r>
+              <a:endParaRPr lang="he-IL" sz="1000" dirty="0"/>
+            </a:p>
+          </p:txBody>
+        </p:sp>
+      </p:grpSp>
     </p:spTree>
   </p:cSld>
   <p:clrMapOvr>
@@ -5279,7 +8554,34 @@
       </a:bgFillStyleLst>
     </a:fmtScheme>
   </a:themeElements>
-  <a:objectDefaults/>
+  <a:objectDefaults>
+    <a:lnDef>
+      <a:spPr>
+        <a:ln w="19050">
+          <a:solidFill>
+            <a:schemeClr val="tx1"/>
+          </a:solidFill>
+          <a:tailEnd type="none"/>
+        </a:ln>
+      </a:spPr>
+      <a:bodyPr/>
+      <a:lstStyle/>
+      <a:style>
+        <a:lnRef idx="1">
+          <a:schemeClr val="accent1"/>
+        </a:lnRef>
+        <a:fillRef idx="0">
+          <a:schemeClr val="accent1"/>
+        </a:fillRef>
+        <a:effectRef idx="0">
+          <a:schemeClr val="accent1"/>
+        </a:effectRef>
+        <a:fontRef idx="minor">
+          <a:schemeClr val="tx1"/>
+        </a:fontRef>
+      </a:style>
+    </a:lnDef>
+  </a:objectDefaults>
   <a:extraClrSchemeLst/>
 </a:theme>
 </file>
--- a/core/Regesters Diagram.pptx
+++ b/core/Regesters Diagram.pptx
@@ -313,7 +313,7 @@
             <a:fld id="{30DAF76B-3D33-4835-836A-6F4282D25A44}" type="datetimeFigureOut">
               <a:rPr lang="he-IL" smtClean="0"/>
               <a:pPr/>
-              <a:t>י"ז/אלול/תשע"ב</a:t>
+              <a:t>א'/תשרי/תשע"ג</a:t>
             </a:fld>
             <a:endParaRPr lang="he-IL" dirty="0"/>
           </a:p>
@@ -480,7 +480,7 @@
             <a:fld id="{30DAF76B-3D33-4835-836A-6F4282D25A44}" type="datetimeFigureOut">
               <a:rPr lang="he-IL" smtClean="0"/>
               <a:pPr/>
-              <a:t>י"ז/אלול/תשע"ב</a:t>
+              <a:t>א'/תשרי/תשע"ג</a:t>
             </a:fld>
             <a:endParaRPr lang="he-IL" dirty="0"/>
           </a:p>
@@ -657,7 +657,7 @@
             <a:fld id="{30DAF76B-3D33-4835-836A-6F4282D25A44}" type="datetimeFigureOut">
               <a:rPr lang="he-IL" smtClean="0"/>
               <a:pPr/>
-              <a:t>י"ז/אלול/תשע"ב</a:t>
+              <a:t>א'/תשרי/תשע"ג</a:t>
             </a:fld>
             <a:endParaRPr lang="he-IL" dirty="0"/>
           </a:p>
@@ -824,7 +824,7 @@
             <a:fld id="{30DAF76B-3D33-4835-836A-6F4282D25A44}" type="datetimeFigureOut">
               <a:rPr lang="he-IL" smtClean="0"/>
               <a:pPr/>
-              <a:t>י"ז/אלול/תשע"ב</a:t>
+              <a:t>א'/תשרי/תשע"ג</a:t>
             </a:fld>
             <a:endParaRPr lang="he-IL" dirty="0"/>
           </a:p>
@@ -1067,7 +1067,7 @@
             <a:fld id="{30DAF76B-3D33-4835-836A-6F4282D25A44}" type="datetimeFigureOut">
               <a:rPr lang="he-IL" smtClean="0"/>
               <a:pPr/>
-              <a:t>י"ז/אלול/תשע"ב</a:t>
+              <a:t>א'/תשרי/תשע"ג</a:t>
             </a:fld>
             <a:endParaRPr lang="he-IL" dirty="0"/>
           </a:p>
@@ -1352,7 +1352,7 @@
             <a:fld id="{30DAF76B-3D33-4835-836A-6F4282D25A44}" type="datetimeFigureOut">
               <a:rPr lang="he-IL" smtClean="0"/>
               <a:pPr/>
-              <a:t>י"ז/אלול/תשע"ב</a:t>
+              <a:t>א'/תשרי/תשע"ג</a:t>
             </a:fld>
             <a:endParaRPr lang="he-IL" dirty="0"/>
           </a:p>
@@ -1771,7 +1771,7 @@
             <a:fld id="{30DAF76B-3D33-4835-836A-6F4282D25A44}" type="datetimeFigureOut">
               <a:rPr lang="he-IL" smtClean="0"/>
               <a:pPr/>
-              <a:t>י"ז/אלול/תשע"ב</a:t>
+              <a:t>א'/תשרי/תשע"ג</a:t>
             </a:fld>
             <a:endParaRPr lang="he-IL" dirty="0"/>
           </a:p>
@@ -1886,7 +1886,7 @@
             <a:fld id="{30DAF76B-3D33-4835-836A-6F4282D25A44}" type="datetimeFigureOut">
               <a:rPr lang="he-IL" smtClean="0"/>
               <a:pPr/>
-              <a:t>י"ז/אלול/תשע"ב</a:t>
+              <a:t>א'/תשרי/תשע"ג</a:t>
             </a:fld>
             <a:endParaRPr lang="he-IL" dirty="0"/>
           </a:p>
@@ -1978,7 +1978,7 @@
             <a:fld id="{30DAF76B-3D33-4835-836A-6F4282D25A44}" type="datetimeFigureOut">
               <a:rPr lang="he-IL" smtClean="0"/>
               <a:pPr/>
-              <a:t>י"ז/אלול/תשע"ב</a:t>
+              <a:t>א'/תשרי/תשע"ג</a:t>
             </a:fld>
             <a:endParaRPr lang="he-IL" dirty="0"/>
           </a:p>
@@ -2252,7 +2252,7 @@
             <a:fld id="{30DAF76B-3D33-4835-836A-6F4282D25A44}" type="datetimeFigureOut">
               <a:rPr lang="he-IL" smtClean="0"/>
               <a:pPr/>
-              <a:t>י"ז/אלול/תשע"ב</a:t>
+              <a:t>א'/תשרי/תשע"ג</a:t>
             </a:fld>
             <a:endParaRPr lang="he-IL" dirty="0"/>
           </a:p>
@@ -2502,7 +2502,7 @@
             <a:fld id="{30DAF76B-3D33-4835-836A-6F4282D25A44}" type="datetimeFigureOut">
               <a:rPr lang="he-IL" smtClean="0"/>
               <a:pPr/>
-              <a:t>י"ז/אלול/תשע"ב</a:t>
+              <a:t>א'/תשרי/תשע"ג</a:t>
             </a:fld>
             <a:endParaRPr lang="he-IL" dirty="0"/>
           </a:p>
@@ -2712,7 +2712,7 @@
             <a:fld id="{30DAF76B-3D33-4835-836A-6F4282D25A44}" type="datetimeFigureOut">
               <a:rPr lang="he-IL" smtClean="0"/>
               <a:pPr/>
-              <a:t>י"ז/אלול/תשע"ב</a:t>
+              <a:t>א'/תשרי/תשע"ג</a:t>
             </a:fld>
             <a:endParaRPr lang="he-IL" dirty="0"/>
           </a:p>
@@ -9662,11 +9662,11 @@
               <a:pPr algn="ctr"/>
               <a:r>
                 <a:rPr lang="en-US" sz="1200" dirty="0" err="1" smtClean="0"/>
-                <a:t>Wc</a:t>
+                <a:t>Addr</a:t>
               </a:r>
               <a:r>
                 <a:rPr lang="en-US" sz="1200" dirty="0" smtClean="0"/>
-                <a:t> to RAM</a:t>
+                <a:t> out</a:t>
               </a:r>
               <a:endParaRPr lang="he-IL" sz="1200" dirty="0"/>
             </a:p>
@@ -9681,10 +9681,10 @@
         </p:nvGrpSpPr>
         <p:grpSpPr>
           <a:xfrm>
-            <a:off x="251520" y="5228183"/>
-            <a:ext cx="709820" cy="577081"/>
-            <a:chOff x="75966" y="924110"/>
-            <a:chExt cx="709820" cy="577081"/>
+            <a:off x="251520" y="5373216"/>
+            <a:ext cx="709820" cy="431031"/>
+            <a:chOff x="75966" y="1069143"/>
+            <a:chExt cx="709820" cy="431031"/>
           </a:xfrm>
         </p:grpSpPr>
         <p:cxnSp>
@@ -9731,8 +9731,8 @@
           </p:nvSpPr>
           <p:spPr>
             <a:xfrm>
-              <a:off x="75966" y="924110"/>
-              <a:ext cx="638382" cy="577081"/>
+              <a:off x="75966" y="1069143"/>
+              <a:ext cx="638382" cy="415498"/>
             </a:xfrm>
             <a:prstGeom prst="rect">
               <a:avLst/>
@@ -9748,7 +9748,7 @@
               <a:pPr algn="ctr"/>
               <a:r>
                 <a:rPr lang="en-US" sz="1050" dirty="0" smtClean="0"/>
-                <a:t>Enable out valid</a:t>
+                <a:t>Din valid</a:t>
               </a:r>
               <a:endParaRPr lang="he-IL" sz="1050" dirty="0"/>
             </a:p>
@@ -9764,9 +9764,9 @@
         <p:grpSpPr>
           <a:xfrm>
             <a:off x="313268" y="3140968"/>
-            <a:ext cx="642942" cy="461665"/>
+            <a:ext cx="658332" cy="461665"/>
             <a:chOff x="142844" y="1068126"/>
-            <a:chExt cx="642942" cy="461665"/>
+            <a:chExt cx="658332" cy="461665"/>
           </a:xfrm>
         </p:grpSpPr>
         <p:cxnSp>
@@ -9814,7 +9814,7 @@
           <p:spPr>
             <a:xfrm>
               <a:off x="142844" y="1068126"/>
-              <a:ext cx="571504" cy="461665"/>
+              <a:ext cx="658332" cy="461665"/>
             </a:xfrm>
             <a:prstGeom prst="rect">
               <a:avLst/>
@@ -9830,7 +9830,7 @@
               <a:pPr algn="ctr"/>
               <a:r>
                 <a:rPr lang="en-US" sz="1200" dirty="0" smtClean="0"/>
-                <a:t>Data in</a:t>
+                <a:t>Data in RAM</a:t>
               </a:r>
               <a:endParaRPr lang="he-IL" sz="1200" dirty="0"/>
             </a:p>
@@ -9845,8 +9845,8 @@
         </p:nvGrpSpPr>
         <p:grpSpPr>
           <a:xfrm>
-            <a:off x="308138" y="692696"/>
-            <a:ext cx="642942" cy="461665"/>
+            <a:off x="214282" y="681319"/>
+            <a:ext cx="736798" cy="461665"/>
             <a:chOff x="142844" y="1068126"/>
             <a:chExt cx="642942" cy="461665"/>
           </a:xfrm>
@@ -9911,16 +9911,12 @@
             <a:p>
               <a:pPr algn="ctr"/>
               <a:r>
-                <a:rPr lang="en-US" sz="1200" dirty="0" smtClean="0"/>
-                <a:t>WBS</a:t>
-              </a:r>
-              <a:r>
-                <a:rPr lang="he-IL" sz="1200" dirty="0" smtClean="0"/>
-                <a:t>\</a:t>
+                <a:rPr lang="en-US" sz="1200" dirty="0" err="1" smtClean="0"/>
+                <a:t>Addr</a:t>
               </a:r>
               <a:r>
                 <a:rPr lang="en-US" sz="1200" dirty="0" smtClean="0"/>
-                <a:t>WC</a:t>
+                <a:t> in</a:t>
               </a:r>
               <a:endParaRPr lang="he-IL" sz="1200" dirty="0"/>
             </a:p>
@@ -12898,8 +12894,8 @@
         </p:nvSpPr>
         <p:spPr>
           <a:xfrm>
-            <a:off x="251520" y="2132856"/>
-            <a:ext cx="792088" cy="369332"/>
+            <a:off x="251520" y="1916832"/>
+            <a:ext cx="792088" cy="523220"/>
           </a:xfrm>
           <a:prstGeom prst="rect">
             <a:avLst/>
@@ -12912,11 +12908,12 @@
           </a:bodyPr>
           <a:lstStyle/>
           <a:p>
+            <a:pPr algn="ctr"/>
             <a:r>
-              <a:rPr lang="en-US" dirty="0" smtClean="0"/>
-              <a:t>Reset</a:t>
+              <a:rPr lang="en-US" sz="1400" dirty="0" err="1" smtClean="0"/>
+              <a:t>WBS_to_REG</a:t>
             </a:r>
-            <a:endParaRPr lang="he-IL" dirty="0"/>
+            <a:endParaRPr lang="he-IL" sz="1400" dirty="0"/>
           </a:p>
         </p:txBody>
       </p:sp>
@@ -13074,7 +13071,7 @@
         </p:nvCxnSpPr>
         <p:spPr>
           <a:xfrm>
-            <a:off x="323528" y="1700808"/>
+            <a:off x="323528" y="1345112"/>
             <a:ext cx="792088" cy="1588"/>
           </a:xfrm>
           <a:prstGeom prst="straightConnector1">
@@ -13110,7 +13107,7 @@
         </p:nvSpPr>
         <p:spPr>
           <a:xfrm>
-            <a:off x="-71470" y="1048392"/>
+            <a:off x="-71470" y="692696"/>
             <a:ext cx="1285884" cy="523220"/>
           </a:xfrm>
           <a:prstGeom prst="rect">
@@ -13149,7 +13146,7 @@
         </p:nvCxnSpPr>
         <p:spPr>
           <a:xfrm rot="5400000" flipH="1" flipV="1">
-            <a:off x="539552" y="1556792"/>
+            <a:off x="539552" y="1201096"/>
             <a:ext cx="288032" cy="288032"/>
           </a:xfrm>
           <a:prstGeom prst="line">
@@ -13159,46 +13156,6 @@
             <a:solidFill>
               <a:schemeClr val="tx1"/>
             </a:solidFill>
-          </a:ln>
-        </p:spPr>
-        <p:style>
-          <a:lnRef idx="1">
-            <a:schemeClr val="accent1"/>
-          </a:lnRef>
-          <a:fillRef idx="0">
-            <a:schemeClr val="accent1"/>
-          </a:fillRef>
-          <a:effectRef idx="0">
-            <a:schemeClr val="accent1"/>
-          </a:effectRef>
-          <a:fontRef idx="minor">
-            <a:schemeClr val="tx1"/>
-          </a:fontRef>
-        </p:style>
-      </p:cxnSp>
-      <p:cxnSp>
-        <p:nvCxnSpPr>
-          <p:cNvPr id="37" name="Elbow Connector 36"/>
-          <p:cNvCxnSpPr>
-            <a:endCxn id="15" idx="1"/>
-          </p:cNvCxnSpPr>
-          <p:nvPr/>
-        </p:nvCxnSpPr>
-        <p:spPr>
-          <a:xfrm>
-            <a:off x="1691680" y="2924944"/>
-            <a:ext cx="5400600" cy="1488535"/>
-          </a:xfrm>
-          <a:prstGeom prst="bentConnector3">
-            <a:avLst>
-              <a:gd name="adj1" fmla="val 96132"/>
-            </a:avLst>
-          </a:prstGeom>
-          <a:ln w="19050">
-            <a:solidFill>
-              <a:schemeClr val="tx1"/>
-            </a:solidFill>
-            <a:tailEnd type="arrow"/>
           </a:ln>
         </p:spPr>
         <p:style>
@@ -13264,8 +13221,8 @@
         </p:nvCxnSpPr>
         <p:spPr>
           <a:xfrm rot="16200000" flipH="1">
-            <a:off x="2963639" y="3525197"/>
-            <a:ext cx="1488533" cy="288030"/>
+            <a:off x="3035647" y="3597205"/>
+            <a:ext cx="1344517" cy="288030"/>
           </a:xfrm>
           <a:prstGeom prst="bentConnector2">
             <a:avLst/>
@@ -13302,8 +13259,8 @@
         </p:nvCxnSpPr>
         <p:spPr>
           <a:xfrm rot="16200000" flipH="1">
-            <a:off x="1127434" y="3489192"/>
-            <a:ext cx="1488533" cy="360040"/>
+            <a:off x="983418" y="3345176"/>
+            <a:ext cx="1776565" cy="360040"/>
           </a:xfrm>
           <a:prstGeom prst="bentConnector2">
             <a:avLst/>
@@ -13403,7 +13360,7 @@
           <p:nvPr/>
         </p:nvSpPr>
         <p:spPr>
-          <a:xfrm>
+          <a:xfrm rot="10800000">
             <a:off x="1475656" y="2204864"/>
             <a:ext cx="936104" cy="432048"/>
           </a:xfrm>
@@ -13448,49 +13405,10 @@
         <p:spPr>
           <a:xfrm>
             <a:off x="1115616" y="2420888"/>
-            <a:ext cx="453650" cy="0"/>
+            <a:ext cx="432000" cy="0"/>
           </a:xfrm>
           <a:prstGeom prst="line">
             <a:avLst/>
-          </a:prstGeom>
-          <a:ln w="19050">
-            <a:solidFill>
-              <a:schemeClr val="tx1"/>
-            </a:solidFill>
-          </a:ln>
-        </p:spPr>
-        <p:style>
-          <a:lnRef idx="1">
-            <a:schemeClr val="accent1"/>
-          </a:lnRef>
-          <a:fillRef idx="0">
-            <a:schemeClr val="accent1"/>
-          </a:fillRef>
-          <a:effectRef idx="0">
-            <a:schemeClr val="accent1"/>
-          </a:effectRef>
-          <a:fontRef idx="minor">
-            <a:schemeClr val="tx1"/>
-          </a:fontRef>
-        </p:style>
-      </p:cxnSp>
-      <p:cxnSp>
-        <p:nvCxnSpPr>
-          <p:cNvPr id="60" name="Elbow Connector 59"/>
-          <p:cNvCxnSpPr>
-            <a:stCxn id="56" idx="2"/>
-          </p:cNvCxnSpPr>
-          <p:nvPr/>
-        </p:nvCxnSpPr>
-        <p:spPr>
-          <a:xfrm rot="5400000">
-            <a:off x="1673678" y="2654914"/>
-            <a:ext cx="288032" cy="252028"/>
-          </a:xfrm>
-          <a:prstGeom prst="bentConnector3">
-            <a:avLst>
-              <a:gd name="adj1" fmla="val 50000"/>
-            </a:avLst>
           </a:prstGeom>
           <a:ln w="19050">
             <a:solidFill>
@@ -13521,8 +13439,8 @@
         </p:nvCxnSpPr>
         <p:spPr>
           <a:xfrm>
-            <a:off x="1115616" y="1700808"/>
-            <a:ext cx="576064" cy="0"/>
+            <a:off x="971600" y="1345112"/>
+            <a:ext cx="792088" cy="0"/>
           </a:xfrm>
           <a:prstGeom prst="line">
             <a:avLst/>
@@ -13548,109 +13466,6 @@
           </a:fontRef>
         </p:style>
       </p:cxnSp>
-      <p:cxnSp>
-        <p:nvCxnSpPr>
-          <p:cNvPr id="65" name="Straight Connector 64"/>
-          <p:cNvCxnSpPr/>
-          <p:nvPr/>
-        </p:nvCxnSpPr>
-        <p:spPr>
-          <a:xfrm rot="5400000" flipH="1" flipV="1">
-            <a:off x="1439652" y="1952836"/>
-            <a:ext cx="504056" cy="0"/>
-          </a:xfrm>
-          <a:prstGeom prst="line">
-            <a:avLst/>
-          </a:prstGeom>
-          <a:ln w="19050">
-            <a:solidFill>
-              <a:schemeClr val="tx1"/>
-            </a:solidFill>
-          </a:ln>
-        </p:spPr>
-        <p:style>
-          <a:lnRef idx="1">
-            <a:schemeClr val="accent1"/>
-          </a:lnRef>
-          <a:fillRef idx="0">
-            <a:schemeClr val="accent1"/>
-          </a:fillRef>
-          <a:effectRef idx="0">
-            <a:schemeClr val="accent1"/>
-          </a:effectRef>
-          <a:fontRef idx="minor">
-            <a:schemeClr val="tx1"/>
-          </a:fontRef>
-        </p:style>
-      </p:cxnSp>
-      <p:cxnSp>
-        <p:nvCxnSpPr>
-          <p:cNvPr id="68" name="Straight Connector 67"/>
-          <p:cNvCxnSpPr/>
-          <p:nvPr/>
-        </p:nvCxnSpPr>
-        <p:spPr>
-          <a:xfrm rot="5400000" flipH="1" flipV="1">
-            <a:off x="1871700" y="1952836"/>
-            <a:ext cx="504056" cy="0"/>
-          </a:xfrm>
-          <a:prstGeom prst="line">
-            <a:avLst/>
-          </a:prstGeom>
-          <a:ln w="19050">
-            <a:solidFill>
-              <a:schemeClr val="tx1"/>
-            </a:solidFill>
-          </a:ln>
-        </p:spPr>
-        <p:style>
-          <a:lnRef idx="1">
-            <a:schemeClr val="accent1"/>
-          </a:lnRef>
-          <a:fillRef idx="0">
-            <a:schemeClr val="accent1"/>
-          </a:fillRef>
-          <a:effectRef idx="0">
-            <a:schemeClr val="accent1"/>
-          </a:effectRef>
-          <a:fontRef idx="minor">
-            <a:schemeClr val="tx1"/>
-          </a:fontRef>
-        </p:style>
-      </p:cxnSp>
-      <p:sp>
-        <p:nvSpPr>
-          <p:cNvPr id="69" name="TextBox 68"/>
-          <p:cNvSpPr txBox="1"/>
-          <p:nvPr/>
-        </p:nvSpPr>
-        <p:spPr>
-          <a:xfrm>
-            <a:off x="1835696" y="1412776"/>
-            <a:ext cx="504056" cy="369332"/>
-          </a:xfrm>
-          <a:prstGeom prst="rect">
-            <a:avLst/>
-          </a:prstGeom>
-          <a:noFill/>
-          <a:ln>
-            <a:noFill/>
-          </a:ln>
-        </p:spPr>
-        <p:txBody>
-          <a:bodyPr wrap="square" rtlCol="1">
-            <a:spAutoFit/>
-          </a:bodyPr>
-          <a:lstStyle/>
-          <a:p>
-            <a:r>
-              <a:rPr lang="en-US" dirty="0" smtClean="0"/>
-              <a:t>‘0’</a:t>
-            </a:r>
-            <a:endParaRPr lang="he-IL" dirty="0"/>
-          </a:p>
-        </p:txBody>
-      </p:sp>
       <p:sp>
         <p:nvSpPr>
           <p:cNvPr id="70" name="TextBox 69"/>
@@ -14379,6 +14194,534 @@
               <a:t>System status</a:t>
             </a:r>
             <a:endParaRPr lang="he-IL" sz="1600" dirty="0"/>
+          </a:p>
+        </p:txBody>
+      </p:sp>
+      <p:cxnSp>
+        <p:nvCxnSpPr>
+          <p:cNvPr id="53" name="Shape 52"/>
+          <p:cNvCxnSpPr/>
+          <p:nvPr/>
+        </p:nvCxnSpPr>
+        <p:spPr>
+          <a:xfrm rot="16200000" flipH="1">
+            <a:off x="6174267" y="3495466"/>
+            <a:ext cx="1620000" cy="216024"/>
+          </a:xfrm>
+          <a:prstGeom prst="bentConnector2">
+            <a:avLst/>
+          </a:prstGeom>
+          <a:ln w="19050">
+            <a:solidFill>
+              <a:schemeClr val="tx1"/>
+            </a:solidFill>
+            <a:tailEnd type="arrow"/>
+          </a:ln>
+        </p:spPr>
+        <p:style>
+          <a:lnRef idx="1">
+            <a:schemeClr val="accent1"/>
+          </a:lnRef>
+          <a:fillRef idx="0">
+            <a:schemeClr val="accent1"/>
+          </a:fillRef>
+          <a:effectRef idx="0">
+            <a:schemeClr val="accent1"/>
+          </a:effectRef>
+          <a:fontRef idx="minor">
+            <a:schemeClr val="tx1"/>
+          </a:fontRef>
+        </p:style>
+      </p:cxnSp>
+      <p:cxnSp>
+        <p:nvCxnSpPr>
+          <p:cNvPr id="76" name="מחבר ישר 75"/>
+          <p:cNvCxnSpPr/>
+          <p:nvPr/>
+        </p:nvCxnSpPr>
+        <p:spPr>
+          <a:xfrm flipH="1">
+            <a:off x="1835696" y="3068960"/>
+            <a:ext cx="1728192" cy="0"/>
+          </a:xfrm>
+          <a:prstGeom prst="line">
+            <a:avLst/>
+          </a:prstGeom>
+          <a:ln w="19050">
+            <a:solidFill>
+              <a:schemeClr val="tx1"/>
+            </a:solidFill>
+            <a:tailEnd type="none"/>
+          </a:ln>
+        </p:spPr>
+        <p:style>
+          <a:lnRef idx="1">
+            <a:schemeClr val="accent1"/>
+          </a:lnRef>
+          <a:fillRef idx="0">
+            <a:schemeClr val="accent1"/>
+          </a:fillRef>
+          <a:effectRef idx="0">
+            <a:schemeClr val="accent1"/>
+          </a:effectRef>
+          <a:fontRef idx="minor">
+            <a:schemeClr val="tx1"/>
+          </a:fontRef>
+        </p:style>
+      </p:cxnSp>
+      <p:cxnSp>
+        <p:nvCxnSpPr>
+          <p:cNvPr id="77" name="Straight Connector 64"/>
+          <p:cNvCxnSpPr/>
+          <p:nvPr/>
+        </p:nvCxnSpPr>
+        <p:spPr>
+          <a:xfrm rot="5400000" flipH="1" flipV="1">
+            <a:off x="1619696" y="2852912"/>
+            <a:ext cx="432000" cy="0"/>
+          </a:xfrm>
+          <a:prstGeom prst="line">
+            <a:avLst/>
+          </a:prstGeom>
+          <a:ln w="19050">
+            <a:solidFill>
+              <a:schemeClr val="tx1"/>
+            </a:solidFill>
+          </a:ln>
+        </p:spPr>
+        <p:style>
+          <a:lnRef idx="1">
+            <a:schemeClr val="accent1"/>
+          </a:lnRef>
+          <a:fillRef idx="0">
+            <a:schemeClr val="accent1"/>
+          </a:fillRef>
+          <a:effectRef idx="0">
+            <a:schemeClr val="accent1"/>
+          </a:effectRef>
+          <a:fontRef idx="minor">
+            <a:schemeClr val="tx1"/>
+          </a:fontRef>
+        </p:style>
+      </p:cxnSp>
+      <p:cxnSp>
+        <p:nvCxnSpPr>
+          <p:cNvPr id="79" name="מחבר ישר 78"/>
+          <p:cNvCxnSpPr/>
+          <p:nvPr/>
+        </p:nvCxnSpPr>
+        <p:spPr>
+          <a:xfrm flipH="1">
+            <a:off x="2015920" y="2924944"/>
+            <a:ext cx="3276000" cy="0"/>
+          </a:xfrm>
+          <a:prstGeom prst="line">
+            <a:avLst/>
+          </a:prstGeom>
+          <a:ln w="19050">
+            <a:solidFill>
+              <a:schemeClr val="tx1"/>
+            </a:solidFill>
+            <a:tailEnd type="none"/>
+          </a:ln>
+        </p:spPr>
+        <p:style>
+          <a:lnRef idx="1">
+            <a:schemeClr val="accent1"/>
+          </a:lnRef>
+          <a:fillRef idx="0">
+            <a:schemeClr val="accent1"/>
+          </a:fillRef>
+          <a:effectRef idx="0">
+            <a:schemeClr val="accent1"/>
+          </a:effectRef>
+          <a:fontRef idx="minor">
+            <a:schemeClr val="tx1"/>
+          </a:fontRef>
+        </p:style>
+      </p:cxnSp>
+      <p:cxnSp>
+        <p:nvCxnSpPr>
+          <p:cNvPr id="80" name="Straight Connector 64"/>
+          <p:cNvCxnSpPr/>
+          <p:nvPr/>
+        </p:nvCxnSpPr>
+        <p:spPr>
+          <a:xfrm rot="5400000" flipH="1" flipV="1">
+            <a:off x="1872000" y="2780952"/>
+            <a:ext cx="288000" cy="0"/>
+          </a:xfrm>
+          <a:prstGeom prst="line">
+            <a:avLst/>
+          </a:prstGeom>
+          <a:ln w="19050">
+            <a:solidFill>
+              <a:schemeClr val="tx1"/>
+            </a:solidFill>
+          </a:ln>
+        </p:spPr>
+        <p:style>
+          <a:lnRef idx="1">
+            <a:schemeClr val="accent1"/>
+          </a:lnRef>
+          <a:fillRef idx="0">
+            <a:schemeClr val="accent1"/>
+          </a:fillRef>
+          <a:effectRef idx="0">
+            <a:schemeClr val="accent1"/>
+          </a:effectRef>
+          <a:fontRef idx="minor">
+            <a:schemeClr val="tx1"/>
+          </a:fontRef>
+        </p:style>
+      </p:cxnSp>
+      <p:cxnSp>
+        <p:nvCxnSpPr>
+          <p:cNvPr id="82" name="מחבר ישר 81"/>
+          <p:cNvCxnSpPr/>
+          <p:nvPr/>
+        </p:nvCxnSpPr>
+        <p:spPr>
+          <a:xfrm flipH="1">
+            <a:off x="2195736" y="2780928"/>
+            <a:ext cx="4680000" cy="0"/>
+          </a:xfrm>
+          <a:prstGeom prst="line">
+            <a:avLst/>
+          </a:prstGeom>
+          <a:ln w="19050">
+            <a:solidFill>
+              <a:schemeClr val="tx1"/>
+            </a:solidFill>
+            <a:tailEnd type="none"/>
+          </a:ln>
+        </p:spPr>
+        <p:style>
+          <a:lnRef idx="1">
+            <a:schemeClr val="accent1"/>
+          </a:lnRef>
+          <a:fillRef idx="0">
+            <a:schemeClr val="accent1"/>
+          </a:fillRef>
+          <a:effectRef idx="0">
+            <a:schemeClr val="accent1"/>
+          </a:effectRef>
+          <a:fontRef idx="minor">
+            <a:schemeClr val="tx1"/>
+          </a:fontRef>
+        </p:style>
+      </p:cxnSp>
+      <p:cxnSp>
+        <p:nvCxnSpPr>
+          <p:cNvPr id="83" name="Straight Connector 64"/>
+          <p:cNvCxnSpPr/>
+          <p:nvPr/>
+        </p:nvCxnSpPr>
+        <p:spPr>
+          <a:xfrm rot="5400000" flipH="1" flipV="1">
+            <a:off x="2123736" y="2708944"/>
+            <a:ext cx="144000" cy="0"/>
+          </a:xfrm>
+          <a:prstGeom prst="line">
+            <a:avLst/>
+          </a:prstGeom>
+          <a:ln w="19050">
+            <a:solidFill>
+              <a:schemeClr val="tx1"/>
+            </a:solidFill>
+          </a:ln>
+        </p:spPr>
+        <p:style>
+          <a:lnRef idx="1">
+            <a:schemeClr val="accent1"/>
+          </a:lnRef>
+          <a:fillRef idx="0">
+            <a:schemeClr val="accent1"/>
+          </a:fillRef>
+          <a:effectRef idx="0">
+            <a:schemeClr val="accent1"/>
+          </a:effectRef>
+          <a:fontRef idx="minor">
+            <a:schemeClr val="tx1"/>
+          </a:fontRef>
+        </p:style>
+      </p:cxnSp>
+      <p:sp>
+        <p:nvSpPr>
+          <p:cNvPr id="84" name="Flowchart: Manual Operation 55"/>
+          <p:cNvSpPr/>
+          <p:nvPr/>
+        </p:nvSpPr>
+        <p:spPr>
+          <a:xfrm>
+            <a:off x="1475657" y="1556792"/>
+            <a:ext cx="936104" cy="432048"/>
+          </a:xfrm>
+          <a:prstGeom prst="flowChartManualOperation">
+            <a:avLst/>
+          </a:prstGeom>
+          <a:noFill/>
+        </p:spPr>
+        <p:style>
+          <a:lnRef idx="2">
+            <a:schemeClr val="accent1">
+              <a:shade val="50000"/>
+            </a:schemeClr>
+          </a:lnRef>
+          <a:fillRef idx="1">
+            <a:schemeClr val="accent1"/>
+          </a:fillRef>
+          <a:effectRef idx="0">
+            <a:schemeClr val="accent1"/>
+          </a:effectRef>
+          <a:fontRef idx="minor">
+            <a:schemeClr val="lt1"/>
+          </a:fontRef>
+        </p:style>
+        <p:txBody>
+          <a:bodyPr rtlCol="1" anchor="ctr"/>
+          <a:lstStyle/>
+          <a:p>
+            <a:pPr algn="ctr"/>
+            <a:endParaRPr lang="he-IL"/>
+          </a:p>
+        </p:txBody>
+      </p:sp>
+      <p:cxnSp>
+        <p:nvCxnSpPr>
+          <p:cNvPr id="85" name="Straight Connector 64"/>
+          <p:cNvCxnSpPr/>
+          <p:nvPr/>
+        </p:nvCxnSpPr>
+        <p:spPr>
+          <a:xfrm rot="5400000" flipH="1" flipV="1">
+            <a:off x="1655688" y="1448768"/>
+            <a:ext cx="216000" cy="0"/>
+          </a:xfrm>
+          <a:prstGeom prst="line">
+            <a:avLst/>
+          </a:prstGeom>
+          <a:ln w="19050">
+            <a:solidFill>
+              <a:schemeClr val="tx1"/>
+            </a:solidFill>
+          </a:ln>
+        </p:spPr>
+        <p:style>
+          <a:lnRef idx="1">
+            <a:schemeClr val="accent1"/>
+          </a:lnRef>
+          <a:fillRef idx="0">
+            <a:schemeClr val="accent1"/>
+          </a:fillRef>
+          <a:effectRef idx="0">
+            <a:schemeClr val="accent1"/>
+          </a:effectRef>
+          <a:fontRef idx="minor">
+            <a:schemeClr val="tx1"/>
+          </a:fontRef>
+        </p:style>
+      </p:cxnSp>
+      <p:cxnSp>
+        <p:nvCxnSpPr>
+          <p:cNvPr id="87" name="Straight Connector 64"/>
+          <p:cNvCxnSpPr/>
+          <p:nvPr/>
+        </p:nvCxnSpPr>
+        <p:spPr>
+          <a:xfrm rot="5400000" flipH="1" flipV="1">
+            <a:off x="2033727" y="1476000"/>
+            <a:ext cx="180000" cy="0"/>
+          </a:xfrm>
+          <a:prstGeom prst="line">
+            <a:avLst/>
+          </a:prstGeom>
+          <a:ln w="19050">
+            <a:solidFill>
+              <a:schemeClr val="tx1"/>
+            </a:solidFill>
+          </a:ln>
+        </p:spPr>
+        <p:style>
+          <a:lnRef idx="1">
+            <a:schemeClr val="accent1"/>
+          </a:lnRef>
+          <a:fillRef idx="0">
+            <a:schemeClr val="accent1"/>
+          </a:fillRef>
+          <a:effectRef idx="0">
+            <a:schemeClr val="accent1"/>
+          </a:effectRef>
+          <a:fontRef idx="minor">
+            <a:schemeClr val="tx1"/>
+          </a:fontRef>
+        </p:style>
+      </p:cxnSp>
+      <p:cxnSp>
+        <p:nvCxnSpPr>
+          <p:cNvPr id="88" name="Straight Connector 64"/>
+          <p:cNvCxnSpPr/>
+          <p:nvPr/>
+        </p:nvCxnSpPr>
+        <p:spPr>
+          <a:xfrm rot="5400000" flipH="1" flipV="1">
+            <a:off x="1836000" y="2096840"/>
+            <a:ext cx="216000" cy="0"/>
+          </a:xfrm>
+          <a:prstGeom prst="line">
+            <a:avLst/>
+          </a:prstGeom>
+          <a:ln w="19050">
+            <a:solidFill>
+              <a:schemeClr val="tx1"/>
+            </a:solidFill>
+          </a:ln>
+        </p:spPr>
+        <p:style>
+          <a:lnRef idx="1">
+            <a:schemeClr val="accent1"/>
+          </a:lnRef>
+          <a:fillRef idx="0">
+            <a:schemeClr val="accent1"/>
+          </a:fillRef>
+          <a:effectRef idx="0">
+            <a:schemeClr val="accent1"/>
+          </a:effectRef>
+          <a:fontRef idx="minor">
+            <a:schemeClr val="tx1"/>
+          </a:fontRef>
+        </p:style>
+      </p:cxnSp>
+      <p:cxnSp>
+        <p:nvCxnSpPr>
+          <p:cNvPr id="89" name="Straight Arrow Connector 53"/>
+          <p:cNvCxnSpPr/>
+          <p:nvPr/>
+        </p:nvCxnSpPr>
+        <p:spPr>
+          <a:xfrm>
+            <a:off x="323528" y="1772816"/>
+            <a:ext cx="792088" cy="1588"/>
+          </a:xfrm>
+          <a:prstGeom prst="straightConnector1">
+            <a:avLst/>
+          </a:prstGeom>
+          <a:ln w="19050">
+            <a:solidFill>
+              <a:schemeClr val="tx1"/>
+            </a:solidFill>
+            <a:tailEnd type="arrow"/>
+          </a:ln>
+        </p:spPr>
+        <p:style>
+          <a:lnRef idx="1">
+            <a:schemeClr val="accent1"/>
+          </a:lnRef>
+          <a:fillRef idx="0">
+            <a:schemeClr val="accent1"/>
+          </a:fillRef>
+          <a:effectRef idx="0">
+            <a:schemeClr val="accent1"/>
+          </a:effectRef>
+          <a:fontRef idx="minor">
+            <a:schemeClr val="tx1"/>
+          </a:fontRef>
+        </p:style>
+      </p:cxnSp>
+      <p:cxnSp>
+        <p:nvCxnSpPr>
+          <p:cNvPr id="90" name="Straight Connector 57"/>
+          <p:cNvCxnSpPr/>
+          <p:nvPr/>
+        </p:nvCxnSpPr>
+        <p:spPr>
+          <a:xfrm>
+            <a:off x="1115616" y="1772816"/>
+            <a:ext cx="432000" cy="0"/>
+          </a:xfrm>
+          <a:prstGeom prst="line">
+            <a:avLst/>
+          </a:prstGeom>
+          <a:ln w="19050">
+            <a:solidFill>
+              <a:schemeClr val="tx1"/>
+            </a:solidFill>
+          </a:ln>
+        </p:spPr>
+        <p:style>
+          <a:lnRef idx="1">
+            <a:schemeClr val="accent1"/>
+          </a:lnRef>
+          <a:fillRef idx="0">
+            <a:schemeClr val="accent1"/>
+          </a:fillRef>
+          <a:effectRef idx="0">
+            <a:schemeClr val="accent1"/>
+          </a:effectRef>
+          <a:fontRef idx="minor">
+            <a:schemeClr val="tx1"/>
+          </a:fontRef>
+        </p:style>
+      </p:cxnSp>
+      <p:sp>
+        <p:nvSpPr>
+          <p:cNvPr id="91" name="TextBox 90"/>
+          <p:cNvSpPr txBox="1"/>
+          <p:nvPr/>
+        </p:nvSpPr>
+        <p:spPr>
+          <a:xfrm>
+            <a:off x="323528" y="1537047"/>
+            <a:ext cx="792088" cy="307777"/>
+          </a:xfrm>
+          <a:prstGeom prst="rect">
+            <a:avLst/>
+          </a:prstGeom>
+          <a:noFill/>
+        </p:spPr>
+        <p:txBody>
+          <a:bodyPr wrap="square" rtlCol="1">
+            <a:spAutoFit/>
+          </a:bodyPr>
+          <a:lstStyle/>
+          <a:p>
+            <a:pPr algn="ctr"/>
+            <a:r>
+              <a:rPr lang="en-US" sz="1400" dirty="0" smtClean="0"/>
+              <a:t>Reset</a:t>
+            </a:r>
+            <a:endParaRPr lang="he-IL" sz="1400" dirty="0"/>
+          </a:p>
+        </p:txBody>
+      </p:sp>
+      <p:sp>
+        <p:nvSpPr>
+          <p:cNvPr id="92" name="TextBox 91"/>
+          <p:cNvSpPr txBox="1"/>
+          <p:nvPr/>
+        </p:nvSpPr>
+        <p:spPr>
+          <a:xfrm>
+            <a:off x="1908000" y="1152000"/>
+            <a:ext cx="432048" cy="252000"/>
+          </a:xfrm>
+          <a:prstGeom prst="rect">
+            <a:avLst/>
+          </a:prstGeom>
+          <a:noFill/>
+        </p:spPr>
+        <p:txBody>
+          <a:bodyPr wrap="square" rtlCol="1">
+            <a:spAutoFit/>
+          </a:bodyPr>
+          <a:lstStyle/>
+          <a:p>
+            <a:pPr algn="ctr"/>
+            <a:r>
+              <a:rPr lang="en-US" sz="1400" dirty="0" smtClean="0"/>
+              <a:t>‘0’</a:t>
+            </a:r>
+            <a:endParaRPr lang="he-IL" sz="1400" dirty="0"/>
           </a:p>
         </p:txBody>
       </p:sp>

--- a/core/Regesters Diagram.pptx
+++ b/core/Regesters Diagram.pptx
@@ -116,19 +116,6 @@
 <p:cmAuthorLst xmlns:a="http://schemas.openxmlformats.org/drawingml/2006/main" xmlns:r="http://schemas.openxmlformats.org/officeDocument/2006/relationships" xmlns:p="http://schemas.openxmlformats.org/presentationml/2006/main">
   <p:cmAuthor id="0" name="zvika pery" initials="zp" lastIdx="3" clrIdx="0"/>
 </p:cmAuthorLst>
-</file>
-
-<file path=ppt/comments/comment1.xml><?xml version="1.0" encoding="utf-8"?>
-<p:cmLst xmlns:a="http://schemas.openxmlformats.org/drawingml/2006/main" xmlns:r="http://schemas.openxmlformats.org/officeDocument/2006/relationships" xmlns:p="http://schemas.openxmlformats.org/presentationml/2006/main">
-  <p:cm authorId="0" dt="2012-08-27T14:31:49.640" idx="1">
-    <p:pos x="2745" y="1620"/>
-    <p:text>בודק האם התרחשה עליית trigger</p:text>
-  </p:cm>
-  <p:cm authorId="0" dt="2012-08-27T14:32:45.796" idx="2">
-    <p:pos x="2700" y="3195"/>
-    <p:text>מחשב את הכתובת המתאימה ב RAM שצריך להוציא בהתאם למיקום אות TRIGGER וערךTRIGGER POSITION</p:text>
-  </p:cm>
-</p:cmLst>
 </file>
 
 <file path=ppt/slideLayouts/slideLayout1.xml><?xml version="1.0" encoding="utf-8"?>
@@ -313,7 +300,7 @@
             <a:fld id="{30DAF76B-3D33-4835-836A-6F4282D25A44}" type="datetimeFigureOut">
               <a:rPr lang="he-IL" smtClean="0"/>
               <a:pPr/>
-              <a:t>א'/תשרי/תשע"ג</a:t>
+              <a:t>ב'/תשרי/תשע"ג</a:t>
             </a:fld>
             <a:endParaRPr lang="he-IL" dirty="0"/>
           </a:p>
@@ -480,7 +467,7 @@
             <a:fld id="{30DAF76B-3D33-4835-836A-6F4282D25A44}" type="datetimeFigureOut">
               <a:rPr lang="he-IL" smtClean="0"/>
               <a:pPr/>
-              <a:t>א'/תשרי/תשע"ג</a:t>
+              <a:t>ב'/תשרי/תשע"ג</a:t>
             </a:fld>
             <a:endParaRPr lang="he-IL" dirty="0"/>
           </a:p>
@@ -657,7 +644,7 @@
             <a:fld id="{30DAF76B-3D33-4835-836A-6F4282D25A44}" type="datetimeFigureOut">
               <a:rPr lang="he-IL" smtClean="0"/>
               <a:pPr/>
-              <a:t>א'/תשרי/תשע"ג</a:t>
+              <a:t>ב'/תשרי/תשע"ג</a:t>
             </a:fld>
             <a:endParaRPr lang="he-IL" dirty="0"/>
           </a:p>
@@ -824,7 +811,7 @@
             <a:fld id="{30DAF76B-3D33-4835-836A-6F4282D25A44}" type="datetimeFigureOut">
               <a:rPr lang="he-IL" smtClean="0"/>
               <a:pPr/>
-              <a:t>א'/תשרי/תשע"ג</a:t>
+              <a:t>ב'/תשרי/תשע"ג</a:t>
             </a:fld>
             <a:endParaRPr lang="he-IL" dirty="0"/>
           </a:p>
@@ -1067,7 +1054,7 @@
             <a:fld id="{30DAF76B-3D33-4835-836A-6F4282D25A44}" type="datetimeFigureOut">
               <a:rPr lang="he-IL" smtClean="0"/>
               <a:pPr/>
-              <a:t>א'/תשרי/תשע"ג</a:t>
+              <a:t>ב'/תשרי/תשע"ג</a:t>
             </a:fld>
             <a:endParaRPr lang="he-IL" dirty="0"/>
           </a:p>
@@ -1352,7 +1339,7 @@
             <a:fld id="{30DAF76B-3D33-4835-836A-6F4282D25A44}" type="datetimeFigureOut">
               <a:rPr lang="he-IL" smtClean="0"/>
               <a:pPr/>
-              <a:t>א'/תשרי/תשע"ג</a:t>
+              <a:t>ב'/תשרי/תשע"ג</a:t>
             </a:fld>
             <a:endParaRPr lang="he-IL" dirty="0"/>
           </a:p>
@@ -1771,7 +1758,7 @@
             <a:fld id="{30DAF76B-3D33-4835-836A-6F4282D25A44}" type="datetimeFigureOut">
               <a:rPr lang="he-IL" smtClean="0"/>
               <a:pPr/>
-              <a:t>א'/תשרי/תשע"ג</a:t>
+              <a:t>ב'/תשרי/תשע"ג</a:t>
             </a:fld>
             <a:endParaRPr lang="he-IL" dirty="0"/>
           </a:p>
@@ -1886,7 +1873,7 @@
             <a:fld id="{30DAF76B-3D33-4835-836A-6F4282D25A44}" type="datetimeFigureOut">
               <a:rPr lang="he-IL" smtClean="0"/>
               <a:pPr/>
-              <a:t>א'/תשרי/תשע"ג</a:t>
+              <a:t>ב'/תשרי/תשע"ג</a:t>
             </a:fld>
             <a:endParaRPr lang="he-IL" dirty="0"/>
           </a:p>
@@ -1978,7 +1965,7 @@
             <a:fld id="{30DAF76B-3D33-4835-836A-6F4282D25A44}" type="datetimeFigureOut">
               <a:rPr lang="he-IL" smtClean="0"/>
               <a:pPr/>
-              <a:t>א'/תשרי/תשע"ג</a:t>
+              <a:t>ב'/תשרי/תשע"ג</a:t>
             </a:fld>
             <a:endParaRPr lang="he-IL" dirty="0"/>
           </a:p>
@@ -2252,7 +2239,7 @@
             <a:fld id="{30DAF76B-3D33-4835-836A-6F4282D25A44}" type="datetimeFigureOut">
               <a:rPr lang="he-IL" smtClean="0"/>
               <a:pPr/>
-              <a:t>א'/תשרי/תשע"ג</a:t>
+              <a:t>ב'/תשרי/תשע"ג</a:t>
             </a:fld>
             <a:endParaRPr lang="he-IL" dirty="0"/>
           </a:p>
@@ -2502,7 +2489,7 @@
             <a:fld id="{30DAF76B-3D33-4835-836A-6F4282D25A44}" type="datetimeFigureOut">
               <a:rPr lang="he-IL" smtClean="0"/>
               <a:pPr/>
-              <a:t>א'/תשרי/תשע"ג</a:t>
+              <a:t>ב'/תשרי/תשע"ג</a:t>
             </a:fld>
             <a:endParaRPr lang="he-IL" dirty="0"/>
           </a:p>
@@ -2712,7 +2699,7 @@
             <a:fld id="{30DAF76B-3D33-4835-836A-6F4282D25A44}" type="datetimeFigureOut">
               <a:rPr lang="he-IL" smtClean="0"/>
               <a:pPr/>
-              <a:t>א'/תשרי/תשע"ג</a:t>
+              <a:t>ב'/תשרי/תשע"ג</a:t>
             </a:fld>
             <a:endParaRPr lang="he-IL" dirty="0"/>
           </a:p>
@@ -17107,7 +17094,7 @@
         </p:nvSpPr>
         <p:spPr>
           <a:xfrm>
-            <a:off x="899592" y="188640"/>
+            <a:off x="899592" y="216000"/>
             <a:ext cx="7215238" cy="6429420"/>
           </a:xfrm>
           <a:prstGeom prst="rect">
@@ -17153,7 +17140,7 @@
         </p:nvGrpSpPr>
         <p:grpSpPr>
           <a:xfrm>
-            <a:off x="285720" y="2421580"/>
+            <a:off x="251520" y="6238004"/>
             <a:ext cx="642942" cy="287340"/>
             <a:chOff x="142844" y="857232"/>
             <a:chExt cx="642942" cy="287340"/>
@@ -17234,7 +17221,7 @@
         </p:nvGrpSpPr>
         <p:grpSpPr>
           <a:xfrm>
-            <a:off x="214282" y="902572"/>
+            <a:off x="179512" y="902572"/>
             <a:ext cx="714380" cy="287340"/>
             <a:chOff x="71406" y="857232"/>
             <a:chExt cx="714380" cy="287340"/>
@@ -17315,7 +17302,7 @@
         </p:nvGrpSpPr>
         <p:grpSpPr>
           <a:xfrm>
-            <a:off x="214282" y="332656"/>
+            <a:off x="179512" y="332656"/>
             <a:ext cx="714380" cy="287340"/>
             <a:chOff x="71406" y="857232"/>
             <a:chExt cx="714380" cy="287340"/>
@@ -17396,7 +17383,7 @@
         </p:nvGrpSpPr>
         <p:grpSpPr>
           <a:xfrm>
-            <a:off x="142844" y="3068960"/>
+            <a:off x="107504" y="1916832"/>
             <a:ext cx="785818" cy="461665"/>
             <a:chOff x="-32" y="714356"/>
             <a:chExt cx="785818" cy="461665"/>
@@ -17485,7 +17472,7 @@
         </p:nvGrpSpPr>
         <p:grpSpPr>
           <a:xfrm>
-            <a:off x="142844" y="4643446"/>
+            <a:off x="107504" y="1340768"/>
             <a:ext cx="785818" cy="461665"/>
             <a:chOff x="-32" y="714356"/>
             <a:chExt cx="785818" cy="461665"/>
@@ -17574,7 +17561,7 @@
         </p:nvGrpSpPr>
         <p:grpSpPr>
           <a:xfrm>
-            <a:off x="214282" y="3501008"/>
+            <a:off x="179512" y="2564904"/>
             <a:ext cx="714380" cy="461665"/>
             <a:chOff x="71406" y="714356"/>
             <a:chExt cx="714380" cy="461665"/>
@@ -17663,9 +17650,9 @@
         </p:nvGrpSpPr>
         <p:grpSpPr>
           <a:xfrm>
-            <a:off x="142844" y="5047790"/>
+            <a:off x="107504" y="5517232"/>
             <a:ext cx="785818" cy="738664"/>
-            <a:chOff x="-32" y="747393"/>
+            <a:chOff x="-32" y="693969"/>
             <a:chExt cx="785818" cy="738664"/>
           </a:xfrm>
         </p:grpSpPr>
@@ -17713,7 +17700,7 @@
           </p:nvSpPr>
           <p:spPr>
             <a:xfrm>
-              <a:off x="-32" y="747393"/>
+              <a:off x="-32" y="693969"/>
               <a:ext cx="714380" cy="738664"/>
             </a:xfrm>
             <a:prstGeom prst="rect">
@@ -17730,16 +17717,9 @@
               <a:pPr algn="ctr" rtl="0"/>
               <a:r>
                 <a:rPr lang="en-US" sz="1200" dirty="0" smtClean="0"/>
-                <a:t>RAM</a:t>
+                <a:t>Data in WC</a:t>
               </a:r>
-              <a:r>
-                <a:rPr lang="he-IL" sz="1200" dirty="0" smtClean="0"/>
-                <a:t> </a:t>
-              </a:r>
-              <a:r>
-                <a:rPr lang="en-US" sz="1200" dirty="0" smtClean="0"/>
-                <a:t> to wc</a:t>
-              </a:r>
+              <a:endParaRPr lang="en-US" sz="1200" dirty="0" smtClean="0"/>
             </a:p>
             <a:p>
               <a:pPr algn="ctr"/>
@@ -17756,10 +17736,10 @@
         </p:nvGrpSpPr>
         <p:grpSpPr>
           <a:xfrm>
-            <a:off x="142844" y="5547856"/>
-            <a:ext cx="785818" cy="738664"/>
-            <a:chOff x="-32" y="675955"/>
-            <a:chExt cx="785818" cy="738664"/>
+            <a:off x="35496" y="3235042"/>
+            <a:ext cx="899592" cy="553998"/>
+            <a:chOff x="-28500" y="883421"/>
+            <a:chExt cx="857224" cy="553998"/>
           </a:xfrm>
         </p:grpSpPr>
         <p:cxnSp>
@@ -17806,8 +17786,8 @@
           </p:nvSpPr>
           <p:spPr>
             <a:xfrm>
-              <a:off x="-32" y="675955"/>
-              <a:ext cx="714380" cy="738664"/>
+              <a:off x="-28500" y="883421"/>
+              <a:ext cx="857224" cy="553998"/>
             </a:xfrm>
             <a:prstGeom prst="rect">
               <a:avLst/>
@@ -17823,8 +17803,9 @@
               <a:pPr algn="ctr" rtl="0"/>
               <a:r>
                 <a:rPr lang="en-US" sz="1200" dirty="0" smtClean="0"/>
-                <a:t>WBS to wc</a:t>
+                <a:t>Generics</a:t>
               </a:r>
+              <a:endParaRPr lang="en-US" sz="1200" dirty="0" smtClean="0"/>
             </a:p>
             <a:p>
               <a:pPr algn="ctr"/>
@@ -17833,37 +17814,696 @@
           </p:txBody>
         </p:sp>
       </p:grpSp>
+      <p:cxnSp>
+        <p:nvCxnSpPr>
+          <p:cNvPr id="63" name="מחבר חץ ישר 62"/>
+          <p:cNvCxnSpPr/>
+          <p:nvPr/>
+        </p:nvCxnSpPr>
+        <p:spPr>
+          <a:xfrm>
+            <a:off x="928662" y="1189912"/>
+            <a:ext cx="1839528" cy="1588"/>
+          </a:xfrm>
+          <a:prstGeom prst="straightConnector1">
+            <a:avLst/>
+          </a:prstGeom>
+          <a:ln w="19050">
+            <a:solidFill>
+              <a:schemeClr val="tx1"/>
+            </a:solidFill>
+            <a:tailEnd type="arrow"/>
+          </a:ln>
+        </p:spPr>
+        <p:style>
+          <a:lnRef idx="1">
+            <a:schemeClr val="accent1"/>
+          </a:lnRef>
+          <a:fillRef idx="0">
+            <a:schemeClr val="accent1"/>
+          </a:fillRef>
+          <a:effectRef idx="0">
+            <a:schemeClr val="accent1"/>
+          </a:effectRef>
+          <a:fontRef idx="minor">
+            <a:schemeClr val="tx1"/>
+          </a:fontRef>
+        </p:style>
+      </p:cxnSp>
       <p:grpSp>
         <p:nvGrpSpPr>
-          <p:cNvPr id="55" name="קבוצה 54"/>
+          <p:cNvPr id="151" name="Group 150"/>
           <p:cNvGrpSpPr/>
           <p:nvPr/>
         </p:nvGrpSpPr>
         <p:grpSpPr>
           <a:xfrm>
-            <a:off x="4357686" y="2428868"/>
-            <a:ext cx="1071570" cy="714380"/>
-            <a:chOff x="2643175" y="2357430"/>
-            <a:chExt cx="1000132" cy="714380"/>
+            <a:off x="2714612" y="332656"/>
+            <a:ext cx="785818" cy="1071570"/>
+            <a:chOff x="2714612" y="332656"/>
+            <a:chExt cx="785818" cy="1071570"/>
           </a:xfrm>
         </p:grpSpPr>
         <p:sp>
           <p:nvSpPr>
-            <p:cNvPr id="53" name="מלבן מעוגל 52"/>
+            <p:cNvPr id="61" name="טרפז 60"/>
             <p:cNvSpPr/>
             <p:nvPr/>
           </p:nvSpPr>
           <p:spPr>
-            <a:xfrm>
-              <a:off x="2714612" y="2357430"/>
-              <a:ext cx="928694" cy="714380"/>
-            </a:xfrm>
-            <a:prstGeom prst="roundRect">
-              <a:avLst/>
-            </a:prstGeom>
+            <a:xfrm rot="10800000">
+              <a:off x="2714612" y="975598"/>
+              <a:ext cx="785818" cy="428628"/>
+            </a:xfrm>
+            <a:prstGeom prst="trapezoid">
+              <a:avLst/>
+            </a:prstGeom>
+          </p:spPr>
+          <p:style>
+            <a:lnRef idx="2">
+              <a:schemeClr val="accent1">
+                <a:shade val="50000"/>
+              </a:schemeClr>
+            </a:lnRef>
+            <a:fillRef idx="1">
+              <a:schemeClr val="accent1"/>
+            </a:fillRef>
+            <a:effectRef idx="0">
+              <a:schemeClr val="accent1"/>
+            </a:effectRef>
+            <a:fontRef idx="minor">
+              <a:schemeClr val="lt1"/>
+            </a:fontRef>
+          </p:style>
+          <p:txBody>
+            <a:bodyPr rtlCol="1" anchor="ctr"/>
+            <a:lstStyle/>
+            <a:p>
+              <a:pPr algn="ctr"/>
+              <a:endParaRPr lang="he-IL" dirty="0"/>
+            </a:p>
+          </p:txBody>
+        </p:sp>
+        <p:cxnSp>
+          <p:nvCxnSpPr>
+            <p:cNvPr id="73" name="מחבר חץ ישר 72"/>
+            <p:cNvCxnSpPr/>
+            <p:nvPr/>
+          </p:nvCxnSpPr>
+          <p:spPr>
+            <a:xfrm rot="5400000">
+              <a:off x="2750331" y="797003"/>
+              <a:ext cx="357190" cy="1588"/>
+            </a:xfrm>
+            <a:prstGeom prst="straightConnector1">
+              <a:avLst/>
+            </a:prstGeom>
+            <a:ln w="19050">
+              <a:solidFill>
+                <a:schemeClr val="tx1"/>
+              </a:solidFill>
+              <a:tailEnd type="arrow"/>
+            </a:ln>
+          </p:spPr>
+          <p:style>
+            <a:lnRef idx="1">
+              <a:schemeClr val="accent1"/>
+            </a:lnRef>
+            <a:fillRef idx="0">
+              <a:schemeClr val="accent1"/>
+            </a:fillRef>
+            <a:effectRef idx="0">
+              <a:schemeClr val="accent1"/>
+            </a:effectRef>
+            <a:fontRef idx="minor">
+              <a:schemeClr val="tx1"/>
+            </a:fontRef>
+          </p:style>
+        </p:cxnSp>
+        <p:cxnSp>
+          <p:nvCxnSpPr>
+            <p:cNvPr id="76" name="מחבר חץ ישר 75"/>
+            <p:cNvCxnSpPr/>
+            <p:nvPr/>
+          </p:nvCxnSpPr>
+          <p:spPr>
+            <a:xfrm rot="5400000">
+              <a:off x="3106727" y="796209"/>
+              <a:ext cx="357190" cy="1588"/>
+            </a:xfrm>
+            <a:prstGeom prst="straightConnector1">
+              <a:avLst/>
+            </a:prstGeom>
+            <a:ln w="19050">
+              <a:solidFill>
+                <a:schemeClr val="tx1"/>
+              </a:solidFill>
+              <a:tailEnd type="arrow"/>
+            </a:ln>
+          </p:spPr>
+          <p:style>
+            <a:lnRef idx="1">
+              <a:schemeClr val="accent1"/>
+            </a:lnRef>
+            <a:fillRef idx="0">
+              <a:schemeClr val="accent1"/>
+            </a:fillRef>
+            <a:effectRef idx="0">
+              <a:schemeClr val="accent1"/>
+            </a:effectRef>
+            <a:fontRef idx="minor">
+              <a:schemeClr val="tx1"/>
+            </a:fontRef>
+          </p:style>
+        </p:cxnSp>
+        <p:sp>
+          <p:nvSpPr>
+            <p:cNvPr id="77" name="TextBox 76"/>
+            <p:cNvSpPr txBox="1"/>
+            <p:nvPr/>
+          </p:nvSpPr>
+          <p:spPr>
+            <a:xfrm>
+              <a:off x="3000364" y="332656"/>
+              <a:ext cx="500066" cy="307777"/>
+            </a:xfrm>
+            <a:prstGeom prst="rect">
+              <a:avLst/>
+            </a:prstGeom>
+            <a:noFill/>
+          </p:spPr>
+          <p:txBody>
+            <a:bodyPr wrap="square" rtlCol="1">
+              <a:spAutoFit/>
+            </a:bodyPr>
+            <a:lstStyle/>
+            <a:p>
+              <a:pPr algn="ctr"/>
+              <a:r>
+                <a:rPr lang="en-US" sz="1400" dirty="0" smtClean="0"/>
+                <a:t>‘0’</a:t>
+              </a:r>
+              <a:endParaRPr lang="he-IL" sz="1400" dirty="0"/>
+            </a:p>
+          </p:txBody>
+        </p:sp>
+      </p:grpSp>
+      <p:cxnSp>
+        <p:nvCxnSpPr>
+          <p:cNvPr id="99" name="מחבר ישר 98"/>
+          <p:cNvCxnSpPr/>
+          <p:nvPr/>
+        </p:nvCxnSpPr>
+        <p:spPr>
+          <a:xfrm>
+            <a:off x="899592" y="620688"/>
+            <a:ext cx="2052000" cy="1588"/>
+          </a:xfrm>
+          <a:prstGeom prst="line">
+            <a:avLst/>
+          </a:prstGeom>
+          <a:ln w="19050">
             <a:solidFill>
-              <a:schemeClr val="accent2"/>
+              <a:schemeClr val="tx1"/>
             </a:solidFill>
+            <a:tailEnd type="none"/>
+          </a:ln>
+        </p:spPr>
+        <p:style>
+          <a:lnRef idx="1">
+            <a:schemeClr val="accent1"/>
+          </a:lnRef>
+          <a:fillRef idx="0">
+            <a:schemeClr val="accent1"/>
+          </a:fillRef>
+          <a:effectRef idx="0">
+            <a:schemeClr val="accent1"/>
+          </a:effectRef>
+          <a:fontRef idx="minor">
+            <a:schemeClr val="tx1"/>
+          </a:fontRef>
+        </p:style>
+      </p:cxnSp>
+      <p:grpSp>
+        <p:nvGrpSpPr>
+          <p:cNvPr id="121" name="Group 120"/>
+          <p:cNvGrpSpPr/>
+          <p:nvPr/>
+        </p:nvGrpSpPr>
+        <p:grpSpPr>
+          <a:xfrm>
+            <a:off x="8100392" y="2420888"/>
+            <a:ext cx="633634" cy="523220"/>
+            <a:chOff x="8143900" y="4797152"/>
+            <a:chExt cx="633634" cy="523220"/>
+          </a:xfrm>
+        </p:grpSpPr>
+        <p:cxnSp>
+          <p:nvCxnSpPr>
+            <p:cNvPr id="60" name="Straight Arrow Connector 109"/>
+            <p:cNvCxnSpPr/>
+            <p:nvPr/>
+          </p:nvCxnSpPr>
+          <p:spPr>
+            <a:xfrm>
+              <a:off x="8143900" y="5286388"/>
+              <a:ext cx="612576" cy="1588"/>
+            </a:xfrm>
+            <a:prstGeom prst="straightConnector1">
+              <a:avLst/>
+            </a:prstGeom>
+            <a:ln w="19050">
+              <a:solidFill>
+                <a:schemeClr val="tx1"/>
+              </a:solidFill>
+              <a:tailEnd type="arrow"/>
+            </a:ln>
+          </p:spPr>
+          <p:style>
+            <a:lnRef idx="1">
+              <a:schemeClr val="accent1"/>
+            </a:lnRef>
+            <a:fillRef idx="0">
+              <a:schemeClr val="accent1"/>
+            </a:fillRef>
+            <a:effectRef idx="0">
+              <a:schemeClr val="accent1"/>
+            </a:effectRef>
+            <a:fontRef idx="minor">
+              <a:schemeClr val="tx1"/>
+            </a:fontRef>
+          </p:style>
+        </p:cxnSp>
+        <p:sp>
+          <p:nvSpPr>
+            <p:cNvPr id="161" name="TextBox 160"/>
+            <p:cNvSpPr txBox="1"/>
+            <p:nvPr/>
+          </p:nvSpPr>
+          <p:spPr>
+            <a:xfrm>
+              <a:off x="8172400" y="4797152"/>
+              <a:ext cx="605134" cy="523220"/>
+            </a:xfrm>
+            <a:prstGeom prst="rect">
+              <a:avLst/>
+            </a:prstGeom>
+            <a:noFill/>
+          </p:spPr>
+          <p:txBody>
+            <a:bodyPr wrap="square" rtlCol="1">
+              <a:spAutoFit/>
+            </a:bodyPr>
+            <a:lstStyle/>
+            <a:p>
+              <a:pPr algn="ctr"/>
+              <a:r>
+                <a:rPr lang="en-US" sz="1400" dirty="0" err="1" smtClean="0"/>
+                <a:t>wc</a:t>
+              </a:r>
+              <a:r>
+                <a:rPr lang="en-US" sz="1400" dirty="0" smtClean="0"/>
+                <a:t> to </a:t>
+              </a:r>
+              <a:r>
+                <a:rPr lang="en-US" sz="1400" dirty="0" err="1" smtClean="0"/>
+                <a:t>rc</a:t>
+              </a:r>
+              <a:endParaRPr lang="he-IL" sz="1400" dirty="0"/>
+            </a:p>
+          </p:txBody>
+        </p:sp>
+      </p:grpSp>
+      <p:grpSp>
+        <p:nvGrpSpPr>
+          <p:cNvPr id="89" name="Group 88"/>
+          <p:cNvGrpSpPr/>
+          <p:nvPr/>
+        </p:nvGrpSpPr>
+        <p:grpSpPr>
+          <a:xfrm>
+            <a:off x="8028384" y="5517232"/>
+            <a:ext cx="714380" cy="463253"/>
+            <a:chOff x="8072462" y="2895897"/>
+            <a:chExt cx="714380" cy="463253"/>
+          </a:xfrm>
+        </p:grpSpPr>
+        <p:cxnSp>
+          <p:nvCxnSpPr>
+            <p:cNvPr id="56" name="Straight Arrow Connector 109"/>
+            <p:cNvCxnSpPr/>
+            <p:nvPr/>
+          </p:nvCxnSpPr>
+          <p:spPr>
+            <a:xfrm>
+              <a:off x="8143900" y="3357562"/>
+              <a:ext cx="612576" cy="1588"/>
+            </a:xfrm>
+            <a:prstGeom prst="straightConnector1">
+              <a:avLst/>
+            </a:prstGeom>
+            <a:ln w="19050">
+              <a:solidFill>
+                <a:schemeClr val="tx1"/>
+              </a:solidFill>
+              <a:tailEnd type="arrow"/>
+            </a:ln>
+          </p:spPr>
+          <p:style>
+            <a:lnRef idx="1">
+              <a:schemeClr val="accent1"/>
+            </a:lnRef>
+            <a:fillRef idx="0">
+              <a:schemeClr val="accent1"/>
+            </a:fillRef>
+            <a:effectRef idx="0">
+              <a:schemeClr val="accent1"/>
+            </a:effectRef>
+            <a:fontRef idx="minor">
+              <a:schemeClr val="tx1"/>
+            </a:fontRef>
+          </p:style>
+        </p:cxnSp>
+        <p:sp>
+          <p:nvSpPr>
+            <p:cNvPr id="201" name="TextBox 200"/>
+            <p:cNvSpPr txBox="1"/>
+            <p:nvPr/>
+          </p:nvSpPr>
+          <p:spPr>
+            <a:xfrm>
+              <a:off x="8072462" y="2895897"/>
+              <a:ext cx="714380" cy="461665"/>
+            </a:xfrm>
+            <a:prstGeom prst="rect">
+              <a:avLst/>
+            </a:prstGeom>
+            <a:noFill/>
+          </p:spPr>
+          <p:txBody>
+            <a:bodyPr wrap="square" rtlCol="1">
+              <a:spAutoFit/>
+            </a:bodyPr>
+            <a:lstStyle/>
+            <a:p>
+              <a:pPr algn="ctr"/>
+              <a:r>
+                <a:rPr lang="en-US" sz="1200" dirty="0" smtClean="0"/>
+                <a:t>Data in RAM</a:t>
+              </a:r>
+              <a:endParaRPr lang="en-US" sz="1200" dirty="0" smtClean="0"/>
+            </a:p>
+          </p:txBody>
+        </p:sp>
+      </p:grpSp>
+      <p:grpSp>
+        <p:nvGrpSpPr>
+          <p:cNvPr id="97" name="Group 96"/>
+          <p:cNvGrpSpPr/>
+          <p:nvPr/>
+        </p:nvGrpSpPr>
+        <p:grpSpPr>
+          <a:xfrm>
+            <a:off x="8028384" y="4725144"/>
+            <a:ext cx="714380" cy="360040"/>
+            <a:chOff x="8072462" y="2999110"/>
+            <a:chExt cx="714380" cy="360040"/>
+          </a:xfrm>
+        </p:grpSpPr>
+        <p:cxnSp>
+          <p:nvCxnSpPr>
+            <p:cNvPr id="98" name="Straight Arrow Connector 109"/>
+            <p:cNvCxnSpPr/>
+            <p:nvPr/>
+          </p:nvCxnSpPr>
+          <p:spPr>
+            <a:xfrm>
+              <a:off x="8143900" y="3357562"/>
+              <a:ext cx="612576" cy="1588"/>
+            </a:xfrm>
+            <a:prstGeom prst="straightConnector1">
+              <a:avLst/>
+            </a:prstGeom>
+            <a:ln w="19050">
+              <a:solidFill>
+                <a:schemeClr val="tx1"/>
+              </a:solidFill>
+              <a:tailEnd type="arrow"/>
+            </a:ln>
+          </p:spPr>
+          <p:style>
+            <a:lnRef idx="1">
+              <a:schemeClr val="accent1"/>
+            </a:lnRef>
+            <a:fillRef idx="0">
+              <a:schemeClr val="accent1"/>
+            </a:fillRef>
+            <a:effectRef idx="0">
+              <a:schemeClr val="accent1"/>
+            </a:effectRef>
+            <a:fontRef idx="minor">
+              <a:schemeClr val="tx1"/>
+            </a:fontRef>
+          </p:style>
+        </p:cxnSp>
+        <p:sp>
+          <p:nvSpPr>
+            <p:cNvPr id="100" name="TextBox 99"/>
+            <p:cNvSpPr txBox="1"/>
+            <p:nvPr/>
+          </p:nvSpPr>
+          <p:spPr>
+            <a:xfrm>
+              <a:off x="8072462" y="2999110"/>
+              <a:ext cx="714380" cy="276999"/>
+            </a:xfrm>
+            <a:prstGeom prst="rect">
+              <a:avLst/>
+            </a:prstGeom>
+            <a:noFill/>
+          </p:spPr>
+          <p:txBody>
+            <a:bodyPr wrap="square" rtlCol="1">
+              <a:spAutoFit/>
+            </a:bodyPr>
+            <a:lstStyle/>
+            <a:p>
+              <a:pPr algn="ctr"/>
+              <a:r>
+                <a:rPr lang="en-US" sz="1200" dirty="0" err="1" smtClean="0"/>
+                <a:t>Addr</a:t>
+              </a:r>
+              <a:r>
+                <a:rPr lang="en-US" sz="1200" dirty="0" smtClean="0"/>
+                <a:t> in</a:t>
+              </a:r>
+              <a:endParaRPr lang="en-US" sz="1200" dirty="0" smtClean="0"/>
+            </a:p>
+          </p:txBody>
+        </p:sp>
+      </p:grpSp>
+      <p:grpSp>
+        <p:nvGrpSpPr>
+          <p:cNvPr id="101" name="Group 100"/>
+          <p:cNvGrpSpPr/>
+          <p:nvPr/>
+        </p:nvGrpSpPr>
+        <p:grpSpPr>
+          <a:xfrm>
+            <a:off x="8028384" y="1597595"/>
+            <a:ext cx="714380" cy="463253"/>
+            <a:chOff x="8072462" y="2895897"/>
+            <a:chExt cx="714380" cy="463253"/>
+          </a:xfrm>
+        </p:grpSpPr>
+        <p:cxnSp>
+          <p:nvCxnSpPr>
+            <p:cNvPr id="115" name="Straight Arrow Connector 109"/>
+            <p:cNvCxnSpPr/>
+            <p:nvPr/>
+          </p:nvCxnSpPr>
+          <p:spPr>
+            <a:xfrm>
+              <a:off x="8143900" y="3357562"/>
+              <a:ext cx="612576" cy="1588"/>
+            </a:xfrm>
+            <a:prstGeom prst="straightConnector1">
+              <a:avLst/>
+            </a:prstGeom>
+            <a:ln w="19050">
+              <a:solidFill>
+                <a:schemeClr val="tx1"/>
+              </a:solidFill>
+              <a:tailEnd type="arrow"/>
+            </a:ln>
+          </p:spPr>
+          <p:style>
+            <a:lnRef idx="1">
+              <a:schemeClr val="accent1"/>
+            </a:lnRef>
+            <a:fillRef idx="0">
+              <a:schemeClr val="accent1"/>
+            </a:fillRef>
+            <a:effectRef idx="0">
+              <a:schemeClr val="accent1"/>
+            </a:effectRef>
+            <a:fontRef idx="minor">
+              <a:schemeClr val="tx1"/>
+            </a:fontRef>
+          </p:style>
+        </p:cxnSp>
+        <p:sp>
+          <p:nvSpPr>
+            <p:cNvPr id="116" name="TextBox 115"/>
+            <p:cNvSpPr txBox="1"/>
+            <p:nvPr/>
+          </p:nvSpPr>
+          <p:spPr>
+            <a:xfrm>
+              <a:off x="8072462" y="2895897"/>
+              <a:ext cx="714380" cy="461665"/>
+            </a:xfrm>
+            <a:prstGeom prst="rect">
+              <a:avLst/>
+            </a:prstGeom>
+            <a:noFill/>
+          </p:spPr>
+          <p:txBody>
+            <a:bodyPr wrap="square" rtlCol="1">
+              <a:spAutoFit/>
+            </a:bodyPr>
+            <a:lstStyle/>
+            <a:p>
+              <a:pPr algn="ctr"/>
+              <a:r>
+                <a:rPr lang="en-US" sz="1200" dirty="0" err="1" smtClean="0"/>
+                <a:t>Aout</a:t>
+              </a:r>
+              <a:r>
+                <a:rPr lang="en-US" sz="1200" dirty="0" smtClean="0"/>
+                <a:t> valid</a:t>
+              </a:r>
+              <a:endParaRPr lang="en-US" sz="1200" dirty="0" smtClean="0"/>
+            </a:p>
+          </p:txBody>
+        </p:sp>
+      </p:grpSp>
+      <p:grpSp>
+        <p:nvGrpSpPr>
+          <p:cNvPr id="117" name="Group 116"/>
+          <p:cNvGrpSpPr/>
+          <p:nvPr/>
+        </p:nvGrpSpPr>
+        <p:grpSpPr>
+          <a:xfrm>
+            <a:off x="8028384" y="589483"/>
+            <a:ext cx="714380" cy="463253"/>
+            <a:chOff x="8072462" y="2895897"/>
+            <a:chExt cx="714380" cy="463253"/>
+          </a:xfrm>
+        </p:grpSpPr>
+        <p:cxnSp>
+          <p:nvCxnSpPr>
+            <p:cNvPr id="118" name="Straight Arrow Connector 109"/>
+            <p:cNvCxnSpPr/>
+            <p:nvPr/>
+          </p:nvCxnSpPr>
+          <p:spPr>
+            <a:xfrm>
+              <a:off x="8143900" y="3357562"/>
+              <a:ext cx="612576" cy="1588"/>
+            </a:xfrm>
+            <a:prstGeom prst="straightConnector1">
+              <a:avLst/>
+            </a:prstGeom>
+            <a:ln w="19050">
+              <a:solidFill>
+                <a:schemeClr val="tx1"/>
+              </a:solidFill>
+              <a:tailEnd type="arrow"/>
+            </a:ln>
+          </p:spPr>
+          <p:style>
+            <a:lnRef idx="1">
+              <a:schemeClr val="accent1"/>
+            </a:lnRef>
+            <a:fillRef idx="0">
+              <a:schemeClr val="accent1"/>
+            </a:fillRef>
+            <a:effectRef idx="0">
+              <a:schemeClr val="accent1"/>
+            </a:effectRef>
+            <a:fontRef idx="minor">
+              <a:schemeClr val="tx1"/>
+            </a:fontRef>
+          </p:style>
+        </p:cxnSp>
+        <p:sp>
+          <p:nvSpPr>
+            <p:cNvPr id="119" name="TextBox 118"/>
+            <p:cNvSpPr txBox="1"/>
+            <p:nvPr/>
+          </p:nvSpPr>
+          <p:spPr>
+            <a:xfrm>
+              <a:off x="8072462" y="2895897"/>
+              <a:ext cx="714380" cy="461665"/>
+            </a:xfrm>
+            <a:prstGeom prst="rect">
+              <a:avLst/>
+            </a:prstGeom>
+            <a:noFill/>
+          </p:spPr>
+          <p:txBody>
+            <a:bodyPr wrap="square" rtlCol="1">
+              <a:spAutoFit/>
+            </a:bodyPr>
+            <a:lstStyle/>
+            <a:p>
+              <a:pPr algn="ctr"/>
+              <a:r>
+                <a:rPr lang="en-US" sz="1200" dirty="0" smtClean="0"/>
+                <a:t>Trigger found</a:t>
+              </a:r>
+              <a:endParaRPr lang="en-US" sz="1200" dirty="0" smtClean="0"/>
+            </a:p>
+          </p:txBody>
+        </p:sp>
+      </p:grpSp>
+      <p:grpSp>
+        <p:nvGrpSpPr>
+          <p:cNvPr id="123" name="קבוצה 35"/>
+          <p:cNvGrpSpPr/>
+          <p:nvPr/>
+        </p:nvGrpSpPr>
+        <p:grpSpPr>
+          <a:xfrm>
+            <a:off x="3649576" y="5868000"/>
+            <a:ext cx="1714512" cy="746287"/>
+            <a:chOff x="857224" y="1857364"/>
+            <a:chExt cx="2214578" cy="970173"/>
+          </a:xfrm>
+        </p:grpSpPr>
+        <p:sp>
+          <p:nvSpPr>
+            <p:cNvPr id="124" name="מלבן 36"/>
+            <p:cNvSpPr/>
+            <p:nvPr/>
+          </p:nvSpPr>
+          <p:spPr>
+            <a:xfrm>
+              <a:off x="1285852" y="1857364"/>
+              <a:ext cx="1357322" cy="928694"/>
+            </a:xfrm>
+            <a:prstGeom prst="rect">
+              <a:avLst/>
+            </a:prstGeom>
+            <a:noFill/>
+            <a:ln>
+              <a:solidFill>
+                <a:schemeClr val="tx1"/>
+              </a:solidFill>
+            </a:ln>
           </p:spPr>
           <p:style>
             <a:lnRef idx="2">
@@ -17892,14 +18532,168 @@
         </p:sp>
         <p:sp>
           <p:nvSpPr>
-            <p:cNvPr id="54" name="TextBox 53"/>
+            <p:cNvPr id="126" name="משולש שווה שוקיים 37"/>
+            <p:cNvSpPr/>
+            <p:nvPr/>
+          </p:nvSpPr>
+          <p:spPr>
+            <a:xfrm rot="19571141">
+              <a:off x="1260000" y="2607913"/>
+              <a:ext cx="170075" cy="131886"/>
+            </a:xfrm>
+            <a:prstGeom prst="triangle">
+              <a:avLst/>
+            </a:prstGeom>
+            <a:noFill/>
+            <a:ln>
+              <a:solidFill>
+                <a:schemeClr val="tx1"/>
+              </a:solidFill>
+            </a:ln>
+          </p:spPr>
+          <p:style>
+            <a:lnRef idx="2">
+              <a:schemeClr val="accent1">
+                <a:shade val="50000"/>
+              </a:schemeClr>
+            </a:lnRef>
+            <a:fillRef idx="1">
+              <a:schemeClr val="accent1"/>
+            </a:fillRef>
+            <a:effectRef idx="0">
+              <a:schemeClr val="accent1"/>
+            </a:effectRef>
+            <a:fontRef idx="minor">
+              <a:schemeClr val="lt1"/>
+            </a:fontRef>
+          </p:style>
+          <p:txBody>
+            <a:bodyPr rtlCol="1" anchor="ctr"/>
+            <a:lstStyle/>
+            <a:p>
+              <a:pPr algn="ctr"/>
+              <a:endParaRPr lang="he-IL" dirty="0"/>
+            </a:p>
+          </p:txBody>
+        </p:sp>
+        <p:cxnSp>
+          <p:nvCxnSpPr>
+            <p:cNvPr id="128" name="מחבר ישר 38"/>
+            <p:cNvCxnSpPr/>
+            <p:nvPr/>
+          </p:nvCxnSpPr>
+          <p:spPr>
+            <a:xfrm>
+              <a:off x="857224" y="2714620"/>
+              <a:ext cx="428628" cy="1588"/>
+            </a:xfrm>
+            <a:prstGeom prst="line">
+              <a:avLst/>
+            </a:prstGeom>
+            <a:ln w="19050">
+              <a:solidFill>
+                <a:schemeClr val="tx1"/>
+              </a:solidFill>
+              <a:tailEnd type="none"/>
+            </a:ln>
+          </p:spPr>
+          <p:style>
+            <a:lnRef idx="1">
+              <a:schemeClr val="accent1"/>
+            </a:lnRef>
+            <a:fillRef idx="0">
+              <a:schemeClr val="accent1"/>
+            </a:fillRef>
+            <a:effectRef idx="0">
+              <a:schemeClr val="accent1"/>
+            </a:effectRef>
+            <a:fontRef idx="minor">
+              <a:schemeClr val="tx1"/>
+            </a:fontRef>
+          </p:style>
+        </p:cxnSp>
+        <p:cxnSp>
+          <p:nvCxnSpPr>
+            <p:cNvPr id="129" name="מחבר ישר 39"/>
+            <p:cNvCxnSpPr/>
+            <p:nvPr/>
+          </p:nvCxnSpPr>
+          <p:spPr>
+            <a:xfrm>
+              <a:off x="857224" y="2000240"/>
+              <a:ext cx="428628" cy="1588"/>
+            </a:xfrm>
+            <a:prstGeom prst="line">
+              <a:avLst/>
+            </a:prstGeom>
+            <a:ln w="19050">
+              <a:solidFill>
+                <a:schemeClr val="tx1"/>
+              </a:solidFill>
+              <a:tailEnd type="none"/>
+            </a:ln>
+          </p:spPr>
+          <p:style>
+            <a:lnRef idx="1">
+              <a:schemeClr val="accent1"/>
+            </a:lnRef>
+            <a:fillRef idx="0">
+              <a:schemeClr val="accent1"/>
+            </a:fillRef>
+            <a:effectRef idx="0">
+              <a:schemeClr val="accent1"/>
+            </a:effectRef>
+            <a:fontRef idx="minor">
+              <a:schemeClr val="tx1"/>
+            </a:fontRef>
+          </p:style>
+        </p:cxnSp>
+        <p:cxnSp>
+          <p:nvCxnSpPr>
+            <p:cNvPr id="130" name="מחבר ישר 40"/>
+            <p:cNvCxnSpPr/>
+            <p:nvPr/>
+          </p:nvCxnSpPr>
+          <p:spPr>
+            <a:xfrm>
+              <a:off x="2643174" y="2000240"/>
+              <a:ext cx="428628" cy="1588"/>
+            </a:xfrm>
+            <a:prstGeom prst="line">
+              <a:avLst/>
+            </a:prstGeom>
+            <a:ln w="19050">
+              <a:solidFill>
+                <a:schemeClr val="tx1"/>
+              </a:solidFill>
+              <a:tailEnd type="none"/>
+            </a:ln>
+          </p:spPr>
+          <p:style>
+            <a:lnRef idx="1">
+              <a:schemeClr val="accent1"/>
+            </a:lnRef>
+            <a:fillRef idx="0">
+              <a:schemeClr val="accent1"/>
+            </a:fillRef>
+            <a:effectRef idx="0">
+              <a:schemeClr val="accent1"/>
+            </a:effectRef>
+            <a:fontRef idx="minor">
+              <a:schemeClr val="tx1"/>
+            </a:fontRef>
+          </p:style>
+        </p:cxnSp>
+        <p:sp>
+          <p:nvSpPr>
+            <p:cNvPr id="132" name="TextBox 131"/>
             <p:cNvSpPr txBox="1"/>
             <p:nvPr/>
           </p:nvSpPr>
           <p:spPr>
             <a:xfrm>
-              <a:off x="2643175" y="2500306"/>
-              <a:ext cx="1000132" cy="369332"/>
+              <a:off x="1595417" y="2143116"/>
+              <a:ext cx="547691" cy="480132"/>
             </a:xfrm>
             <a:prstGeom prst="rect">
               <a:avLst/>
@@ -17914,274 +18708,116 @@
             <a:p>
               <a:r>
                 <a:rPr lang="en-US" dirty="0" smtClean="0"/>
-                <a:t>Compare</a:t>
+                <a:t>FF</a:t>
               </a:r>
               <a:endParaRPr lang="he-IL" dirty="0"/>
             </a:p>
           </p:txBody>
         </p:sp>
+        <p:sp>
+          <p:nvSpPr>
+            <p:cNvPr id="133" name="TextBox 132"/>
+            <p:cNvSpPr txBox="1"/>
+            <p:nvPr/>
+          </p:nvSpPr>
+          <p:spPr>
+            <a:xfrm>
+              <a:off x="1318594" y="2507450"/>
+              <a:ext cx="514949" cy="320087"/>
+            </a:xfrm>
+            <a:prstGeom prst="rect">
+              <a:avLst/>
+            </a:prstGeom>
+            <a:noFill/>
+          </p:spPr>
+          <p:txBody>
+            <a:bodyPr wrap="square" rtlCol="1">
+              <a:spAutoFit/>
+            </a:bodyPr>
+            <a:lstStyle/>
+            <a:p>
+              <a:pPr algn="ctr"/>
+              <a:r>
+                <a:rPr lang="en-US" sz="1000" dirty="0" smtClean="0"/>
+                <a:t>C1</a:t>
+              </a:r>
+              <a:endParaRPr lang="he-IL" sz="1000" dirty="0"/>
+            </a:p>
+          </p:txBody>
+        </p:sp>
+        <p:sp>
+          <p:nvSpPr>
+            <p:cNvPr id="134" name="TextBox 133"/>
+            <p:cNvSpPr txBox="1"/>
+            <p:nvPr/>
+          </p:nvSpPr>
+          <p:spPr>
+            <a:xfrm>
+              <a:off x="1193578" y="1857364"/>
+              <a:ext cx="494113" cy="260071"/>
+            </a:xfrm>
+            <a:prstGeom prst="rect">
+              <a:avLst/>
+            </a:prstGeom>
+            <a:noFill/>
+          </p:spPr>
+          <p:txBody>
+            <a:bodyPr wrap="square" rtlCol="1">
+              <a:spAutoFit/>
+            </a:bodyPr>
+            <a:lstStyle/>
+            <a:p>
+              <a:pPr algn="ctr"/>
+              <a:r>
+                <a:rPr lang="en-US" sz="700" dirty="0" smtClean="0"/>
+                <a:t>1D</a:t>
+              </a:r>
+              <a:endParaRPr lang="he-IL" sz="700" dirty="0"/>
+            </a:p>
+          </p:txBody>
+        </p:sp>
+        <p:sp>
+          <p:nvSpPr>
+            <p:cNvPr id="136" name="TextBox 135"/>
+            <p:cNvSpPr txBox="1"/>
+            <p:nvPr/>
+          </p:nvSpPr>
+          <p:spPr>
+            <a:xfrm>
+              <a:off x="2357422" y="1857364"/>
+              <a:ext cx="357190" cy="246221"/>
+            </a:xfrm>
+            <a:prstGeom prst="rect">
+              <a:avLst/>
+            </a:prstGeom>
+            <a:noFill/>
+          </p:spPr>
+          <p:txBody>
+            <a:bodyPr wrap="square" rtlCol="1">
+              <a:spAutoFit/>
+            </a:bodyPr>
+            <a:lstStyle/>
+            <a:p>
+              <a:pPr algn="ctr"/>
+              <a:r>
+                <a:rPr lang="en-US" sz="1000" dirty="0" smtClean="0"/>
+                <a:t>Q</a:t>
+              </a:r>
+              <a:endParaRPr lang="he-IL" sz="1000" dirty="0"/>
+            </a:p>
+          </p:txBody>
+        </p:sp>
       </p:grpSp>
-      <p:sp>
-        <p:nvSpPr>
-          <p:cNvPr id="61" name="טרפז 60"/>
-          <p:cNvSpPr/>
-          <p:nvPr/>
-        </p:nvSpPr>
-        <p:spPr>
-          <a:xfrm rot="10800000">
-            <a:off x="2714612" y="975598"/>
-            <a:ext cx="785818" cy="428628"/>
-          </a:xfrm>
-          <a:prstGeom prst="trapezoid">
-            <a:avLst/>
-          </a:prstGeom>
-        </p:spPr>
-        <p:style>
-          <a:lnRef idx="2">
-            <a:schemeClr val="accent1">
-              <a:shade val="50000"/>
-            </a:schemeClr>
-          </a:lnRef>
-          <a:fillRef idx="1">
-            <a:schemeClr val="accent1"/>
-          </a:fillRef>
-          <a:effectRef idx="0">
-            <a:schemeClr val="accent1"/>
-          </a:effectRef>
-          <a:fontRef idx="minor">
-            <a:schemeClr val="lt1"/>
-          </a:fontRef>
-        </p:style>
-        <p:txBody>
-          <a:bodyPr rtlCol="1" anchor="ctr"/>
-          <a:lstStyle/>
-          <a:p>
-            <a:pPr algn="ctr"/>
-            <a:endParaRPr lang="he-IL" dirty="0"/>
-          </a:p>
-        </p:txBody>
-      </p:sp>
       <p:cxnSp>
         <p:nvCxnSpPr>
-          <p:cNvPr id="63" name="מחבר חץ ישר 62"/>
+          <p:cNvPr id="138" name="Straight Connector 137"/>
           <p:cNvCxnSpPr/>
           <p:nvPr/>
         </p:nvCxnSpPr>
         <p:spPr>
           <a:xfrm>
-            <a:off x="928662" y="1189912"/>
-            <a:ext cx="1839528" cy="1588"/>
-          </a:xfrm>
-          <a:prstGeom prst="straightConnector1">
-            <a:avLst/>
-          </a:prstGeom>
-          <a:ln w="19050">
-            <a:solidFill>
-              <a:schemeClr val="tx1"/>
-            </a:solidFill>
-            <a:tailEnd type="arrow"/>
-          </a:ln>
-        </p:spPr>
-        <p:style>
-          <a:lnRef idx="1">
-            <a:schemeClr val="accent1"/>
-          </a:lnRef>
-          <a:fillRef idx="0">
-            <a:schemeClr val="accent1"/>
-          </a:fillRef>
-          <a:effectRef idx="0">
-            <a:schemeClr val="accent1"/>
-          </a:effectRef>
-          <a:fontRef idx="minor">
-            <a:schemeClr val="tx1"/>
-          </a:fontRef>
-        </p:style>
-      </p:cxnSp>
-      <p:cxnSp>
-        <p:nvCxnSpPr>
-          <p:cNvPr id="73" name="מחבר חץ ישר 72"/>
-          <p:cNvCxnSpPr/>
-          <p:nvPr/>
-        </p:nvCxnSpPr>
-        <p:spPr>
-          <a:xfrm rot="5400000">
-            <a:off x="2750331" y="797003"/>
-            <a:ext cx="357190" cy="1588"/>
-          </a:xfrm>
-          <a:prstGeom prst="straightConnector1">
-            <a:avLst/>
-          </a:prstGeom>
-          <a:ln w="19050">
-            <a:solidFill>
-              <a:schemeClr val="tx1"/>
-            </a:solidFill>
-            <a:tailEnd type="arrow"/>
-          </a:ln>
-        </p:spPr>
-        <p:style>
-          <a:lnRef idx="1">
-            <a:schemeClr val="accent1"/>
-          </a:lnRef>
-          <a:fillRef idx="0">
-            <a:schemeClr val="accent1"/>
-          </a:fillRef>
-          <a:effectRef idx="0">
-            <a:schemeClr val="accent1"/>
-          </a:effectRef>
-          <a:fontRef idx="minor">
-            <a:schemeClr val="tx1"/>
-          </a:fontRef>
-        </p:style>
-      </p:cxnSp>
-      <p:cxnSp>
-        <p:nvCxnSpPr>
-          <p:cNvPr id="76" name="מחבר חץ ישר 75"/>
-          <p:cNvCxnSpPr/>
-          <p:nvPr/>
-        </p:nvCxnSpPr>
-        <p:spPr>
-          <a:xfrm rot="5400000">
-            <a:off x="3106727" y="796209"/>
-            <a:ext cx="357190" cy="1588"/>
-          </a:xfrm>
-          <a:prstGeom prst="straightConnector1">
-            <a:avLst/>
-          </a:prstGeom>
-          <a:ln w="19050">
-            <a:solidFill>
-              <a:schemeClr val="tx1"/>
-            </a:solidFill>
-            <a:tailEnd type="arrow"/>
-          </a:ln>
-        </p:spPr>
-        <p:style>
-          <a:lnRef idx="1">
-            <a:schemeClr val="accent1"/>
-          </a:lnRef>
-          <a:fillRef idx="0">
-            <a:schemeClr val="accent1"/>
-          </a:fillRef>
-          <a:effectRef idx="0">
-            <a:schemeClr val="accent1"/>
-          </a:effectRef>
-          <a:fontRef idx="minor">
-            <a:schemeClr val="tx1"/>
-          </a:fontRef>
-        </p:style>
-      </p:cxnSp>
-      <p:sp>
-        <p:nvSpPr>
-          <p:cNvPr id="77" name="TextBox 76"/>
-          <p:cNvSpPr txBox="1"/>
-          <p:nvPr/>
-        </p:nvSpPr>
-        <p:spPr>
-          <a:xfrm>
-            <a:off x="3000364" y="332656"/>
-            <a:ext cx="500066" cy="307777"/>
-          </a:xfrm>
-          <a:prstGeom prst="rect">
-            <a:avLst/>
-          </a:prstGeom>
-          <a:noFill/>
-        </p:spPr>
-        <p:txBody>
-          <a:bodyPr wrap="square" rtlCol="1">
-            <a:spAutoFit/>
-          </a:bodyPr>
-          <a:lstStyle/>
-          <a:p>
-            <a:pPr algn="ctr"/>
-            <a:r>
-              <a:rPr lang="en-US" sz="1400" dirty="0" smtClean="0"/>
-              <a:t>‘0’</a:t>
-            </a:r>
-            <a:endParaRPr lang="he-IL" sz="1400" dirty="0"/>
-          </a:p>
-        </p:txBody>
-      </p:sp>
-      <p:cxnSp>
-        <p:nvCxnSpPr>
-          <p:cNvPr id="56" name="Straight Arrow Connector 109"/>
-          <p:cNvCxnSpPr/>
-          <p:nvPr/>
-        </p:nvCxnSpPr>
-        <p:spPr>
-          <a:xfrm>
-            <a:off x="8143900" y="3357562"/>
-            <a:ext cx="612576" cy="1588"/>
-          </a:xfrm>
-          <a:prstGeom prst="straightConnector1">
-            <a:avLst/>
-          </a:prstGeom>
-          <a:ln w="19050">
-            <a:solidFill>
-              <a:schemeClr val="tx1"/>
-            </a:solidFill>
-            <a:tailEnd type="arrow"/>
-          </a:ln>
-        </p:spPr>
-        <p:style>
-          <a:lnRef idx="1">
-            <a:schemeClr val="accent1"/>
-          </a:lnRef>
-          <a:fillRef idx="0">
-            <a:schemeClr val="accent1"/>
-          </a:fillRef>
-          <a:effectRef idx="0">
-            <a:schemeClr val="accent1"/>
-          </a:effectRef>
-          <a:fontRef idx="minor">
-            <a:schemeClr val="tx1"/>
-          </a:fontRef>
-        </p:style>
-      </p:cxnSp>
-      <p:cxnSp>
-        <p:nvCxnSpPr>
-          <p:cNvPr id="60" name="Straight Arrow Connector 109"/>
-          <p:cNvCxnSpPr/>
-          <p:nvPr/>
-        </p:nvCxnSpPr>
-        <p:spPr>
-          <a:xfrm>
-            <a:off x="8143900" y="5286388"/>
-            <a:ext cx="612576" cy="1588"/>
-          </a:xfrm>
-          <a:prstGeom prst="straightConnector1">
-            <a:avLst/>
-          </a:prstGeom>
-          <a:ln w="19050">
-            <a:solidFill>
-              <a:schemeClr val="tx1"/>
-            </a:solidFill>
-            <a:tailEnd type="arrow"/>
-          </a:ln>
-        </p:spPr>
-        <p:style>
-          <a:lnRef idx="1">
-            <a:schemeClr val="accent1"/>
-          </a:lnRef>
-          <a:fillRef idx="0">
-            <a:schemeClr val="accent1"/>
-          </a:fillRef>
-          <a:effectRef idx="0">
-            <a:schemeClr val="accent1"/>
-          </a:effectRef>
-          <a:fontRef idx="minor">
-            <a:schemeClr val="tx1"/>
-          </a:fontRef>
-        </p:style>
-      </p:cxnSp>
-      <p:cxnSp>
-        <p:nvCxnSpPr>
-          <p:cNvPr id="99" name="מחבר ישר 98"/>
-          <p:cNvCxnSpPr/>
-          <p:nvPr/>
-        </p:nvCxnSpPr>
-        <p:spPr>
-          <a:xfrm>
-            <a:off x="863816" y="620688"/>
-            <a:ext cx="2052000" cy="1588"/>
+            <a:off x="899592" y="6525344"/>
+            <a:ext cx="2808312" cy="0"/>
           </a:xfrm>
           <a:prstGeom prst="line">
             <a:avLst/>
@@ -18208,297 +18844,106 @@
           </a:fontRef>
         </p:style>
       </p:cxnSp>
+      <p:cxnSp>
+        <p:nvCxnSpPr>
+          <p:cNvPr id="141" name="Straight Connector 140"/>
+          <p:cNvCxnSpPr/>
+          <p:nvPr/>
+        </p:nvCxnSpPr>
+        <p:spPr>
+          <a:xfrm rot="10800000">
+            <a:off x="900000" y="5976000"/>
+            <a:ext cx="2736304" cy="0"/>
+          </a:xfrm>
+          <a:prstGeom prst="line">
+            <a:avLst/>
+          </a:prstGeom>
+          <a:ln w="19050">
+            <a:solidFill>
+              <a:schemeClr val="tx1"/>
+            </a:solidFill>
+            <a:tailEnd type="none"/>
+          </a:ln>
+        </p:spPr>
+        <p:style>
+          <a:lnRef idx="1">
+            <a:schemeClr val="accent1"/>
+          </a:lnRef>
+          <a:fillRef idx="0">
+            <a:schemeClr val="accent1"/>
+          </a:fillRef>
+          <a:effectRef idx="0">
+            <a:schemeClr val="accent1"/>
+          </a:effectRef>
+          <a:fontRef idx="minor">
+            <a:schemeClr val="tx1"/>
+          </a:fontRef>
+        </p:style>
+      </p:cxnSp>
+      <p:cxnSp>
+        <p:nvCxnSpPr>
+          <p:cNvPr id="142" name="Straight Connector 141"/>
+          <p:cNvCxnSpPr/>
+          <p:nvPr/>
+        </p:nvCxnSpPr>
+        <p:spPr>
+          <a:xfrm rot="10800000">
+            <a:off x="5292392" y="5976000"/>
+            <a:ext cx="2808000" cy="0"/>
+          </a:xfrm>
+          <a:prstGeom prst="line">
+            <a:avLst/>
+          </a:prstGeom>
+          <a:ln w="19050">
+            <a:solidFill>
+              <a:schemeClr val="tx1"/>
+            </a:solidFill>
+            <a:tailEnd type="none"/>
+          </a:ln>
+        </p:spPr>
+        <p:style>
+          <a:lnRef idx="1">
+            <a:schemeClr val="accent1"/>
+          </a:lnRef>
+          <a:fillRef idx="0">
+            <a:schemeClr val="accent1"/>
+          </a:fillRef>
+          <a:effectRef idx="0">
+            <a:schemeClr val="accent1"/>
+          </a:effectRef>
+          <a:fontRef idx="minor">
+            <a:schemeClr val="tx1"/>
+          </a:fontRef>
+        </p:style>
+      </p:cxnSp>
       <p:grpSp>
         <p:nvGrpSpPr>
-          <p:cNvPr id="102" name="קבוצה 101"/>
+          <p:cNvPr id="144" name="קבוצה 5"/>
           <p:cNvGrpSpPr/>
           <p:nvPr/>
         </p:nvGrpSpPr>
         <p:grpSpPr>
           <a:xfrm>
-            <a:off x="1214414" y="2285992"/>
-            <a:ext cx="2500330" cy="857256"/>
-            <a:chOff x="1571604" y="4786322"/>
-            <a:chExt cx="2500330" cy="857256"/>
+            <a:off x="3923928" y="3789040"/>
+            <a:ext cx="714380" cy="571504"/>
+            <a:chOff x="3214678" y="3143248"/>
+            <a:chExt cx="714380" cy="571504"/>
           </a:xfrm>
         </p:grpSpPr>
         <p:sp>
           <p:nvSpPr>
-            <p:cNvPr id="103" name="מלבן מעוגל 102"/>
+            <p:cNvPr id="145" name="מלבן 6"/>
             <p:cNvSpPr/>
             <p:nvPr/>
           </p:nvSpPr>
           <p:spPr>
             <a:xfrm>
-              <a:off x="2143108" y="4857760"/>
-              <a:ext cx="1357322" cy="785818"/>
-            </a:xfrm>
-            <a:prstGeom prst="roundRect">
-              <a:avLst/>
-            </a:prstGeom>
-            <a:noFill/>
-            <a:ln w="28575">
-              <a:solidFill>
-                <a:schemeClr val="tx1"/>
-              </a:solidFill>
-            </a:ln>
-          </p:spPr>
-          <p:style>
-            <a:lnRef idx="2">
-              <a:schemeClr val="accent1">
-                <a:shade val="50000"/>
-              </a:schemeClr>
-            </a:lnRef>
-            <a:fillRef idx="1">
-              <a:schemeClr val="accent1"/>
-            </a:fillRef>
-            <a:effectRef idx="0">
-              <a:schemeClr val="accent1"/>
-            </a:effectRef>
-            <a:fontRef idx="minor">
-              <a:schemeClr val="lt1"/>
-            </a:fontRef>
-          </p:style>
-          <p:txBody>
-            <a:bodyPr rtlCol="1" anchor="ctr"/>
-            <a:lstStyle/>
-            <a:p>
-              <a:pPr algn="ctr"/>
-              <a:endParaRPr lang="he-IL"/>
-            </a:p>
-          </p:txBody>
-        </p:sp>
-        <p:sp>
-          <p:nvSpPr>
-            <p:cNvPr id="104" name="TextBox 103"/>
-            <p:cNvSpPr txBox="1"/>
-            <p:nvPr/>
-          </p:nvSpPr>
-          <p:spPr>
-            <a:xfrm>
-              <a:off x="2071670" y="4857760"/>
-              <a:ext cx="357190" cy="246221"/>
+              <a:off x="3240000" y="3143248"/>
+              <a:ext cx="642942" cy="571504"/>
             </a:xfrm>
             <a:prstGeom prst="rect">
               <a:avLst/>
             </a:prstGeom>
-            <a:noFill/>
-          </p:spPr>
-          <p:txBody>
-            <a:bodyPr wrap="square" rtlCol="1">
-              <a:spAutoFit/>
-            </a:bodyPr>
-            <a:lstStyle/>
-            <a:p>
-              <a:pPr algn="ctr"/>
-              <a:r>
-                <a:rPr lang="en-US" sz="1000" dirty="0" smtClean="0"/>
-                <a:t>D</a:t>
-              </a:r>
-              <a:endParaRPr lang="he-IL" sz="1000" dirty="0"/>
-            </a:p>
-          </p:txBody>
-        </p:sp>
-        <p:cxnSp>
-          <p:nvCxnSpPr>
-            <p:cNvPr id="105" name="מחבר ישר 104"/>
-            <p:cNvCxnSpPr/>
-            <p:nvPr/>
-          </p:nvCxnSpPr>
-          <p:spPr>
-            <a:xfrm>
-              <a:off x="1760838" y="5000636"/>
-              <a:ext cx="396000" cy="1588"/>
-            </a:xfrm>
-            <a:prstGeom prst="line">
-              <a:avLst/>
-            </a:prstGeom>
-            <a:ln w="19050">
-              <a:solidFill>
-                <a:schemeClr val="tx1"/>
-              </a:solidFill>
-              <a:tailEnd type="none"/>
-            </a:ln>
-          </p:spPr>
-          <p:style>
-            <a:lnRef idx="1">
-              <a:schemeClr val="accent1"/>
-            </a:lnRef>
-            <a:fillRef idx="0">
-              <a:schemeClr val="accent1"/>
-            </a:fillRef>
-            <a:effectRef idx="0">
-              <a:schemeClr val="accent1"/>
-            </a:effectRef>
-            <a:fontRef idx="minor">
-              <a:schemeClr val="tx1"/>
-            </a:fontRef>
-          </p:style>
-        </p:cxnSp>
-        <p:cxnSp>
-          <p:nvCxnSpPr>
-            <p:cNvPr id="106" name="מחבר ישר 105"/>
-            <p:cNvCxnSpPr/>
-            <p:nvPr/>
-          </p:nvCxnSpPr>
-          <p:spPr>
-            <a:xfrm>
-              <a:off x="1571604" y="5472000"/>
-              <a:ext cx="571504" cy="1588"/>
-            </a:xfrm>
-            <a:prstGeom prst="line">
-              <a:avLst/>
-            </a:prstGeom>
-            <a:ln w="19050">
-              <a:solidFill>
-                <a:schemeClr val="tx1"/>
-              </a:solidFill>
-              <a:tailEnd type="none"/>
-            </a:ln>
-          </p:spPr>
-          <p:style>
-            <a:lnRef idx="1">
-              <a:schemeClr val="accent1"/>
-            </a:lnRef>
-            <a:fillRef idx="0">
-              <a:schemeClr val="accent1"/>
-            </a:fillRef>
-            <a:effectRef idx="0">
-              <a:schemeClr val="accent1"/>
-            </a:effectRef>
-            <a:fontRef idx="minor">
-              <a:schemeClr val="tx1"/>
-            </a:fontRef>
-          </p:style>
-        </p:cxnSp>
-        <p:cxnSp>
-          <p:nvCxnSpPr>
-            <p:cNvPr id="107" name="מחבר ישר 106"/>
-            <p:cNvCxnSpPr/>
-            <p:nvPr/>
-          </p:nvCxnSpPr>
-          <p:spPr>
-            <a:xfrm>
-              <a:off x="3500430" y="5000636"/>
-              <a:ext cx="571504" cy="1588"/>
-            </a:xfrm>
-            <a:prstGeom prst="line">
-              <a:avLst/>
-            </a:prstGeom>
-            <a:ln w="19050">
-              <a:solidFill>
-                <a:schemeClr val="tx1"/>
-              </a:solidFill>
-              <a:tailEnd type="none"/>
-            </a:ln>
-          </p:spPr>
-          <p:style>
-            <a:lnRef idx="1">
-              <a:schemeClr val="accent1"/>
-            </a:lnRef>
-            <a:fillRef idx="0">
-              <a:schemeClr val="accent1"/>
-            </a:fillRef>
-            <a:effectRef idx="0">
-              <a:schemeClr val="accent1"/>
-            </a:effectRef>
-            <a:fontRef idx="minor">
-              <a:schemeClr val="tx1"/>
-            </a:fontRef>
-          </p:style>
-        </p:cxnSp>
-        <p:cxnSp>
-          <p:nvCxnSpPr>
-            <p:cNvPr id="108" name="מחבר ישר 107"/>
-            <p:cNvCxnSpPr/>
-            <p:nvPr/>
-          </p:nvCxnSpPr>
-          <p:spPr>
-            <a:xfrm>
-              <a:off x="3500430" y="5214950"/>
-              <a:ext cx="571504" cy="1588"/>
-            </a:xfrm>
-            <a:prstGeom prst="line">
-              <a:avLst/>
-            </a:prstGeom>
-            <a:ln w="19050">
-              <a:solidFill>
-                <a:schemeClr val="tx1"/>
-              </a:solidFill>
-              <a:tailEnd type="none"/>
-            </a:ln>
-          </p:spPr>
-          <p:style>
-            <a:lnRef idx="1">
-              <a:schemeClr val="accent1"/>
-            </a:lnRef>
-            <a:fillRef idx="0">
-              <a:schemeClr val="accent1"/>
-            </a:fillRef>
-            <a:effectRef idx="0">
-              <a:schemeClr val="accent1"/>
-            </a:effectRef>
-            <a:fontRef idx="minor">
-              <a:schemeClr val="tx1"/>
-            </a:fontRef>
-          </p:style>
-        </p:cxnSp>
-        <p:cxnSp>
-          <p:nvCxnSpPr>
-            <p:cNvPr id="109" name="מחבר ישר 108"/>
-            <p:cNvCxnSpPr/>
-            <p:nvPr/>
-          </p:nvCxnSpPr>
-          <p:spPr>
-            <a:xfrm>
-              <a:off x="3500430" y="5429264"/>
-              <a:ext cx="571504" cy="1588"/>
-            </a:xfrm>
-            <a:prstGeom prst="line">
-              <a:avLst/>
-            </a:prstGeom>
-            <a:ln w="19050">
-              <a:solidFill>
-                <a:schemeClr val="tx1"/>
-              </a:solidFill>
-              <a:tailEnd type="none"/>
-            </a:ln>
-          </p:spPr>
-          <p:style>
-            <a:lnRef idx="1">
-              <a:schemeClr val="accent1"/>
-            </a:lnRef>
-            <a:fillRef idx="0">
-              <a:schemeClr val="accent1"/>
-            </a:fillRef>
-            <a:effectRef idx="0">
-              <a:schemeClr val="accent1"/>
-            </a:effectRef>
-            <a:fontRef idx="minor">
-              <a:schemeClr val="tx1"/>
-            </a:fontRef>
-          </p:style>
-        </p:cxnSp>
-        <p:sp>
-          <p:nvSpPr>
-            <p:cNvPr id="110" name="משולש שווה שוקיים 109"/>
-            <p:cNvSpPr/>
-            <p:nvPr/>
-          </p:nvSpPr>
-          <p:spPr>
-            <a:xfrm rot="19571141">
-              <a:off x="2093983" y="5393995"/>
-              <a:ext cx="170075" cy="131886"/>
-            </a:xfrm>
-            <a:prstGeom prst="triangle">
-              <a:avLst/>
-            </a:prstGeom>
-            <a:noFill/>
-            <a:ln>
-              <a:solidFill>
-                <a:schemeClr val="tx1"/>
-              </a:solidFill>
-            </a:ln>
           </p:spPr>
           <p:style>
             <a:lnRef idx="2">
@@ -18527,14 +18972,14 @@
         </p:sp>
         <p:sp>
           <p:nvSpPr>
-            <p:cNvPr id="111" name="TextBox 110"/>
+            <p:cNvPr id="147" name="TextBox 146"/>
             <p:cNvSpPr txBox="1"/>
             <p:nvPr/>
           </p:nvSpPr>
           <p:spPr>
             <a:xfrm>
-              <a:off x="3500430" y="4786322"/>
-              <a:ext cx="357190" cy="246221"/>
+              <a:off x="3214678" y="3214686"/>
+              <a:ext cx="714380" cy="400110"/>
             </a:xfrm>
             <a:prstGeom prst="rect">
               <a:avLst/>
@@ -18549,136 +18994,151 @@
             <a:p>
               <a:pPr algn="ctr"/>
               <a:r>
-                <a:rPr lang="he-IL" sz="1000" dirty="0" smtClean="0"/>
-                <a:t>1</a:t>
+                <a:rPr lang="en-US" sz="2000" dirty="0" smtClean="0"/>
+                <a:t>ALU</a:t>
               </a:r>
-              <a:r>
-                <a:rPr lang="en-US" sz="1000" dirty="0" smtClean="0"/>
-                <a:t>Q</a:t>
-              </a:r>
-              <a:endParaRPr lang="he-IL" sz="1000" dirty="0"/>
+              <a:endParaRPr lang="he-IL" sz="2000" dirty="0"/>
             </a:p>
           </p:txBody>
         </p:sp>
+      </p:grpSp>
+      <p:grpSp>
+        <p:nvGrpSpPr>
+          <p:cNvPr id="153" name="Group 152"/>
+          <p:cNvGrpSpPr/>
+          <p:nvPr/>
+        </p:nvGrpSpPr>
+        <p:grpSpPr>
+          <a:xfrm>
+            <a:off x="1985982" y="4146800"/>
+            <a:ext cx="785818" cy="785818"/>
+            <a:chOff x="2714612" y="618408"/>
+            <a:chExt cx="785818" cy="785818"/>
+          </a:xfrm>
+        </p:grpSpPr>
         <p:sp>
           <p:nvSpPr>
-            <p:cNvPr id="112" name="TextBox 111"/>
-            <p:cNvSpPr txBox="1"/>
+            <p:cNvPr id="154" name="טרפז 60"/>
+            <p:cNvSpPr/>
             <p:nvPr/>
           </p:nvSpPr>
           <p:spPr>
-            <a:xfrm>
-              <a:off x="3500430" y="5000636"/>
-              <a:ext cx="357190" cy="246221"/>
-            </a:xfrm>
-            <a:prstGeom prst="rect">
-              <a:avLst/>
-            </a:prstGeom>
-            <a:noFill/>
-          </p:spPr>
+            <a:xfrm rot="10800000">
+              <a:off x="2714612" y="975598"/>
+              <a:ext cx="785818" cy="428628"/>
+            </a:xfrm>
+            <a:prstGeom prst="trapezoid">
+              <a:avLst/>
+            </a:prstGeom>
+          </p:spPr>
+          <p:style>
+            <a:lnRef idx="2">
+              <a:schemeClr val="accent1">
+                <a:shade val="50000"/>
+              </a:schemeClr>
+            </a:lnRef>
+            <a:fillRef idx="1">
+              <a:schemeClr val="accent1"/>
+            </a:fillRef>
+            <a:effectRef idx="0">
+              <a:schemeClr val="accent1"/>
+            </a:effectRef>
+            <a:fontRef idx="minor">
+              <a:schemeClr val="lt1"/>
+            </a:fontRef>
+          </p:style>
           <p:txBody>
-            <a:bodyPr wrap="square" rtlCol="1">
-              <a:spAutoFit/>
-            </a:bodyPr>
+            <a:bodyPr rtlCol="1" anchor="ctr"/>
             <a:lstStyle/>
             <a:p>
               <a:pPr algn="ctr"/>
-              <a:r>
-                <a:rPr lang="he-IL" sz="1000" dirty="0" smtClean="0"/>
-                <a:t>2</a:t>
-              </a:r>
-              <a:r>
-                <a:rPr lang="en-US" sz="1000" dirty="0" smtClean="0"/>
-                <a:t>Q</a:t>
-              </a:r>
-              <a:endParaRPr lang="he-IL" sz="1000" dirty="0"/>
-            </a:p>
-          </p:txBody>
-        </p:sp>
-        <p:sp>
-          <p:nvSpPr>
-            <p:cNvPr id="113" name="TextBox 112"/>
-            <p:cNvSpPr txBox="1"/>
-            <p:nvPr/>
-          </p:nvSpPr>
-          <p:spPr>
-            <a:xfrm>
-              <a:off x="3500430" y="5214950"/>
-              <a:ext cx="357190" cy="246221"/>
-            </a:xfrm>
-            <a:prstGeom prst="rect">
-              <a:avLst/>
-            </a:prstGeom>
-            <a:noFill/>
-          </p:spPr>
-          <p:txBody>
-            <a:bodyPr wrap="square" rtlCol="1">
-              <a:spAutoFit/>
-            </a:bodyPr>
-            <a:lstStyle/>
-            <a:p>
-              <a:pPr algn="ctr"/>
-              <a:r>
-                <a:rPr lang="he-IL" sz="1000" dirty="0" smtClean="0"/>
-                <a:t>3</a:t>
-              </a:r>
-              <a:r>
-                <a:rPr lang="en-US" sz="1000" dirty="0" smtClean="0"/>
-                <a:t>Q</a:t>
-              </a:r>
-              <a:endParaRPr lang="he-IL" sz="1000" dirty="0"/>
-            </a:p>
-          </p:txBody>
-        </p:sp>
-        <p:sp>
-          <p:nvSpPr>
-            <p:cNvPr id="114" name="TextBox 113"/>
-            <p:cNvSpPr txBox="1"/>
-            <p:nvPr/>
-          </p:nvSpPr>
-          <p:spPr>
-            <a:xfrm>
-              <a:off x="2357422" y="4929198"/>
-              <a:ext cx="1000132" cy="646331"/>
-            </a:xfrm>
-            <a:prstGeom prst="rect">
-              <a:avLst/>
-            </a:prstGeom>
-            <a:noFill/>
-          </p:spPr>
-          <p:txBody>
-            <a:bodyPr wrap="square" rtlCol="1">
-              <a:spAutoFit/>
-            </a:bodyPr>
-            <a:lstStyle/>
-            <a:p>
-              <a:pPr algn="ctr"/>
-              <a:r>
-                <a:rPr lang="en-US" dirty="0" smtClean="0"/>
-                <a:t>Shift</a:t>
-              </a:r>
-            </a:p>
-            <a:p>
-              <a:pPr algn="ctr"/>
-              <a:r>
-                <a:rPr lang="en-US" dirty="0" smtClean="0"/>
-                <a:t>Register</a:t>
-              </a:r>
               <a:endParaRPr lang="he-IL" dirty="0"/>
             </a:p>
           </p:txBody>
         </p:sp>
+        <p:cxnSp>
+          <p:nvCxnSpPr>
+            <p:cNvPr id="155" name="מחבר חץ ישר 72"/>
+            <p:cNvCxnSpPr/>
+            <p:nvPr/>
+          </p:nvCxnSpPr>
+          <p:spPr>
+            <a:xfrm rot="5400000">
+              <a:off x="2750331" y="797003"/>
+              <a:ext cx="357190" cy="1588"/>
+            </a:xfrm>
+            <a:prstGeom prst="straightConnector1">
+              <a:avLst/>
+            </a:prstGeom>
+            <a:ln w="19050">
+              <a:solidFill>
+                <a:schemeClr val="tx1"/>
+              </a:solidFill>
+              <a:tailEnd type="arrow"/>
+            </a:ln>
+          </p:spPr>
+          <p:style>
+            <a:lnRef idx="1">
+              <a:schemeClr val="accent1"/>
+            </a:lnRef>
+            <a:fillRef idx="0">
+              <a:schemeClr val="accent1"/>
+            </a:fillRef>
+            <a:effectRef idx="0">
+              <a:schemeClr val="accent1"/>
+            </a:effectRef>
+            <a:fontRef idx="minor">
+              <a:schemeClr val="tx1"/>
+            </a:fontRef>
+          </p:style>
+        </p:cxnSp>
+        <p:cxnSp>
+          <p:nvCxnSpPr>
+            <p:cNvPr id="157" name="מחבר חץ ישר 75"/>
+            <p:cNvCxnSpPr/>
+            <p:nvPr/>
+          </p:nvCxnSpPr>
+          <p:spPr>
+            <a:xfrm rot="5400000">
+              <a:off x="3106727" y="796209"/>
+              <a:ext cx="357190" cy="1588"/>
+            </a:xfrm>
+            <a:prstGeom prst="straightConnector1">
+              <a:avLst/>
+            </a:prstGeom>
+            <a:ln w="19050">
+              <a:solidFill>
+                <a:schemeClr val="tx1"/>
+              </a:solidFill>
+              <a:tailEnd type="arrow"/>
+            </a:ln>
+          </p:spPr>
+          <p:style>
+            <a:lnRef idx="1">
+              <a:schemeClr val="accent1"/>
+            </a:lnRef>
+            <a:fillRef idx="0">
+              <a:schemeClr val="accent1"/>
+            </a:fillRef>
+            <a:effectRef idx="0">
+              <a:schemeClr val="accent1"/>
+            </a:effectRef>
+            <a:fontRef idx="minor">
+              <a:schemeClr val="tx1"/>
+            </a:fontRef>
+          </p:style>
+        </p:cxnSp>
       </p:grpSp>
       <p:cxnSp>
         <p:nvCxnSpPr>
-          <p:cNvPr id="120" name="מחבר ישר 119"/>
+          <p:cNvPr id="160" name="Straight Connector 159"/>
           <p:cNvCxnSpPr/>
           <p:nvPr/>
         </p:nvCxnSpPr>
         <p:spPr>
-          <a:xfrm rot="5400000" flipH="1" flipV="1">
-            <a:off x="1079017" y="2843571"/>
-            <a:ext cx="270000" cy="794"/>
+          <a:xfrm rot="10800000">
+            <a:off x="863968" y="3501008"/>
+            <a:ext cx="3420000" cy="0"/>
           </a:xfrm>
           <a:prstGeom prst="line">
             <a:avLst/>
@@ -18705,16 +19165,123 @@
           </a:fontRef>
         </p:style>
       </p:cxnSp>
+      <p:sp>
+        <p:nvSpPr>
+          <p:cNvPr id="163" name="TextBox 162"/>
+          <p:cNvSpPr txBox="1"/>
+          <p:nvPr/>
+        </p:nvSpPr>
+        <p:spPr>
+          <a:xfrm>
+            <a:off x="1403648" y="4016097"/>
+            <a:ext cx="792088" cy="276999"/>
+          </a:xfrm>
+          <a:prstGeom prst="rect">
+            <a:avLst/>
+          </a:prstGeom>
+          <a:noFill/>
+        </p:spPr>
+        <p:txBody>
+          <a:bodyPr wrap="square" rtlCol="1">
+            <a:spAutoFit/>
+          </a:bodyPr>
+          <a:lstStyle/>
+          <a:p>
+            <a:r>
+              <a:rPr lang="en-US" sz="1200" dirty="0" smtClean="0"/>
+              <a:t>First </a:t>
+            </a:r>
+            <a:r>
+              <a:rPr lang="en-US" sz="1200" dirty="0" err="1" smtClean="0"/>
+              <a:t>addr</a:t>
+            </a:r>
+            <a:endParaRPr lang="he-IL" sz="1200" dirty="0"/>
+          </a:p>
+        </p:txBody>
+      </p:sp>
+      <p:sp>
+        <p:nvSpPr>
+          <p:cNvPr id="171" name="TextBox 170"/>
+          <p:cNvSpPr txBox="1"/>
+          <p:nvPr/>
+        </p:nvSpPr>
+        <p:spPr>
+          <a:xfrm>
+            <a:off x="4860032" y="4808185"/>
+            <a:ext cx="1080120" cy="276999"/>
+          </a:xfrm>
+          <a:prstGeom prst="rect">
+            <a:avLst/>
+          </a:prstGeom>
+          <a:noFill/>
+        </p:spPr>
+        <p:txBody>
+          <a:bodyPr wrap="square" rtlCol="1">
+            <a:spAutoFit/>
+          </a:bodyPr>
+          <a:lstStyle/>
+          <a:p>
+            <a:r>
+              <a:rPr lang="en-US" sz="1200" dirty="0" smtClean="0"/>
+              <a:t>Current </a:t>
+            </a:r>
+            <a:r>
+              <a:rPr lang="en-US" sz="1200" dirty="0" err="1" smtClean="0"/>
+              <a:t>addr</a:t>
+            </a:r>
+            <a:endParaRPr lang="he-IL" sz="1200" dirty="0"/>
+          </a:p>
+        </p:txBody>
+      </p:sp>
       <p:cxnSp>
         <p:nvCxnSpPr>
-          <p:cNvPr id="122" name="מחבר ישר 121"/>
+          <p:cNvPr id="173" name="Shape 172"/>
+          <p:cNvCxnSpPr>
+            <a:stCxn id="145" idx="3"/>
+          </p:cNvCxnSpPr>
+          <p:nvPr/>
+        </p:nvCxnSpPr>
+        <p:spPr>
+          <a:xfrm>
+            <a:off x="4592192" y="4074792"/>
+            <a:ext cx="339848" cy="1010392"/>
+          </a:xfrm>
+          <a:prstGeom prst="bentConnector2">
+            <a:avLst/>
+          </a:prstGeom>
+          <a:ln w="19050">
+            <a:solidFill>
+              <a:schemeClr val="tx1"/>
+            </a:solidFill>
+            <a:headEnd type="arrow"/>
+            <a:tailEnd type="none"/>
+          </a:ln>
+        </p:spPr>
+        <p:style>
+          <a:lnRef idx="1">
+            <a:schemeClr val="accent1"/>
+          </a:lnRef>
+          <a:fillRef idx="0">
+            <a:schemeClr val="accent1"/>
+          </a:fillRef>
+          <a:effectRef idx="0">
+            <a:schemeClr val="accent1"/>
+          </a:effectRef>
+          <a:fontRef idx="minor">
+            <a:schemeClr val="tx1"/>
+          </a:fontRef>
+        </p:style>
+      </p:cxnSp>
+      <p:cxnSp>
+        <p:nvCxnSpPr>
+          <p:cNvPr id="176" name="Straight Connector 175"/>
           <p:cNvCxnSpPr/>
           <p:nvPr/>
         </p:nvCxnSpPr>
         <p:spPr>
-          <a:xfrm rot="10800000">
-            <a:off x="928662" y="2707332"/>
-            <a:ext cx="285752" cy="1588"/>
+          <a:xfrm>
+            <a:off x="2555776" y="4077072"/>
+            <a:ext cx="1404000" cy="0"/>
           </a:xfrm>
           <a:prstGeom prst="line">
             <a:avLst/>
@@ -18743,122 +19310,14 @@
       </p:cxnSp>
       <p:cxnSp>
         <p:nvCxnSpPr>
-          <p:cNvPr id="125" name="מחבר ישר 124"/>
+          <p:cNvPr id="178" name="Straight Connector 177"/>
           <p:cNvCxnSpPr/>
           <p:nvPr/>
         </p:nvCxnSpPr>
         <p:spPr>
-          <a:xfrm>
-            <a:off x="3571868" y="2500306"/>
-            <a:ext cx="857256" cy="1588"/>
-          </a:xfrm>
-          <a:prstGeom prst="line">
-            <a:avLst/>
-          </a:prstGeom>
-          <a:ln w="19050">
-            <a:solidFill>
-              <a:schemeClr val="tx1"/>
-            </a:solidFill>
-            <a:tailEnd type="arrow"/>
-          </a:ln>
-        </p:spPr>
-        <p:style>
-          <a:lnRef idx="1">
-            <a:schemeClr val="accent1"/>
-          </a:lnRef>
-          <a:fillRef idx="0">
-            <a:schemeClr val="accent1"/>
-          </a:fillRef>
-          <a:effectRef idx="0">
-            <a:schemeClr val="accent1"/>
-          </a:effectRef>
-          <a:fontRef idx="minor">
-            <a:schemeClr val="tx1"/>
-          </a:fontRef>
-        </p:style>
-      </p:cxnSp>
-      <p:cxnSp>
-        <p:nvCxnSpPr>
-          <p:cNvPr id="127" name="מחבר ישר 126"/>
-          <p:cNvCxnSpPr/>
-          <p:nvPr/>
-        </p:nvCxnSpPr>
-        <p:spPr>
-          <a:xfrm>
-            <a:off x="3571868" y="2714620"/>
-            <a:ext cx="857256" cy="1588"/>
-          </a:xfrm>
-          <a:prstGeom prst="line">
-            <a:avLst/>
-          </a:prstGeom>
-          <a:ln w="19050">
-            <a:solidFill>
-              <a:schemeClr val="tx1"/>
-            </a:solidFill>
-            <a:tailEnd type="arrow"/>
-          </a:ln>
-        </p:spPr>
-        <p:style>
-          <a:lnRef idx="1">
-            <a:schemeClr val="accent1"/>
-          </a:lnRef>
-          <a:fillRef idx="0">
-            <a:schemeClr val="accent1"/>
-          </a:fillRef>
-          <a:effectRef idx="0">
-            <a:schemeClr val="accent1"/>
-          </a:effectRef>
-          <a:fontRef idx="minor">
-            <a:schemeClr val="tx1"/>
-          </a:fontRef>
-        </p:style>
-      </p:cxnSp>
-      <p:cxnSp>
-        <p:nvCxnSpPr>
-          <p:cNvPr id="131" name="מחבר ישר 130"/>
-          <p:cNvCxnSpPr/>
-          <p:nvPr/>
-        </p:nvCxnSpPr>
-        <p:spPr>
-          <a:xfrm>
-            <a:off x="3571868" y="2928934"/>
-            <a:ext cx="857256" cy="1588"/>
-          </a:xfrm>
-          <a:prstGeom prst="line">
-            <a:avLst/>
-          </a:prstGeom>
-          <a:ln w="19050">
-            <a:solidFill>
-              <a:schemeClr val="tx1"/>
-            </a:solidFill>
-            <a:tailEnd type="arrow"/>
-          </a:ln>
-        </p:spPr>
-        <p:style>
-          <a:lnRef idx="1">
-            <a:schemeClr val="accent1"/>
-          </a:lnRef>
-          <a:fillRef idx="0">
-            <a:schemeClr val="accent1"/>
-          </a:fillRef>
-          <a:effectRef idx="0">
-            <a:schemeClr val="accent1"/>
-          </a:effectRef>
-          <a:fontRef idx="minor">
-            <a:schemeClr val="tx1"/>
-          </a:fontRef>
-        </p:style>
-      </p:cxnSp>
-      <p:cxnSp>
-        <p:nvCxnSpPr>
-          <p:cNvPr id="135" name="מחבר ישר 134"/>
-          <p:cNvCxnSpPr/>
-          <p:nvPr/>
-        </p:nvCxnSpPr>
-        <p:spPr>
-          <a:xfrm rot="10800000" flipH="1">
-            <a:off x="946116" y="3499419"/>
-            <a:ext cx="2340000" cy="1588"/>
+          <a:xfrm rot="5400000">
+            <a:off x="2447764" y="4185084"/>
+            <a:ext cx="216024" cy="0"/>
           </a:xfrm>
           <a:prstGeom prst="line">
             <a:avLst/>
@@ -18885,106 +19344,74 @@
           </a:fontRef>
         </p:style>
       </p:cxnSp>
-      <p:cxnSp>
-        <p:nvCxnSpPr>
-          <p:cNvPr id="143" name="מחבר ישר 142"/>
-          <p:cNvCxnSpPr/>
+      <p:sp>
+        <p:nvSpPr>
+          <p:cNvPr id="179" name="TextBox 178"/>
+          <p:cNvSpPr txBox="1"/>
           <p:nvPr/>
-        </p:nvCxnSpPr>
+        </p:nvSpPr>
         <p:spPr>
           <a:xfrm>
-            <a:off x="3286116" y="3071810"/>
-            <a:ext cx="1143008" cy="1588"/>
-          </a:xfrm>
-          <a:prstGeom prst="line">
+            <a:off x="2987824" y="3800073"/>
+            <a:ext cx="792088" cy="276999"/>
+          </a:xfrm>
+          <a:prstGeom prst="rect">
             <a:avLst/>
           </a:prstGeom>
-          <a:ln w="19050">
-            <a:solidFill>
-              <a:schemeClr val="tx1"/>
-            </a:solidFill>
-            <a:tailEnd type="arrow"/>
-          </a:ln>
+          <a:noFill/>
         </p:spPr>
-        <p:style>
-          <a:lnRef idx="1">
-            <a:schemeClr val="accent1"/>
-          </a:lnRef>
-          <a:fillRef idx="0">
-            <a:schemeClr val="accent1"/>
-          </a:fillRef>
-          <a:effectRef idx="0">
-            <a:schemeClr val="accent1"/>
-          </a:effectRef>
-          <a:fontRef idx="minor">
-            <a:schemeClr val="tx1"/>
-          </a:fontRef>
-        </p:style>
-      </p:cxnSp>
-      <p:cxnSp>
-        <p:nvCxnSpPr>
-          <p:cNvPr id="146" name="מחבר ישר 145"/>
-          <p:cNvCxnSpPr/>
-          <p:nvPr/>
-        </p:nvCxnSpPr>
-        <p:spPr>
-          <a:xfrm rot="5400000">
-            <a:off x="3071802" y="3276000"/>
-            <a:ext cx="428628" cy="1588"/>
-          </a:xfrm>
-          <a:prstGeom prst="line">
-            <a:avLst/>
-          </a:prstGeom>
-          <a:ln w="19050">
-            <a:solidFill>
-              <a:schemeClr val="tx1"/>
-            </a:solidFill>
-            <a:tailEnd type="none"/>
-          </a:ln>
-        </p:spPr>
-        <p:style>
-          <a:lnRef idx="1">
-            <a:schemeClr val="accent1"/>
-          </a:lnRef>
-          <a:fillRef idx="0">
-            <a:schemeClr val="accent1"/>
-          </a:fillRef>
-          <a:effectRef idx="0">
-            <a:schemeClr val="accent1"/>
-          </a:effectRef>
-          <a:fontRef idx="minor">
-            <a:schemeClr val="tx1"/>
-          </a:fontRef>
-        </p:style>
-      </p:cxnSp>
+        <p:txBody>
+          <a:bodyPr wrap="square" rtlCol="1">
+            <a:spAutoFit/>
+          </a:bodyPr>
+          <a:lstStyle/>
+          <a:p>
+            <a:r>
+              <a:rPr lang="en-US" sz="1200" dirty="0" smtClean="0"/>
+              <a:t>next </a:t>
+            </a:r>
+            <a:r>
+              <a:rPr lang="en-US" sz="1200" dirty="0" err="1" smtClean="0"/>
+              <a:t>addr</a:t>
+            </a:r>
+            <a:endParaRPr lang="he-IL" sz="1200" dirty="0"/>
+          </a:p>
+        </p:txBody>
+      </p:sp>
       <p:grpSp>
         <p:nvGrpSpPr>
-          <p:cNvPr id="148" name="קבוצה 147"/>
+          <p:cNvPr id="180" name="קבוצה 35"/>
           <p:cNvGrpSpPr/>
           <p:nvPr/>
         </p:nvGrpSpPr>
         <p:grpSpPr>
           <a:xfrm>
-            <a:off x="4289668" y="5000636"/>
-            <a:ext cx="714380" cy="571504"/>
-            <a:chOff x="3214678" y="3143248"/>
-            <a:chExt cx="714380" cy="571504"/>
+            <a:off x="6385880" y="4968000"/>
+            <a:ext cx="1714512" cy="746287"/>
+            <a:chOff x="857224" y="1857364"/>
+            <a:chExt cx="2214578" cy="970173"/>
           </a:xfrm>
         </p:grpSpPr>
         <p:sp>
           <p:nvSpPr>
-            <p:cNvPr id="149" name="מלבן 148"/>
+            <p:cNvPr id="181" name="מלבן 36"/>
             <p:cNvSpPr/>
             <p:nvPr/>
           </p:nvSpPr>
           <p:spPr>
             <a:xfrm>
-              <a:off x="3240000" y="3143248"/>
-              <a:ext cx="642942" cy="571504"/>
+              <a:off x="1285852" y="1857364"/>
+              <a:ext cx="1357322" cy="928694"/>
             </a:xfrm>
             <a:prstGeom prst="rect">
               <a:avLst/>
             </a:prstGeom>
+            <a:noFill/>
+            <a:ln>
+              <a:solidFill>
+                <a:schemeClr val="tx1"/>
+              </a:solidFill>
+            </a:ln>
           </p:spPr>
           <p:style>
             <a:lnRef idx="2">
@@ -19013,7 +19440,631 @@
         </p:sp>
         <p:sp>
           <p:nvSpPr>
-            <p:cNvPr id="150" name="TextBox 149"/>
+            <p:cNvPr id="182" name="משולש שווה שוקיים 37"/>
+            <p:cNvSpPr/>
+            <p:nvPr/>
+          </p:nvSpPr>
+          <p:spPr>
+            <a:xfrm rot="19571141">
+              <a:off x="1260000" y="2607913"/>
+              <a:ext cx="170075" cy="131886"/>
+            </a:xfrm>
+            <a:prstGeom prst="triangle">
+              <a:avLst/>
+            </a:prstGeom>
+            <a:noFill/>
+            <a:ln>
+              <a:solidFill>
+                <a:schemeClr val="tx1"/>
+              </a:solidFill>
+            </a:ln>
+          </p:spPr>
+          <p:style>
+            <a:lnRef idx="2">
+              <a:schemeClr val="accent1">
+                <a:shade val="50000"/>
+              </a:schemeClr>
+            </a:lnRef>
+            <a:fillRef idx="1">
+              <a:schemeClr val="accent1"/>
+            </a:fillRef>
+            <a:effectRef idx="0">
+              <a:schemeClr val="accent1"/>
+            </a:effectRef>
+            <a:fontRef idx="minor">
+              <a:schemeClr val="lt1"/>
+            </a:fontRef>
+          </p:style>
+          <p:txBody>
+            <a:bodyPr rtlCol="1" anchor="ctr"/>
+            <a:lstStyle/>
+            <a:p>
+              <a:pPr algn="ctr"/>
+              <a:endParaRPr lang="he-IL" dirty="0"/>
+            </a:p>
+          </p:txBody>
+        </p:sp>
+        <p:cxnSp>
+          <p:nvCxnSpPr>
+            <p:cNvPr id="183" name="מחבר ישר 38"/>
+            <p:cNvCxnSpPr/>
+            <p:nvPr/>
+          </p:nvCxnSpPr>
+          <p:spPr>
+            <a:xfrm>
+              <a:off x="857224" y="2714620"/>
+              <a:ext cx="428628" cy="1588"/>
+            </a:xfrm>
+            <a:prstGeom prst="line">
+              <a:avLst/>
+            </a:prstGeom>
+            <a:ln w="19050">
+              <a:solidFill>
+                <a:schemeClr val="tx1"/>
+              </a:solidFill>
+              <a:tailEnd type="none"/>
+            </a:ln>
+          </p:spPr>
+          <p:style>
+            <a:lnRef idx="1">
+              <a:schemeClr val="accent1"/>
+            </a:lnRef>
+            <a:fillRef idx="0">
+              <a:schemeClr val="accent1"/>
+            </a:fillRef>
+            <a:effectRef idx="0">
+              <a:schemeClr val="accent1"/>
+            </a:effectRef>
+            <a:fontRef idx="minor">
+              <a:schemeClr val="tx1"/>
+            </a:fontRef>
+          </p:style>
+        </p:cxnSp>
+        <p:cxnSp>
+          <p:nvCxnSpPr>
+            <p:cNvPr id="184" name="מחבר ישר 39"/>
+            <p:cNvCxnSpPr/>
+            <p:nvPr/>
+          </p:nvCxnSpPr>
+          <p:spPr>
+            <a:xfrm>
+              <a:off x="857224" y="2000240"/>
+              <a:ext cx="428628" cy="1588"/>
+            </a:xfrm>
+            <a:prstGeom prst="line">
+              <a:avLst/>
+            </a:prstGeom>
+            <a:ln w="19050">
+              <a:solidFill>
+                <a:schemeClr val="tx1"/>
+              </a:solidFill>
+              <a:tailEnd type="none"/>
+            </a:ln>
+          </p:spPr>
+          <p:style>
+            <a:lnRef idx="1">
+              <a:schemeClr val="accent1"/>
+            </a:lnRef>
+            <a:fillRef idx="0">
+              <a:schemeClr val="accent1"/>
+            </a:fillRef>
+            <a:effectRef idx="0">
+              <a:schemeClr val="accent1"/>
+            </a:effectRef>
+            <a:fontRef idx="minor">
+              <a:schemeClr val="tx1"/>
+            </a:fontRef>
+          </p:style>
+        </p:cxnSp>
+        <p:cxnSp>
+          <p:nvCxnSpPr>
+            <p:cNvPr id="185" name="מחבר ישר 40"/>
+            <p:cNvCxnSpPr/>
+            <p:nvPr/>
+          </p:nvCxnSpPr>
+          <p:spPr>
+            <a:xfrm>
+              <a:off x="2643174" y="2000240"/>
+              <a:ext cx="428628" cy="1588"/>
+            </a:xfrm>
+            <a:prstGeom prst="line">
+              <a:avLst/>
+            </a:prstGeom>
+            <a:ln w="19050">
+              <a:solidFill>
+                <a:schemeClr val="tx1"/>
+              </a:solidFill>
+              <a:tailEnd type="none"/>
+            </a:ln>
+          </p:spPr>
+          <p:style>
+            <a:lnRef idx="1">
+              <a:schemeClr val="accent1"/>
+            </a:lnRef>
+            <a:fillRef idx="0">
+              <a:schemeClr val="accent1"/>
+            </a:fillRef>
+            <a:effectRef idx="0">
+              <a:schemeClr val="accent1"/>
+            </a:effectRef>
+            <a:fontRef idx="minor">
+              <a:schemeClr val="tx1"/>
+            </a:fontRef>
+          </p:style>
+        </p:cxnSp>
+        <p:sp>
+          <p:nvSpPr>
+            <p:cNvPr id="189" name="TextBox 188"/>
+            <p:cNvSpPr txBox="1"/>
+            <p:nvPr/>
+          </p:nvSpPr>
+          <p:spPr>
+            <a:xfrm>
+              <a:off x="1595417" y="2143116"/>
+              <a:ext cx="547691" cy="480132"/>
+            </a:xfrm>
+            <a:prstGeom prst="rect">
+              <a:avLst/>
+            </a:prstGeom>
+            <a:noFill/>
+          </p:spPr>
+          <p:txBody>
+            <a:bodyPr wrap="square" rtlCol="1">
+              <a:spAutoFit/>
+            </a:bodyPr>
+            <a:lstStyle/>
+            <a:p>
+              <a:r>
+                <a:rPr lang="en-US" dirty="0" smtClean="0"/>
+                <a:t>FF</a:t>
+              </a:r>
+              <a:endParaRPr lang="he-IL" dirty="0"/>
+            </a:p>
+          </p:txBody>
+        </p:sp>
+        <p:sp>
+          <p:nvSpPr>
+            <p:cNvPr id="191" name="TextBox 190"/>
+            <p:cNvSpPr txBox="1"/>
+            <p:nvPr/>
+          </p:nvSpPr>
+          <p:spPr>
+            <a:xfrm>
+              <a:off x="1318594" y="2507450"/>
+              <a:ext cx="514949" cy="320087"/>
+            </a:xfrm>
+            <a:prstGeom prst="rect">
+              <a:avLst/>
+            </a:prstGeom>
+            <a:noFill/>
+          </p:spPr>
+          <p:txBody>
+            <a:bodyPr wrap="square" rtlCol="1">
+              <a:spAutoFit/>
+            </a:bodyPr>
+            <a:lstStyle/>
+            <a:p>
+              <a:pPr algn="ctr"/>
+              <a:r>
+                <a:rPr lang="en-US" sz="1000" dirty="0" smtClean="0"/>
+                <a:t>C1</a:t>
+              </a:r>
+              <a:endParaRPr lang="he-IL" sz="1000" dirty="0"/>
+            </a:p>
+          </p:txBody>
+        </p:sp>
+        <p:sp>
+          <p:nvSpPr>
+            <p:cNvPr id="192" name="TextBox 191"/>
+            <p:cNvSpPr txBox="1"/>
+            <p:nvPr/>
+          </p:nvSpPr>
+          <p:spPr>
+            <a:xfrm>
+              <a:off x="1193578" y="1857364"/>
+              <a:ext cx="494113" cy="260071"/>
+            </a:xfrm>
+            <a:prstGeom prst="rect">
+              <a:avLst/>
+            </a:prstGeom>
+            <a:noFill/>
+          </p:spPr>
+          <p:txBody>
+            <a:bodyPr wrap="square" rtlCol="1">
+              <a:spAutoFit/>
+            </a:bodyPr>
+            <a:lstStyle/>
+            <a:p>
+              <a:pPr algn="ctr"/>
+              <a:r>
+                <a:rPr lang="en-US" sz="700" dirty="0" smtClean="0"/>
+                <a:t>1D</a:t>
+              </a:r>
+              <a:endParaRPr lang="he-IL" sz="700" dirty="0"/>
+            </a:p>
+          </p:txBody>
+        </p:sp>
+        <p:sp>
+          <p:nvSpPr>
+            <p:cNvPr id="193" name="TextBox 192"/>
+            <p:cNvSpPr txBox="1"/>
+            <p:nvPr/>
+          </p:nvSpPr>
+          <p:spPr>
+            <a:xfrm>
+              <a:off x="2357422" y="1857364"/>
+              <a:ext cx="357190" cy="246221"/>
+            </a:xfrm>
+            <a:prstGeom prst="rect">
+              <a:avLst/>
+            </a:prstGeom>
+            <a:noFill/>
+          </p:spPr>
+          <p:txBody>
+            <a:bodyPr wrap="square" rtlCol="1">
+              <a:spAutoFit/>
+            </a:bodyPr>
+            <a:lstStyle/>
+            <a:p>
+              <a:pPr algn="ctr"/>
+              <a:r>
+                <a:rPr lang="en-US" sz="1000" dirty="0" smtClean="0"/>
+                <a:t>Q</a:t>
+              </a:r>
+              <a:endParaRPr lang="he-IL" sz="1000" dirty="0"/>
+            </a:p>
+          </p:txBody>
+        </p:sp>
+      </p:grpSp>
+      <p:cxnSp>
+        <p:nvCxnSpPr>
+          <p:cNvPr id="197" name="Straight Connector 196"/>
+          <p:cNvCxnSpPr/>
+          <p:nvPr/>
+        </p:nvCxnSpPr>
+        <p:spPr>
+          <a:xfrm rot="10800000">
+            <a:off x="3491881" y="5085184"/>
+            <a:ext cx="2880320" cy="0"/>
+          </a:xfrm>
+          <a:prstGeom prst="line">
+            <a:avLst/>
+          </a:prstGeom>
+          <a:ln w="19050">
+            <a:solidFill>
+              <a:schemeClr val="tx1"/>
+            </a:solidFill>
+            <a:tailEnd type="none"/>
+          </a:ln>
+        </p:spPr>
+        <p:style>
+          <a:lnRef idx="1">
+            <a:schemeClr val="accent1"/>
+          </a:lnRef>
+          <a:fillRef idx="0">
+            <a:schemeClr val="accent1"/>
+          </a:fillRef>
+          <a:effectRef idx="0">
+            <a:schemeClr val="accent1"/>
+          </a:effectRef>
+          <a:fontRef idx="minor">
+            <a:schemeClr val="tx1"/>
+          </a:fontRef>
+        </p:style>
+      </p:cxnSp>
+      <p:cxnSp>
+        <p:nvCxnSpPr>
+          <p:cNvPr id="204" name="Shape 203"/>
+          <p:cNvCxnSpPr>
+            <a:endCxn id="154" idx="0"/>
+          </p:cNvCxnSpPr>
+          <p:nvPr/>
+        </p:nvCxnSpPr>
+        <p:spPr>
+          <a:xfrm rot="10800000">
+            <a:off x="2378892" y="4932618"/>
+            <a:ext cx="1184997" cy="152566"/>
+          </a:xfrm>
+          <a:prstGeom prst="bentConnector2">
+            <a:avLst/>
+          </a:prstGeom>
+          <a:ln w="19050">
+            <a:solidFill>
+              <a:schemeClr val="tx1"/>
+            </a:solidFill>
+            <a:tailEnd type="none"/>
+          </a:ln>
+        </p:spPr>
+        <p:style>
+          <a:lnRef idx="1">
+            <a:schemeClr val="accent1"/>
+          </a:lnRef>
+          <a:fillRef idx="0">
+            <a:schemeClr val="accent1"/>
+          </a:fillRef>
+          <a:effectRef idx="0">
+            <a:schemeClr val="accent1"/>
+          </a:effectRef>
+          <a:fontRef idx="minor">
+            <a:schemeClr val="tx1"/>
+          </a:fontRef>
+        </p:style>
+      </p:cxnSp>
+      <p:cxnSp>
+        <p:nvCxnSpPr>
+          <p:cNvPr id="212" name="Straight Connector 211"/>
+          <p:cNvCxnSpPr/>
+          <p:nvPr/>
+        </p:nvCxnSpPr>
+        <p:spPr>
+          <a:xfrm rot="10800000">
+            <a:off x="3203848" y="5630400"/>
+            <a:ext cx="3168352" cy="0"/>
+          </a:xfrm>
+          <a:prstGeom prst="line">
+            <a:avLst/>
+          </a:prstGeom>
+          <a:ln w="19050">
+            <a:solidFill>
+              <a:schemeClr val="tx1"/>
+            </a:solidFill>
+            <a:tailEnd type="none"/>
+          </a:ln>
+        </p:spPr>
+        <p:style>
+          <a:lnRef idx="1">
+            <a:schemeClr val="accent1"/>
+          </a:lnRef>
+          <a:fillRef idx="0">
+            <a:schemeClr val="accent1"/>
+          </a:fillRef>
+          <a:effectRef idx="0">
+            <a:schemeClr val="accent1"/>
+          </a:effectRef>
+          <a:fontRef idx="minor">
+            <a:schemeClr val="tx1"/>
+          </a:fontRef>
+        </p:style>
+      </p:cxnSp>
+      <p:cxnSp>
+        <p:nvCxnSpPr>
+          <p:cNvPr id="214" name="Straight Connector 213"/>
+          <p:cNvCxnSpPr/>
+          <p:nvPr/>
+        </p:nvCxnSpPr>
+        <p:spPr>
+          <a:xfrm rot="5400000">
+            <a:off x="2753848" y="6075344"/>
+            <a:ext cx="900000" cy="0"/>
+          </a:xfrm>
+          <a:prstGeom prst="line">
+            <a:avLst/>
+          </a:prstGeom>
+          <a:ln w="19050">
+            <a:solidFill>
+              <a:schemeClr val="tx1"/>
+            </a:solidFill>
+            <a:tailEnd type="none"/>
+          </a:ln>
+        </p:spPr>
+        <p:style>
+          <a:lnRef idx="1">
+            <a:schemeClr val="accent1"/>
+          </a:lnRef>
+          <a:fillRef idx="0">
+            <a:schemeClr val="accent1"/>
+          </a:fillRef>
+          <a:effectRef idx="0">
+            <a:schemeClr val="accent1"/>
+          </a:effectRef>
+          <a:fontRef idx="minor">
+            <a:schemeClr val="tx1"/>
+          </a:fontRef>
+        </p:style>
+      </p:cxnSp>
+      <p:cxnSp>
+        <p:nvCxnSpPr>
+          <p:cNvPr id="217" name="Elbow Connector 216"/>
+          <p:cNvCxnSpPr/>
+          <p:nvPr/>
+        </p:nvCxnSpPr>
+        <p:spPr>
+          <a:xfrm rot="5400000">
+            <a:off x="-576572" y="2960948"/>
+            <a:ext cx="3528392" cy="1588"/>
+          </a:xfrm>
+          <a:prstGeom prst="bentConnector3">
+            <a:avLst>
+              <a:gd name="adj1" fmla="val 50000"/>
+            </a:avLst>
+          </a:prstGeom>
+          <a:ln w="19050">
+            <a:solidFill>
+              <a:schemeClr val="tx1"/>
+            </a:solidFill>
+            <a:tailEnd type="none"/>
+          </a:ln>
+        </p:spPr>
+        <p:style>
+          <a:lnRef idx="1">
+            <a:schemeClr val="accent1"/>
+          </a:lnRef>
+          <a:fillRef idx="0">
+            <a:schemeClr val="accent1"/>
+          </a:fillRef>
+          <a:effectRef idx="0">
+            <a:schemeClr val="accent1"/>
+          </a:effectRef>
+          <a:fontRef idx="minor">
+            <a:schemeClr val="tx1"/>
+          </a:fontRef>
+        </p:style>
+      </p:cxnSp>
+      <p:cxnSp>
+        <p:nvCxnSpPr>
+          <p:cNvPr id="219" name="Straight Connector 218"/>
+          <p:cNvCxnSpPr/>
+          <p:nvPr/>
+        </p:nvCxnSpPr>
+        <p:spPr>
+          <a:xfrm>
+            <a:off x="1187624" y="4725144"/>
+            <a:ext cx="828000" cy="0"/>
+          </a:xfrm>
+          <a:prstGeom prst="line">
+            <a:avLst/>
+          </a:prstGeom>
+          <a:ln w="19050">
+            <a:solidFill>
+              <a:schemeClr val="tx1"/>
+            </a:solidFill>
+            <a:tailEnd type="arrow"/>
+          </a:ln>
+        </p:spPr>
+        <p:style>
+          <a:lnRef idx="1">
+            <a:schemeClr val="accent1"/>
+          </a:lnRef>
+          <a:fillRef idx="0">
+            <a:schemeClr val="accent1"/>
+          </a:fillRef>
+          <a:effectRef idx="0">
+            <a:schemeClr val="accent1"/>
+          </a:effectRef>
+          <a:fontRef idx="minor">
+            <a:schemeClr val="tx1"/>
+          </a:fontRef>
+        </p:style>
+      </p:cxnSp>
+      <p:cxnSp>
+        <p:nvCxnSpPr>
+          <p:cNvPr id="223" name="Straight Connector 222"/>
+          <p:cNvCxnSpPr/>
+          <p:nvPr/>
+        </p:nvCxnSpPr>
+        <p:spPr>
+          <a:xfrm rot="5400000">
+            <a:off x="4139952" y="3645024"/>
+            <a:ext cx="288032" cy="0"/>
+          </a:xfrm>
+          <a:prstGeom prst="line">
+            <a:avLst/>
+          </a:prstGeom>
+          <a:ln w="19050">
+            <a:solidFill>
+              <a:schemeClr val="tx1"/>
+            </a:solidFill>
+            <a:tailEnd type="arrow"/>
+          </a:ln>
+        </p:spPr>
+        <p:style>
+          <a:lnRef idx="1">
+            <a:schemeClr val="accent1"/>
+          </a:lnRef>
+          <a:fillRef idx="0">
+            <a:schemeClr val="accent1"/>
+          </a:fillRef>
+          <a:effectRef idx="0">
+            <a:schemeClr val="accent1"/>
+          </a:effectRef>
+          <a:fontRef idx="minor">
+            <a:schemeClr val="tx1"/>
+          </a:fontRef>
+        </p:style>
+      </p:cxnSp>
+      <p:cxnSp>
+        <p:nvCxnSpPr>
+          <p:cNvPr id="225" name="Straight Connector 224"/>
+          <p:cNvCxnSpPr/>
+          <p:nvPr/>
+        </p:nvCxnSpPr>
+        <p:spPr>
+          <a:xfrm rot="5400000">
+            <a:off x="1871700" y="3825044"/>
+            <a:ext cx="648072" cy="0"/>
+          </a:xfrm>
+          <a:prstGeom prst="line">
+            <a:avLst/>
+          </a:prstGeom>
+          <a:ln w="28575">
+            <a:solidFill>
+              <a:schemeClr val="tx1"/>
+            </a:solidFill>
+            <a:tailEnd type="none"/>
+          </a:ln>
+        </p:spPr>
+        <p:style>
+          <a:lnRef idx="1">
+            <a:schemeClr val="accent1"/>
+          </a:lnRef>
+          <a:fillRef idx="0">
+            <a:schemeClr val="accent1"/>
+          </a:fillRef>
+          <a:effectRef idx="0">
+            <a:schemeClr val="accent1"/>
+          </a:effectRef>
+          <a:fontRef idx="minor">
+            <a:schemeClr val="tx1"/>
+          </a:fontRef>
+        </p:style>
+      </p:cxnSp>
+      <p:grpSp>
+        <p:nvGrpSpPr>
+          <p:cNvPr id="226" name="קבוצה 5"/>
+          <p:cNvGrpSpPr/>
+          <p:nvPr/>
+        </p:nvGrpSpPr>
+        <p:grpSpPr>
+          <a:xfrm>
+            <a:off x="5328000" y="1777376"/>
+            <a:ext cx="714380" cy="571504"/>
+            <a:chOff x="3214678" y="3143248"/>
+            <a:chExt cx="714380" cy="571504"/>
+          </a:xfrm>
+        </p:grpSpPr>
+        <p:sp>
+          <p:nvSpPr>
+            <p:cNvPr id="227" name="מלבן 6"/>
+            <p:cNvSpPr/>
+            <p:nvPr/>
+          </p:nvSpPr>
+          <p:spPr>
+            <a:xfrm>
+              <a:off x="3240000" y="3143248"/>
+              <a:ext cx="642942" cy="571504"/>
+            </a:xfrm>
+            <a:prstGeom prst="rect">
+              <a:avLst/>
+            </a:prstGeom>
+          </p:spPr>
+          <p:style>
+            <a:lnRef idx="2">
+              <a:schemeClr val="accent1">
+                <a:shade val="50000"/>
+              </a:schemeClr>
+            </a:lnRef>
+            <a:fillRef idx="1">
+              <a:schemeClr val="accent1"/>
+            </a:fillRef>
+            <a:effectRef idx="0">
+              <a:schemeClr val="accent1"/>
+            </a:effectRef>
+            <a:fontRef idx="minor">
+              <a:schemeClr val="lt1"/>
+            </a:fontRef>
+          </p:style>
+          <p:txBody>
+            <a:bodyPr rtlCol="1" anchor="ctr"/>
+            <a:lstStyle/>
+            <a:p>
+              <a:pPr algn="ctr"/>
+              <a:endParaRPr lang="he-IL" dirty="0"/>
+            </a:p>
+          </p:txBody>
+        </p:sp>
+        <p:sp>
+          <p:nvSpPr>
+            <p:cNvPr id="228" name="TextBox 227"/>
             <p:cNvSpPr txBox="1"/>
             <p:nvPr/>
           </p:nvSpPr>
@@ -19045,19 +20096,21 @@
       </p:grpSp>
       <p:cxnSp>
         <p:nvCxnSpPr>
-          <p:cNvPr id="152" name="מחבר חץ ישר 151"/>
+          <p:cNvPr id="230" name="Elbow Connector 229"/>
           <p:cNvCxnSpPr/>
           <p:nvPr/>
         </p:nvCxnSpPr>
         <p:spPr>
           <a:xfrm>
-            <a:off x="928662" y="5434876"/>
-            <a:ext cx="3382908" cy="1588"/>
-          </a:xfrm>
-          <a:prstGeom prst="straightConnector1">
-            <a:avLst/>
+            <a:off x="899592" y="1772816"/>
+            <a:ext cx="4464496" cy="144016"/>
+          </a:xfrm>
+          <a:prstGeom prst="bentConnector3">
+            <a:avLst>
+              <a:gd name="adj1" fmla="val 50000"/>
+            </a:avLst>
           </a:prstGeom>
-          <a:ln w="19050">
+          <a:ln w="28575">
             <a:solidFill>
               <a:schemeClr val="tx1"/>
             </a:solidFill>
@@ -19081,19 +20134,21 @@
       </p:cxnSp>
       <p:cxnSp>
         <p:nvCxnSpPr>
-          <p:cNvPr id="156" name="מחבר חץ ישר 155"/>
+          <p:cNvPr id="235" name="Elbow Connector 234"/>
           <p:cNvCxnSpPr/>
           <p:nvPr/>
         </p:nvCxnSpPr>
         <p:spPr>
-          <a:xfrm>
-            <a:off x="4968000" y="5286388"/>
-            <a:ext cx="3175900" cy="1588"/>
-          </a:xfrm>
-          <a:prstGeom prst="straightConnector1">
-            <a:avLst/>
+          <a:xfrm flipV="1">
+            <a:off x="899592" y="2204864"/>
+            <a:ext cx="4464496" cy="792088"/>
+          </a:xfrm>
+          <a:prstGeom prst="bentConnector3">
+            <a:avLst>
+              <a:gd name="adj1" fmla="val 54836"/>
+            </a:avLst>
           </a:prstGeom>
-          <a:ln w="19050">
+          <a:ln w="28575">
             <a:solidFill>
               <a:schemeClr val="tx1"/>
             </a:solidFill>
@@ -19115,60 +20170,25 @@
           </a:fontRef>
         </p:style>
       </p:cxnSp>
-      <p:sp>
-        <p:nvSpPr>
-          <p:cNvPr id="161" name="TextBox 160"/>
-          <p:cNvSpPr txBox="1"/>
-          <p:nvPr/>
-        </p:nvSpPr>
-        <p:spPr>
-          <a:xfrm>
-            <a:off x="8215338" y="4886278"/>
-            <a:ext cx="428628" cy="400110"/>
-          </a:xfrm>
-          <a:prstGeom prst="rect">
-            <a:avLst/>
-          </a:prstGeom>
-          <a:noFill/>
-        </p:spPr>
-        <p:txBody>
-          <a:bodyPr wrap="square" rtlCol="1">
-            <a:spAutoFit/>
-          </a:bodyPr>
-          <a:lstStyle/>
-          <a:p>
-            <a:pPr algn="ctr"/>
-            <a:r>
-              <a:rPr lang="en-US" sz="1000" dirty="0" err="1" smtClean="0"/>
-              <a:t>wc</a:t>
-            </a:r>
-            <a:r>
-              <a:rPr lang="en-US" sz="1000" dirty="0" smtClean="0"/>
-              <a:t> to </a:t>
-            </a:r>
-            <a:r>
-              <a:rPr lang="en-US" sz="1000" dirty="0" err="1" smtClean="0"/>
-              <a:t>rc</a:t>
-            </a:r>
-            <a:endParaRPr lang="he-IL" sz="1000" dirty="0"/>
-          </a:p>
-        </p:txBody>
-      </p:sp>
       <p:cxnSp>
         <p:nvCxnSpPr>
-          <p:cNvPr id="162" name="מחבר חץ ישר 161"/>
-          <p:cNvCxnSpPr/>
+          <p:cNvPr id="241" name="Elbow Connector 240"/>
+          <p:cNvCxnSpPr>
+            <a:endCxn id="227" idx="1"/>
+          </p:cNvCxnSpPr>
           <p:nvPr/>
         </p:nvCxnSpPr>
         <p:spPr>
-          <a:xfrm>
-            <a:off x="928662" y="5072074"/>
-            <a:ext cx="3382908" cy="1588"/>
-          </a:xfrm>
-          <a:prstGeom prst="straightConnector1">
-            <a:avLst/>
+          <a:xfrm flipV="1">
+            <a:off x="899592" y="2063128"/>
+            <a:ext cx="4453730" cy="285753"/>
+          </a:xfrm>
+          <a:prstGeom prst="bentConnector3">
+            <a:avLst>
+              <a:gd name="adj1" fmla="val 50000"/>
+            </a:avLst>
           </a:prstGeom>
-          <a:ln w="19050">
+          <a:ln w="28575">
             <a:solidFill>
               <a:schemeClr val="tx1"/>
             </a:solidFill>
@@ -19190,109 +20210,26 @@
           </a:fontRef>
         </p:style>
       </p:cxnSp>
-      <p:grpSp>
-        <p:nvGrpSpPr>
-          <p:cNvPr id="186" name="קבוצה 185"/>
-          <p:cNvGrpSpPr/>
-          <p:nvPr/>
-        </p:nvGrpSpPr>
-        <p:grpSpPr>
-          <a:xfrm>
-            <a:off x="6000760" y="3000372"/>
-            <a:ext cx="1071570" cy="714380"/>
-            <a:chOff x="2643175" y="2357430"/>
-            <a:chExt cx="1000132" cy="714380"/>
-          </a:xfrm>
-        </p:grpSpPr>
-        <p:sp>
-          <p:nvSpPr>
-            <p:cNvPr id="187" name="מלבן מעוגל 186"/>
-            <p:cNvSpPr/>
-            <p:nvPr/>
-          </p:nvSpPr>
-          <p:spPr>
-            <a:xfrm>
-              <a:off x="2714612" y="2357430"/>
-              <a:ext cx="928694" cy="714380"/>
-            </a:xfrm>
-            <a:prstGeom prst="roundRect">
-              <a:avLst/>
-            </a:prstGeom>
-            <a:solidFill>
-              <a:schemeClr val="accent2"/>
-            </a:solidFill>
-          </p:spPr>
-          <p:style>
-            <a:lnRef idx="2">
-              <a:schemeClr val="accent1">
-                <a:shade val="50000"/>
-              </a:schemeClr>
-            </a:lnRef>
-            <a:fillRef idx="1">
-              <a:schemeClr val="accent1"/>
-            </a:fillRef>
-            <a:effectRef idx="0">
-              <a:schemeClr val="accent1"/>
-            </a:effectRef>
-            <a:fontRef idx="minor">
-              <a:schemeClr val="lt1"/>
-            </a:fontRef>
-          </p:style>
-          <p:txBody>
-            <a:bodyPr rtlCol="1" anchor="ctr"/>
-            <a:lstStyle/>
-            <a:p>
-              <a:pPr algn="ctr"/>
-              <a:endParaRPr lang="he-IL" dirty="0"/>
-            </a:p>
-          </p:txBody>
-        </p:sp>
-        <p:sp>
-          <p:nvSpPr>
-            <p:cNvPr id="188" name="TextBox 187"/>
-            <p:cNvSpPr txBox="1"/>
-            <p:nvPr/>
-          </p:nvSpPr>
-          <p:spPr>
-            <a:xfrm>
-              <a:off x="2643175" y="2500306"/>
-              <a:ext cx="1000132" cy="369332"/>
-            </a:xfrm>
-            <a:prstGeom prst="rect">
-              <a:avLst/>
-            </a:prstGeom>
-            <a:noFill/>
-          </p:spPr>
-          <p:txBody>
-            <a:bodyPr wrap="square" rtlCol="1">
-              <a:spAutoFit/>
-            </a:bodyPr>
-            <a:lstStyle/>
-            <a:p>
-              <a:r>
-                <a:rPr lang="en-US" dirty="0" smtClean="0"/>
-                <a:t>Counter</a:t>
-              </a:r>
-              <a:endParaRPr lang="he-IL" dirty="0"/>
-            </a:p>
-          </p:txBody>
-        </p:sp>
-      </p:grpSp>
       <p:cxnSp>
         <p:nvCxnSpPr>
-          <p:cNvPr id="190" name="מחבר חץ ישר 189"/>
-          <p:cNvCxnSpPr/>
+          <p:cNvPr id="245" name="Elbow Connector 244"/>
+          <p:cNvCxnSpPr>
+            <a:stCxn id="61" idx="0"/>
+            <a:endCxn id="227" idx="0"/>
+          </p:cNvCxnSpPr>
           <p:nvPr/>
         </p:nvCxnSpPr>
         <p:spPr>
-          <a:xfrm>
-            <a:off x="4929190" y="3286124"/>
-            <a:ext cx="1143008" cy="1588"/>
-          </a:xfrm>
-          <a:prstGeom prst="straightConnector1">
-            <a:avLst/>
+          <a:xfrm rot="16200000" flipH="1">
+            <a:off x="4204582" y="307165"/>
+            <a:ext cx="373150" cy="2567272"/>
+          </a:xfrm>
+          <a:prstGeom prst="bentConnector3">
+            <a:avLst>
+              <a:gd name="adj1" fmla="val 50000"/>
+            </a:avLst>
           </a:prstGeom>
-          <a:ln w="19050">
+          <a:ln w="28575">
             <a:solidFill>
               <a:schemeClr val="tx1"/>
             </a:solidFill>
@@ -19316,21 +20253,21 @@
       </p:cxnSp>
       <p:cxnSp>
         <p:nvCxnSpPr>
-          <p:cNvPr id="194" name="מחבר מרפקי 193"/>
+          <p:cNvPr id="247" name="Elbow Connector 246"/>
           <p:cNvCxnSpPr/>
           <p:nvPr/>
         </p:nvCxnSpPr>
         <p:spPr>
-          <a:xfrm rot="5400000" flipH="1" flipV="1">
-            <a:off x="5249256" y="3751876"/>
-            <a:ext cx="360000" cy="1588"/>
+          <a:xfrm flipV="1">
+            <a:off x="6012160" y="1052736"/>
+            <a:ext cx="2088232" cy="792088"/>
           </a:xfrm>
           <a:prstGeom prst="bentConnector3">
             <a:avLst>
               <a:gd name="adj1" fmla="val 50000"/>
             </a:avLst>
           </a:prstGeom>
-          <a:ln w="19050">
+          <a:ln w="28575">
             <a:solidFill>
               <a:schemeClr val="tx1"/>
             </a:solidFill>
@@ -19354,23 +20291,25 @@
       </p:cxnSp>
       <p:cxnSp>
         <p:nvCxnSpPr>
-          <p:cNvPr id="195" name="מחבר חץ ישר 194"/>
+          <p:cNvPr id="250" name="Elbow Connector 249"/>
           <p:cNvCxnSpPr/>
           <p:nvPr/>
         </p:nvCxnSpPr>
         <p:spPr>
           <a:xfrm>
-            <a:off x="5429256" y="3571876"/>
-            <a:ext cx="660396" cy="1588"/>
-          </a:xfrm>
-          <a:prstGeom prst="straightConnector1">
-            <a:avLst/>
+            <a:off x="6012160" y="2276872"/>
+            <a:ext cx="2088232" cy="648072"/>
+          </a:xfrm>
+          <a:prstGeom prst="bentConnector3">
+            <a:avLst>
+              <a:gd name="adj1" fmla="val 50000"/>
+            </a:avLst>
           </a:prstGeom>
-          <a:ln w="19050">
+          <a:ln w="28575">
             <a:solidFill>
               <a:schemeClr val="tx1"/>
             </a:solidFill>
-            <a:tailEnd type="arrow"/>
+            <a:tailEnd type="none"/>
           </a:ln>
         </p:spPr>
         <p:style>
@@ -19390,162 +20329,19 @@
       </p:cxnSp>
       <p:cxnSp>
         <p:nvCxnSpPr>
-          <p:cNvPr id="198" name="מחבר חץ ישר 197"/>
+          <p:cNvPr id="254" name="Straight Connector 253"/>
           <p:cNvCxnSpPr/>
           <p:nvPr/>
         </p:nvCxnSpPr>
         <p:spPr>
           <a:xfrm>
-            <a:off x="7072330" y="3357562"/>
-            <a:ext cx="1080000" cy="1588"/>
-          </a:xfrm>
-          <a:prstGeom prst="straightConnector1">
-            <a:avLst/>
-          </a:prstGeom>
-          <a:ln w="19050">
-            <a:solidFill>
-              <a:schemeClr val="tx1"/>
-            </a:solidFill>
-            <a:tailEnd type="arrow"/>
-          </a:ln>
-        </p:spPr>
-        <p:style>
-          <a:lnRef idx="1">
-            <a:schemeClr val="accent1"/>
-          </a:lnRef>
-          <a:fillRef idx="0">
-            <a:schemeClr val="accent1"/>
-          </a:fillRef>
-          <a:effectRef idx="0">
-            <a:schemeClr val="accent1"/>
-          </a:effectRef>
-          <a:fontRef idx="minor">
-            <a:schemeClr val="tx1"/>
-          </a:fontRef>
-        </p:style>
-      </p:cxnSp>
-      <p:sp>
-        <p:nvSpPr>
-          <p:cNvPr id="201" name="TextBox 200"/>
-          <p:cNvSpPr txBox="1"/>
-          <p:nvPr/>
-        </p:nvSpPr>
-        <p:spPr>
-          <a:xfrm>
-            <a:off x="8072462" y="2895897"/>
-            <a:ext cx="714380" cy="461665"/>
-          </a:xfrm>
-          <a:prstGeom prst="rect">
-            <a:avLst/>
-          </a:prstGeom>
-          <a:noFill/>
-        </p:spPr>
-        <p:txBody>
-          <a:bodyPr wrap="square" rtlCol="1">
-            <a:spAutoFit/>
-          </a:bodyPr>
-          <a:lstStyle/>
-          <a:p>
-            <a:pPr algn="ctr"/>
-            <a:r>
-              <a:rPr lang="en-US" sz="1200" dirty="0" err="1" smtClean="0"/>
-              <a:t>Clk</a:t>
-            </a:r>
-            <a:r>
-              <a:rPr lang="en-US" sz="1200" dirty="0" smtClean="0"/>
-              <a:t> to start</a:t>
-            </a:r>
-          </a:p>
-        </p:txBody>
-      </p:sp>
-      <p:sp>
-        <p:nvSpPr>
-          <p:cNvPr id="86" name="TextBox 85"/>
-          <p:cNvSpPr txBox="1"/>
-          <p:nvPr/>
-        </p:nvSpPr>
-        <p:spPr>
-          <a:xfrm>
-            <a:off x="5364088" y="3543399"/>
-            <a:ext cx="714380" cy="461665"/>
-          </a:xfrm>
-          <a:prstGeom prst="rect">
-            <a:avLst/>
-          </a:prstGeom>
-          <a:noFill/>
-        </p:spPr>
-        <p:txBody>
-          <a:bodyPr wrap="square" rtlCol="1">
-            <a:spAutoFit/>
-          </a:bodyPr>
-          <a:lstStyle/>
-          <a:p>
-            <a:pPr algn="ctr"/>
-            <a:r>
-              <a:rPr lang="en-US" sz="1200" dirty="0" smtClean="0"/>
-              <a:t>System</a:t>
-            </a:r>
-          </a:p>
-          <a:p>
-            <a:pPr algn="ctr"/>
-            <a:r>
-              <a:rPr lang="en-US" sz="1200" dirty="0" smtClean="0"/>
-              <a:t>Status</a:t>
-            </a:r>
-            <a:endParaRPr lang="he-IL" dirty="0"/>
-          </a:p>
-        </p:txBody>
-      </p:sp>
-      <p:sp>
-        <p:nvSpPr>
-          <p:cNvPr id="87" name="TextBox 86"/>
-          <p:cNvSpPr txBox="1"/>
-          <p:nvPr/>
-        </p:nvSpPr>
-        <p:spPr>
-          <a:xfrm>
-            <a:off x="5009748" y="4869160"/>
-            <a:ext cx="714380" cy="461665"/>
-          </a:xfrm>
-          <a:prstGeom prst="rect">
-            <a:avLst/>
-          </a:prstGeom>
-          <a:noFill/>
-        </p:spPr>
-        <p:txBody>
-          <a:bodyPr wrap="square" rtlCol="1">
-            <a:spAutoFit/>
-          </a:bodyPr>
-          <a:lstStyle/>
-          <a:p>
-            <a:pPr algn="ctr"/>
-            <a:r>
-              <a:rPr lang="en-US" sz="1200" dirty="0" err="1" smtClean="0"/>
-              <a:t>Addres</a:t>
-            </a:r>
-            <a:r>
-              <a:rPr lang="en-US" sz="1200" dirty="0" smtClean="0"/>
-              <a:t> out</a:t>
-            </a:r>
-            <a:endParaRPr lang="he-IL" dirty="0"/>
-          </a:p>
-        </p:txBody>
-      </p:sp>
-      <p:cxnSp>
-        <p:nvCxnSpPr>
-          <p:cNvPr id="91" name="מחבר ישר 90"/>
-          <p:cNvCxnSpPr/>
-          <p:nvPr/>
-        </p:nvCxnSpPr>
-        <p:spPr>
-          <a:xfrm>
-            <a:off x="971832" y="3931468"/>
-            <a:ext cx="4464000" cy="1588"/>
+            <a:off x="5976368" y="2060848"/>
+            <a:ext cx="2160000" cy="0"/>
           </a:xfrm>
           <a:prstGeom prst="line">
             <a:avLst/>
           </a:prstGeom>
-          <a:ln w="19050">
+          <a:ln w="28575">
             <a:solidFill>
               <a:schemeClr val="tx1"/>
             </a:solidFill>
@@ -19567,290 +20363,6 @@
           </a:fontRef>
         </p:style>
       </p:cxnSp>
-      <p:cxnSp>
-        <p:nvCxnSpPr>
-          <p:cNvPr id="94" name="Shape 93"/>
-          <p:cNvCxnSpPr>
-            <a:stCxn id="61" idx="0"/>
-          </p:cNvCxnSpPr>
-          <p:nvPr/>
-        </p:nvCxnSpPr>
-        <p:spPr>
-          <a:xfrm rot="5400000">
-            <a:off x="1999282" y="808593"/>
-            <a:ext cx="512606" cy="1703873"/>
-          </a:xfrm>
-          <a:prstGeom prst="bentConnector2">
-            <a:avLst/>
-          </a:prstGeom>
-          <a:ln w="19050">
-            <a:solidFill>
-              <a:schemeClr val="tx1"/>
-            </a:solidFill>
-            <a:tailEnd type="none"/>
-          </a:ln>
-        </p:spPr>
-        <p:style>
-          <a:lnRef idx="1">
-            <a:schemeClr val="accent1"/>
-          </a:lnRef>
-          <a:fillRef idx="0">
-            <a:schemeClr val="accent1"/>
-          </a:fillRef>
-          <a:effectRef idx="0">
-            <a:schemeClr val="accent1"/>
-          </a:effectRef>
-          <a:fontRef idx="minor">
-            <a:schemeClr val="tx1"/>
-          </a:fontRef>
-        </p:style>
-      </p:cxnSp>
-      <p:cxnSp>
-        <p:nvCxnSpPr>
-          <p:cNvPr id="95" name="מחבר ישר 94"/>
-          <p:cNvCxnSpPr/>
-          <p:nvPr/>
-        </p:nvCxnSpPr>
-        <p:spPr>
-          <a:xfrm rot="5400000">
-            <a:off x="1116442" y="2204038"/>
-            <a:ext cx="576000" cy="1588"/>
-          </a:xfrm>
-          <a:prstGeom prst="line">
-            <a:avLst/>
-          </a:prstGeom>
-          <a:ln w="19050">
-            <a:solidFill>
-              <a:schemeClr val="tx1"/>
-            </a:solidFill>
-            <a:tailEnd type="none"/>
-          </a:ln>
-        </p:spPr>
-        <p:style>
-          <a:lnRef idx="1">
-            <a:schemeClr val="accent1"/>
-          </a:lnRef>
-          <a:fillRef idx="0">
-            <a:schemeClr val="accent1"/>
-          </a:fillRef>
-          <a:effectRef idx="0">
-            <a:schemeClr val="accent1"/>
-          </a:effectRef>
-          <a:fontRef idx="minor">
-            <a:schemeClr val="tx1"/>
-          </a:fontRef>
-        </p:style>
-      </p:cxnSp>
-      <p:cxnSp>
-        <p:nvCxnSpPr>
-          <p:cNvPr id="82" name="מחבר מרפקי 81"/>
-          <p:cNvCxnSpPr>
-            <a:stCxn id="53" idx="2"/>
-          </p:cNvCxnSpPr>
-          <p:nvPr/>
-        </p:nvCxnSpPr>
-        <p:spPr>
-          <a:xfrm rot="5400000">
-            <a:off x="4356967" y="3574306"/>
-            <a:ext cx="1005832" cy="143717"/>
-          </a:xfrm>
-          <a:prstGeom prst="bentConnector3">
-            <a:avLst>
-              <a:gd name="adj1" fmla="val 50000"/>
-            </a:avLst>
-          </a:prstGeom>
-          <a:ln w="19050">
-            <a:solidFill>
-              <a:schemeClr val="tx1"/>
-            </a:solidFill>
-            <a:tailEnd type="arrow"/>
-          </a:ln>
-        </p:spPr>
-        <p:style>
-          <a:lnRef idx="1">
-            <a:schemeClr val="accent1"/>
-          </a:lnRef>
-          <a:fillRef idx="0">
-            <a:schemeClr val="accent1"/>
-          </a:fillRef>
-          <a:effectRef idx="0">
-            <a:schemeClr val="accent1"/>
-          </a:effectRef>
-          <a:fontRef idx="minor">
-            <a:schemeClr val="tx1"/>
-          </a:fontRef>
-        </p:style>
-      </p:cxnSp>
-      <p:cxnSp>
-        <p:nvCxnSpPr>
-          <p:cNvPr id="83" name="מחבר מרפקי 82"/>
-          <p:cNvCxnSpPr/>
-          <p:nvPr/>
-        </p:nvCxnSpPr>
-        <p:spPr>
-          <a:xfrm rot="5400000" flipH="1" flipV="1">
-            <a:off x="4320778" y="4040302"/>
-            <a:ext cx="216000" cy="1588"/>
-          </a:xfrm>
-          <a:prstGeom prst="bentConnector3">
-            <a:avLst>
-              <a:gd name="adj1" fmla="val 50000"/>
-            </a:avLst>
-          </a:prstGeom>
-          <a:ln w="19050">
-            <a:solidFill>
-              <a:schemeClr val="tx1"/>
-            </a:solidFill>
-            <a:headEnd type="arrow"/>
-            <a:tailEnd type="none"/>
-          </a:ln>
-        </p:spPr>
-        <p:style>
-          <a:lnRef idx="1">
-            <a:schemeClr val="accent1"/>
-          </a:lnRef>
-          <a:fillRef idx="0">
-            <a:schemeClr val="accent1"/>
-          </a:fillRef>
-          <a:effectRef idx="0">
-            <a:schemeClr val="accent1"/>
-          </a:effectRef>
-          <a:fontRef idx="minor">
-            <a:schemeClr val="tx1"/>
-          </a:fontRef>
-        </p:style>
-      </p:cxnSp>
-      <p:cxnSp>
-        <p:nvCxnSpPr>
-          <p:cNvPr id="90" name="מחבר ישר 89"/>
-          <p:cNvCxnSpPr/>
-          <p:nvPr/>
-        </p:nvCxnSpPr>
-        <p:spPr>
-          <a:xfrm>
-            <a:off x="4608000" y="4509120"/>
-            <a:ext cx="0" cy="504000"/>
-          </a:xfrm>
-          <a:prstGeom prst="line">
-            <a:avLst/>
-          </a:prstGeom>
-          <a:ln w="19050">
-            <a:solidFill>
-              <a:schemeClr val="tx1"/>
-            </a:solidFill>
-            <a:headEnd type="none"/>
-            <a:tailEnd type="arrow"/>
-          </a:ln>
-        </p:spPr>
-        <p:style>
-          <a:lnRef idx="1">
-            <a:schemeClr val="accent1"/>
-          </a:lnRef>
-          <a:fillRef idx="0">
-            <a:schemeClr val="accent1"/>
-          </a:fillRef>
-          <a:effectRef idx="0">
-            <a:schemeClr val="accent1"/>
-          </a:effectRef>
-          <a:fontRef idx="minor">
-            <a:schemeClr val="tx1"/>
-          </a:fontRef>
-        </p:style>
-      </p:cxnSp>
-      <p:grpSp>
-        <p:nvGrpSpPr>
-          <p:cNvPr id="96" name="קבוצה 95"/>
-          <p:cNvGrpSpPr/>
-          <p:nvPr/>
-        </p:nvGrpSpPr>
-        <p:grpSpPr>
-          <a:xfrm>
-            <a:off x="4355976" y="4149080"/>
-            <a:ext cx="504056" cy="360040"/>
-            <a:chOff x="4355976" y="4149080"/>
-            <a:chExt cx="504056" cy="360040"/>
-          </a:xfrm>
-        </p:grpSpPr>
-        <p:sp>
-          <p:nvSpPr>
-            <p:cNvPr id="92" name="מלבן עם פינות חתוכות באותו צד 91"/>
-            <p:cNvSpPr/>
-            <p:nvPr/>
-          </p:nvSpPr>
-          <p:spPr>
-            <a:xfrm rot="10800000">
-              <a:off x="4355976" y="4149080"/>
-              <a:ext cx="504056" cy="360040"/>
-            </a:xfrm>
-            <a:prstGeom prst="snip2SameRect">
-              <a:avLst/>
-            </a:prstGeom>
-            <a:noFill/>
-            <a:ln>
-              <a:solidFill>
-                <a:schemeClr val="tx1"/>
-              </a:solidFill>
-            </a:ln>
-          </p:spPr>
-          <p:style>
-            <a:lnRef idx="2">
-              <a:schemeClr val="accent1">
-                <a:shade val="50000"/>
-              </a:schemeClr>
-            </a:lnRef>
-            <a:fillRef idx="1">
-              <a:schemeClr val="accent1"/>
-            </a:fillRef>
-            <a:effectRef idx="0">
-              <a:schemeClr val="accent1"/>
-            </a:effectRef>
-            <a:fontRef idx="minor">
-              <a:schemeClr val="lt1"/>
-            </a:fontRef>
-          </p:style>
-          <p:txBody>
-            <a:bodyPr rtlCol="1" anchor="ctr"/>
-            <a:lstStyle/>
-            <a:p>
-              <a:pPr algn="ctr"/>
-              <a:endParaRPr lang="he-IL" dirty="0">
-                <a:noFill/>
-              </a:endParaRPr>
-            </a:p>
-          </p:txBody>
-        </p:sp>
-        <p:sp>
-          <p:nvSpPr>
-            <p:cNvPr id="93" name="TextBox 92"/>
-            <p:cNvSpPr txBox="1"/>
-            <p:nvPr/>
-          </p:nvSpPr>
-          <p:spPr>
-            <a:xfrm>
-              <a:off x="4355976" y="4175502"/>
-              <a:ext cx="504056" cy="261610"/>
-            </a:xfrm>
-            <a:prstGeom prst="rect">
-              <a:avLst/>
-            </a:prstGeom>
-            <a:noFill/>
-          </p:spPr>
-          <p:txBody>
-            <a:bodyPr wrap="square" rtlCol="1">
-              <a:spAutoFit/>
-            </a:bodyPr>
-            <a:lstStyle/>
-            <a:p>
-              <a:pPr algn="ctr"/>
-              <a:r>
-                <a:rPr lang="en-US" sz="1100" dirty="0" smtClean="0"/>
-                <a:t>AND</a:t>
-              </a:r>
-              <a:endParaRPr lang="he-IL" sz="1100" dirty="0"/>
-            </a:p>
-          </p:txBody>
-        </p:sp>
-      </p:grpSp>
     </p:spTree>
   </p:cSld>
   <p:clrMapOvr>
@@ -20140,7 +20652,7 @@
   <a:objectDefaults>
     <a:lnDef>
       <a:spPr>
-        <a:ln w="19050">
+        <a:ln w="28575">
           <a:solidFill>
             <a:schemeClr val="tx1"/>
           </a:solidFill>

--- a/core/Regesters Diagram.pptx
+++ b/core/Regesters Diagram.pptx
@@ -9669,9 +9669,9 @@
         <p:grpSpPr>
           <a:xfrm>
             <a:off x="251520" y="5373216"/>
-            <a:ext cx="709820" cy="431031"/>
+            <a:ext cx="709820" cy="461665"/>
             <a:chOff x="75966" y="1069143"/>
-            <a:chExt cx="709820" cy="431031"/>
+            <a:chExt cx="709820" cy="461665"/>
           </a:xfrm>
         </p:grpSpPr>
         <p:cxnSp>
@@ -9719,7 +9719,7 @@
           <p:spPr>
             <a:xfrm>
               <a:off x="75966" y="1069143"/>
-              <a:ext cx="638382" cy="415498"/>
+              <a:ext cx="638382" cy="461665"/>
             </a:xfrm>
             <a:prstGeom prst="rect">
               <a:avLst/>
@@ -9734,10 +9734,18 @@
             <a:p>
               <a:pPr algn="ctr"/>
               <a:r>
-                <a:rPr lang="en-US" sz="1050" dirty="0" smtClean="0"/>
-                <a:t>Din valid</a:t>
+                <a:rPr lang="en-US" sz="1200" dirty="0" err="1" smtClean="0"/>
+                <a:t>aout</a:t>
               </a:r>
-              <a:endParaRPr lang="he-IL" sz="1050" dirty="0"/>
+              <a:r>
+                <a:rPr lang="en-US" sz="1200" dirty="0" smtClean="0"/>
+                <a:t> </a:t>
+              </a:r>
+              <a:r>
+                <a:rPr lang="en-US" sz="1200" dirty="0" smtClean="0"/>
+                <a:t>valid</a:t>
+              </a:r>
+              <a:endParaRPr lang="he-IL" sz="1200" dirty="0"/>
             </a:p>
           </p:txBody>
         </p:sp>
@@ -12315,8 +12323,43 @@
         </p:nvSpPr>
         <p:spPr>
           <a:xfrm>
-            <a:off x="8244408" y="3212976"/>
-            <a:ext cx="792088" cy="276999"/>
+            <a:off x="8244408" y="3224009"/>
+            <a:ext cx="864096" cy="276999"/>
+          </a:xfrm>
+          <a:prstGeom prst="rect">
+            <a:avLst/>
+          </a:prstGeom>
+          <a:noFill/>
+        </p:spPr>
+        <p:txBody>
+          <a:bodyPr wrap="square" rtlCol="1">
+            <a:spAutoFit/>
+          </a:bodyPr>
+          <a:lstStyle/>
+          <a:p>
+            <a:pPr algn="ctr"/>
+            <a:r>
+              <a:rPr lang="en-US" sz="1200" dirty="0" err="1" smtClean="0"/>
+              <a:t>dout</a:t>
+            </a:r>
+            <a:r>
+              <a:rPr lang="en-US" sz="1200" dirty="0" smtClean="0"/>
+              <a:t> valid</a:t>
+            </a:r>
+            <a:endParaRPr lang="he-IL" sz="1200" dirty="0"/>
+          </a:p>
+        </p:txBody>
+      </p:sp>
+      <p:sp>
+        <p:nvSpPr>
+          <p:cNvPr id="144" name="TextBox 143"/>
+          <p:cNvSpPr txBox="1"/>
+          <p:nvPr/>
+        </p:nvSpPr>
+        <p:spPr>
+          <a:xfrm>
+            <a:off x="8244408" y="2204864"/>
+            <a:ext cx="792088" cy="461665"/>
           </a:xfrm>
           <a:prstGeom prst="rect">
             <a:avLst/>
@@ -12332,38 +12375,11 @@
             <a:pPr algn="ctr"/>
             <a:r>
               <a:rPr lang="en-US" sz="1200" dirty="0" smtClean="0"/>
-              <a:t>Out valid</a:t>
+              <a:t>Data </a:t>
             </a:r>
-            <a:endParaRPr lang="he-IL" sz="1200" dirty="0"/>
-          </a:p>
-        </p:txBody>
-      </p:sp>
-      <p:sp>
-        <p:nvSpPr>
-          <p:cNvPr id="144" name="TextBox 143"/>
-          <p:cNvSpPr txBox="1"/>
-          <p:nvPr/>
-        </p:nvSpPr>
-        <p:spPr>
-          <a:xfrm>
-            <a:off x="8244408" y="2287905"/>
-            <a:ext cx="792088" cy="276999"/>
-          </a:xfrm>
-          <a:prstGeom prst="rect">
-            <a:avLst/>
-          </a:prstGeom>
-          <a:noFill/>
-        </p:spPr>
-        <p:txBody>
-          <a:bodyPr wrap="square" rtlCol="1">
-            <a:spAutoFit/>
-          </a:bodyPr>
-          <a:lstStyle/>
-          <a:p>
-            <a:pPr algn="ctr"/>
             <a:r>
               <a:rPr lang="en-US" sz="1200" dirty="0" smtClean="0"/>
-              <a:t>Data out</a:t>
+              <a:t>in RC</a:t>
             </a:r>
             <a:endParaRPr lang="he-IL" sz="1200" dirty="0"/>
           </a:p>
@@ -12623,6 +12639,88 @@
           </a:fontRef>
         </p:style>
       </p:cxnSp>
+      <p:grpSp>
+        <p:nvGrpSpPr>
+          <p:cNvPr id="100" name="קבוצה 11"/>
+          <p:cNvGrpSpPr/>
+          <p:nvPr/>
+        </p:nvGrpSpPr>
+        <p:grpSpPr>
+          <a:xfrm>
+            <a:off x="179512" y="6032321"/>
+            <a:ext cx="792088" cy="318373"/>
+            <a:chOff x="3958" y="1181801"/>
+            <a:chExt cx="792088" cy="318373"/>
+          </a:xfrm>
+        </p:grpSpPr>
+        <p:cxnSp>
+          <p:nvCxnSpPr>
+            <p:cNvPr id="101" name="מחבר חץ ישר 12"/>
+            <p:cNvCxnSpPr/>
+            <p:nvPr/>
+          </p:nvCxnSpPr>
+          <p:spPr>
+            <a:xfrm>
+              <a:off x="142844" y="1498586"/>
+              <a:ext cx="642942" cy="1588"/>
+            </a:xfrm>
+            <a:prstGeom prst="straightConnector1">
+              <a:avLst/>
+            </a:prstGeom>
+            <a:ln w="19050">
+              <a:solidFill>
+                <a:schemeClr val="tx1"/>
+              </a:solidFill>
+              <a:tailEnd type="arrow"/>
+            </a:ln>
+          </p:spPr>
+          <p:style>
+            <a:lnRef idx="1">
+              <a:schemeClr val="accent1"/>
+            </a:lnRef>
+            <a:fillRef idx="0">
+              <a:schemeClr val="accent1"/>
+            </a:fillRef>
+            <a:effectRef idx="0">
+              <a:schemeClr val="accent1"/>
+            </a:effectRef>
+            <a:fontRef idx="minor">
+              <a:schemeClr val="tx1"/>
+            </a:fontRef>
+          </p:style>
+        </p:cxnSp>
+        <p:sp>
+          <p:nvSpPr>
+            <p:cNvPr id="102" name="TextBox 101"/>
+            <p:cNvSpPr txBox="1"/>
+            <p:nvPr/>
+          </p:nvSpPr>
+          <p:spPr>
+            <a:xfrm>
+              <a:off x="3958" y="1181801"/>
+              <a:ext cx="792088" cy="276999"/>
+            </a:xfrm>
+            <a:prstGeom prst="rect">
+              <a:avLst/>
+            </a:prstGeom>
+            <a:noFill/>
+          </p:spPr>
+          <p:txBody>
+            <a:bodyPr wrap="square" rtlCol="1">
+              <a:spAutoFit/>
+            </a:bodyPr>
+            <a:lstStyle/>
+            <a:p>
+              <a:pPr algn="ctr"/>
+              <a:r>
+                <a:rPr lang="en-US" sz="1200" dirty="0" smtClean="0"/>
+                <a:t>Generics</a:t>
+              </a:r>
+              <a:endParaRPr lang="he-IL" sz="1200" dirty="0"/>
+            </a:p>
+          </p:txBody>
+        </p:sp>
+      </p:grpSp>
     </p:spTree>
   </p:cSld>
   <p:clrMapOvr>
@@ -14745,7 +14843,7 @@
         </p:nvSpPr>
         <p:spPr>
           <a:xfrm>
-            <a:off x="785786" y="0"/>
+            <a:off x="814856" y="188640"/>
             <a:ext cx="7429552" cy="6357982"/>
           </a:xfrm>
           <a:prstGeom prst="rect">
@@ -14791,7 +14889,7 @@
         </p:nvCxnSpPr>
         <p:spPr>
           <a:xfrm>
-            <a:off x="8215338" y="5643578"/>
+            <a:off x="8215338" y="5630400"/>
             <a:ext cx="857256" cy="1588"/>
           </a:xfrm>
           <a:prstGeom prst="straightConnector1">
@@ -14802,42 +14900,6 @@
               <a:schemeClr val="tx1"/>
             </a:solidFill>
             <a:tailEnd type="arrow"/>
-          </a:ln>
-        </p:spPr>
-        <p:style>
-          <a:lnRef idx="1">
-            <a:schemeClr val="accent1"/>
-          </a:lnRef>
-          <a:fillRef idx="0">
-            <a:schemeClr val="accent1"/>
-          </a:fillRef>
-          <a:effectRef idx="0">
-            <a:schemeClr val="accent1"/>
-          </a:effectRef>
-          <a:fontRef idx="minor">
-            <a:schemeClr val="tx1"/>
-          </a:fontRef>
-        </p:style>
-      </p:cxnSp>
-      <p:cxnSp>
-        <p:nvCxnSpPr>
-          <p:cNvPr id="34" name="מחבר ישר 33"/>
-          <p:cNvCxnSpPr/>
-          <p:nvPr/>
-        </p:nvCxnSpPr>
-        <p:spPr>
-          <a:xfrm rot="5400000" flipH="1" flipV="1">
-            <a:off x="8501090" y="5544000"/>
-            <a:ext cx="214314" cy="214314"/>
-          </a:xfrm>
-          <a:prstGeom prst="line">
-            <a:avLst/>
-          </a:prstGeom>
-          <a:ln w="19050">
-            <a:solidFill>
-              <a:schemeClr val="tx1"/>
-            </a:solidFill>
-            <a:tailEnd type="none"/>
           </a:ln>
         </p:spPr>
         <p:style>
@@ -15317,42 +15379,6 @@
       </p:grpSp>
       <p:cxnSp>
         <p:nvCxnSpPr>
-          <p:cNvPr id="65" name="מחבר חץ ישר 64"/>
-          <p:cNvCxnSpPr/>
-          <p:nvPr/>
-        </p:nvCxnSpPr>
-        <p:spPr>
-          <a:xfrm>
-            <a:off x="142844" y="5643578"/>
-            <a:ext cx="642942" cy="1588"/>
-          </a:xfrm>
-          <a:prstGeom prst="straightConnector1">
-            <a:avLst/>
-          </a:prstGeom>
-          <a:ln w="19050">
-            <a:solidFill>
-              <a:schemeClr val="tx1"/>
-            </a:solidFill>
-            <a:tailEnd type="arrow"/>
-          </a:ln>
-        </p:spPr>
-        <p:style>
-          <a:lnRef idx="1">
-            <a:schemeClr val="accent1"/>
-          </a:lnRef>
-          <a:fillRef idx="0">
-            <a:schemeClr val="accent1"/>
-          </a:fillRef>
-          <a:effectRef idx="0">
-            <a:schemeClr val="accent1"/>
-          </a:effectRef>
-          <a:fontRef idx="minor">
-            <a:schemeClr val="tx1"/>
-          </a:fontRef>
-        </p:style>
-      </p:cxnSp>
-      <p:cxnSp>
-        <p:nvCxnSpPr>
           <p:cNvPr id="67" name="מחבר חץ ישר 66"/>
           <p:cNvCxnSpPr/>
           <p:nvPr/>
@@ -15624,14 +15650,7 @@
               <a:pPr algn="ctr"/>
               <a:r>
                 <a:rPr lang="en-US" sz="1000" dirty="0" smtClean="0"/>
-                <a:t>System</a:t>
-              </a:r>
-            </a:p>
-            <a:p>
-              <a:pPr algn="ctr"/>
-              <a:r>
-                <a:rPr lang="en-US" sz="1000" dirty="0" smtClean="0"/>
-                <a:t>status</a:t>
+                <a:t>Trigger found</a:t>
               </a:r>
               <a:endParaRPr lang="he-IL" sz="1000" dirty="0"/>
             </a:p>
@@ -15676,41 +15695,88 @@
           </a:p>
         </p:txBody>
       </p:sp>
-      <p:sp>
-        <p:nvSpPr>
-          <p:cNvPr id="75" name="TextBox 74"/>
-          <p:cNvSpPr txBox="1"/>
+      <p:grpSp>
+        <p:nvGrpSpPr>
+          <p:cNvPr id="109" name="Group 108"/>
+          <p:cNvGrpSpPr/>
           <p:nvPr/>
-        </p:nvSpPr>
-        <p:spPr>
+        </p:nvGrpSpPr>
+        <p:grpSpPr>
           <a:xfrm>
-            <a:off x="142844" y="5228080"/>
-            <a:ext cx="714380" cy="415498"/>
-          </a:xfrm>
-          <a:prstGeom prst="rect">
-            <a:avLst/>
-          </a:prstGeom>
-          <a:noFill/>
-        </p:spPr>
-        <p:txBody>
-          <a:bodyPr wrap="square" rtlCol="1">
-            <a:spAutoFit/>
-          </a:bodyPr>
-          <a:lstStyle/>
-          <a:p>
-            <a:pPr algn="ctr"/>
-            <a:r>
-              <a:rPr lang="en-US" sz="1050" dirty="0" smtClean="0"/>
-              <a:t>RAM to </a:t>
-            </a:r>
-            <a:r>
-              <a:rPr lang="en-US" sz="1050" dirty="0" err="1" smtClean="0"/>
-              <a:t>rc</a:t>
-            </a:r>
-            <a:endParaRPr lang="he-IL" sz="1050" dirty="0"/>
-          </a:p>
-        </p:txBody>
-      </p:sp>
+            <a:off x="142844" y="4525202"/>
+            <a:ext cx="714380" cy="487974"/>
+            <a:chOff x="142844" y="5157192"/>
+            <a:chExt cx="714380" cy="487974"/>
+          </a:xfrm>
+        </p:grpSpPr>
+        <p:cxnSp>
+          <p:nvCxnSpPr>
+            <p:cNvPr id="65" name="מחבר חץ ישר 64"/>
+            <p:cNvCxnSpPr/>
+            <p:nvPr/>
+          </p:nvCxnSpPr>
+          <p:spPr>
+            <a:xfrm>
+              <a:off x="184642" y="5643578"/>
+              <a:ext cx="642942" cy="1588"/>
+            </a:xfrm>
+            <a:prstGeom prst="straightConnector1">
+              <a:avLst/>
+            </a:prstGeom>
+            <a:ln w="19050">
+              <a:solidFill>
+                <a:schemeClr val="tx1"/>
+              </a:solidFill>
+              <a:tailEnd type="arrow"/>
+            </a:ln>
+          </p:spPr>
+          <p:style>
+            <a:lnRef idx="1">
+              <a:schemeClr val="accent1"/>
+            </a:lnRef>
+            <a:fillRef idx="0">
+              <a:schemeClr val="accent1"/>
+            </a:fillRef>
+            <a:effectRef idx="0">
+              <a:schemeClr val="accent1"/>
+            </a:effectRef>
+            <a:fontRef idx="minor">
+              <a:schemeClr val="tx1"/>
+            </a:fontRef>
+          </p:style>
+        </p:cxnSp>
+        <p:sp>
+          <p:nvSpPr>
+            <p:cNvPr id="75" name="TextBox 74"/>
+            <p:cNvSpPr txBox="1"/>
+            <p:nvPr/>
+          </p:nvSpPr>
+          <p:spPr>
+            <a:xfrm>
+              <a:off x="142844" y="5157192"/>
+              <a:ext cx="714380" cy="415498"/>
+            </a:xfrm>
+            <a:prstGeom prst="rect">
+              <a:avLst/>
+            </a:prstGeom>
+            <a:noFill/>
+          </p:spPr>
+          <p:txBody>
+            <a:bodyPr wrap="square" rtlCol="1">
+              <a:spAutoFit/>
+            </a:bodyPr>
+            <a:lstStyle/>
+            <a:p>
+              <a:pPr algn="ctr"/>
+              <a:r>
+                <a:rPr lang="en-US" sz="1050" dirty="0" smtClean="0"/>
+                <a:t>Data in RC</a:t>
+              </a:r>
+              <a:endParaRPr lang="he-IL" sz="1050" dirty="0"/>
+            </a:p>
+          </p:txBody>
+        </p:sp>
+      </p:grpSp>
       <p:grpSp>
         <p:nvGrpSpPr>
           <p:cNvPr id="76" name="קבוצה 75"/>
@@ -16057,8 +16123,8 @@
         </p:nvCxnSpPr>
         <p:spPr>
           <a:xfrm>
-            <a:off x="785786" y="5643578"/>
-            <a:ext cx="2786082" cy="1588"/>
+            <a:off x="2591912" y="5643578"/>
+            <a:ext cx="1188000" cy="1588"/>
           </a:xfrm>
           <a:prstGeom prst="line">
             <a:avLst/>
@@ -16093,8 +16159,8 @@
         </p:nvCxnSpPr>
         <p:spPr>
           <a:xfrm flipV="1">
-            <a:off x="5214942" y="5635637"/>
-            <a:ext cx="3000396" cy="7941"/>
+            <a:off x="5220408" y="5630400"/>
+            <a:ext cx="3024000" cy="7941"/>
           </a:xfrm>
           <a:prstGeom prst="straightConnector1">
             <a:avLst/>
@@ -16121,36 +16187,6 @@
           </a:fontRef>
         </p:style>
       </p:cxnSp>
-      <p:sp>
-        <p:nvSpPr>
-          <p:cNvPr id="91" name="TextBox 90"/>
-          <p:cNvSpPr txBox="1"/>
-          <p:nvPr/>
-        </p:nvSpPr>
-        <p:spPr>
-          <a:xfrm>
-            <a:off x="7215206" y="5357826"/>
-            <a:ext cx="857224" cy="253916"/>
-          </a:xfrm>
-          <a:prstGeom prst="rect">
-            <a:avLst/>
-          </a:prstGeom>
-          <a:noFill/>
-        </p:spPr>
-        <p:txBody>
-          <a:bodyPr wrap="square" rtlCol="1">
-            <a:spAutoFit/>
-          </a:bodyPr>
-          <a:lstStyle/>
-          <a:p>
-            <a:r>
-              <a:rPr lang="en-US" sz="1050" dirty="0" err="1" smtClean="0"/>
-              <a:t>rc_to_WBM</a:t>
-            </a:r>
-            <a:endParaRPr lang="he-IL" sz="1050" dirty="0"/>
-          </a:p>
-        </p:txBody>
-      </p:sp>
       <p:cxnSp>
         <p:nvCxnSpPr>
           <p:cNvPr id="95" name="מחבר ישר 94"/>
@@ -16195,8 +16231,8 @@
         </p:nvCxnSpPr>
         <p:spPr>
           <a:xfrm>
-            <a:off x="6357950" y="2786058"/>
-            <a:ext cx="1857388" cy="1588"/>
+            <a:off x="6336408" y="2790000"/>
+            <a:ext cx="1908000" cy="1588"/>
           </a:xfrm>
           <a:prstGeom prst="straightConnector1">
             <a:avLst/>
@@ -16223,36 +16259,6 @@
           </a:fontRef>
         </p:style>
       </p:cxnSp>
-      <p:sp>
-        <p:nvSpPr>
-          <p:cNvPr id="100" name="TextBox 99"/>
-          <p:cNvSpPr txBox="1"/>
-          <p:nvPr/>
-        </p:nvSpPr>
-        <p:spPr>
-          <a:xfrm>
-            <a:off x="7286644" y="2571744"/>
-            <a:ext cx="857224" cy="253916"/>
-          </a:xfrm>
-          <a:prstGeom prst="rect">
-            <a:avLst/>
-          </a:prstGeom>
-          <a:noFill/>
-        </p:spPr>
-        <p:txBody>
-          <a:bodyPr wrap="square" rtlCol="1">
-            <a:spAutoFit/>
-          </a:bodyPr>
-          <a:lstStyle/>
-          <a:p>
-            <a:r>
-              <a:rPr lang="en-US" sz="1050" dirty="0" err="1" smtClean="0"/>
-              <a:t>rc_to_RAM</a:t>
-            </a:r>
-            <a:endParaRPr lang="he-IL" sz="1050" dirty="0"/>
-          </a:p>
-        </p:txBody>
-      </p:sp>
       <p:cxnSp>
         <p:nvCxnSpPr>
           <p:cNvPr id="102" name="מחבר חץ ישר 101"/>
@@ -16261,7 +16267,7 @@
         </p:nvCxnSpPr>
         <p:spPr>
           <a:xfrm>
-            <a:off x="8215338" y="2786058"/>
+            <a:off x="8250108" y="2790000"/>
             <a:ext cx="714380" cy="1588"/>
           </a:xfrm>
           <a:prstGeom prst="straightConnector1">
@@ -16272,42 +16278,6 @@
               <a:schemeClr val="tx1"/>
             </a:solidFill>
             <a:tailEnd type="arrow"/>
-          </a:ln>
-        </p:spPr>
-        <p:style>
-          <a:lnRef idx="1">
-            <a:schemeClr val="accent1"/>
-          </a:lnRef>
-          <a:fillRef idx="0">
-            <a:schemeClr val="accent1"/>
-          </a:fillRef>
-          <a:effectRef idx="0">
-            <a:schemeClr val="accent1"/>
-          </a:effectRef>
-          <a:fontRef idx="minor">
-            <a:schemeClr val="tx1"/>
-          </a:fontRef>
-        </p:style>
-      </p:cxnSp>
-      <p:cxnSp>
-        <p:nvCxnSpPr>
-          <p:cNvPr id="104" name="מחבר ישר 103"/>
-          <p:cNvCxnSpPr/>
-          <p:nvPr/>
-        </p:nvCxnSpPr>
-        <p:spPr>
-          <a:xfrm rot="5400000">
-            <a:off x="8393933" y="2678901"/>
-            <a:ext cx="285752" cy="214314"/>
-          </a:xfrm>
-          <a:prstGeom prst="line">
-            <a:avLst/>
-          </a:prstGeom>
-          <a:ln w="19050">
-            <a:solidFill>
-              <a:schemeClr val="tx1"/>
-            </a:solidFill>
-            <a:tailEnd type="none"/>
           </a:ln>
         </p:spPr>
         <p:style>
@@ -16333,7 +16303,7 @@
         </p:nvSpPr>
         <p:spPr>
           <a:xfrm>
-            <a:off x="8143932" y="2428868"/>
+            <a:off x="8107264" y="2492896"/>
             <a:ext cx="857224" cy="253916"/>
           </a:xfrm>
           <a:prstGeom prst="rect">
@@ -16349,7 +16319,11 @@
           <a:p>
             <a:r>
               <a:rPr lang="en-US" sz="1050" dirty="0" err="1" smtClean="0"/>
-              <a:t>rc_to_RAM</a:t>
+              <a:t>Addr</a:t>
+            </a:r>
+            <a:r>
+              <a:rPr lang="en-US" sz="1050" dirty="0" smtClean="0"/>
+              <a:t> out</a:t>
             </a:r>
             <a:endParaRPr lang="he-IL" sz="1050" dirty="0"/>
           </a:p>
@@ -16375,7 +16349,7 @@
             <a:solidFill>
               <a:schemeClr val="tx1"/>
             </a:solidFill>
-            <a:tailEnd type="none"/>
+            <a:tailEnd type="arrow"/>
           </a:ln>
         </p:spPr>
         <p:style>
@@ -16413,7 +16387,7 @@
             <a:solidFill>
               <a:schemeClr val="tx1"/>
             </a:solidFill>
-            <a:tailEnd type="none"/>
+            <a:tailEnd type="arrow"/>
           </a:ln>
         </p:spPr>
         <p:style>
@@ -16542,377 +16516,16 @@
       <p:cxnSp>
         <p:nvCxnSpPr>
           <p:cNvPr id="141" name="Shape 140"/>
-          <p:cNvCxnSpPr>
-            <a:endCxn id="36" idx="0"/>
-          </p:cNvCxnSpPr>
+          <p:cNvCxnSpPr/>
           <p:nvPr/>
         </p:nvCxnSpPr>
         <p:spPr>
           <a:xfrm>
-            <a:off x="785786" y="1500174"/>
+            <a:off x="611560" y="1500174"/>
             <a:ext cx="2775685" cy="928694"/>
           </a:xfrm>
           <a:prstGeom prst="bentConnector2">
             <a:avLst/>
-          </a:prstGeom>
-          <a:ln w="19050">
-            <a:solidFill>
-              <a:schemeClr val="tx1"/>
-            </a:solidFill>
-            <a:tailEnd type="none"/>
-          </a:ln>
-        </p:spPr>
-        <p:style>
-          <a:lnRef idx="1">
-            <a:schemeClr val="accent1"/>
-          </a:lnRef>
-          <a:fillRef idx="0">
-            <a:schemeClr val="accent1"/>
-          </a:fillRef>
-          <a:effectRef idx="0">
-            <a:schemeClr val="accent1"/>
-          </a:effectRef>
-          <a:fontRef idx="minor">
-            <a:schemeClr val="tx1"/>
-          </a:fontRef>
-        </p:style>
-      </p:cxnSp>
-      <p:cxnSp>
-        <p:nvCxnSpPr>
-          <p:cNvPr id="144" name="מחבר ישר 143"/>
-          <p:cNvCxnSpPr/>
-          <p:nvPr/>
-        </p:nvCxnSpPr>
-        <p:spPr>
-          <a:xfrm rot="5400000">
-            <a:off x="6215074" y="2643182"/>
-            <a:ext cx="285752" cy="285752"/>
-          </a:xfrm>
-          <a:prstGeom prst="line">
-            <a:avLst/>
-          </a:prstGeom>
-          <a:ln w="19050">
-            <a:solidFill>
-              <a:schemeClr val="tx1"/>
-            </a:solidFill>
-            <a:tailEnd type="none"/>
-          </a:ln>
-        </p:spPr>
-        <p:style>
-          <a:lnRef idx="1">
-            <a:schemeClr val="accent1"/>
-          </a:lnRef>
-          <a:fillRef idx="0">
-            <a:schemeClr val="accent1"/>
-          </a:fillRef>
-          <a:effectRef idx="0">
-            <a:schemeClr val="accent1"/>
-          </a:effectRef>
-          <a:fontRef idx="minor">
-            <a:schemeClr val="tx1"/>
-          </a:fontRef>
-        </p:style>
-      </p:cxnSp>
-      <p:cxnSp>
-        <p:nvCxnSpPr>
-          <p:cNvPr id="146" name="מחבר ישר 145"/>
-          <p:cNvCxnSpPr/>
-          <p:nvPr/>
-        </p:nvCxnSpPr>
-        <p:spPr>
-          <a:xfrm rot="5400000">
-            <a:off x="5500694" y="5500702"/>
-            <a:ext cx="285752" cy="285752"/>
-          </a:xfrm>
-          <a:prstGeom prst="line">
-            <a:avLst/>
-          </a:prstGeom>
-          <a:ln w="19050">
-            <a:solidFill>
-              <a:schemeClr val="tx1"/>
-            </a:solidFill>
-            <a:tailEnd type="none"/>
-          </a:ln>
-        </p:spPr>
-        <p:style>
-          <a:lnRef idx="1">
-            <a:schemeClr val="accent1"/>
-          </a:lnRef>
-          <a:fillRef idx="0">
-            <a:schemeClr val="accent1"/>
-          </a:fillRef>
-          <a:effectRef idx="0">
-            <a:schemeClr val="accent1"/>
-          </a:effectRef>
-          <a:fontRef idx="minor">
-            <a:schemeClr val="tx1"/>
-          </a:fontRef>
-        </p:style>
-      </p:cxnSp>
-      <p:cxnSp>
-        <p:nvCxnSpPr>
-          <p:cNvPr id="147" name="מחבר ישר 146"/>
-          <p:cNvCxnSpPr/>
-          <p:nvPr/>
-        </p:nvCxnSpPr>
-        <p:spPr>
-          <a:xfrm rot="5400000">
-            <a:off x="2714612" y="5500702"/>
-            <a:ext cx="285752" cy="285752"/>
-          </a:xfrm>
-          <a:prstGeom prst="line">
-            <a:avLst/>
-          </a:prstGeom>
-          <a:ln w="19050">
-            <a:solidFill>
-              <a:schemeClr val="tx1"/>
-            </a:solidFill>
-            <a:tailEnd type="none"/>
-          </a:ln>
-        </p:spPr>
-        <p:style>
-          <a:lnRef idx="1">
-            <a:schemeClr val="accent1"/>
-          </a:lnRef>
-          <a:fillRef idx="0">
-            <a:schemeClr val="accent1"/>
-          </a:fillRef>
-          <a:effectRef idx="0">
-            <a:schemeClr val="accent1"/>
-          </a:effectRef>
-          <a:fontRef idx="minor">
-            <a:schemeClr val="tx1"/>
-          </a:fontRef>
-        </p:style>
-      </p:cxnSp>
-      <p:cxnSp>
-        <p:nvCxnSpPr>
-          <p:cNvPr id="148" name="מחבר ישר 147"/>
-          <p:cNvCxnSpPr/>
-          <p:nvPr/>
-        </p:nvCxnSpPr>
-        <p:spPr>
-          <a:xfrm rot="5400000">
-            <a:off x="4286248" y="2643182"/>
-            <a:ext cx="285752" cy="285752"/>
-          </a:xfrm>
-          <a:prstGeom prst="line">
-            <a:avLst/>
-          </a:prstGeom>
-          <a:ln w="19050">
-            <a:solidFill>
-              <a:schemeClr val="tx1"/>
-            </a:solidFill>
-            <a:tailEnd type="none"/>
-          </a:ln>
-        </p:spPr>
-        <p:style>
-          <a:lnRef idx="1">
-            <a:schemeClr val="accent1"/>
-          </a:lnRef>
-          <a:fillRef idx="0">
-            <a:schemeClr val="accent1"/>
-          </a:fillRef>
-          <a:effectRef idx="0">
-            <a:schemeClr val="accent1"/>
-          </a:effectRef>
-          <a:fontRef idx="minor">
-            <a:schemeClr val="tx1"/>
-          </a:fontRef>
-        </p:style>
-      </p:cxnSp>
-      <p:sp>
-        <p:nvSpPr>
-          <p:cNvPr id="149" name="TextBox 148"/>
-          <p:cNvSpPr txBox="1"/>
-          <p:nvPr/>
-        </p:nvSpPr>
-        <p:spPr>
-          <a:xfrm>
-            <a:off x="3786182" y="2468399"/>
-            <a:ext cx="1285884" cy="246221"/>
-          </a:xfrm>
-          <a:prstGeom prst="rect">
-            <a:avLst/>
-          </a:prstGeom>
-          <a:noFill/>
-        </p:spPr>
-        <p:txBody>
-          <a:bodyPr wrap="square" rtlCol="1">
-            <a:spAutoFit/>
-          </a:bodyPr>
-          <a:lstStyle/>
-          <a:p>
-            <a:pPr algn="ctr"/>
-            <a:r>
-              <a:rPr lang="en-US" sz="1000" dirty="0" smtClean="0"/>
-              <a:t>2* </a:t>
-            </a:r>
-            <a:r>
-              <a:rPr lang="en-US" sz="1000" dirty="0" err="1" smtClean="0"/>
-              <a:t>Add_width_g</a:t>
-            </a:r>
-            <a:endParaRPr lang="he-IL" dirty="0"/>
-          </a:p>
-        </p:txBody>
-      </p:sp>
-      <p:sp>
-        <p:nvSpPr>
-          <p:cNvPr id="150" name="TextBox 149"/>
-          <p:cNvSpPr txBox="1"/>
-          <p:nvPr/>
-        </p:nvSpPr>
-        <p:spPr>
-          <a:xfrm>
-            <a:off x="6143636" y="2285992"/>
-            <a:ext cx="642942" cy="400110"/>
-          </a:xfrm>
-          <a:prstGeom prst="rect">
-            <a:avLst/>
-          </a:prstGeom>
-          <a:noFill/>
-        </p:spPr>
-        <p:txBody>
-          <a:bodyPr wrap="square" rtlCol="1">
-            <a:spAutoFit/>
-          </a:bodyPr>
-          <a:lstStyle/>
-          <a:p>
-            <a:pPr algn="ctr"/>
-            <a:r>
-              <a:rPr lang="en-US" sz="1000" dirty="0" smtClean="0"/>
-              <a:t>2* Add</a:t>
-            </a:r>
-          </a:p>
-          <a:p>
-            <a:pPr algn="ctr"/>
-            <a:r>
-              <a:rPr lang="en-US" sz="1000" dirty="0" err="1" smtClean="0"/>
-              <a:t>width_g</a:t>
-            </a:r>
-            <a:endParaRPr lang="he-IL" dirty="0"/>
-          </a:p>
-        </p:txBody>
-      </p:sp>
-      <p:sp>
-        <p:nvSpPr>
-          <p:cNvPr id="152" name="TextBox 151"/>
-          <p:cNvSpPr txBox="1"/>
-          <p:nvPr/>
-        </p:nvSpPr>
-        <p:spPr>
-          <a:xfrm>
-            <a:off x="2571736" y="5100592"/>
-            <a:ext cx="785818" cy="400110"/>
-          </a:xfrm>
-          <a:prstGeom prst="rect">
-            <a:avLst/>
-          </a:prstGeom>
-          <a:noFill/>
-        </p:spPr>
-        <p:txBody>
-          <a:bodyPr wrap="square" rtlCol="1">
-            <a:spAutoFit/>
-          </a:bodyPr>
-          <a:lstStyle/>
-          <a:p>
-            <a:r>
-              <a:rPr lang="en-US" sz="1000" dirty="0" err="1" smtClean="0"/>
-              <a:t>Signal_ram_width_g</a:t>
-            </a:r>
-            <a:r>
-              <a:rPr lang="en-US" sz="1000" dirty="0" smtClean="0"/>
-              <a:t>   </a:t>
-            </a:r>
-            <a:endParaRPr lang="en-US" sz="1000" dirty="0"/>
-          </a:p>
-        </p:txBody>
-      </p:sp>
-      <p:cxnSp>
-        <p:nvCxnSpPr>
-          <p:cNvPr id="154" name="מחבר ישר 153"/>
-          <p:cNvCxnSpPr/>
-          <p:nvPr/>
-        </p:nvCxnSpPr>
-        <p:spPr>
-          <a:xfrm rot="5400000" flipH="1" flipV="1">
-            <a:off x="321439" y="2464587"/>
-            <a:ext cx="285752" cy="214314"/>
-          </a:xfrm>
-          <a:prstGeom prst="line">
-            <a:avLst/>
-          </a:prstGeom>
-          <a:ln w="19050">
-            <a:solidFill>
-              <a:schemeClr val="tx1"/>
-            </a:solidFill>
-            <a:tailEnd type="none"/>
-          </a:ln>
-        </p:spPr>
-        <p:style>
-          <a:lnRef idx="1">
-            <a:schemeClr val="accent1"/>
-          </a:lnRef>
-          <a:fillRef idx="0">
-            <a:schemeClr val="accent1"/>
-          </a:fillRef>
-          <a:effectRef idx="0">
-            <a:schemeClr val="accent1"/>
-          </a:effectRef>
-          <a:fontRef idx="minor">
-            <a:schemeClr val="tx1"/>
-          </a:fontRef>
-        </p:style>
-      </p:cxnSp>
-      <p:sp>
-        <p:nvSpPr>
-          <p:cNvPr id="155" name="TextBox 154"/>
-          <p:cNvSpPr txBox="1"/>
-          <p:nvPr/>
-        </p:nvSpPr>
-        <p:spPr>
-          <a:xfrm>
-            <a:off x="5357818" y="5100592"/>
-            <a:ext cx="785818" cy="400110"/>
-          </a:xfrm>
-          <a:prstGeom prst="rect">
-            <a:avLst/>
-          </a:prstGeom>
-          <a:noFill/>
-        </p:spPr>
-        <p:txBody>
-          <a:bodyPr wrap="square" rtlCol="1">
-            <a:spAutoFit/>
-          </a:bodyPr>
-          <a:lstStyle/>
-          <a:p>
-            <a:r>
-              <a:rPr lang="en-US" sz="1000" dirty="0" err="1" smtClean="0"/>
-              <a:t>Signal_ram_width_g</a:t>
-            </a:r>
-            <a:r>
-              <a:rPr lang="en-US" sz="1000" dirty="0" smtClean="0"/>
-              <a:t>   </a:t>
-            </a:r>
-            <a:endParaRPr lang="en-US" sz="1000" dirty="0"/>
-          </a:p>
-        </p:txBody>
-      </p:sp>
-      <p:cxnSp>
-        <p:nvCxnSpPr>
-          <p:cNvPr id="159" name="מחבר מרפקי 158"/>
-          <p:cNvCxnSpPr/>
-          <p:nvPr/>
-        </p:nvCxnSpPr>
-        <p:spPr>
-          <a:xfrm flipV="1">
-            <a:off x="3857620" y="1500174"/>
-            <a:ext cx="4357718" cy="1000132"/>
-          </a:xfrm>
-          <a:prstGeom prst="bentConnector3">
-            <a:avLst>
-              <a:gd name="adj1" fmla="val 50000"/>
-            </a:avLst>
           </a:prstGeom>
           <a:ln w="19050">
             <a:solidFill>
@@ -16944,7 +16557,7 @@
         </p:nvGrpSpPr>
         <p:grpSpPr>
           <a:xfrm>
-            <a:off x="8215338" y="1071546"/>
+            <a:off x="8249538" y="943200"/>
             <a:ext cx="642942" cy="428628"/>
             <a:chOff x="142844" y="1714488"/>
             <a:chExt cx="642942" cy="428628"/>
@@ -17010,15 +16623,12 @@
             <a:p>
               <a:pPr algn="ctr"/>
               <a:r>
-                <a:rPr lang="en-US" sz="1000" dirty="0" smtClean="0"/>
-                <a:t>System</a:t>
+                <a:rPr lang="en-US" sz="1000" dirty="0" err="1" smtClean="0"/>
+                <a:t>Clk</a:t>
               </a:r>
-            </a:p>
-            <a:p>
-              <a:pPr algn="ctr"/>
               <a:r>
                 <a:rPr lang="en-US" sz="1000" dirty="0" smtClean="0"/>
-                <a:t>status</a:t>
+                <a:t> to start</a:t>
               </a:r>
               <a:endParaRPr lang="he-IL" sz="1000" dirty="0"/>
             </a:p>
@@ -17061,6 +16671,1049 @@
           </a:fontRef>
         </p:style>
       </p:cxnSp>
+      <p:grpSp>
+        <p:nvGrpSpPr>
+          <p:cNvPr id="88" name="קבוצה 72"/>
+          <p:cNvGrpSpPr/>
+          <p:nvPr/>
+        </p:nvGrpSpPr>
+        <p:grpSpPr>
+          <a:xfrm>
+            <a:off x="71438" y="2966755"/>
+            <a:ext cx="756146" cy="318229"/>
+            <a:chOff x="29640" y="1824887"/>
+            <a:chExt cx="756146" cy="318229"/>
+          </a:xfrm>
+        </p:grpSpPr>
+        <p:cxnSp>
+          <p:nvCxnSpPr>
+            <p:cNvPr id="90" name="מחבר חץ ישר 65"/>
+            <p:cNvCxnSpPr/>
+            <p:nvPr/>
+          </p:nvCxnSpPr>
+          <p:spPr>
+            <a:xfrm>
+              <a:off x="142844" y="2141528"/>
+              <a:ext cx="642942" cy="1588"/>
+            </a:xfrm>
+            <a:prstGeom prst="straightConnector1">
+              <a:avLst/>
+            </a:prstGeom>
+            <a:ln w="19050">
+              <a:solidFill>
+                <a:schemeClr val="tx1"/>
+              </a:solidFill>
+              <a:tailEnd type="arrow"/>
+            </a:ln>
+          </p:spPr>
+          <p:style>
+            <a:lnRef idx="1">
+              <a:schemeClr val="accent1"/>
+            </a:lnRef>
+            <a:fillRef idx="0">
+              <a:schemeClr val="accent1"/>
+            </a:fillRef>
+            <a:effectRef idx="0">
+              <a:schemeClr val="accent1"/>
+            </a:effectRef>
+            <a:fontRef idx="minor">
+              <a:schemeClr val="tx1"/>
+            </a:fontRef>
+          </p:style>
+        </p:cxnSp>
+        <p:sp>
+          <p:nvSpPr>
+            <p:cNvPr id="92" name="TextBox 91"/>
+            <p:cNvSpPr txBox="1"/>
+            <p:nvPr/>
+          </p:nvSpPr>
+          <p:spPr>
+            <a:xfrm>
+              <a:off x="29640" y="1824887"/>
+              <a:ext cx="756146" cy="246221"/>
+            </a:xfrm>
+            <a:prstGeom prst="rect">
+              <a:avLst/>
+            </a:prstGeom>
+            <a:noFill/>
+          </p:spPr>
+          <p:txBody>
+            <a:bodyPr wrap="square" rtlCol="1">
+              <a:spAutoFit/>
+            </a:bodyPr>
+            <a:lstStyle/>
+            <a:p>
+              <a:pPr algn="ctr"/>
+              <a:r>
+                <a:rPr lang="en-US" sz="1000" dirty="0" smtClean="0"/>
+                <a:t>Generics</a:t>
+              </a:r>
+              <a:endParaRPr lang="he-IL" sz="1000" dirty="0"/>
+            </a:p>
+          </p:txBody>
+        </p:sp>
+      </p:grpSp>
+      <p:grpSp>
+        <p:nvGrpSpPr>
+          <p:cNvPr id="97" name="קבוצה 72"/>
+          <p:cNvGrpSpPr/>
+          <p:nvPr/>
+        </p:nvGrpSpPr>
+        <p:grpSpPr>
+          <a:xfrm>
+            <a:off x="179512" y="3864468"/>
+            <a:ext cx="642942" cy="428628"/>
+            <a:chOff x="142844" y="1714488"/>
+            <a:chExt cx="642942" cy="428628"/>
+          </a:xfrm>
+        </p:grpSpPr>
+        <p:cxnSp>
+          <p:nvCxnSpPr>
+            <p:cNvPr id="98" name="מחבר חץ ישר 65"/>
+            <p:cNvCxnSpPr/>
+            <p:nvPr/>
+          </p:nvCxnSpPr>
+          <p:spPr>
+            <a:xfrm>
+              <a:off x="142844" y="2141528"/>
+              <a:ext cx="642942" cy="1588"/>
+            </a:xfrm>
+            <a:prstGeom prst="straightConnector1">
+              <a:avLst/>
+            </a:prstGeom>
+            <a:ln w="19050">
+              <a:solidFill>
+                <a:schemeClr val="tx1"/>
+              </a:solidFill>
+              <a:tailEnd type="arrow"/>
+            </a:ln>
+          </p:spPr>
+          <p:style>
+            <a:lnRef idx="1">
+              <a:schemeClr val="accent1"/>
+            </a:lnRef>
+            <a:fillRef idx="0">
+              <a:schemeClr val="accent1"/>
+            </a:fillRef>
+            <a:effectRef idx="0">
+              <a:schemeClr val="accent1"/>
+            </a:effectRef>
+            <a:fontRef idx="minor">
+              <a:schemeClr val="tx1"/>
+            </a:fontRef>
+          </p:style>
+        </p:cxnSp>
+        <p:sp>
+          <p:nvSpPr>
+            <p:cNvPr id="101" name="TextBox 100"/>
+            <p:cNvSpPr txBox="1"/>
+            <p:nvPr/>
+          </p:nvSpPr>
+          <p:spPr>
+            <a:xfrm>
+              <a:off x="142844" y="1714488"/>
+              <a:ext cx="571504" cy="400110"/>
+            </a:xfrm>
+            <a:prstGeom prst="rect">
+              <a:avLst/>
+            </a:prstGeom>
+            <a:noFill/>
+          </p:spPr>
+          <p:txBody>
+            <a:bodyPr wrap="square" rtlCol="1">
+              <a:spAutoFit/>
+            </a:bodyPr>
+            <a:lstStyle/>
+            <a:p>
+              <a:pPr algn="ctr"/>
+              <a:r>
+                <a:rPr lang="en-US" sz="1000" dirty="0" err="1" smtClean="0"/>
+                <a:t>Dout</a:t>
+              </a:r>
+              <a:r>
+                <a:rPr lang="en-US" sz="1000" dirty="0" smtClean="0"/>
+                <a:t> valid</a:t>
+              </a:r>
+              <a:endParaRPr lang="he-IL" sz="1000" dirty="0"/>
+            </a:p>
+          </p:txBody>
+        </p:sp>
+      </p:grpSp>
+      <p:grpSp>
+        <p:nvGrpSpPr>
+          <p:cNvPr id="103" name="קבוצה 37"/>
+          <p:cNvGrpSpPr/>
+          <p:nvPr/>
+        </p:nvGrpSpPr>
+        <p:grpSpPr>
+          <a:xfrm>
+            <a:off x="2304000" y="4585688"/>
+            <a:ext cx="714380" cy="571504"/>
+            <a:chOff x="3214678" y="3143248"/>
+            <a:chExt cx="714380" cy="571504"/>
+          </a:xfrm>
+        </p:grpSpPr>
+        <p:sp>
+          <p:nvSpPr>
+            <p:cNvPr id="106" name="מלבן 35"/>
+            <p:cNvSpPr/>
+            <p:nvPr/>
+          </p:nvSpPr>
+          <p:spPr>
+            <a:xfrm>
+              <a:off x="3240000" y="3143248"/>
+              <a:ext cx="642942" cy="571504"/>
+            </a:xfrm>
+            <a:prstGeom prst="rect">
+              <a:avLst/>
+            </a:prstGeom>
+            <a:ln>
+              <a:solidFill>
+                <a:schemeClr val="tx1"/>
+              </a:solidFill>
+            </a:ln>
+          </p:spPr>
+          <p:style>
+            <a:lnRef idx="2">
+              <a:schemeClr val="accent1">
+                <a:shade val="50000"/>
+              </a:schemeClr>
+            </a:lnRef>
+            <a:fillRef idx="1">
+              <a:schemeClr val="accent1"/>
+            </a:fillRef>
+            <a:effectRef idx="0">
+              <a:schemeClr val="accent1"/>
+            </a:effectRef>
+            <a:fontRef idx="minor">
+              <a:schemeClr val="lt1"/>
+            </a:fontRef>
+          </p:style>
+          <p:txBody>
+            <a:bodyPr rtlCol="1" anchor="ctr"/>
+            <a:lstStyle/>
+            <a:p>
+              <a:pPr algn="ctr"/>
+              <a:endParaRPr lang="he-IL"/>
+            </a:p>
+          </p:txBody>
+        </p:sp>
+        <p:sp>
+          <p:nvSpPr>
+            <p:cNvPr id="108" name="TextBox 107"/>
+            <p:cNvSpPr txBox="1"/>
+            <p:nvPr/>
+          </p:nvSpPr>
+          <p:spPr>
+            <a:xfrm>
+              <a:off x="3214678" y="3214686"/>
+              <a:ext cx="714380" cy="400110"/>
+            </a:xfrm>
+            <a:prstGeom prst="rect">
+              <a:avLst/>
+            </a:prstGeom>
+            <a:noFill/>
+          </p:spPr>
+          <p:txBody>
+            <a:bodyPr wrap="square" rtlCol="1">
+              <a:spAutoFit/>
+            </a:bodyPr>
+            <a:lstStyle/>
+            <a:p>
+              <a:pPr algn="ctr"/>
+              <a:r>
+                <a:rPr lang="en-US" sz="2000" dirty="0" smtClean="0"/>
+                <a:t>ALU</a:t>
+              </a:r>
+              <a:endParaRPr lang="he-IL" sz="2000" dirty="0"/>
+            </a:p>
+          </p:txBody>
+        </p:sp>
+      </p:grpSp>
+      <p:cxnSp>
+        <p:nvCxnSpPr>
+          <p:cNvPr id="111" name="Elbow Connector 110"/>
+          <p:cNvCxnSpPr/>
+          <p:nvPr/>
+        </p:nvCxnSpPr>
+        <p:spPr>
+          <a:xfrm>
+            <a:off x="755576" y="4293096"/>
+            <a:ext cx="1584176" cy="432048"/>
+          </a:xfrm>
+          <a:prstGeom prst="bentConnector3">
+            <a:avLst>
+              <a:gd name="adj1" fmla="val 50000"/>
+            </a:avLst>
+          </a:prstGeom>
+          <a:ln w="28575">
+            <a:solidFill>
+              <a:schemeClr val="tx1"/>
+            </a:solidFill>
+            <a:tailEnd type="arrow"/>
+          </a:ln>
+        </p:spPr>
+        <p:style>
+          <a:lnRef idx="1">
+            <a:schemeClr val="accent1"/>
+          </a:lnRef>
+          <a:fillRef idx="0">
+            <a:schemeClr val="accent1"/>
+          </a:fillRef>
+          <a:effectRef idx="0">
+            <a:schemeClr val="accent1"/>
+          </a:effectRef>
+          <a:fontRef idx="minor">
+            <a:schemeClr val="tx1"/>
+          </a:fontRef>
+        </p:style>
+      </p:cxnSp>
+      <p:cxnSp>
+        <p:nvCxnSpPr>
+          <p:cNvPr id="113" name="Straight Arrow Connector 112"/>
+          <p:cNvCxnSpPr/>
+          <p:nvPr/>
+        </p:nvCxnSpPr>
+        <p:spPr>
+          <a:xfrm>
+            <a:off x="827584" y="5013176"/>
+            <a:ext cx="1512168" cy="1588"/>
+          </a:xfrm>
+          <a:prstGeom prst="straightConnector1">
+            <a:avLst/>
+          </a:prstGeom>
+          <a:ln w="28575">
+            <a:solidFill>
+              <a:schemeClr val="tx1"/>
+            </a:solidFill>
+            <a:tailEnd type="arrow"/>
+          </a:ln>
+        </p:spPr>
+        <p:style>
+          <a:lnRef idx="1">
+            <a:schemeClr val="accent1"/>
+          </a:lnRef>
+          <a:fillRef idx="0">
+            <a:schemeClr val="accent1"/>
+          </a:fillRef>
+          <a:effectRef idx="0">
+            <a:schemeClr val="accent1"/>
+          </a:effectRef>
+          <a:fontRef idx="minor">
+            <a:schemeClr val="tx1"/>
+          </a:fontRef>
+        </p:style>
+      </p:cxnSp>
+      <p:cxnSp>
+        <p:nvCxnSpPr>
+          <p:cNvPr id="118" name="Straight Connector 117"/>
+          <p:cNvCxnSpPr/>
+          <p:nvPr/>
+        </p:nvCxnSpPr>
+        <p:spPr>
+          <a:xfrm rot="5400000" flipH="1" flipV="1">
+            <a:off x="2358024" y="5400000"/>
+            <a:ext cx="468000" cy="0"/>
+          </a:xfrm>
+          <a:prstGeom prst="line">
+            <a:avLst/>
+          </a:prstGeom>
+          <a:ln w="28575">
+            <a:solidFill>
+              <a:schemeClr val="tx1"/>
+            </a:solidFill>
+            <a:tailEnd type="none"/>
+          </a:ln>
+        </p:spPr>
+        <p:style>
+          <a:lnRef idx="1">
+            <a:schemeClr val="accent1"/>
+          </a:lnRef>
+          <a:fillRef idx="0">
+            <a:schemeClr val="accent1"/>
+          </a:fillRef>
+          <a:effectRef idx="0">
+            <a:schemeClr val="accent1"/>
+          </a:effectRef>
+          <a:fontRef idx="minor">
+            <a:schemeClr val="tx1"/>
+          </a:fontRef>
+        </p:style>
+      </p:cxnSp>
+      <p:grpSp>
+        <p:nvGrpSpPr>
+          <p:cNvPr id="119" name="קבוצה 51"/>
+          <p:cNvGrpSpPr/>
+          <p:nvPr/>
+        </p:nvGrpSpPr>
+        <p:grpSpPr>
+          <a:xfrm>
+            <a:off x="4572000" y="396000"/>
+            <a:ext cx="1714512" cy="746287"/>
+            <a:chOff x="857224" y="1857364"/>
+            <a:chExt cx="2214578" cy="970173"/>
+          </a:xfrm>
+        </p:grpSpPr>
+        <p:sp>
+          <p:nvSpPr>
+            <p:cNvPr id="121" name="מלבן 52"/>
+            <p:cNvSpPr/>
+            <p:nvPr/>
+          </p:nvSpPr>
+          <p:spPr>
+            <a:xfrm>
+              <a:off x="1285852" y="1857364"/>
+              <a:ext cx="1357322" cy="928694"/>
+            </a:xfrm>
+            <a:prstGeom prst="rect">
+              <a:avLst/>
+            </a:prstGeom>
+            <a:noFill/>
+            <a:ln>
+              <a:solidFill>
+                <a:schemeClr val="tx1"/>
+              </a:solidFill>
+            </a:ln>
+          </p:spPr>
+          <p:style>
+            <a:lnRef idx="2">
+              <a:schemeClr val="accent1">
+                <a:shade val="50000"/>
+              </a:schemeClr>
+            </a:lnRef>
+            <a:fillRef idx="1">
+              <a:schemeClr val="accent1"/>
+            </a:fillRef>
+            <a:effectRef idx="0">
+              <a:schemeClr val="accent1"/>
+            </a:effectRef>
+            <a:fontRef idx="minor">
+              <a:schemeClr val="lt1"/>
+            </a:fontRef>
+          </p:style>
+          <p:txBody>
+            <a:bodyPr rtlCol="1" anchor="ctr"/>
+            <a:lstStyle/>
+            <a:p>
+              <a:pPr algn="ctr"/>
+              <a:endParaRPr lang="he-IL"/>
+            </a:p>
+          </p:txBody>
+        </p:sp>
+        <p:sp>
+          <p:nvSpPr>
+            <p:cNvPr id="123" name="משולש שווה שוקיים 53"/>
+            <p:cNvSpPr/>
+            <p:nvPr/>
+          </p:nvSpPr>
+          <p:spPr>
+            <a:xfrm rot="19571141">
+              <a:off x="1260000" y="2607913"/>
+              <a:ext cx="170075" cy="131886"/>
+            </a:xfrm>
+            <a:prstGeom prst="triangle">
+              <a:avLst/>
+            </a:prstGeom>
+            <a:noFill/>
+            <a:ln>
+              <a:solidFill>
+                <a:schemeClr val="tx1"/>
+              </a:solidFill>
+            </a:ln>
+          </p:spPr>
+          <p:style>
+            <a:lnRef idx="2">
+              <a:schemeClr val="accent1">
+                <a:shade val="50000"/>
+              </a:schemeClr>
+            </a:lnRef>
+            <a:fillRef idx="1">
+              <a:schemeClr val="accent1"/>
+            </a:fillRef>
+            <a:effectRef idx="0">
+              <a:schemeClr val="accent1"/>
+            </a:effectRef>
+            <a:fontRef idx="minor">
+              <a:schemeClr val="lt1"/>
+            </a:fontRef>
+          </p:style>
+          <p:txBody>
+            <a:bodyPr rtlCol="1" anchor="ctr"/>
+            <a:lstStyle/>
+            <a:p>
+              <a:pPr algn="ctr"/>
+              <a:endParaRPr lang="he-IL"/>
+            </a:p>
+          </p:txBody>
+        </p:sp>
+        <p:cxnSp>
+          <p:nvCxnSpPr>
+            <p:cNvPr id="124" name="מחבר ישר 54"/>
+            <p:cNvCxnSpPr/>
+            <p:nvPr/>
+          </p:nvCxnSpPr>
+          <p:spPr>
+            <a:xfrm>
+              <a:off x="857224" y="2714620"/>
+              <a:ext cx="428628" cy="1588"/>
+            </a:xfrm>
+            <a:prstGeom prst="line">
+              <a:avLst/>
+            </a:prstGeom>
+            <a:ln w="19050">
+              <a:solidFill>
+                <a:schemeClr val="tx1"/>
+              </a:solidFill>
+              <a:tailEnd type="none"/>
+            </a:ln>
+          </p:spPr>
+          <p:style>
+            <a:lnRef idx="1">
+              <a:schemeClr val="accent1"/>
+            </a:lnRef>
+            <a:fillRef idx="0">
+              <a:schemeClr val="accent1"/>
+            </a:fillRef>
+            <a:effectRef idx="0">
+              <a:schemeClr val="accent1"/>
+            </a:effectRef>
+            <a:fontRef idx="minor">
+              <a:schemeClr val="tx1"/>
+            </a:fontRef>
+          </p:style>
+        </p:cxnSp>
+        <p:cxnSp>
+          <p:nvCxnSpPr>
+            <p:cNvPr id="125" name="מחבר ישר 55"/>
+            <p:cNvCxnSpPr/>
+            <p:nvPr/>
+          </p:nvCxnSpPr>
+          <p:spPr>
+            <a:xfrm>
+              <a:off x="857224" y="2000240"/>
+              <a:ext cx="428628" cy="1588"/>
+            </a:xfrm>
+            <a:prstGeom prst="line">
+              <a:avLst/>
+            </a:prstGeom>
+            <a:ln w="19050">
+              <a:solidFill>
+                <a:schemeClr val="tx1"/>
+              </a:solidFill>
+              <a:tailEnd type="none"/>
+            </a:ln>
+          </p:spPr>
+          <p:style>
+            <a:lnRef idx="1">
+              <a:schemeClr val="accent1"/>
+            </a:lnRef>
+            <a:fillRef idx="0">
+              <a:schemeClr val="accent1"/>
+            </a:fillRef>
+            <a:effectRef idx="0">
+              <a:schemeClr val="accent1"/>
+            </a:effectRef>
+            <a:fontRef idx="minor">
+              <a:schemeClr val="tx1"/>
+            </a:fontRef>
+          </p:style>
+        </p:cxnSp>
+        <p:cxnSp>
+          <p:nvCxnSpPr>
+            <p:cNvPr id="126" name="מחבר ישר 56"/>
+            <p:cNvCxnSpPr/>
+            <p:nvPr/>
+          </p:nvCxnSpPr>
+          <p:spPr>
+            <a:xfrm>
+              <a:off x="2643174" y="2000240"/>
+              <a:ext cx="428628" cy="1588"/>
+            </a:xfrm>
+            <a:prstGeom prst="line">
+              <a:avLst/>
+            </a:prstGeom>
+            <a:ln w="19050">
+              <a:solidFill>
+                <a:schemeClr val="tx1"/>
+              </a:solidFill>
+              <a:tailEnd type="none"/>
+            </a:ln>
+          </p:spPr>
+          <p:style>
+            <a:lnRef idx="1">
+              <a:schemeClr val="accent1"/>
+            </a:lnRef>
+            <a:fillRef idx="0">
+              <a:schemeClr val="accent1"/>
+            </a:fillRef>
+            <a:effectRef idx="0">
+              <a:schemeClr val="accent1"/>
+            </a:effectRef>
+            <a:fontRef idx="minor">
+              <a:schemeClr val="tx1"/>
+            </a:fontRef>
+          </p:style>
+        </p:cxnSp>
+        <p:sp>
+          <p:nvSpPr>
+            <p:cNvPr id="127" name="TextBox 126"/>
+            <p:cNvSpPr txBox="1"/>
+            <p:nvPr/>
+          </p:nvSpPr>
+          <p:spPr>
+            <a:xfrm>
+              <a:off x="1595417" y="2143116"/>
+              <a:ext cx="547691" cy="480132"/>
+            </a:xfrm>
+            <a:prstGeom prst="rect">
+              <a:avLst/>
+            </a:prstGeom>
+            <a:noFill/>
+          </p:spPr>
+          <p:txBody>
+            <a:bodyPr wrap="square" rtlCol="1">
+              <a:spAutoFit/>
+            </a:bodyPr>
+            <a:lstStyle/>
+            <a:p>
+              <a:r>
+                <a:rPr lang="en-US" dirty="0" smtClean="0"/>
+                <a:t>FF</a:t>
+              </a:r>
+              <a:endParaRPr lang="he-IL" dirty="0"/>
+            </a:p>
+          </p:txBody>
+        </p:sp>
+        <p:sp>
+          <p:nvSpPr>
+            <p:cNvPr id="128" name="TextBox 127"/>
+            <p:cNvSpPr txBox="1"/>
+            <p:nvPr/>
+          </p:nvSpPr>
+          <p:spPr>
+            <a:xfrm>
+              <a:off x="1318594" y="2507450"/>
+              <a:ext cx="514949" cy="320087"/>
+            </a:xfrm>
+            <a:prstGeom prst="rect">
+              <a:avLst/>
+            </a:prstGeom>
+            <a:noFill/>
+          </p:spPr>
+          <p:txBody>
+            <a:bodyPr wrap="square" rtlCol="1">
+              <a:spAutoFit/>
+            </a:bodyPr>
+            <a:lstStyle/>
+            <a:p>
+              <a:pPr algn="ctr"/>
+              <a:r>
+                <a:rPr lang="en-US" sz="1000" dirty="0" smtClean="0"/>
+                <a:t>C1</a:t>
+              </a:r>
+              <a:endParaRPr lang="he-IL" sz="1000" dirty="0"/>
+            </a:p>
+          </p:txBody>
+        </p:sp>
+        <p:sp>
+          <p:nvSpPr>
+            <p:cNvPr id="129" name="TextBox 128"/>
+            <p:cNvSpPr txBox="1"/>
+            <p:nvPr/>
+          </p:nvSpPr>
+          <p:spPr>
+            <a:xfrm>
+              <a:off x="1193578" y="1857364"/>
+              <a:ext cx="494113" cy="260071"/>
+            </a:xfrm>
+            <a:prstGeom prst="rect">
+              <a:avLst/>
+            </a:prstGeom>
+            <a:noFill/>
+          </p:spPr>
+          <p:txBody>
+            <a:bodyPr wrap="square" rtlCol="1">
+              <a:spAutoFit/>
+            </a:bodyPr>
+            <a:lstStyle/>
+            <a:p>
+              <a:pPr algn="ctr"/>
+              <a:r>
+                <a:rPr lang="en-US" sz="700" dirty="0" smtClean="0"/>
+                <a:t>1D</a:t>
+              </a:r>
+              <a:endParaRPr lang="he-IL" sz="700" dirty="0"/>
+            </a:p>
+          </p:txBody>
+        </p:sp>
+        <p:sp>
+          <p:nvSpPr>
+            <p:cNvPr id="130" name="TextBox 129"/>
+            <p:cNvSpPr txBox="1"/>
+            <p:nvPr/>
+          </p:nvSpPr>
+          <p:spPr>
+            <a:xfrm>
+              <a:off x="2357422" y="1857364"/>
+              <a:ext cx="357190" cy="246221"/>
+            </a:xfrm>
+            <a:prstGeom prst="rect">
+              <a:avLst/>
+            </a:prstGeom>
+            <a:noFill/>
+          </p:spPr>
+          <p:txBody>
+            <a:bodyPr wrap="square" rtlCol="1">
+              <a:spAutoFit/>
+            </a:bodyPr>
+            <a:lstStyle/>
+            <a:p>
+              <a:pPr algn="ctr"/>
+              <a:r>
+                <a:rPr lang="en-US" sz="1000" dirty="0" smtClean="0"/>
+                <a:t>Q</a:t>
+              </a:r>
+              <a:endParaRPr lang="he-IL" sz="1000" dirty="0"/>
+            </a:p>
+          </p:txBody>
+        </p:sp>
+      </p:grpSp>
+      <p:cxnSp>
+        <p:nvCxnSpPr>
+          <p:cNvPr id="134" name="Straight Connector 133"/>
+          <p:cNvCxnSpPr/>
+          <p:nvPr/>
+        </p:nvCxnSpPr>
+        <p:spPr>
+          <a:xfrm>
+            <a:off x="1115616" y="1052736"/>
+            <a:ext cx="3600400" cy="0"/>
+          </a:xfrm>
+          <a:prstGeom prst="line">
+            <a:avLst/>
+          </a:prstGeom>
+          <a:ln w="28575">
+            <a:solidFill>
+              <a:schemeClr val="tx1"/>
+            </a:solidFill>
+            <a:tailEnd type="none"/>
+          </a:ln>
+        </p:spPr>
+        <p:style>
+          <a:lnRef idx="1">
+            <a:schemeClr val="accent1"/>
+          </a:lnRef>
+          <a:fillRef idx="0">
+            <a:schemeClr val="accent1"/>
+          </a:fillRef>
+          <a:effectRef idx="0">
+            <a:schemeClr val="accent1"/>
+          </a:effectRef>
+          <a:fontRef idx="minor">
+            <a:schemeClr val="tx1"/>
+          </a:fontRef>
+        </p:style>
+      </p:cxnSp>
+      <p:cxnSp>
+        <p:nvCxnSpPr>
+          <p:cNvPr id="138" name="Straight Connector 137"/>
+          <p:cNvCxnSpPr/>
+          <p:nvPr/>
+        </p:nvCxnSpPr>
+        <p:spPr>
+          <a:xfrm>
+            <a:off x="3888000" y="2484000"/>
+            <a:ext cx="432048" cy="0"/>
+          </a:xfrm>
+          <a:prstGeom prst="line">
+            <a:avLst/>
+          </a:prstGeom>
+          <a:ln w="28575">
+            <a:solidFill>
+              <a:schemeClr val="tx1"/>
+            </a:solidFill>
+            <a:tailEnd type="none"/>
+          </a:ln>
+        </p:spPr>
+        <p:style>
+          <a:lnRef idx="1">
+            <a:schemeClr val="accent1"/>
+          </a:lnRef>
+          <a:fillRef idx="0">
+            <a:schemeClr val="accent1"/>
+          </a:fillRef>
+          <a:effectRef idx="0">
+            <a:schemeClr val="accent1"/>
+          </a:effectRef>
+          <a:fontRef idx="minor">
+            <a:schemeClr val="tx1"/>
+          </a:fontRef>
+        </p:style>
+      </p:cxnSp>
+      <p:cxnSp>
+        <p:nvCxnSpPr>
+          <p:cNvPr id="142" name="Straight Connector 141"/>
+          <p:cNvCxnSpPr/>
+          <p:nvPr/>
+        </p:nvCxnSpPr>
+        <p:spPr>
+          <a:xfrm rot="5400000" flipH="1" flipV="1">
+            <a:off x="3330112" y="1502896"/>
+            <a:ext cx="1980000" cy="0"/>
+          </a:xfrm>
+          <a:prstGeom prst="line">
+            <a:avLst/>
+          </a:prstGeom>
+          <a:ln w="28575">
+            <a:solidFill>
+              <a:schemeClr val="tx1"/>
+            </a:solidFill>
+            <a:tailEnd type="none"/>
+          </a:ln>
+        </p:spPr>
+        <p:style>
+          <a:lnRef idx="1">
+            <a:schemeClr val="accent1"/>
+          </a:lnRef>
+          <a:fillRef idx="0">
+            <a:schemeClr val="accent1"/>
+          </a:fillRef>
+          <a:effectRef idx="0">
+            <a:schemeClr val="accent1"/>
+          </a:effectRef>
+          <a:fontRef idx="minor">
+            <a:schemeClr val="tx1"/>
+          </a:fontRef>
+        </p:style>
+      </p:cxnSp>
+      <p:cxnSp>
+        <p:nvCxnSpPr>
+          <p:cNvPr id="145" name="Straight Connector 144"/>
+          <p:cNvCxnSpPr/>
+          <p:nvPr/>
+        </p:nvCxnSpPr>
+        <p:spPr>
+          <a:xfrm>
+            <a:off x="4320000" y="504000"/>
+            <a:ext cx="432048" cy="0"/>
+          </a:xfrm>
+          <a:prstGeom prst="line">
+            <a:avLst/>
+          </a:prstGeom>
+          <a:ln w="28575">
+            <a:solidFill>
+              <a:schemeClr val="tx1"/>
+            </a:solidFill>
+            <a:tailEnd type="none"/>
+          </a:ln>
+        </p:spPr>
+        <p:style>
+          <a:lnRef idx="1">
+            <a:schemeClr val="accent1"/>
+          </a:lnRef>
+          <a:fillRef idx="0">
+            <a:schemeClr val="accent1"/>
+          </a:fillRef>
+          <a:effectRef idx="0">
+            <a:schemeClr val="accent1"/>
+          </a:effectRef>
+          <a:fontRef idx="minor">
+            <a:schemeClr val="tx1"/>
+          </a:fontRef>
+        </p:style>
+      </p:cxnSp>
+      <p:cxnSp>
+        <p:nvCxnSpPr>
+          <p:cNvPr id="153" name="Elbow Connector 152"/>
+          <p:cNvCxnSpPr/>
+          <p:nvPr/>
+        </p:nvCxnSpPr>
+        <p:spPr>
+          <a:xfrm>
+            <a:off x="6228184" y="504000"/>
+            <a:ext cx="2016224" cy="864096"/>
+          </a:xfrm>
+          <a:prstGeom prst="bentConnector3">
+            <a:avLst>
+              <a:gd name="adj1" fmla="val 50000"/>
+            </a:avLst>
+          </a:prstGeom>
+          <a:ln w="28575">
+            <a:solidFill>
+              <a:schemeClr val="tx1"/>
+            </a:solidFill>
+            <a:tailEnd type="none"/>
+          </a:ln>
+        </p:spPr>
+        <p:style>
+          <a:lnRef idx="1">
+            <a:schemeClr val="accent1"/>
+          </a:lnRef>
+          <a:fillRef idx="0">
+            <a:schemeClr val="accent1"/>
+          </a:fillRef>
+          <a:effectRef idx="0">
+            <a:schemeClr val="accent1"/>
+          </a:effectRef>
+          <a:fontRef idx="minor">
+            <a:schemeClr val="tx1"/>
+          </a:fontRef>
+        </p:style>
+      </p:cxnSp>
+      <p:cxnSp>
+        <p:nvCxnSpPr>
+          <p:cNvPr id="157" name="Elbow Connector 156"/>
+          <p:cNvCxnSpPr/>
+          <p:nvPr/>
+        </p:nvCxnSpPr>
+        <p:spPr>
+          <a:xfrm rot="10800000">
+            <a:off x="3707904" y="1484784"/>
+            <a:ext cx="3240360" cy="1296144"/>
+          </a:xfrm>
+          <a:prstGeom prst="bentConnector3">
+            <a:avLst>
+              <a:gd name="adj1" fmla="val 617"/>
+            </a:avLst>
+          </a:prstGeom>
+          <a:ln w="28575">
+            <a:solidFill>
+              <a:schemeClr val="tx1"/>
+            </a:solidFill>
+            <a:tailEnd type="none"/>
+          </a:ln>
+        </p:spPr>
+        <p:style>
+          <a:lnRef idx="1">
+            <a:schemeClr val="accent1"/>
+          </a:lnRef>
+          <a:fillRef idx="0">
+            <a:schemeClr val="accent1"/>
+          </a:fillRef>
+          <a:effectRef idx="0">
+            <a:schemeClr val="accent1"/>
+          </a:effectRef>
+          <a:fontRef idx="minor">
+            <a:schemeClr val="tx1"/>
+          </a:fontRef>
+        </p:style>
+      </p:cxnSp>
+      <p:cxnSp>
+        <p:nvCxnSpPr>
+          <p:cNvPr id="161" name="Straight Arrow Connector 160"/>
+          <p:cNvCxnSpPr/>
+          <p:nvPr/>
+        </p:nvCxnSpPr>
+        <p:spPr>
+          <a:xfrm rot="5400000">
+            <a:off x="3239852" y="1952836"/>
+            <a:ext cx="936104" cy="1588"/>
+          </a:xfrm>
+          <a:prstGeom prst="straightConnector1">
+            <a:avLst/>
+          </a:prstGeom>
+          <a:ln w="28575">
+            <a:solidFill>
+              <a:schemeClr val="tx1"/>
+            </a:solidFill>
+            <a:tailEnd type="arrow"/>
+          </a:ln>
+        </p:spPr>
+        <p:style>
+          <a:lnRef idx="1">
+            <a:schemeClr val="accent1"/>
+          </a:lnRef>
+          <a:fillRef idx="0">
+            <a:schemeClr val="accent1"/>
+          </a:fillRef>
+          <a:effectRef idx="0">
+            <a:schemeClr val="accent1"/>
+          </a:effectRef>
+          <a:fontRef idx="minor">
+            <a:schemeClr val="tx1"/>
+          </a:fontRef>
+        </p:style>
+      </p:cxnSp>
+      <p:sp>
+        <p:nvSpPr>
+          <p:cNvPr id="162" name="TextBox 161"/>
+          <p:cNvSpPr txBox="1"/>
+          <p:nvPr/>
+        </p:nvSpPr>
+        <p:spPr>
+          <a:xfrm>
+            <a:off x="6876256" y="2420888"/>
+            <a:ext cx="857224" cy="415498"/>
+          </a:xfrm>
+          <a:prstGeom prst="rect">
+            <a:avLst/>
+          </a:prstGeom>
+          <a:noFill/>
+        </p:spPr>
+        <p:txBody>
+          <a:bodyPr wrap="square" rtlCol="1">
+            <a:spAutoFit/>
+          </a:bodyPr>
+          <a:lstStyle/>
+          <a:p>
+            <a:r>
+              <a:rPr lang="en-US" sz="1050" dirty="0" err="1" smtClean="0"/>
+              <a:t>Curr</a:t>
+            </a:r>
+            <a:r>
+              <a:rPr lang="en-US" sz="1050" dirty="0" smtClean="0"/>
+              <a:t> </a:t>
+            </a:r>
+            <a:r>
+              <a:rPr lang="en-US" sz="1050" dirty="0" err="1" smtClean="0"/>
+              <a:t>addr</a:t>
+            </a:r>
+            <a:r>
+              <a:rPr lang="en-US" sz="1050" dirty="0" smtClean="0"/>
+              <a:t> out</a:t>
+            </a:r>
+            <a:endParaRPr lang="he-IL" sz="1050" dirty="0"/>
+          </a:p>
+        </p:txBody>
+      </p:sp>
+      <p:sp>
+        <p:nvSpPr>
+          <p:cNvPr id="163" name="TextBox 162"/>
+          <p:cNvSpPr txBox="1"/>
+          <p:nvPr/>
+        </p:nvSpPr>
+        <p:spPr>
+          <a:xfrm>
+            <a:off x="3995936" y="2564904"/>
+            <a:ext cx="857224" cy="415498"/>
+          </a:xfrm>
+          <a:prstGeom prst="rect">
+            <a:avLst/>
+          </a:prstGeom>
+          <a:noFill/>
+        </p:spPr>
+        <p:txBody>
+          <a:bodyPr wrap="square" rtlCol="1">
+            <a:spAutoFit/>
+          </a:bodyPr>
+          <a:lstStyle/>
+          <a:p>
+            <a:r>
+              <a:rPr lang="en-US" sz="1050" dirty="0" smtClean="0"/>
+              <a:t>Next </a:t>
+            </a:r>
+            <a:r>
+              <a:rPr lang="en-US" sz="1050" dirty="0" err="1" smtClean="0"/>
+              <a:t>addr</a:t>
+            </a:r>
+            <a:r>
+              <a:rPr lang="en-US" sz="1050" dirty="0" smtClean="0"/>
+              <a:t> out</a:t>
+            </a:r>
+            <a:endParaRPr lang="he-IL" sz="1050" dirty="0"/>
+          </a:p>
+        </p:txBody>
+      </p:sp>
     </p:spTree>
   </p:cSld>
   <p:clrMapOvr>

--- a/core/Regesters Diagram.pptx
+++ b/core/Regesters Diagram.pptx
@@ -300,7 +300,7 @@
             <a:fld id="{30DAF76B-3D33-4835-836A-6F4282D25A44}" type="datetimeFigureOut">
               <a:rPr lang="he-IL" smtClean="0"/>
               <a:pPr/>
-              <a:t>ב'/תשרי/תשע"ג</a:t>
+              <a:t>ט'/חשון/תשע"ג</a:t>
             </a:fld>
             <a:endParaRPr lang="he-IL" dirty="0"/>
           </a:p>
@@ -467,7 +467,7 @@
             <a:fld id="{30DAF76B-3D33-4835-836A-6F4282D25A44}" type="datetimeFigureOut">
               <a:rPr lang="he-IL" smtClean="0"/>
               <a:pPr/>
-              <a:t>ב'/תשרי/תשע"ג</a:t>
+              <a:t>ט'/חשון/תשע"ג</a:t>
             </a:fld>
             <a:endParaRPr lang="he-IL" dirty="0"/>
           </a:p>
@@ -644,7 +644,7 @@
             <a:fld id="{30DAF76B-3D33-4835-836A-6F4282D25A44}" type="datetimeFigureOut">
               <a:rPr lang="he-IL" smtClean="0"/>
               <a:pPr/>
-              <a:t>ב'/תשרי/תשע"ג</a:t>
+              <a:t>ט'/חשון/תשע"ג</a:t>
             </a:fld>
             <a:endParaRPr lang="he-IL" dirty="0"/>
           </a:p>
@@ -811,7 +811,7 @@
             <a:fld id="{30DAF76B-3D33-4835-836A-6F4282D25A44}" type="datetimeFigureOut">
               <a:rPr lang="he-IL" smtClean="0"/>
               <a:pPr/>
-              <a:t>ב'/תשרי/תשע"ג</a:t>
+              <a:t>ט'/חשון/תשע"ג</a:t>
             </a:fld>
             <a:endParaRPr lang="he-IL" dirty="0"/>
           </a:p>
@@ -1054,7 +1054,7 @@
             <a:fld id="{30DAF76B-3D33-4835-836A-6F4282D25A44}" type="datetimeFigureOut">
               <a:rPr lang="he-IL" smtClean="0"/>
               <a:pPr/>
-              <a:t>ב'/תשרי/תשע"ג</a:t>
+              <a:t>ט'/חשון/תשע"ג</a:t>
             </a:fld>
             <a:endParaRPr lang="he-IL" dirty="0"/>
           </a:p>
@@ -1339,7 +1339,7 @@
             <a:fld id="{30DAF76B-3D33-4835-836A-6F4282D25A44}" type="datetimeFigureOut">
               <a:rPr lang="he-IL" smtClean="0"/>
               <a:pPr/>
-              <a:t>ב'/תשרי/תשע"ג</a:t>
+              <a:t>ט'/חשון/תשע"ג</a:t>
             </a:fld>
             <a:endParaRPr lang="he-IL" dirty="0"/>
           </a:p>
@@ -1758,7 +1758,7 @@
             <a:fld id="{30DAF76B-3D33-4835-836A-6F4282D25A44}" type="datetimeFigureOut">
               <a:rPr lang="he-IL" smtClean="0"/>
               <a:pPr/>
-              <a:t>ב'/תשרי/תשע"ג</a:t>
+              <a:t>ט'/חשון/תשע"ג</a:t>
             </a:fld>
             <a:endParaRPr lang="he-IL" dirty="0"/>
           </a:p>
@@ -1873,7 +1873,7 @@
             <a:fld id="{30DAF76B-3D33-4835-836A-6F4282D25A44}" type="datetimeFigureOut">
               <a:rPr lang="he-IL" smtClean="0"/>
               <a:pPr/>
-              <a:t>ב'/תשרי/תשע"ג</a:t>
+              <a:t>ט'/חשון/תשע"ג</a:t>
             </a:fld>
             <a:endParaRPr lang="he-IL" dirty="0"/>
           </a:p>
@@ -1965,7 +1965,7 @@
             <a:fld id="{30DAF76B-3D33-4835-836A-6F4282D25A44}" type="datetimeFigureOut">
               <a:rPr lang="he-IL" smtClean="0"/>
               <a:pPr/>
-              <a:t>ב'/תשרי/תשע"ג</a:t>
+              <a:t>ט'/חשון/תשע"ג</a:t>
             </a:fld>
             <a:endParaRPr lang="he-IL" dirty="0"/>
           </a:p>
@@ -2239,7 +2239,7 @@
             <a:fld id="{30DAF76B-3D33-4835-836A-6F4282D25A44}" type="datetimeFigureOut">
               <a:rPr lang="he-IL" smtClean="0"/>
               <a:pPr/>
-              <a:t>ב'/תשרי/תשע"ג</a:t>
+              <a:t>ט'/חשון/תשע"ג</a:t>
             </a:fld>
             <a:endParaRPr lang="he-IL" dirty="0"/>
           </a:p>
@@ -2489,7 +2489,7 @@
             <a:fld id="{30DAF76B-3D33-4835-836A-6F4282D25A44}" type="datetimeFigureOut">
               <a:rPr lang="he-IL" smtClean="0"/>
               <a:pPr/>
-              <a:t>ב'/תשרי/תשע"ג</a:t>
+              <a:t>ט'/חשון/תשע"ג</a:t>
             </a:fld>
             <a:endParaRPr lang="he-IL" dirty="0"/>
           </a:p>
@@ -2699,7 +2699,7 @@
             <a:fld id="{30DAF76B-3D33-4835-836A-6F4282D25A44}" type="datetimeFigureOut">
               <a:rPr lang="he-IL" smtClean="0"/>
               <a:pPr/>
-              <a:t>ב'/תשרי/תשע"ג</a:t>
+              <a:t>ט'/חשון/תשע"ג</a:t>
             </a:fld>
             <a:endParaRPr lang="he-IL" dirty="0"/>
           </a:p>
@@ -9739,11 +9739,7 @@
               </a:r>
               <a:r>
                 <a:rPr lang="en-US" sz="1200" dirty="0" smtClean="0"/>
-                <a:t> </a:t>
-              </a:r>
-              <a:r>
-                <a:rPr lang="en-US" sz="1200" dirty="0" smtClean="0"/>
-                <a:t>valid</a:t>
+                <a:t> valid</a:t>
               </a:r>
               <a:endParaRPr lang="he-IL" sz="1200" dirty="0"/>
             </a:p>
@@ -12375,11 +12371,7 @@
             <a:pPr algn="ctr"/>
             <a:r>
               <a:rPr lang="en-US" sz="1200" dirty="0" smtClean="0"/>
-              <a:t>Data </a:t>
-            </a:r>
-            <a:r>
-              <a:rPr lang="en-US" sz="1200" dirty="0" smtClean="0"/>
-              <a:t>in RC</a:t>
+              <a:t>Data in RC</a:t>
             </a:r>
             <a:endParaRPr lang="he-IL" sz="1200" dirty="0"/>
           </a:p>
@@ -14843,8 +14835,8 @@
         </p:nvSpPr>
         <p:spPr>
           <a:xfrm>
-            <a:off x="814856" y="188640"/>
-            <a:ext cx="7429552" cy="6357982"/>
+            <a:off x="814856" y="116632"/>
+            <a:ext cx="7429552" cy="6429990"/>
           </a:xfrm>
           <a:prstGeom prst="rect">
             <a:avLst/>
@@ -17040,344 +17032,6 @@
           </a:fontRef>
         </p:style>
       </p:cxnSp>
-      <p:grpSp>
-        <p:nvGrpSpPr>
-          <p:cNvPr id="119" name="קבוצה 51"/>
-          <p:cNvGrpSpPr/>
-          <p:nvPr/>
-        </p:nvGrpSpPr>
-        <p:grpSpPr>
-          <a:xfrm>
-            <a:off x="4572000" y="396000"/>
-            <a:ext cx="1714512" cy="746287"/>
-            <a:chOff x="857224" y="1857364"/>
-            <a:chExt cx="2214578" cy="970173"/>
-          </a:xfrm>
-        </p:grpSpPr>
-        <p:sp>
-          <p:nvSpPr>
-            <p:cNvPr id="121" name="מלבן 52"/>
-            <p:cNvSpPr/>
-            <p:nvPr/>
-          </p:nvSpPr>
-          <p:spPr>
-            <a:xfrm>
-              <a:off x="1285852" y="1857364"/>
-              <a:ext cx="1357322" cy="928694"/>
-            </a:xfrm>
-            <a:prstGeom prst="rect">
-              <a:avLst/>
-            </a:prstGeom>
-            <a:noFill/>
-            <a:ln>
-              <a:solidFill>
-                <a:schemeClr val="tx1"/>
-              </a:solidFill>
-            </a:ln>
-          </p:spPr>
-          <p:style>
-            <a:lnRef idx="2">
-              <a:schemeClr val="accent1">
-                <a:shade val="50000"/>
-              </a:schemeClr>
-            </a:lnRef>
-            <a:fillRef idx="1">
-              <a:schemeClr val="accent1"/>
-            </a:fillRef>
-            <a:effectRef idx="0">
-              <a:schemeClr val="accent1"/>
-            </a:effectRef>
-            <a:fontRef idx="minor">
-              <a:schemeClr val="lt1"/>
-            </a:fontRef>
-          </p:style>
-          <p:txBody>
-            <a:bodyPr rtlCol="1" anchor="ctr"/>
-            <a:lstStyle/>
-            <a:p>
-              <a:pPr algn="ctr"/>
-              <a:endParaRPr lang="he-IL"/>
-            </a:p>
-          </p:txBody>
-        </p:sp>
-        <p:sp>
-          <p:nvSpPr>
-            <p:cNvPr id="123" name="משולש שווה שוקיים 53"/>
-            <p:cNvSpPr/>
-            <p:nvPr/>
-          </p:nvSpPr>
-          <p:spPr>
-            <a:xfrm rot="19571141">
-              <a:off x="1260000" y="2607913"/>
-              <a:ext cx="170075" cy="131886"/>
-            </a:xfrm>
-            <a:prstGeom prst="triangle">
-              <a:avLst/>
-            </a:prstGeom>
-            <a:noFill/>
-            <a:ln>
-              <a:solidFill>
-                <a:schemeClr val="tx1"/>
-              </a:solidFill>
-            </a:ln>
-          </p:spPr>
-          <p:style>
-            <a:lnRef idx="2">
-              <a:schemeClr val="accent1">
-                <a:shade val="50000"/>
-              </a:schemeClr>
-            </a:lnRef>
-            <a:fillRef idx="1">
-              <a:schemeClr val="accent1"/>
-            </a:fillRef>
-            <a:effectRef idx="0">
-              <a:schemeClr val="accent1"/>
-            </a:effectRef>
-            <a:fontRef idx="minor">
-              <a:schemeClr val="lt1"/>
-            </a:fontRef>
-          </p:style>
-          <p:txBody>
-            <a:bodyPr rtlCol="1" anchor="ctr"/>
-            <a:lstStyle/>
-            <a:p>
-              <a:pPr algn="ctr"/>
-              <a:endParaRPr lang="he-IL"/>
-            </a:p>
-          </p:txBody>
-        </p:sp>
-        <p:cxnSp>
-          <p:nvCxnSpPr>
-            <p:cNvPr id="124" name="מחבר ישר 54"/>
-            <p:cNvCxnSpPr/>
-            <p:nvPr/>
-          </p:nvCxnSpPr>
-          <p:spPr>
-            <a:xfrm>
-              <a:off x="857224" y="2714620"/>
-              <a:ext cx="428628" cy="1588"/>
-            </a:xfrm>
-            <a:prstGeom prst="line">
-              <a:avLst/>
-            </a:prstGeom>
-            <a:ln w="19050">
-              <a:solidFill>
-                <a:schemeClr val="tx1"/>
-              </a:solidFill>
-              <a:tailEnd type="none"/>
-            </a:ln>
-          </p:spPr>
-          <p:style>
-            <a:lnRef idx="1">
-              <a:schemeClr val="accent1"/>
-            </a:lnRef>
-            <a:fillRef idx="0">
-              <a:schemeClr val="accent1"/>
-            </a:fillRef>
-            <a:effectRef idx="0">
-              <a:schemeClr val="accent1"/>
-            </a:effectRef>
-            <a:fontRef idx="minor">
-              <a:schemeClr val="tx1"/>
-            </a:fontRef>
-          </p:style>
-        </p:cxnSp>
-        <p:cxnSp>
-          <p:nvCxnSpPr>
-            <p:cNvPr id="125" name="מחבר ישר 55"/>
-            <p:cNvCxnSpPr/>
-            <p:nvPr/>
-          </p:nvCxnSpPr>
-          <p:spPr>
-            <a:xfrm>
-              <a:off x="857224" y="2000240"/>
-              <a:ext cx="428628" cy="1588"/>
-            </a:xfrm>
-            <a:prstGeom prst="line">
-              <a:avLst/>
-            </a:prstGeom>
-            <a:ln w="19050">
-              <a:solidFill>
-                <a:schemeClr val="tx1"/>
-              </a:solidFill>
-              <a:tailEnd type="none"/>
-            </a:ln>
-          </p:spPr>
-          <p:style>
-            <a:lnRef idx="1">
-              <a:schemeClr val="accent1"/>
-            </a:lnRef>
-            <a:fillRef idx="0">
-              <a:schemeClr val="accent1"/>
-            </a:fillRef>
-            <a:effectRef idx="0">
-              <a:schemeClr val="accent1"/>
-            </a:effectRef>
-            <a:fontRef idx="minor">
-              <a:schemeClr val="tx1"/>
-            </a:fontRef>
-          </p:style>
-        </p:cxnSp>
-        <p:cxnSp>
-          <p:nvCxnSpPr>
-            <p:cNvPr id="126" name="מחבר ישר 56"/>
-            <p:cNvCxnSpPr/>
-            <p:nvPr/>
-          </p:nvCxnSpPr>
-          <p:spPr>
-            <a:xfrm>
-              <a:off x="2643174" y="2000240"/>
-              <a:ext cx="428628" cy="1588"/>
-            </a:xfrm>
-            <a:prstGeom prst="line">
-              <a:avLst/>
-            </a:prstGeom>
-            <a:ln w="19050">
-              <a:solidFill>
-                <a:schemeClr val="tx1"/>
-              </a:solidFill>
-              <a:tailEnd type="none"/>
-            </a:ln>
-          </p:spPr>
-          <p:style>
-            <a:lnRef idx="1">
-              <a:schemeClr val="accent1"/>
-            </a:lnRef>
-            <a:fillRef idx="0">
-              <a:schemeClr val="accent1"/>
-            </a:fillRef>
-            <a:effectRef idx="0">
-              <a:schemeClr val="accent1"/>
-            </a:effectRef>
-            <a:fontRef idx="minor">
-              <a:schemeClr val="tx1"/>
-            </a:fontRef>
-          </p:style>
-        </p:cxnSp>
-        <p:sp>
-          <p:nvSpPr>
-            <p:cNvPr id="127" name="TextBox 126"/>
-            <p:cNvSpPr txBox="1"/>
-            <p:nvPr/>
-          </p:nvSpPr>
-          <p:spPr>
-            <a:xfrm>
-              <a:off x="1595417" y="2143116"/>
-              <a:ext cx="547691" cy="480132"/>
-            </a:xfrm>
-            <a:prstGeom prst="rect">
-              <a:avLst/>
-            </a:prstGeom>
-            <a:noFill/>
-          </p:spPr>
-          <p:txBody>
-            <a:bodyPr wrap="square" rtlCol="1">
-              <a:spAutoFit/>
-            </a:bodyPr>
-            <a:lstStyle/>
-            <a:p>
-              <a:r>
-                <a:rPr lang="en-US" dirty="0" smtClean="0"/>
-                <a:t>FF</a:t>
-              </a:r>
-              <a:endParaRPr lang="he-IL" dirty="0"/>
-            </a:p>
-          </p:txBody>
-        </p:sp>
-        <p:sp>
-          <p:nvSpPr>
-            <p:cNvPr id="128" name="TextBox 127"/>
-            <p:cNvSpPr txBox="1"/>
-            <p:nvPr/>
-          </p:nvSpPr>
-          <p:spPr>
-            <a:xfrm>
-              <a:off x="1318594" y="2507450"/>
-              <a:ext cx="514949" cy="320087"/>
-            </a:xfrm>
-            <a:prstGeom prst="rect">
-              <a:avLst/>
-            </a:prstGeom>
-            <a:noFill/>
-          </p:spPr>
-          <p:txBody>
-            <a:bodyPr wrap="square" rtlCol="1">
-              <a:spAutoFit/>
-            </a:bodyPr>
-            <a:lstStyle/>
-            <a:p>
-              <a:pPr algn="ctr"/>
-              <a:r>
-                <a:rPr lang="en-US" sz="1000" dirty="0" smtClean="0"/>
-                <a:t>C1</a:t>
-              </a:r>
-              <a:endParaRPr lang="he-IL" sz="1000" dirty="0"/>
-            </a:p>
-          </p:txBody>
-        </p:sp>
-        <p:sp>
-          <p:nvSpPr>
-            <p:cNvPr id="129" name="TextBox 128"/>
-            <p:cNvSpPr txBox="1"/>
-            <p:nvPr/>
-          </p:nvSpPr>
-          <p:spPr>
-            <a:xfrm>
-              <a:off x="1193578" y="1857364"/>
-              <a:ext cx="494113" cy="260071"/>
-            </a:xfrm>
-            <a:prstGeom prst="rect">
-              <a:avLst/>
-            </a:prstGeom>
-            <a:noFill/>
-          </p:spPr>
-          <p:txBody>
-            <a:bodyPr wrap="square" rtlCol="1">
-              <a:spAutoFit/>
-            </a:bodyPr>
-            <a:lstStyle/>
-            <a:p>
-              <a:pPr algn="ctr"/>
-              <a:r>
-                <a:rPr lang="en-US" sz="700" dirty="0" smtClean="0"/>
-                <a:t>1D</a:t>
-              </a:r>
-              <a:endParaRPr lang="he-IL" sz="700" dirty="0"/>
-            </a:p>
-          </p:txBody>
-        </p:sp>
-        <p:sp>
-          <p:nvSpPr>
-            <p:cNvPr id="130" name="TextBox 129"/>
-            <p:cNvSpPr txBox="1"/>
-            <p:nvPr/>
-          </p:nvSpPr>
-          <p:spPr>
-            <a:xfrm>
-              <a:off x="2357422" y="1857364"/>
-              <a:ext cx="357190" cy="246221"/>
-            </a:xfrm>
-            <a:prstGeom prst="rect">
-              <a:avLst/>
-            </a:prstGeom>
-            <a:noFill/>
-          </p:spPr>
-          <p:txBody>
-            <a:bodyPr wrap="square" rtlCol="1">
-              <a:spAutoFit/>
-            </a:bodyPr>
-            <a:lstStyle/>
-            <a:p>
-              <a:pPr algn="ctr"/>
-              <a:r>
-                <a:rPr lang="en-US" sz="1000" dirty="0" smtClean="0"/>
-                <a:t>Q</a:t>
-              </a:r>
-              <a:endParaRPr lang="he-IL" sz="1000" dirty="0"/>
-            </a:p>
-          </p:txBody>
-        </p:sp>
-      </p:grpSp>
       <p:cxnSp>
         <p:nvCxnSpPr>
           <p:cNvPr id="134" name="Straight Connector 133"/>
@@ -17387,7 +17041,7 @@
         <p:spPr>
           <a:xfrm>
             <a:off x="1115616" y="1052736"/>
-            <a:ext cx="3600400" cy="0"/>
+            <a:ext cx="3852000" cy="0"/>
           </a:xfrm>
           <a:prstGeom prst="line">
             <a:avLst/>
@@ -17396,7 +17050,7 @@
             <a:solidFill>
               <a:schemeClr val="tx1"/>
             </a:solidFill>
-            <a:tailEnd type="none"/>
+            <a:tailEnd type="arrow"/>
           </a:ln>
         </p:spPr>
         <p:style>
@@ -17495,7 +17149,7 @@
         <p:spPr>
           <a:xfrm>
             <a:off x="4320000" y="504000"/>
-            <a:ext cx="432048" cy="0"/>
+            <a:ext cx="648000" cy="0"/>
           </a:xfrm>
           <a:prstGeom prst="line">
             <a:avLst/>
@@ -17504,45 +17158,7 @@
             <a:solidFill>
               <a:schemeClr val="tx1"/>
             </a:solidFill>
-            <a:tailEnd type="none"/>
-          </a:ln>
-        </p:spPr>
-        <p:style>
-          <a:lnRef idx="1">
-            <a:schemeClr val="accent1"/>
-          </a:lnRef>
-          <a:fillRef idx="0">
-            <a:schemeClr val="accent1"/>
-          </a:fillRef>
-          <a:effectRef idx="0">
-            <a:schemeClr val="accent1"/>
-          </a:effectRef>
-          <a:fontRef idx="minor">
-            <a:schemeClr val="tx1"/>
-          </a:fontRef>
-        </p:style>
-      </p:cxnSp>
-      <p:cxnSp>
-        <p:nvCxnSpPr>
-          <p:cNvPr id="153" name="Elbow Connector 152"/>
-          <p:cNvCxnSpPr/>
-          <p:nvPr/>
-        </p:nvCxnSpPr>
-        <p:spPr>
-          <a:xfrm>
-            <a:off x="6228184" y="504000"/>
-            <a:ext cx="2016224" cy="864096"/>
-          </a:xfrm>
-          <a:prstGeom prst="bentConnector3">
-            <a:avLst>
-              <a:gd name="adj1" fmla="val 50000"/>
-            </a:avLst>
-          </a:prstGeom>
-          <a:ln w="28575">
-            <a:solidFill>
-              <a:schemeClr val="tx1"/>
-            </a:solidFill>
-            <a:tailEnd type="none"/>
+            <a:tailEnd type="arrow"/>
           </a:ln>
         </p:spPr>
         <p:style>
@@ -17569,11 +17185,11 @@
         <p:spPr>
           <a:xfrm rot="10800000">
             <a:off x="3707904" y="1484784"/>
-            <a:ext cx="3240360" cy="1296144"/>
+            <a:ext cx="2520280" cy="1296144"/>
           </a:xfrm>
           <a:prstGeom prst="bentConnector3">
             <a:avLst>
-              <a:gd name="adj1" fmla="val 617"/>
+              <a:gd name="adj1" fmla="val 113"/>
             </a:avLst>
           </a:prstGeom>
           <a:ln w="28575">
@@ -17714,6 +17330,654 @@
           </a:p>
         </p:txBody>
       </p:sp>
+      <p:grpSp>
+        <p:nvGrpSpPr>
+          <p:cNvPr id="91" name="קבוצה 90"/>
+          <p:cNvGrpSpPr/>
+          <p:nvPr/>
+        </p:nvGrpSpPr>
+        <p:grpSpPr>
+          <a:xfrm>
+            <a:off x="4932040" y="332656"/>
+            <a:ext cx="1071570" cy="792088"/>
+            <a:chOff x="2643175" y="2357430"/>
+            <a:chExt cx="1000132" cy="714380"/>
+          </a:xfrm>
+        </p:grpSpPr>
+        <p:sp>
+          <p:nvSpPr>
+            <p:cNvPr id="93" name="מלבן מעוגל 92"/>
+            <p:cNvSpPr/>
+            <p:nvPr/>
+          </p:nvSpPr>
+          <p:spPr>
+            <a:xfrm>
+              <a:off x="2714612" y="2357430"/>
+              <a:ext cx="928694" cy="714380"/>
+            </a:xfrm>
+            <a:prstGeom prst="roundRect">
+              <a:avLst/>
+            </a:prstGeom>
+            <a:solidFill>
+              <a:schemeClr val="accent2"/>
+            </a:solidFill>
+          </p:spPr>
+          <p:style>
+            <a:lnRef idx="2">
+              <a:schemeClr val="accent1">
+                <a:shade val="50000"/>
+              </a:schemeClr>
+            </a:lnRef>
+            <a:fillRef idx="1">
+              <a:schemeClr val="accent1"/>
+            </a:fillRef>
+            <a:effectRef idx="0">
+              <a:schemeClr val="accent1"/>
+            </a:effectRef>
+            <a:fontRef idx="minor">
+              <a:schemeClr val="lt1"/>
+            </a:fontRef>
+          </p:style>
+          <p:txBody>
+            <a:bodyPr rtlCol="1" anchor="ctr"/>
+            <a:lstStyle/>
+            <a:p>
+              <a:pPr algn="ctr"/>
+              <a:endParaRPr lang="he-IL" dirty="0"/>
+            </a:p>
+          </p:txBody>
+        </p:sp>
+        <p:sp>
+          <p:nvSpPr>
+            <p:cNvPr id="94" name="TextBox 93"/>
+            <p:cNvSpPr txBox="1"/>
+            <p:nvPr/>
+          </p:nvSpPr>
+          <p:spPr>
+            <a:xfrm>
+              <a:off x="2643175" y="2500306"/>
+              <a:ext cx="1000132" cy="369332"/>
+            </a:xfrm>
+            <a:prstGeom prst="rect">
+              <a:avLst/>
+            </a:prstGeom>
+            <a:noFill/>
+          </p:spPr>
+          <p:txBody>
+            <a:bodyPr wrap="square" rtlCol="1">
+              <a:spAutoFit/>
+            </a:bodyPr>
+            <a:lstStyle/>
+            <a:p>
+              <a:r>
+                <a:rPr lang="en-US" dirty="0" smtClean="0"/>
+                <a:t>Counter</a:t>
+              </a:r>
+              <a:endParaRPr lang="he-IL" dirty="0"/>
+            </a:p>
+          </p:txBody>
+        </p:sp>
+      </p:grpSp>
+      <p:cxnSp>
+        <p:nvCxnSpPr>
+          <p:cNvPr id="110" name="Straight Connector 117"/>
+          <p:cNvCxnSpPr/>
+          <p:nvPr/>
+        </p:nvCxnSpPr>
+        <p:spPr>
+          <a:xfrm rot="5400000" flipH="1" flipV="1">
+            <a:off x="2771840" y="1124704"/>
+            <a:ext cx="720000" cy="0"/>
+          </a:xfrm>
+          <a:prstGeom prst="line">
+            <a:avLst/>
+          </a:prstGeom>
+          <a:ln w="28575">
+            <a:solidFill>
+              <a:schemeClr val="tx1"/>
+            </a:solidFill>
+            <a:tailEnd type="none"/>
+          </a:ln>
+        </p:spPr>
+        <p:style>
+          <a:lnRef idx="1">
+            <a:schemeClr val="accent1"/>
+          </a:lnRef>
+          <a:fillRef idx="0">
+            <a:schemeClr val="accent1"/>
+          </a:fillRef>
+          <a:effectRef idx="0">
+            <a:schemeClr val="accent1"/>
+          </a:effectRef>
+          <a:fontRef idx="minor">
+            <a:schemeClr val="tx1"/>
+          </a:fontRef>
+        </p:style>
+      </p:cxnSp>
+      <p:cxnSp>
+        <p:nvCxnSpPr>
+          <p:cNvPr id="112" name="מחבר חץ ישר 111"/>
+          <p:cNvCxnSpPr/>
+          <p:nvPr/>
+        </p:nvCxnSpPr>
+        <p:spPr>
+          <a:xfrm flipV="1">
+            <a:off x="3132072" y="764704"/>
+            <a:ext cx="1836000" cy="7941"/>
+          </a:xfrm>
+          <a:prstGeom prst="straightConnector1">
+            <a:avLst/>
+          </a:prstGeom>
+          <a:ln w="19050">
+            <a:solidFill>
+              <a:schemeClr val="tx1"/>
+            </a:solidFill>
+            <a:tailEnd type="arrow"/>
+          </a:ln>
+        </p:spPr>
+        <p:style>
+          <a:lnRef idx="1">
+            <a:schemeClr val="accent1"/>
+          </a:lnRef>
+          <a:fillRef idx="0">
+            <a:schemeClr val="accent1"/>
+          </a:fillRef>
+          <a:effectRef idx="0">
+            <a:schemeClr val="accent1"/>
+          </a:effectRef>
+          <a:fontRef idx="minor">
+            <a:schemeClr val="tx1"/>
+          </a:fontRef>
+        </p:style>
+      </p:cxnSp>
+      <p:grpSp>
+        <p:nvGrpSpPr>
+          <p:cNvPr id="115" name="קבוצה 114"/>
+          <p:cNvGrpSpPr/>
+          <p:nvPr/>
+        </p:nvGrpSpPr>
+        <p:grpSpPr>
+          <a:xfrm>
+            <a:off x="6673912" y="1260000"/>
+            <a:ext cx="1714512" cy="746287"/>
+            <a:chOff x="857224" y="1857364"/>
+            <a:chExt cx="2214578" cy="970173"/>
+          </a:xfrm>
+        </p:grpSpPr>
+        <p:sp>
+          <p:nvSpPr>
+            <p:cNvPr id="116" name="מלבן 115"/>
+            <p:cNvSpPr/>
+            <p:nvPr/>
+          </p:nvSpPr>
+          <p:spPr>
+            <a:xfrm>
+              <a:off x="1285852" y="1857364"/>
+              <a:ext cx="1357322" cy="928694"/>
+            </a:xfrm>
+            <a:prstGeom prst="rect">
+              <a:avLst/>
+            </a:prstGeom>
+            <a:noFill/>
+            <a:ln>
+              <a:solidFill>
+                <a:schemeClr val="tx1"/>
+              </a:solidFill>
+            </a:ln>
+          </p:spPr>
+          <p:style>
+            <a:lnRef idx="2">
+              <a:schemeClr val="accent1">
+                <a:shade val="50000"/>
+              </a:schemeClr>
+            </a:lnRef>
+            <a:fillRef idx="1">
+              <a:schemeClr val="accent1"/>
+            </a:fillRef>
+            <a:effectRef idx="0">
+              <a:schemeClr val="accent1"/>
+            </a:effectRef>
+            <a:fontRef idx="minor">
+              <a:schemeClr val="lt1"/>
+            </a:fontRef>
+          </p:style>
+          <p:txBody>
+            <a:bodyPr rtlCol="1" anchor="ctr"/>
+            <a:lstStyle/>
+            <a:p>
+              <a:pPr algn="ctr"/>
+              <a:endParaRPr lang="he-IL"/>
+            </a:p>
+          </p:txBody>
+        </p:sp>
+        <p:sp>
+          <p:nvSpPr>
+            <p:cNvPr id="117" name="משולש שווה שוקיים 116"/>
+            <p:cNvSpPr/>
+            <p:nvPr/>
+          </p:nvSpPr>
+          <p:spPr>
+            <a:xfrm rot="19571141">
+              <a:off x="1260000" y="2607913"/>
+              <a:ext cx="170075" cy="131886"/>
+            </a:xfrm>
+            <a:prstGeom prst="triangle">
+              <a:avLst/>
+            </a:prstGeom>
+            <a:noFill/>
+            <a:ln>
+              <a:solidFill>
+                <a:schemeClr val="tx1"/>
+              </a:solidFill>
+            </a:ln>
+          </p:spPr>
+          <p:style>
+            <a:lnRef idx="2">
+              <a:schemeClr val="accent1">
+                <a:shade val="50000"/>
+              </a:schemeClr>
+            </a:lnRef>
+            <a:fillRef idx="1">
+              <a:schemeClr val="accent1"/>
+            </a:fillRef>
+            <a:effectRef idx="0">
+              <a:schemeClr val="accent1"/>
+            </a:effectRef>
+            <a:fontRef idx="minor">
+              <a:schemeClr val="lt1"/>
+            </a:fontRef>
+          </p:style>
+          <p:txBody>
+            <a:bodyPr rtlCol="1" anchor="ctr"/>
+            <a:lstStyle/>
+            <a:p>
+              <a:pPr algn="ctr"/>
+              <a:endParaRPr lang="he-IL"/>
+            </a:p>
+          </p:txBody>
+        </p:sp>
+        <p:cxnSp>
+          <p:nvCxnSpPr>
+            <p:cNvPr id="131" name="מחבר ישר 130"/>
+            <p:cNvCxnSpPr/>
+            <p:nvPr/>
+          </p:nvCxnSpPr>
+          <p:spPr>
+            <a:xfrm>
+              <a:off x="857224" y="2714620"/>
+              <a:ext cx="428628" cy="1588"/>
+            </a:xfrm>
+            <a:prstGeom prst="line">
+              <a:avLst/>
+            </a:prstGeom>
+            <a:ln w="19050">
+              <a:solidFill>
+                <a:schemeClr val="tx1"/>
+              </a:solidFill>
+              <a:tailEnd type="none"/>
+            </a:ln>
+          </p:spPr>
+          <p:style>
+            <a:lnRef idx="1">
+              <a:schemeClr val="accent1"/>
+            </a:lnRef>
+            <a:fillRef idx="0">
+              <a:schemeClr val="accent1"/>
+            </a:fillRef>
+            <a:effectRef idx="0">
+              <a:schemeClr val="accent1"/>
+            </a:effectRef>
+            <a:fontRef idx="minor">
+              <a:schemeClr val="tx1"/>
+            </a:fontRef>
+          </p:style>
+        </p:cxnSp>
+        <p:cxnSp>
+          <p:nvCxnSpPr>
+            <p:cNvPr id="132" name="מחבר ישר 131"/>
+            <p:cNvCxnSpPr/>
+            <p:nvPr/>
+          </p:nvCxnSpPr>
+          <p:spPr>
+            <a:xfrm>
+              <a:off x="857224" y="2000240"/>
+              <a:ext cx="428628" cy="1588"/>
+            </a:xfrm>
+            <a:prstGeom prst="line">
+              <a:avLst/>
+            </a:prstGeom>
+            <a:ln w="19050">
+              <a:solidFill>
+                <a:schemeClr val="tx1"/>
+              </a:solidFill>
+              <a:tailEnd type="none"/>
+            </a:ln>
+          </p:spPr>
+          <p:style>
+            <a:lnRef idx="1">
+              <a:schemeClr val="accent1"/>
+            </a:lnRef>
+            <a:fillRef idx="0">
+              <a:schemeClr val="accent1"/>
+            </a:fillRef>
+            <a:effectRef idx="0">
+              <a:schemeClr val="accent1"/>
+            </a:effectRef>
+            <a:fontRef idx="minor">
+              <a:schemeClr val="tx1"/>
+            </a:fontRef>
+          </p:style>
+        </p:cxnSp>
+        <p:cxnSp>
+          <p:nvCxnSpPr>
+            <p:cNvPr id="133" name="מחבר ישר 132"/>
+            <p:cNvCxnSpPr/>
+            <p:nvPr/>
+          </p:nvCxnSpPr>
+          <p:spPr>
+            <a:xfrm>
+              <a:off x="2643174" y="2000240"/>
+              <a:ext cx="428628" cy="1588"/>
+            </a:xfrm>
+            <a:prstGeom prst="line">
+              <a:avLst/>
+            </a:prstGeom>
+            <a:ln w="19050">
+              <a:solidFill>
+                <a:schemeClr val="tx1"/>
+              </a:solidFill>
+              <a:tailEnd type="none"/>
+            </a:ln>
+          </p:spPr>
+          <p:style>
+            <a:lnRef idx="1">
+              <a:schemeClr val="accent1"/>
+            </a:lnRef>
+            <a:fillRef idx="0">
+              <a:schemeClr val="accent1"/>
+            </a:fillRef>
+            <a:effectRef idx="0">
+              <a:schemeClr val="accent1"/>
+            </a:effectRef>
+            <a:fontRef idx="minor">
+              <a:schemeClr val="tx1"/>
+            </a:fontRef>
+          </p:style>
+        </p:cxnSp>
+        <p:sp>
+          <p:nvSpPr>
+            <p:cNvPr id="135" name="TextBox 134"/>
+            <p:cNvSpPr txBox="1"/>
+            <p:nvPr/>
+          </p:nvSpPr>
+          <p:spPr>
+            <a:xfrm>
+              <a:off x="1595417" y="2143116"/>
+              <a:ext cx="547691" cy="480132"/>
+            </a:xfrm>
+            <a:prstGeom prst="rect">
+              <a:avLst/>
+            </a:prstGeom>
+            <a:noFill/>
+          </p:spPr>
+          <p:txBody>
+            <a:bodyPr wrap="square" rtlCol="1">
+              <a:spAutoFit/>
+            </a:bodyPr>
+            <a:lstStyle/>
+            <a:p>
+              <a:r>
+                <a:rPr lang="en-US" dirty="0" smtClean="0"/>
+                <a:t>FF</a:t>
+              </a:r>
+              <a:endParaRPr lang="he-IL" dirty="0"/>
+            </a:p>
+          </p:txBody>
+        </p:sp>
+        <p:sp>
+          <p:nvSpPr>
+            <p:cNvPr id="136" name="TextBox 135"/>
+            <p:cNvSpPr txBox="1"/>
+            <p:nvPr/>
+          </p:nvSpPr>
+          <p:spPr>
+            <a:xfrm>
+              <a:off x="1318594" y="2507450"/>
+              <a:ext cx="514949" cy="320087"/>
+            </a:xfrm>
+            <a:prstGeom prst="rect">
+              <a:avLst/>
+            </a:prstGeom>
+            <a:noFill/>
+          </p:spPr>
+          <p:txBody>
+            <a:bodyPr wrap="square" rtlCol="1">
+              <a:spAutoFit/>
+            </a:bodyPr>
+            <a:lstStyle/>
+            <a:p>
+              <a:pPr algn="ctr"/>
+              <a:r>
+                <a:rPr lang="en-US" sz="1000" dirty="0" smtClean="0"/>
+                <a:t>C1</a:t>
+              </a:r>
+              <a:endParaRPr lang="he-IL" sz="1000" dirty="0"/>
+            </a:p>
+          </p:txBody>
+        </p:sp>
+        <p:sp>
+          <p:nvSpPr>
+            <p:cNvPr id="137" name="TextBox 136"/>
+            <p:cNvSpPr txBox="1"/>
+            <p:nvPr/>
+          </p:nvSpPr>
+          <p:spPr>
+            <a:xfrm>
+              <a:off x="1193578" y="1857364"/>
+              <a:ext cx="494113" cy="260071"/>
+            </a:xfrm>
+            <a:prstGeom prst="rect">
+              <a:avLst/>
+            </a:prstGeom>
+            <a:noFill/>
+          </p:spPr>
+          <p:txBody>
+            <a:bodyPr wrap="square" rtlCol="1">
+              <a:spAutoFit/>
+            </a:bodyPr>
+            <a:lstStyle/>
+            <a:p>
+              <a:pPr algn="ctr"/>
+              <a:r>
+                <a:rPr lang="en-US" sz="700" dirty="0" smtClean="0"/>
+                <a:t>1D</a:t>
+              </a:r>
+              <a:endParaRPr lang="he-IL" sz="700" dirty="0"/>
+            </a:p>
+          </p:txBody>
+        </p:sp>
+        <p:sp>
+          <p:nvSpPr>
+            <p:cNvPr id="140" name="TextBox 139"/>
+            <p:cNvSpPr txBox="1"/>
+            <p:nvPr/>
+          </p:nvSpPr>
+          <p:spPr>
+            <a:xfrm>
+              <a:off x="2357422" y="1857364"/>
+              <a:ext cx="357190" cy="246221"/>
+            </a:xfrm>
+            <a:prstGeom prst="rect">
+              <a:avLst/>
+            </a:prstGeom>
+            <a:noFill/>
+          </p:spPr>
+          <p:txBody>
+            <a:bodyPr wrap="square" rtlCol="1">
+              <a:spAutoFit/>
+            </a:bodyPr>
+            <a:lstStyle/>
+            <a:p>
+              <a:pPr algn="ctr"/>
+              <a:r>
+                <a:rPr lang="en-US" sz="1000" dirty="0" smtClean="0"/>
+                <a:t>Q</a:t>
+              </a:r>
+              <a:endParaRPr lang="he-IL" sz="1000" dirty="0"/>
+            </a:p>
+          </p:txBody>
+        </p:sp>
+      </p:grpSp>
+      <p:cxnSp>
+        <p:nvCxnSpPr>
+          <p:cNvPr id="147" name="מחבר מרפקי 146"/>
+          <p:cNvCxnSpPr/>
+          <p:nvPr/>
+        </p:nvCxnSpPr>
+        <p:spPr>
+          <a:xfrm>
+            <a:off x="4572000" y="1196752"/>
+            <a:ext cx="2304256" cy="720080"/>
+          </a:xfrm>
+          <a:prstGeom prst="bentConnector3">
+            <a:avLst>
+              <a:gd name="adj1" fmla="val 76455"/>
+            </a:avLst>
+          </a:prstGeom>
+          <a:ln w="28575">
+            <a:solidFill>
+              <a:schemeClr val="tx1"/>
+            </a:solidFill>
+            <a:tailEnd type="none"/>
+          </a:ln>
+        </p:spPr>
+        <p:style>
+          <a:lnRef idx="1">
+            <a:schemeClr val="accent1"/>
+          </a:lnRef>
+          <a:fillRef idx="0">
+            <a:schemeClr val="accent1"/>
+          </a:fillRef>
+          <a:effectRef idx="0">
+            <a:schemeClr val="accent1"/>
+          </a:effectRef>
+          <a:fontRef idx="minor">
+            <a:schemeClr val="tx1"/>
+          </a:fontRef>
+        </p:style>
+      </p:cxnSp>
+      <p:cxnSp>
+        <p:nvCxnSpPr>
+          <p:cNvPr id="151" name="Straight Connector 117"/>
+          <p:cNvCxnSpPr/>
+          <p:nvPr/>
+        </p:nvCxnSpPr>
+        <p:spPr>
+          <a:xfrm rot="5400000" flipH="1" flipV="1">
+            <a:off x="4500000" y="1124736"/>
+            <a:ext cx="144000" cy="0"/>
+          </a:xfrm>
+          <a:prstGeom prst="line">
+            <a:avLst/>
+          </a:prstGeom>
+          <a:ln w="28575">
+            <a:solidFill>
+              <a:schemeClr val="tx1"/>
+            </a:solidFill>
+            <a:tailEnd type="none"/>
+          </a:ln>
+        </p:spPr>
+        <p:style>
+          <a:lnRef idx="1">
+            <a:schemeClr val="accent1"/>
+          </a:lnRef>
+          <a:fillRef idx="0">
+            <a:schemeClr val="accent1"/>
+          </a:fillRef>
+          <a:effectRef idx="0">
+            <a:schemeClr val="accent1"/>
+          </a:effectRef>
+          <a:fontRef idx="minor">
+            <a:schemeClr val="tx1"/>
+          </a:fontRef>
+        </p:style>
+      </p:cxnSp>
+      <p:cxnSp>
+        <p:nvCxnSpPr>
+          <p:cNvPr id="159" name="מחבר מרפקי 158"/>
+          <p:cNvCxnSpPr/>
+          <p:nvPr/>
+        </p:nvCxnSpPr>
+        <p:spPr>
+          <a:xfrm rot="10800000">
+            <a:off x="6012160" y="836712"/>
+            <a:ext cx="720080" cy="531344"/>
+          </a:xfrm>
+          <a:prstGeom prst="bentConnector3">
+            <a:avLst>
+              <a:gd name="adj1" fmla="val 27072"/>
+            </a:avLst>
+          </a:prstGeom>
+          <a:ln w="28575">
+            <a:solidFill>
+              <a:schemeClr val="tx1"/>
+            </a:solidFill>
+            <a:tailEnd type="none"/>
+          </a:ln>
+        </p:spPr>
+        <p:style>
+          <a:lnRef idx="1">
+            <a:schemeClr val="accent1"/>
+          </a:lnRef>
+          <a:fillRef idx="0">
+            <a:schemeClr val="accent1"/>
+          </a:fillRef>
+          <a:effectRef idx="0">
+            <a:schemeClr val="accent1"/>
+          </a:effectRef>
+          <a:fontRef idx="minor">
+            <a:schemeClr val="tx1"/>
+          </a:fontRef>
+        </p:style>
+      </p:cxnSp>
+      <p:cxnSp>
+        <p:nvCxnSpPr>
+          <p:cNvPr id="173" name="מחבר מרפקי 172"/>
+          <p:cNvCxnSpPr/>
+          <p:nvPr/>
+        </p:nvCxnSpPr>
+        <p:spPr>
+          <a:xfrm rot="10800000">
+            <a:off x="6012160" y="576000"/>
+            <a:ext cx="2160240" cy="792088"/>
+          </a:xfrm>
+          <a:prstGeom prst="bentConnector3">
+            <a:avLst>
+              <a:gd name="adj1" fmla="val 29"/>
+            </a:avLst>
+          </a:prstGeom>
+          <a:ln w="28575">
+            <a:solidFill>
+              <a:schemeClr val="tx1"/>
+            </a:solidFill>
+            <a:tailEnd type="arrow"/>
+          </a:ln>
+        </p:spPr>
+        <p:style>
+          <a:lnRef idx="1">
+            <a:schemeClr val="accent1"/>
+          </a:lnRef>
+          <a:fillRef idx="0">
+            <a:schemeClr val="accent1"/>
+          </a:fillRef>
+          <a:effectRef idx="0">
+            <a:schemeClr val="accent1"/>
+          </a:effectRef>
+          <a:fontRef idx="minor">
+            <a:schemeClr val="tx1"/>
+          </a:fontRef>
+        </p:style>
+      </p:cxnSp>
     </p:spTree>
   </p:cSld>
   <p:clrMapOvr>
@@ -18372,7 +18636,6 @@
                 <a:rPr lang="en-US" sz="1200" dirty="0" smtClean="0"/>
                 <a:t>Data in WC</a:t>
               </a:r>
-              <a:endParaRPr lang="en-US" sz="1200" dirty="0" smtClean="0"/>
             </a:p>
             <a:p>
               <a:pPr algn="ctr"/>
@@ -18458,7 +18721,6 @@
                 <a:rPr lang="en-US" sz="1200" dirty="0" smtClean="0"/>
                 <a:t>Generics</a:t>
               </a:r>
-              <a:endParaRPr lang="en-US" sz="1200" dirty="0" smtClean="0"/>
             </a:p>
             <a:p>
               <a:pPr algn="ctr"/>
@@ -18864,7 +19126,6 @@
                 <a:rPr lang="en-US" sz="1200" dirty="0" smtClean="0"/>
                 <a:t>Data in RAM</a:t>
               </a:r>
-              <a:endParaRPr lang="en-US" sz="1200" dirty="0" smtClean="0"/>
             </a:p>
           </p:txBody>
         </p:sp>
@@ -18950,7 +19211,6 @@
                 <a:rPr lang="en-US" sz="1200" dirty="0" smtClean="0"/>
                 <a:t> in</a:t>
               </a:r>
-              <a:endParaRPr lang="en-US" sz="1200" dirty="0" smtClean="0"/>
             </a:p>
           </p:txBody>
         </p:sp>
@@ -19036,7 +19296,6 @@
                 <a:rPr lang="en-US" sz="1200" dirty="0" smtClean="0"/>
                 <a:t> valid</a:t>
               </a:r>
-              <a:endParaRPr lang="en-US" sz="1200" dirty="0" smtClean="0"/>
             </a:p>
           </p:txBody>
         </p:sp>
@@ -19118,7 +19377,6 @@
                 <a:rPr lang="en-US" sz="1200" dirty="0" smtClean="0"/>
                 <a:t>Trigger found</a:t>
               </a:r>
-              <a:endParaRPr lang="en-US" sz="1200" dirty="0" smtClean="0"/>
             </a:p>
           </p:txBody>
         </p:sp>
